--- a/Effect of Educational Attainment on per Capita Growth by State.pptx
+++ b/Effect of Educational Attainment on per Capita Growth by State.pptx
@@ -10406,13 +10406,93 @@
                 <a:spcPts val="0"/>
               </a:spcBef>
               <a:spcAft>
-                <a:spcPts val="1200"/>
+                <a:spcPts val="0"/>
               </a:spcAft>
               <a:buNone/>
             </a:pPr>
             <a:r>
               <a:rPr lang="en"/>
-              <a:t>Types of education levels/categories</a:t>
+              <a:t>Finding Key Features was the first step:</a:t>
+            </a:r>
+            <a:endParaRPr/>
+          </a:p>
+          <a:p>
+            <a:pPr indent="0" lvl="0" marL="0" rtl="0" algn="l">
+              <a:spcBef>
+                <a:spcPts val="1200"/>
+              </a:spcBef>
+              <a:spcAft>
+                <a:spcPts val="0"/>
+              </a:spcAft>
+              <a:buNone/>
+            </a:pPr>
+            <a:r>
+              <a:rPr lang="en"/>
+              <a:t>Education Levels:</a:t>
+            </a:r>
+            <a:endParaRPr/>
+          </a:p>
+          <a:p>
+            <a:pPr indent="457200" lvl="0" marL="0" rtl="0" algn="l">
+              <a:spcBef>
+                <a:spcPts val="1200"/>
+              </a:spcBef>
+              <a:spcAft>
+                <a:spcPts val="0"/>
+              </a:spcAft>
+              <a:buNone/>
+            </a:pPr>
+            <a:r>
+              <a:rPr lang="en"/>
+              <a:t>- Less than 9th grade	-9th to 12th grade 		- High School 	-Some College</a:t>
+            </a:r>
+            <a:endParaRPr/>
+          </a:p>
+          <a:p>
+            <a:pPr indent="457200" lvl="0" marL="0" rtl="0" algn="l">
+              <a:spcBef>
+                <a:spcPts val="1200"/>
+              </a:spcBef>
+              <a:spcAft>
+                <a:spcPts val="0"/>
+              </a:spcAft>
+              <a:buNone/>
+            </a:pPr>
+            <a:r>
+              <a:rPr lang="en"/>
+              <a:t>-Associate’s Degree	-Bachelor’s Degree	- Graduate Degree</a:t>
+            </a:r>
+            <a:endParaRPr/>
+          </a:p>
+          <a:p>
+            <a:pPr indent="0" lvl="0" marL="0" rtl="0" algn="l">
+              <a:spcBef>
+                <a:spcPts val="1200"/>
+              </a:spcBef>
+              <a:spcAft>
+                <a:spcPts val="0"/>
+              </a:spcAft>
+              <a:buNone/>
+            </a:pPr>
+            <a:r>
+              <a:rPr lang="en"/>
+              <a:t>Dependent Variable/Target/ ?</a:t>
+            </a:r>
+            <a:endParaRPr/>
+          </a:p>
+          <a:p>
+            <a:pPr indent="0" lvl="0" marL="0" rtl="0" algn="l">
+              <a:spcBef>
+                <a:spcPts val="1200"/>
+              </a:spcBef>
+              <a:spcAft>
+                <a:spcPts val="1200"/>
+              </a:spcAft>
+              <a:buNone/>
+            </a:pPr>
+            <a:r>
+              <a:rPr lang="en"/>
+              <a:t>	-Per Capita Income</a:t>
             </a:r>
             <a:endParaRPr/>
           </a:p>
@@ -10671,6 +10751,285 @@
 </file>
 
 <file path=ppt/theme/theme1.xml><?xml version="1.0" encoding="utf-8"?>
+<a:theme xmlns:a="http://schemas.openxmlformats.org/drawingml/2006/main" xmlns:r="http://schemas.openxmlformats.org/officeDocument/2006/relationships">
+  <a:themeElements>
+    <a:clrScheme name="Default">
+      <a:dk1>
+        <a:srgbClr val="000000"/>
+      </a:dk1>
+      <a:lt1>
+        <a:srgbClr val="FFFFFF"/>
+      </a:lt1>
+      <a:dk2>
+        <a:srgbClr val="158158"/>
+      </a:dk2>
+      <a:lt2>
+        <a:srgbClr val="F3F3F3"/>
+      </a:lt2>
+      <a:accent1>
+        <a:srgbClr val="058DC7"/>
+      </a:accent1>
+      <a:accent2>
+        <a:srgbClr val="50B432"/>
+      </a:accent2>
+      <a:accent3>
+        <a:srgbClr val="ED561B"/>
+      </a:accent3>
+      <a:accent4>
+        <a:srgbClr val="EDEF00"/>
+      </a:accent4>
+      <a:accent5>
+        <a:srgbClr val="24CBE5"/>
+      </a:accent5>
+      <a:accent6>
+        <a:srgbClr val="64E572"/>
+      </a:accent6>
+      <a:hlink>
+        <a:srgbClr val="2200CC"/>
+      </a:hlink>
+      <a:folHlink>
+        <a:srgbClr val="551A8B"/>
+      </a:folHlink>
+    </a:clrScheme>
+    <a:fontScheme name="Office">
+      <a:majorFont>
+        <a:latin typeface="Arial"/>
+        <a:ea typeface=""/>
+        <a:cs typeface=""/>
+        <a:font script="Jpan" typeface="ＭＳ Ｐゴシック"/>
+        <a:font script="Hang" typeface="맑은 고딕"/>
+        <a:font script="Hans" typeface="宋体"/>
+        <a:font script="Hant" typeface="新細明體"/>
+        <a:font script="Arab" typeface="Times New Roman"/>
+        <a:font script="Hebr" typeface="Times New Roman"/>
+        <a:font script="Thai" typeface="Angsana New"/>
+        <a:font script="Ethi" typeface="Nyala"/>
+        <a:font script="Beng" typeface="Vrinda"/>
+        <a:font script="Gujr" typeface="Shruti"/>
+        <a:font script="Khmr" typeface="MoolBoran"/>
+        <a:font script="Knda" typeface="Tunga"/>
+        <a:font script="Guru" typeface="Raavi"/>
+        <a:font script="Cans" typeface="Euphemia"/>
+        <a:font script="Cher" typeface="Plantagenet Cherokee"/>
+        <a:font script="Yiii" typeface="Microsoft Yi Baiti"/>
+        <a:font script="Tibt" typeface="Microsoft Himalaya"/>
+        <a:font script="Thaa" typeface="MV Boli"/>
+        <a:font script="Deva" typeface="Mangal"/>
+        <a:font script="Telu" typeface="Gautami"/>
+        <a:font script="Taml" typeface="Latha"/>
+        <a:font script="Syrc" typeface="Estrangelo Edessa"/>
+        <a:font script="Orya" typeface="Kalinga"/>
+        <a:font script="Mlym" typeface="Kartika"/>
+        <a:font script="Laoo" typeface="DokChampa"/>
+        <a:font script="Sinh" typeface="Iskoola Pota"/>
+        <a:font script="Mong" typeface="Mongolian Baiti"/>
+        <a:font script="Viet" typeface="Times New Roman"/>
+        <a:font script="Uigh" typeface="Microsoft Uighur"/>
+        <a:font script="Geor" typeface="Sylfaen"/>
+      </a:majorFont>
+      <a:minorFont>
+        <a:latin typeface="Arial"/>
+        <a:ea typeface=""/>
+        <a:cs typeface=""/>
+        <a:font script="Jpan" typeface="ＭＳ Ｐゴシック"/>
+        <a:font script="Hang" typeface="맑은 고딕"/>
+        <a:font script="Hans" typeface="宋体"/>
+        <a:font script="Hant" typeface="新細明體"/>
+        <a:font script="Arab" typeface="Arial"/>
+        <a:font script="Hebr" typeface="Arial"/>
+        <a:font script="Thai" typeface="Cordia New"/>
+        <a:font script="Ethi" typeface="Nyala"/>
+        <a:font script="Beng" typeface="Vrinda"/>
+        <a:font script="Gujr" typeface="Shruti"/>
+        <a:font script="Khmr" typeface="DaunPenh"/>
+        <a:font script="Knda" typeface="Tunga"/>
+        <a:font script="Guru" typeface="Raavi"/>
+        <a:font script="Cans" typeface="Euphemia"/>
+        <a:font script="Cher" typeface="Plantagenet Cherokee"/>
+        <a:font script="Yiii" typeface="Microsoft Yi Baiti"/>
+        <a:font script="Tibt" typeface="Microsoft Himalaya"/>
+        <a:font script="Thaa" typeface="MV Boli"/>
+        <a:font script="Deva" typeface="Mangal"/>
+        <a:font script="Telu" typeface="Gautami"/>
+        <a:font script="Taml" typeface="Latha"/>
+        <a:font script="Syrc" typeface="Estrangelo Edessa"/>
+        <a:font script="Orya" typeface="Kalinga"/>
+        <a:font script="Mlym" typeface="Kartika"/>
+        <a:font script="Laoo" typeface="DokChampa"/>
+        <a:font script="Sinh" typeface="Iskoola Pota"/>
+        <a:font script="Mong" typeface="Mongolian Baiti"/>
+        <a:font script="Viet" typeface="Arial"/>
+        <a:font script="Uigh" typeface="Microsoft Uighur"/>
+        <a:font script="Geor" typeface="Sylfaen"/>
+      </a:minorFont>
+    </a:fontScheme>
+    <a:fmtScheme name="Office">
+      <a:fillStyleLst>
+        <a:solidFill>
+          <a:schemeClr val="phClr"/>
+        </a:solidFill>
+        <a:gradFill rotWithShape="1">
+          <a:gsLst>
+            <a:gs pos="0">
+              <a:schemeClr val="phClr">
+                <a:tint val="50000"/>
+                <a:satMod val="300000"/>
+              </a:schemeClr>
+            </a:gs>
+            <a:gs pos="35000">
+              <a:schemeClr val="phClr">
+                <a:tint val="37000"/>
+                <a:satMod val="300000"/>
+              </a:schemeClr>
+            </a:gs>
+            <a:gs pos="100000">
+              <a:schemeClr val="phClr">
+                <a:tint val="15000"/>
+                <a:satMod val="350000"/>
+              </a:schemeClr>
+            </a:gs>
+          </a:gsLst>
+          <a:lin ang="16200000" scaled="1"/>
+        </a:gradFill>
+        <a:gradFill rotWithShape="1">
+          <a:gsLst>
+            <a:gs pos="0">
+              <a:schemeClr val="phClr">
+                <a:tint val="100000"/>
+                <a:shade val="100000"/>
+                <a:satMod val="130000"/>
+              </a:schemeClr>
+            </a:gs>
+            <a:gs pos="100000">
+              <a:schemeClr val="phClr">
+                <a:tint val="50000"/>
+                <a:shade val="100000"/>
+                <a:satMod val="350000"/>
+              </a:schemeClr>
+            </a:gs>
+          </a:gsLst>
+          <a:lin ang="16200000" scaled="0"/>
+        </a:gradFill>
+      </a:fillStyleLst>
+      <a:lnStyleLst>
+        <a:ln w="9525" cap="flat" cmpd="sng" algn="ctr">
+          <a:solidFill>
+            <a:schemeClr val="phClr">
+              <a:shade val="95000"/>
+              <a:satMod val="105000"/>
+            </a:schemeClr>
+          </a:solidFill>
+          <a:prstDash val="solid"/>
+        </a:ln>
+        <a:ln w="25400" cap="flat" cmpd="sng" algn="ctr">
+          <a:solidFill>
+            <a:schemeClr val="phClr"/>
+          </a:solidFill>
+          <a:prstDash val="solid"/>
+        </a:ln>
+        <a:ln w="38100" cap="flat" cmpd="sng" algn="ctr">
+          <a:solidFill>
+            <a:schemeClr val="phClr"/>
+          </a:solidFill>
+          <a:prstDash val="solid"/>
+        </a:ln>
+      </a:lnStyleLst>
+      <a:effectStyleLst>
+        <a:effectStyle>
+          <a:effectLst>
+            <a:outerShdw blurRad="40000" dist="20000" dir="5400000" rotWithShape="0">
+              <a:srgbClr val="000000">
+                <a:alpha val="38000"/>
+              </a:srgbClr>
+            </a:outerShdw>
+          </a:effectLst>
+        </a:effectStyle>
+        <a:effectStyle>
+          <a:effectLst>
+            <a:outerShdw blurRad="40000" dist="23000" dir="5400000" rotWithShape="0">
+              <a:srgbClr val="000000">
+                <a:alpha val="35000"/>
+              </a:srgbClr>
+            </a:outerShdw>
+          </a:effectLst>
+        </a:effectStyle>
+        <a:effectStyle>
+          <a:effectLst>
+            <a:outerShdw blurRad="40000" dist="23000" dir="5400000" rotWithShape="0">
+              <a:srgbClr val="000000">
+                <a:alpha val="35000"/>
+              </a:srgbClr>
+            </a:outerShdw>
+          </a:effectLst>
+          <a:scene3d>
+            <a:camera prst="orthographicFront">
+              <a:rot lat="0" lon="0" rev="0"/>
+            </a:camera>
+            <a:lightRig rig="threePt" dir="t">
+              <a:rot lat="0" lon="0" rev="1200000"/>
+            </a:lightRig>
+          </a:scene3d>
+          <a:sp3d>
+            <a:bevelT w="63500" h="25400"/>
+          </a:sp3d>
+        </a:effectStyle>
+      </a:effectStyleLst>
+      <a:bgFillStyleLst>
+        <a:solidFill>
+          <a:schemeClr val="phClr"/>
+        </a:solidFill>
+        <a:gradFill rotWithShape="1">
+          <a:gsLst>
+            <a:gs pos="0">
+              <a:schemeClr val="phClr">
+                <a:tint val="40000"/>
+                <a:satMod val="350000"/>
+              </a:schemeClr>
+            </a:gs>
+            <a:gs pos="40000">
+              <a:schemeClr val="phClr">
+                <a:tint val="45000"/>
+                <a:shade val="99000"/>
+                <a:satMod val="350000"/>
+              </a:schemeClr>
+            </a:gs>
+            <a:gs pos="100000">
+              <a:schemeClr val="phClr">
+                <a:shade val="20000"/>
+                <a:satMod val="255000"/>
+              </a:schemeClr>
+            </a:gs>
+          </a:gsLst>
+          <a:path path="circle">
+            <a:fillToRect l="50000" t="-80000" r="50000" b="180000"/>
+          </a:path>
+        </a:gradFill>
+        <a:gradFill rotWithShape="1">
+          <a:gsLst>
+            <a:gs pos="0">
+              <a:schemeClr val="phClr">
+                <a:tint val="80000"/>
+                <a:satMod val="300000"/>
+              </a:schemeClr>
+            </a:gs>
+            <a:gs pos="100000">
+              <a:schemeClr val="phClr">
+                <a:shade val="30000"/>
+                <a:satMod val="200000"/>
+              </a:schemeClr>
+            </a:gs>
+          </a:gsLst>
+          <a:path path="circle">
+            <a:fillToRect l="50000" t="50000" r="50000" b="50000"/>
+          </a:path>
+        </a:gradFill>
+      </a:bgFillStyleLst>
+    </a:fmtScheme>
+  </a:themeElements>
+</a:theme>
+</file>
+
+<file path=ppt/theme/theme2.xml><?xml version="1.0" encoding="utf-8"?>
 <a:theme xmlns:a="http://schemas.openxmlformats.org/drawingml/2006/main" xmlns:r="http://schemas.openxmlformats.org/officeDocument/2006/relationships" name="Focus">
   <a:themeElements>
     <a:clrScheme name="Focus">
@@ -10947,283 +11306,4 @@
     </a:fmtScheme>
   </a:themeElements>
 </a:theme>
-</file>
-
-<file path=ppt/theme/theme2.xml><?xml version="1.0" encoding="utf-8"?>
-<a:theme xmlns:a="http://schemas.openxmlformats.org/drawingml/2006/main" xmlns:r="http://schemas.openxmlformats.org/officeDocument/2006/relationships">
-  <a:themeElements>
-    <a:clrScheme name="Default">
-      <a:dk1>
-        <a:srgbClr val="000000"/>
-      </a:dk1>
-      <a:lt1>
-        <a:srgbClr val="FFFFFF"/>
-      </a:lt1>
-      <a:dk2>
-        <a:srgbClr val="158158"/>
-      </a:dk2>
-      <a:lt2>
-        <a:srgbClr val="F3F3F3"/>
-      </a:lt2>
-      <a:accent1>
-        <a:srgbClr val="058DC7"/>
-      </a:accent1>
-      <a:accent2>
-        <a:srgbClr val="50B432"/>
-      </a:accent2>
-      <a:accent3>
-        <a:srgbClr val="ED561B"/>
-      </a:accent3>
-      <a:accent4>
-        <a:srgbClr val="EDEF00"/>
-      </a:accent4>
-      <a:accent5>
-        <a:srgbClr val="24CBE5"/>
-      </a:accent5>
-      <a:accent6>
-        <a:srgbClr val="64E572"/>
-      </a:accent6>
-      <a:hlink>
-        <a:srgbClr val="2200CC"/>
-      </a:hlink>
-      <a:folHlink>
-        <a:srgbClr val="551A8B"/>
-      </a:folHlink>
-    </a:clrScheme>
-    <a:fontScheme name="Office">
-      <a:majorFont>
-        <a:latin typeface="Arial"/>
-        <a:ea typeface=""/>
-        <a:cs typeface=""/>
-        <a:font script="Jpan" typeface="ＭＳ Ｐゴシック"/>
-        <a:font script="Hang" typeface="맑은 고딕"/>
-        <a:font script="Hans" typeface="宋体"/>
-        <a:font script="Hant" typeface="新細明體"/>
-        <a:font script="Arab" typeface="Times New Roman"/>
-        <a:font script="Hebr" typeface="Times New Roman"/>
-        <a:font script="Thai" typeface="Angsana New"/>
-        <a:font script="Ethi" typeface="Nyala"/>
-        <a:font script="Beng" typeface="Vrinda"/>
-        <a:font script="Gujr" typeface="Shruti"/>
-        <a:font script="Khmr" typeface="MoolBoran"/>
-        <a:font script="Knda" typeface="Tunga"/>
-        <a:font script="Guru" typeface="Raavi"/>
-        <a:font script="Cans" typeface="Euphemia"/>
-        <a:font script="Cher" typeface="Plantagenet Cherokee"/>
-        <a:font script="Yiii" typeface="Microsoft Yi Baiti"/>
-        <a:font script="Tibt" typeface="Microsoft Himalaya"/>
-        <a:font script="Thaa" typeface="MV Boli"/>
-        <a:font script="Deva" typeface="Mangal"/>
-        <a:font script="Telu" typeface="Gautami"/>
-        <a:font script="Taml" typeface="Latha"/>
-        <a:font script="Syrc" typeface="Estrangelo Edessa"/>
-        <a:font script="Orya" typeface="Kalinga"/>
-        <a:font script="Mlym" typeface="Kartika"/>
-        <a:font script="Laoo" typeface="DokChampa"/>
-        <a:font script="Sinh" typeface="Iskoola Pota"/>
-        <a:font script="Mong" typeface="Mongolian Baiti"/>
-        <a:font script="Viet" typeface="Times New Roman"/>
-        <a:font script="Uigh" typeface="Microsoft Uighur"/>
-        <a:font script="Geor" typeface="Sylfaen"/>
-      </a:majorFont>
-      <a:minorFont>
-        <a:latin typeface="Arial"/>
-        <a:ea typeface=""/>
-        <a:cs typeface=""/>
-        <a:font script="Jpan" typeface="ＭＳ Ｐゴシック"/>
-        <a:font script="Hang" typeface="맑은 고딕"/>
-        <a:font script="Hans" typeface="宋体"/>
-        <a:font script="Hant" typeface="新細明體"/>
-        <a:font script="Arab" typeface="Arial"/>
-        <a:font script="Hebr" typeface="Arial"/>
-        <a:font script="Thai" typeface="Cordia New"/>
-        <a:font script="Ethi" typeface="Nyala"/>
-        <a:font script="Beng" typeface="Vrinda"/>
-        <a:font script="Gujr" typeface="Shruti"/>
-        <a:font script="Khmr" typeface="DaunPenh"/>
-        <a:font script="Knda" typeface="Tunga"/>
-        <a:font script="Guru" typeface="Raavi"/>
-        <a:font script="Cans" typeface="Euphemia"/>
-        <a:font script="Cher" typeface="Plantagenet Cherokee"/>
-        <a:font script="Yiii" typeface="Microsoft Yi Baiti"/>
-        <a:font script="Tibt" typeface="Microsoft Himalaya"/>
-        <a:font script="Thaa" typeface="MV Boli"/>
-        <a:font script="Deva" typeface="Mangal"/>
-        <a:font script="Telu" typeface="Gautami"/>
-        <a:font script="Taml" typeface="Latha"/>
-        <a:font script="Syrc" typeface="Estrangelo Edessa"/>
-        <a:font script="Orya" typeface="Kalinga"/>
-        <a:font script="Mlym" typeface="Kartika"/>
-        <a:font script="Laoo" typeface="DokChampa"/>
-        <a:font script="Sinh" typeface="Iskoola Pota"/>
-        <a:font script="Mong" typeface="Mongolian Baiti"/>
-        <a:font script="Viet" typeface="Arial"/>
-        <a:font script="Uigh" typeface="Microsoft Uighur"/>
-        <a:font script="Geor" typeface="Sylfaen"/>
-      </a:minorFont>
-    </a:fontScheme>
-    <a:fmtScheme name="Office">
-      <a:fillStyleLst>
-        <a:solidFill>
-          <a:schemeClr val="phClr"/>
-        </a:solidFill>
-        <a:gradFill rotWithShape="1">
-          <a:gsLst>
-            <a:gs pos="0">
-              <a:schemeClr val="phClr">
-                <a:tint val="50000"/>
-                <a:satMod val="300000"/>
-              </a:schemeClr>
-            </a:gs>
-            <a:gs pos="35000">
-              <a:schemeClr val="phClr">
-                <a:tint val="37000"/>
-                <a:satMod val="300000"/>
-              </a:schemeClr>
-            </a:gs>
-            <a:gs pos="100000">
-              <a:schemeClr val="phClr">
-                <a:tint val="15000"/>
-                <a:satMod val="350000"/>
-              </a:schemeClr>
-            </a:gs>
-          </a:gsLst>
-          <a:lin ang="16200000" scaled="1"/>
-        </a:gradFill>
-        <a:gradFill rotWithShape="1">
-          <a:gsLst>
-            <a:gs pos="0">
-              <a:schemeClr val="phClr">
-                <a:tint val="100000"/>
-                <a:shade val="100000"/>
-                <a:satMod val="130000"/>
-              </a:schemeClr>
-            </a:gs>
-            <a:gs pos="100000">
-              <a:schemeClr val="phClr">
-                <a:tint val="50000"/>
-                <a:shade val="100000"/>
-                <a:satMod val="350000"/>
-              </a:schemeClr>
-            </a:gs>
-          </a:gsLst>
-          <a:lin ang="16200000" scaled="0"/>
-        </a:gradFill>
-      </a:fillStyleLst>
-      <a:lnStyleLst>
-        <a:ln w="9525" cap="flat" cmpd="sng" algn="ctr">
-          <a:solidFill>
-            <a:schemeClr val="phClr">
-              <a:shade val="95000"/>
-              <a:satMod val="105000"/>
-            </a:schemeClr>
-          </a:solidFill>
-          <a:prstDash val="solid"/>
-        </a:ln>
-        <a:ln w="25400" cap="flat" cmpd="sng" algn="ctr">
-          <a:solidFill>
-            <a:schemeClr val="phClr"/>
-          </a:solidFill>
-          <a:prstDash val="solid"/>
-        </a:ln>
-        <a:ln w="38100" cap="flat" cmpd="sng" algn="ctr">
-          <a:solidFill>
-            <a:schemeClr val="phClr"/>
-          </a:solidFill>
-          <a:prstDash val="solid"/>
-        </a:ln>
-      </a:lnStyleLst>
-      <a:effectStyleLst>
-        <a:effectStyle>
-          <a:effectLst>
-            <a:outerShdw blurRad="40000" dist="20000" dir="5400000" rotWithShape="0">
-              <a:srgbClr val="000000">
-                <a:alpha val="38000"/>
-              </a:srgbClr>
-            </a:outerShdw>
-          </a:effectLst>
-        </a:effectStyle>
-        <a:effectStyle>
-          <a:effectLst>
-            <a:outerShdw blurRad="40000" dist="23000" dir="5400000" rotWithShape="0">
-              <a:srgbClr val="000000">
-                <a:alpha val="35000"/>
-              </a:srgbClr>
-            </a:outerShdw>
-          </a:effectLst>
-        </a:effectStyle>
-        <a:effectStyle>
-          <a:effectLst>
-            <a:outerShdw blurRad="40000" dist="23000" dir="5400000" rotWithShape="0">
-              <a:srgbClr val="000000">
-                <a:alpha val="35000"/>
-              </a:srgbClr>
-            </a:outerShdw>
-          </a:effectLst>
-          <a:scene3d>
-            <a:camera prst="orthographicFront">
-              <a:rot lat="0" lon="0" rev="0"/>
-            </a:camera>
-            <a:lightRig rig="threePt" dir="t">
-              <a:rot lat="0" lon="0" rev="1200000"/>
-            </a:lightRig>
-          </a:scene3d>
-          <a:sp3d>
-            <a:bevelT w="63500" h="25400"/>
-          </a:sp3d>
-        </a:effectStyle>
-      </a:effectStyleLst>
-      <a:bgFillStyleLst>
-        <a:solidFill>
-          <a:schemeClr val="phClr"/>
-        </a:solidFill>
-        <a:gradFill rotWithShape="1">
-          <a:gsLst>
-            <a:gs pos="0">
-              <a:schemeClr val="phClr">
-                <a:tint val="40000"/>
-                <a:satMod val="350000"/>
-              </a:schemeClr>
-            </a:gs>
-            <a:gs pos="40000">
-              <a:schemeClr val="phClr">
-                <a:tint val="45000"/>
-                <a:shade val="99000"/>
-                <a:satMod val="350000"/>
-              </a:schemeClr>
-            </a:gs>
-            <a:gs pos="100000">
-              <a:schemeClr val="phClr">
-                <a:shade val="20000"/>
-                <a:satMod val="255000"/>
-              </a:schemeClr>
-            </a:gs>
-          </a:gsLst>
-          <a:path path="circle">
-            <a:fillToRect l="50000" t="-80000" r="50000" b="180000"/>
-          </a:path>
-        </a:gradFill>
-        <a:gradFill rotWithShape="1">
-          <a:gsLst>
-            <a:gs pos="0">
-              <a:schemeClr val="phClr">
-                <a:tint val="80000"/>
-                <a:satMod val="300000"/>
-              </a:schemeClr>
-            </a:gs>
-            <a:gs pos="100000">
-              <a:schemeClr val="phClr">
-                <a:shade val="30000"/>
-                <a:satMod val="200000"/>
-              </a:schemeClr>
-            </a:gs>
-          </a:gsLst>
-          <a:path path="circle">
-            <a:fillToRect l="50000" t="50000" r="50000" b="50000"/>
-          </a:path>
-        </a:gradFill>
-      </a:bgFillStyleLst>
-    </a:fmtScheme>
-  </a:themeElements>
-</a:theme>
 </file>
--- a/Effect of Educational Attainment on per Capita Growth by State.pptx
+++ b/Effect of Educational Attainment on per Capita Growth by State.pptx
@@ -15,23 +15,24 @@
     <p:sldId id="260" r:id="rId10"/>
     <p:sldId id="261" r:id="rId11"/>
     <p:sldId id="262" r:id="rId12"/>
+    <p:sldId id="263" r:id="rId13"/>
   </p:sldIdLst>
   <p:sldSz cy="5143500" cx="9144000"/>
   <p:notesSz cx="6858000" cy="9144000"/>
   <p:embeddedFontLst>
     <p:embeddedFont>
       <p:font typeface="Montserrat"/>
-      <p:regular r:id="rId13"/>
-      <p:bold r:id="rId14"/>
-      <p:italic r:id="rId15"/>
-      <p:boldItalic r:id="rId16"/>
+      <p:regular r:id="rId14"/>
+      <p:bold r:id="rId15"/>
+      <p:italic r:id="rId16"/>
+      <p:boldItalic r:id="rId17"/>
     </p:embeddedFont>
     <p:embeddedFont>
       <p:font typeface="Lato"/>
-      <p:regular r:id="rId17"/>
-      <p:bold r:id="rId18"/>
-      <p:italic r:id="rId19"/>
-      <p:boldItalic r:id="rId20"/>
+      <p:regular r:id="rId18"/>
+      <p:bold r:id="rId19"/>
+      <p:italic r:id="rId20"/>
+      <p:boldItalic r:id="rId21"/>
     </p:embeddedFont>
   </p:embeddedFontLst>
   <p:defaultTextStyle>
@@ -1357,6 +1358,105 @@
       <p:sp>
         <p:nvSpPr>
           <p:cNvPr id="168" name="Google Shape;168;g1153f00578a_0_161:notes"/>
+          <p:cNvSpPr txBox="1"/>
+          <p:nvPr>
+            <p:ph idx="1" type="body"/>
+          </p:nvPr>
+        </p:nvSpPr>
+        <p:spPr>
+          <a:xfrm>
+            <a:off x="685800" y="4343400"/>
+            <a:ext cx="5486400" cy="4114800"/>
+          </a:xfrm>
+          <a:prstGeom prst="rect">
+            <a:avLst/>
+          </a:prstGeom>
+        </p:spPr>
+        <p:txBody>
+          <a:bodyPr anchorCtr="0" anchor="t" bIns="91425" lIns="91425" spcFirstLastPara="1" rIns="91425" wrap="square" tIns="91425">
+            <a:noAutofit/>
+          </a:bodyPr>
+          <a:lstStyle/>
+          <a:p>
+            <a:pPr indent="0" lvl="0" marL="0" rtl="0" algn="l">
+              <a:spcBef>
+                <a:spcPts val="0"/>
+              </a:spcBef>
+              <a:spcAft>
+                <a:spcPts val="0"/>
+              </a:spcAft>
+              <a:buNone/>
+            </a:pPr>
+            <a:r>
+              <a:t/>
+            </a:r>
+            <a:endParaRPr/>
+          </a:p>
+        </p:txBody>
+      </p:sp>
+    </p:spTree>
+  </p:cSld>
+  <p:clrMapOvr>
+    <a:masterClrMapping/>
+  </p:clrMapOvr>
+</p:notes>
+</file>
+
+<file path=ppt/notesSlides/notesSlide8.xml><?xml version="1.0" encoding="utf-8"?>
+<p:notes xmlns:a="http://schemas.openxmlformats.org/drawingml/2006/main" xmlns:r="http://schemas.openxmlformats.org/officeDocument/2006/relationships" xmlns:mc="http://schemas.openxmlformats.org/markup-compatibility/2006" xmlns:mv="urn:schemas-microsoft-com:mac:vml" xmlns:p="http://schemas.openxmlformats.org/presentationml/2006/main" xmlns:c="http://schemas.openxmlformats.org/drawingml/2006/chart" xmlns:dgm="http://schemas.openxmlformats.org/drawingml/2006/diagram" xmlns:o="urn:schemas-microsoft-com:office:office" xmlns:v="urn:schemas-microsoft-com:vml" xmlns:pvml="urn:schemas-microsoft-com:office:powerpoint" xmlns:com="http://schemas.openxmlformats.org/drawingml/2006/compatibility" xmlns:p14="http://schemas.microsoft.com/office/powerpoint/2010/main" xmlns:p15="http://schemas.microsoft.com/office/powerpoint/2012/main" xmlns:ahyp="http://schemas.microsoft.com/office/drawing/2018/hyperlinkcolor" showMasterPhAnim="0" showMasterSp="0">
+  <p:cSld>
+    <p:spTree>
+      <p:nvGrpSpPr>
+        <p:cNvPr id="172" name="Shape 172"/>
+        <p:cNvGrpSpPr/>
+        <p:nvPr/>
+      </p:nvGrpSpPr>
+      <p:grpSpPr>
+        <a:xfrm>
+          <a:off x="0" y="0"/>
+          <a:ext cx="0" cy="0"/>
+          <a:chOff x="0" y="0"/>
+          <a:chExt cx="0" cy="0"/>
+        </a:xfrm>
+      </p:grpSpPr>
+      <p:sp>
+        <p:nvSpPr>
+          <p:cNvPr id="173" name="Google Shape;173;g116099cb52e_0_0:notes"/>
+          <p:cNvSpPr/>
+          <p:nvPr>
+            <p:ph idx="2" type="sldImg"/>
+          </p:nvPr>
+        </p:nvSpPr>
+        <p:spPr>
+          <a:xfrm>
+            <a:off x="381300" y="685800"/>
+            <a:ext cx="6096000" cy="3429000"/>
+          </a:xfrm>
+          <a:custGeom>
+            <a:rect b="b" l="l" r="r" t="t"/>
+            <a:pathLst>
+              <a:path extrusionOk="0" h="120000" w="120000">
+                <a:moveTo>
+                  <a:pt x="0" y="0"/>
+                </a:moveTo>
+                <a:lnTo>
+                  <a:pt x="120000" y="0"/>
+                </a:lnTo>
+                <a:lnTo>
+                  <a:pt x="120000" y="120000"/>
+                </a:lnTo>
+                <a:lnTo>
+                  <a:pt x="0" y="120000"/>
+                </a:lnTo>
+                <a:close/>
+              </a:path>
+            </a:pathLst>
+          </a:custGeom>
+        </p:spPr>
+      </p:sp>
+      <p:sp>
+        <p:nvSpPr>
+          <p:cNvPr id="174" name="Google Shape;174;g116099cb52e_0_0:notes"/>
           <p:cNvSpPr txBox="1"/>
           <p:nvPr>
             <p:ph idx="1" type="body"/>
@@ -10476,7 +10576,7 @@
             </a:pPr>
             <a:r>
               <a:rPr lang="en"/>
-              <a:t>Dependent Variable/Target/ ?</a:t>
+              <a:t>Dependent Variable/Target/ ?DRAFT</a:t>
             </a:r>
             <a:endParaRPr/>
           </a:p>
@@ -10557,7 +10657,7 @@
             </a:pPr>
             <a:r>
               <a:rPr lang="en"/>
-              <a:t>Data Exploration</a:t>
+              <a:t>Data Exploration DRAFT</a:t>
             </a:r>
             <a:endParaRPr/>
           </a:p>
@@ -10597,11 +10697,95 @@
             </a:pPr>
             <a:r>
               <a:rPr lang="en"/>
-              <a:t>Clean up process, data used in </a:t>
+              <a:t>Pulling all data deemed necessary to CSV file</a:t>
+            </a:r>
+            <a:endParaRPr/>
+          </a:p>
+          <a:p>
+            <a:pPr indent="0" lvl="0" marL="0" rtl="0" algn="l">
+              <a:spcBef>
+                <a:spcPts val="1200"/>
+              </a:spcBef>
+              <a:spcAft>
+                <a:spcPts val="0"/>
+              </a:spcAft>
+              <a:buNone/>
+            </a:pPr>
+            <a:r>
+              <a:rPr lang="en"/>
+              <a:t>Preprocessing in Jupyter Notebook:</a:t>
+            </a:r>
+            <a:endParaRPr/>
+          </a:p>
+          <a:p>
+            <a:pPr indent="0" lvl="0" marL="0" rtl="0" algn="l">
+              <a:spcBef>
+                <a:spcPts val="1200"/>
+              </a:spcBef>
+              <a:spcAft>
+                <a:spcPts val="0"/>
+              </a:spcAft>
+              <a:buNone/>
+            </a:pPr>
+            <a:r>
+              <a:rPr lang="en"/>
+              <a:t>-Rearranging columns and rows in </a:t>
             </a:r>
             <a:r>
               <a:rPr lang="en"/>
-              <a:t>analysis</a:t>
+              <a:t>order</a:t>
+            </a:r>
+            <a:r>
+              <a:rPr lang="en"/>
+              <a:t> to read data as necessary.</a:t>
+            </a:r>
+            <a:endParaRPr/>
+          </a:p>
+          <a:p>
+            <a:pPr indent="0" lvl="0" marL="0" rtl="0" algn="l">
+              <a:spcBef>
+                <a:spcPts val="1200"/>
+              </a:spcBef>
+              <a:spcAft>
+                <a:spcPts val="0"/>
+              </a:spcAft>
+              <a:buNone/>
+            </a:pPr>
+            <a:r>
+              <a:rPr lang="en"/>
+              <a:t>-Plotting data to help determine the trends or patterns to dive in deeper</a:t>
+            </a:r>
+            <a:endParaRPr/>
+          </a:p>
+          <a:p>
+            <a:pPr indent="0" lvl="0" marL="0" rtl="0" algn="l">
+              <a:spcBef>
+                <a:spcPts val="1200"/>
+              </a:spcBef>
+              <a:spcAft>
+                <a:spcPts val="0"/>
+              </a:spcAft>
+              <a:buNone/>
+            </a:pPr>
+            <a:r>
+              <a:rPr lang="en"/>
+              <a:t>-[Need to do a join]</a:t>
+            </a:r>
+            <a:endParaRPr/>
+          </a:p>
+          <a:p>
+            <a:pPr indent="0" lvl="0" marL="0" rtl="0" algn="l">
+              <a:spcBef>
+                <a:spcPts val="1200"/>
+              </a:spcBef>
+              <a:spcAft>
+                <a:spcPts val="0"/>
+              </a:spcAft>
+              <a:buNone/>
+            </a:pPr>
+            <a:r>
+              <a:rPr lang="en"/>
+              <a:t>- Creating a line of regression</a:t>
             </a:r>
             <a:endParaRPr/>
           </a:p>
@@ -10681,7 +10865,7 @@
             </a:pPr>
             <a:r>
               <a:rPr lang="en"/>
-              <a:t>Analysis</a:t>
+              <a:t>Analysis - DRAFT</a:t>
             </a:r>
             <a:endParaRPr/>
           </a:p>
@@ -10721,7 +10905,191 @@
             </a:pPr>
             <a:r>
               <a:rPr lang="en"/>
-              <a:t>ML findings wednesday class</a:t>
+              <a:t> Finalize ML - training</a:t>
+            </a:r>
+            <a:endParaRPr/>
+          </a:p>
+          <a:p>
+            <a:pPr indent="0" lvl="0" marL="0" rtl="0" algn="l">
+              <a:spcBef>
+                <a:spcPts val="1200"/>
+              </a:spcBef>
+              <a:spcAft>
+                <a:spcPts val="1200"/>
+              </a:spcAft>
+              <a:buNone/>
+            </a:pPr>
+            <a:r>
+              <a:t/>
+            </a:r>
+            <a:endParaRPr/>
+          </a:p>
+        </p:txBody>
+      </p:sp>
+    </p:spTree>
+  </p:cSld>
+  <p:clrMapOvr>
+    <a:masterClrMapping/>
+  </p:clrMapOvr>
+</p:sld>
+</file>
+
+<file path=ppt/slides/slide8.xml><?xml version="1.0" encoding="utf-8"?>
+<p:sld xmlns:a="http://schemas.openxmlformats.org/drawingml/2006/main" xmlns:r="http://schemas.openxmlformats.org/officeDocument/2006/relationships" xmlns:mc="http://schemas.openxmlformats.org/markup-compatibility/2006" xmlns:mv="urn:schemas-microsoft-com:mac:vml" xmlns:p="http://schemas.openxmlformats.org/presentationml/2006/main" xmlns:c="http://schemas.openxmlformats.org/drawingml/2006/chart" xmlns:dgm="http://schemas.openxmlformats.org/drawingml/2006/diagram" xmlns:o="urn:schemas-microsoft-com:office:office" xmlns:v="urn:schemas-microsoft-com:vml" xmlns:pvml="urn:schemas-microsoft-com:office:powerpoint" xmlns:com="http://schemas.openxmlformats.org/drawingml/2006/compatibility" xmlns:p14="http://schemas.microsoft.com/office/powerpoint/2010/main" xmlns:p15="http://schemas.microsoft.com/office/powerpoint/2012/main" xmlns:ahyp="http://schemas.microsoft.com/office/drawing/2018/hyperlinkcolor">
+  <p:cSld>
+    <p:spTree>
+      <p:nvGrpSpPr>
+        <p:cNvPr id="175" name="Shape 175"/>
+        <p:cNvGrpSpPr/>
+        <p:nvPr/>
+      </p:nvGrpSpPr>
+      <p:grpSpPr>
+        <a:xfrm>
+          <a:off x="0" y="0"/>
+          <a:ext cx="0" cy="0"/>
+          <a:chOff x="0" y="0"/>
+          <a:chExt cx="0" cy="0"/>
+        </a:xfrm>
+      </p:grpSpPr>
+      <p:sp>
+        <p:nvSpPr>
+          <p:cNvPr id="176" name="Google Shape;176;p20"/>
+          <p:cNvSpPr txBox="1"/>
+          <p:nvPr>
+            <p:ph type="title"/>
+          </p:nvPr>
+        </p:nvSpPr>
+        <p:spPr>
+          <a:xfrm>
+            <a:off x="1297500" y="393750"/>
+            <a:ext cx="7038900" cy="914100"/>
+          </a:xfrm>
+          <a:prstGeom prst="rect">
+            <a:avLst/>
+          </a:prstGeom>
+        </p:spPr>
+        <p:txBody>
+          <a:bodyPr anchorCtr="0" anchor="t" bIns="91425" lIns="91425" spcFirstLastPara="1" rIns="91425" wrap="square" tIns="91425">
+            <a:normAutofit/>
+          </a:bodyPr>
+          <a:lstStyle/>
+          <a:p>
+            <a:pPr indent="0" lvl="0" marL="0" rtl="0" algn="ctr">
+              <a:spcBef>
+                <a:spcPts val="0"/>
+              </a:spcBef>
+              <a:spcAft>
+                <a:spcPts val="0"/>
+              </a:spcAft>
+              <a:buNone/>
+            </a:pPr>
+            <a:r>
+              <a:rPr lang="en"/>
+              <a:t>Analysis</a:t>
+            </a:r>
+            <a:endParaRPr/>
+          </a:p>
+        </p:txBody>
+      </p:sp>
+      <p:sp>
+        <p:nvSpPr>
+          <p:cNvPr id="177" name="Google Shape;177;p20"/>
+          <p:cNvSpPr txBox="1"/>
+          <p:nvPr>
+            <p:ph idx="1" type="body"/>
+          </p:nvPr>
+        </p:nvSpPr>
+        <p:spPr>
+          <a:xfrm>
+            <a:off x="1297500" y="1567550"/>
+            <a:ext cx="7038900" cy="2911200"/>
+          </a:xfrm>
+          <a:prstGeom prst="rect">
+            <a:avLst/>
+          </a:prstGeom>
+        </p:spPr>
+        <p:txBody>
+          <a:bodyPr anchorCtr="0" anchor="t" bIns="91425" lIns="91425" spcFirstLastPara="1" rIns="91425" wrap="square" tIns="91425">
+            <a:normAutofit/>
+          </a:bodyPr>
+          <a:lstStyle/>
+          <a:p>
+            <a:pPr indent="0" lvl="0" marL="0" rtl="0" algn="l">
+              <a:spcBef>
+                <a:spcPts val="0"/>
+              </a:spcBef>
+              <a:spcAft>
+                <a:spcPts val="0"/>
+              </a:spcAft>
+              <a:buNone/>
+            </a:pPr>
+            <a:r>
+              <a:rPr lang="en"/>
+              <a:t>Tableau Visualization</a:t>
+            </a:r>
+            <a:endParaRPr/>
+          </a:p>
+          <a:p>
+            <a:pPr indent="0" lvl="0" marL="0" rtl="0" algn="l">
+              <a:spcBef>
+                <a:spcPts val="1200"/>
+              </a:spcBef>
+              <a:spcAft>
+                <a:spcPts val="0"/>
+              </a:spcAft>
+              <a:buNone/>
+            </a:pPr>
+            <a:r>
+              <a:rPr lang="en"/>
+              <a:t>-Heat Map of US </a:t>
+            </a:r>
+            <a:endParaRPr/>
+          </a:p>
+          <a:p>
+            <a:pPr indent="0" lvl="0" marL="0" rtl="0" algn="l">
+              <a:spcBef>
+                <a:spcPts val="1200"/>
+              </a:spcBef>
+              <a:spcAft>
+                <a:spcPts val="0"/>
+              </a:spcAft>
+              <a:buNone/>
+            </a:pPr>
+            <a:r>
+              <a:rPr lang="en"/>
+              <a:t>-US Map according to level education</a:t>
+            </a:r>
+            <a:endParaRPr/>
+          </a:p>
+          <a:p>
+            <a:pPr indent="0" lvl="0" marL="0" rtl="0" algn="l">
+              <a:spcBef>
+                <a:spcPts val="1200"/>
+              </a:spcBef>
+              <a:spcAft>
+                <a:spcPts val="0"/>
+              </a:spcAft>
+              <a:buNone/>
+            </a:pPr>
+            <a:r>
+              <a:rPr lang="en"/>
+              <a:t>-US Map according to income per capita</a:t>
+            </a:r>
+            <a:endParaRPr/>
+          </a:p>
+          <a:p>
+            <a:pPr indent="0" lvl="0" marL="0" rtl="0" algn="l">
+              <a:spcBef>
+                <a:spcPts val="1200"/>
+              </a:spcBef>
+              <a:spcAft>
+                <a:spcPts val="0"/>
+              </a:spcAft>
+              <a:buNone/>
+            </a:pPr>
+            <a:r>
+              <a:rPr lang="en"/>
+              <a:t>-US Map geographic trends</a:t>
             </a:r>
             <a:endParaRPr/>
           </a:p>
@@ -10751,6 +11119,285 @@
 </file>
 
 <file path=ppt/theme/theme1.xml><?xml version="1.0" encoding="utf-8"?>
+<a:theme xmlns:a="http://schemas.openxmlformats.org/drawingml/2006/main" xmlns:r="http://schemas.openxmlformats.org/officeDocument/2006/relationships" name="Focus">
+  <a:themeElements>
+    <a:clrScheme name="Focus">
+      <a:dk1>
+        <a:srgbClr val="1B212C"/>
+      </a:dk1>
+      <a:lt1>
+        <a:srgbClr val="FFFFFF"/>
+      </a:lt1>
+      <a:dk2>
+        <a:srgbClr val="D9D9D9"/>
+      </a:dk2>
+      <a:lt2>
+        <a:srgbClr val="82C7A5"/>
+      </a:lt2>
+      <a:accent1>
+        <a:srgbClr val="0145AC"/>
+      </a:accent1>
+      <a:accent2>
+        <a:srgbClr val="EECE1A"/>
+      </a:accent2>
+      <a:accent3>
+        <a:srgbClr val="4E5567"/>
+      </a:accent3>
+      <a:accent4>
+        <a:srgbClr val="F4D6AD"/>
+      </a:accent4>
+      <a:accent5>
+        <a:srgbClr val="7890CD"/>
+      </a:accent5>
+      <a:accent6>
+        <a:srgbClr val="F15E22"/>
+      </a:accent6>
+      <a:hlink>
+        <a:srgbClr val="7890CD"/>
+      </a:hlink>
+      <a:folHlink>
+        <a:srgbClr val="7890CD"/>
+      </a:folHlink>
+    </a:clrScheme>
+    <a:fontScheme name="Office">
+      <a:majorFont>
+        <a:latin typeface="Arial"/>
+        <a:ea typeface=""/>
+        <a:cs typeface=""/>
+        <a:font script="Jpan" typeface="ＭＳ Ｐゴシック"/>
+        <a:font script="Hang" typeface="맑은 고딕"/>
+        <a:font script="Hans" typeface="宋体"/>
+        <a:font script="Hant" typeface="新細明體"/>
+        <a:font script="Arab" typeface="Times New Roman"/>
+        <a:font script="Hebr" typeface="Times New Roman"/>
+        <a:font script="Thai" typeface="Angsana New"/>
+        <a:font script="Ethi" typeface="Nyala"/>
+        <a:font script="Beng" typeface="Vrinda"/>
+        <a:font script="Gujr" typeface="Shruti"/>
+        <a:font script="Khmr" typeface="MoolBoran"/>
+        <a:font script="Knda" typeface="Tunga"/>
+        <a:font script="Guru" typeface="Raavi"/>
+        <a:font script="Cans" typeface="Euphemia"/>
+        <a:font script="Cher" typeface="Plantagenet Cherokee"/>
+        <a:font script="Yiii" typeface="Microsoft Yi Baiti"/>
+        <a:font script="Tibt" typeface="Microsoft Himalaya"/>
+        <a:font script="Thaa" typeface="MV Boli"/>
+        <a:font script="Deva" typeface="Mangal"/>
+        <a:font script="Telu" typeface="Gautami"/>
+        <a:font script="Taml" typeface="Latha"/>
+        <a:font script="Syrc" typeface="Estrangelo Edessa"/>
+        <a:font script="Orya" typeface="Kalinga"/>
+        <a:font script="Mlym" typeface="Kartika"/>
+        <a:font script="Laoo" typeface="DokChampa"/>
+        <a:font script="Sinh" typeface="Iskoola Pota"/>
+        <a:font script="Mong" typeface="Mongolian Baiti"/>
+        <a:font script="Viet" typeface="Times New Roman"/>
+        <a:font script="Uigh" typeface="Microsoft Uighur"/>
+        <a:font script="Geor" typeface="Sylfaen"/>
+      </a:majorFont>
+      <a:minorFont>
+        <a:latin typeface="Arial"/>
+        <a:ea typeface=""/>
+        <a:cs typeface=""/>
+        <a:font script="Jpan" typeface="ＭＳ Ｐゴシック"/>
+        <a:font script="Hang" typeface="맑은 고딕"/>
+        <a:font script="Hans" typeface="宋体"/>
+        <a:font script="Hant" typeface="新細明體"/>
+        <a:font script="Arab" typeface="Arial"/>
+        <a:font script="Hebr" typeface="Arial"/>
+        <a:font script="Thai" typeface="Cordia New"/>
+        <a:font script="Ethi" typeface="Nyala"/>
+        <a:font script="Beng" typeface="Vrinda"/>
+        <a:font script="Gujr" typeface="Shruti"/>
+        <a:font script="Khmr" typeface="DaunPenh"/>
+        <a:font script="Knda" typeface="Tunga"/>
+        <a:font script="Guru" typeface="Raavi"/>
+        <a:font script="Cans" typeface="Euphemia"/>
+        <a:font script="Cher" typeface="Plantagenet Cherokee"/>
+        <a:font script="Yiii" typeface="Microsoft Yi Baiti"/>
+        <a:font script="Tibt" typeface="Microsoft Himalaya"/>
+        <a:font script="Thaa" typeface="MV Boli"/>
+        <a:font script="Deva" typeface="Mangal"/>
+        <a:font script="Telu" typeface="Gautami"/>
+        <a:font script="Taml" typeface="Latha"/>
+        <a:font script="Syrc" typeface="Estrangelo Edessa"/>
+        <a:font script="Orya" typeface="Kalinga"/>
+        <a:font script="Mlym" typeface="Kartika"/>
+        <a:font script="Laoo" typeface="DokChampa"/>
+        <a:font script="Sinh" typeface="Iskoola Pota"/>
+        <a:font script="Mong" typeface="Mongolian Baiti"/>
+        <a:font script="Viet" typeface="Arial"/>
+        <a:font script="Uigh" typeface="Microsoft Uighur"/>
+        <a:font script="Geor" typeface="Sylfaen"/>
+      </a:minorFont>
+    </a:fontScheme>
+    <a:fmtScheme name="Office">
+      <a:fillStyleLst>
+        <a:solidFill>
+          <a:schemeClr val="phClr"/>
+        </a:solidFill>
+        <a:gradFill rotWithShape="1">
+          <a:gsLst>
+            <a:gs pos="0">
+              <a:schemeClr val="phClr">
+                <a:tint val="50000"/>
+                <a:satMod val="300000"/>
+              </a:schemeClr>
+            </a:gs>
+            <a:gs pos="35000">
+              <a:schemeClr val="phClr">
+                <a:tint val="37000"/>
+                <a:satMod val="300000"/>
+              </a:schemeClr>
+            </a:gs>
+            <a:gs pos="100000">
+              <a:schemeClr val="phClr">
+                <a:tint val="15000"/>
+                <a:satMod val="350000"/>
+              </a:schemeClr>
+            </a:gs>
+          </a:gsLst>
+          <a:lin ang="16200000" scaled="1"/>
+        </a:gradFill>
+        <a:gradFill rotWithShape="1">
+          <a:gsLst>
+            <a:gs pos="0">
+              <a:schemeClr val="phClr">
+                <a:tint val="100000"/>
+                <a:shade val="100000"/>
+                <a:satMod val="130000"/>
+              </a:schemeClr>
+            </a:gs>
+            <a:gs pos="100000">
+              <a:schemeClr val="phClr">
+                <a:tint val="50000"/>
+                <a:shade val="100000"/>
+                <a:satMod val="350000"/>
+              </a:schemeClr>
+            </a:gs>
+          </a:gsLst>
+          <a:lin ang="16200000" scaled="0"/>
+        </a:gradFill>
+      </a:fillStyleLst>
+      <a:lnStyleLst>
+        <a:ln w="9525" cap="flat" cmpd="sng" algn="ctr">
+          <a:solidFill>
+            <a:schemeClr val="phClr">
+              <a:shade val="95000"/>
+              <a:satMod val="105000"/>
+            </a:schemeClr>
+          </a:solidFill>
+          <a:prstDash val="solid"/>
+        </a:ln>
+        <a:ln w="25400" cap="flat" cmpd="sng" algn="ctr">
+          <a:solidFill>
+            <a:schemeClr val="phClr"/>
+          </a:solidFill>
+          <a:prstDash val="solid"/>
+        </a:ln>
+        <a:ln w="38100" cap="flat" cmpd="sng" algn="ctr">
+          <a:solidFill>
+            <a:schemeClr val="phClr"/>
+          </a:solidFill>
+          <a:prstDash val="solid"/>
+        </a:ln>
+      </a:lnStyleLst>
+      <a:effectStyleLst>
+        <a:effectStyle>
+          <a:effectLst>
+            <a:outerShdw blurRad="40000" dist="20000" dir="5400000" rotWithShape="0">
+              <a:srgbClr val="000000">
+                <a:alpha val="38000"/>
+              </a:srgbClr>
+            </a:outerShdw>
+          </a:effectLst>
+        </a:effectStyle>
+        <a:effectStyle>
+          <a:effectLst>
+            <a:outerShdw blurRad="40000" dist="23000" dir="5400000" rotWithShape="0">
+              <a:srgbClr val="000000">
+                <a:alpha val="35000"/>
+              </a:srgbClr>
+            </a:outerShdw>
+          </a:effectLst>
+        </a:effectStyle>
+        <a:effectStyle>
+          <a:effectLst>
+            <a:outerShdw blurRad="40000" dist="23000" dir="5400000" rotWithShape="0">
+              <a:srgbClr val="000000">
+                <a:alpha val="35000"/>
+              </a:srgbClr>
+            </a:outerShdw>
+          </a:effectLst>
+          <a:scene3d>
+            <a:camera prst="orthographicFront">
+              <a:rot lat="0" lon="0" rev="0"/>
+            </a:camera>
+            <a:lightRig rig="threePt" dir="t">
+              <a:rot lat="0" lon="0" rev="1200000"/>
+            </a:lightRig>
+          </a:scene3d>
+          <a:sp3d>
+            <a:bevelT w="63500" h="25400"/>
+          </a:sp3d>
+        </a:effectStyle>
+      </a:effectStyleLst>
+      <a:bgFillStyleLst>
+        <a:solidFill>
+          <a:schemeClr val="phClr"/>
+        </a:solidFill>
+        <a:gradFill rotWithShape="1">
+          <a:gsLst>
+            <a:gs pos="0">
+              <a:schemeClr val="phClr">
+                <a:tint val="40000"/>
+                <a:satMod val="350000"/>
+              </a:schemeClr>
+            </a:gs>
+            <a:gs pos="40000">
+              <a:schemeClr val="phClr">
+                <a:tint val="45000"/>
+                <a:shade val="99000"/>
+                <a:satMod val="350000"/>
+              </a:schemeClr>
+            </a:gs>
+            <a:gs pos="100000">
+              <a:schemeClr val="phClr">
+                <a:shade val="20000"/>
+                <a:satMod val="255000"/>
+              </a:schemeClr>
+            </a:gs>
+          </a:gsLst>
+          <a:path path="circle">
+            <a:fillToRect l="50000" t="-80000" r="50000" b="180000"/>
+          </a:path>
+        </a:gradFill>
+        <a:gradFill rotWithShape="1">
+          <a:gsLst>
+            <a:gs pos="0">
+              <a:schemeClr val="phClr">
+                <a:tint val="80000"/>
+                <a:satMod val="300000"/>
+              </a:schemeClr>
+            </a:gs>
+            <a:gs pos="100000">
+              <a:schemeClr val="phClr">
+                <a:shade val="30000"/>
+                <a:satMod val="200000"/>
+              </a:schemeClr>
+            </a:gs>
+          </a:gsLst>
+          <a:path path="circle">
+            <a:fillToRect l="50000" t="50000" r="50000" b="50000"/>
+          </a:path>
+        </a:gradFill>
+      </a:bgFillStyleLst>
+    </a:fmtScheme>
+  </a:themeElements>
+</a:theme>
+</file>
+
+<file path=ppt/theme/theme2.xml><?xml version="1.0" encoding="utf-8"?>
 <a:theme xmlns:a="http://schemas.openxmlformats.org/drawingml/2006/main" xmlns:r="http://schemas.openxmlformats.org/officeDocument/2006/relationships">
   <a:themeElements>
     <a:clrScheme name="Default">
@@ -11027,283 +11674,4 @@
     </a:fmtScheme>
   </a:themeElements>
 </a:theme>
-</file>
-
-<file path=ppt/theme/theme2.xml><?xml version="1.0" encoding="utf-8"?>
-<a:theme xmlns:a="http://schemas.openxmlformats.org/drawingml/2006/main" xmlns:r="http://schemas.openxmlformats.org/officeDocument/2006/relationships" name="Focus">
-  <a:themeElements>
-    <a:clrScheme name="Focus">
-      <a:dk1>
-        <a:srgbClr val="1B212C"/>
-      </a:dk1>
-      <a:lt1>
-        <a:srgbClr val="FFFFFF"/>
-      </a:lt1>
-      <a:dk2>
-        <a:srgbClr val="D9D9D9"/>
-      </a:dk2>
-      <a:lt2>
-        <a:srgbClr val="82C7A5"/>
-      </a:lt2>
-      <a:accent1>
-        <a:srgbClr val="0145AC"/>
-      </a:accent1>
-      <a:accent2>
-        <a:srgbClr val="EECE1A"/>
-      </a:accent2>
-      <a:accent3>
-        <a:srgbClr val="4E5567"/>
-      </a:accent3>
-      <a:accent4>
-        <a:srgbClr val="F4D6AD"/>
-      </a:accent4>
-      <a:accent5>
-        <a:srgbClr val="7890CD"/>
-      </a:accent5>
-      <a:accent6>
-        <a:srgbClr val="F15E22"/>
-      </a:accent6>
-      <a:hlink>
-        <a:srgbClr val="7890CD"/>
-      </a:hlink>
-      <a:folHlink>
-        <a:srgbClr val="7890CD"/>
-      </a:folHlink>
-    </a:clrScheme>
-    <a:fontScheme name="Office">
-      <a:majorFont>
-        <a:latin typeface="Arial"/>
-        <a:ea typeface=""/>
-        <a:cs typeface=""/>
-        <a:font script="Jpan" typeface="ＭＳ Ｐゴシック"/>
-        <a:font script="Hang" typeface="맑은 고딕"/>
-        <a:font script="Hans" typeface="宋体"/>
-        <a:font script="Hant" typeface="新細明體"/>
-        <a:font script="Arab" typeface="Times New Roman"/>
-        <a:font script="Hebr" typeface="Times New Roman"/>
-        <a:font script="Thai" typeface="Angsana New"/>
-        <a:font script="Ethi" typeface="Nyala"/>
-        <a:font script="Beng" typeface="Vrinda"/>
-        <a:font script="Gujr" typeface="Shruti"/>
-        <a:font script="Khmr" typeface="MoolBoran"/>
-        <a:font script="Knda" typeface="Tunga"/>
-        <a:font script="Guru" typeface="Raavi"/>
-        <a:font script="Cans" typeface="Euphemia"/>
-        <a:font script="Cher" typeface="Plantagenet Cherokee"/>
-        <a:font script="Yiii" typeface="Microsoft Yi Baiti"/>
-        <a:font script="Tibt" typeface="Microsoft Himalaya"/>
-        <a:font script="Thaa" typeface="MV Boli"/>
-        <a:font script="Deva" typeface="Mangal"/>
-        <a:font script="Telu" typeface="Gautami"/>
-        <a:font script="Taml" typeface="Latha"/>
-        <a:font script="Syrc" typeface="Estrangelo Edessa"/>
-        <a:font script="Orya" typeface="Kalinga"/>
-        <a:font script="Mlym" typeface="Kartika"/>
-        <a:font script="Laoo" typeface="DokChampa"/>
-        <a:font script="Sinh" typeface="Iskoola Pota"/>
-        <a:font script="Mong" typeface="Mongolian Baiti"/>
-        <a:font script="Viet" typeface="Times New Roman"/>
-        <a:font script="Uigh" typeface="Microsoft Uighur"/>
-        <a:font script="Geor" typeface="Sylfaen"/>
-      </a:majorFont>
-      <a:minorFont>
-        <a:latin typeface="Arial"/>
-        <a:ea typeface=""/>
-        <a:cs typeface=""/>
-        <a:font script="Jpan" typeface="ＭＳ Ｐゴシック"/>
-        <a:font script="Hang" typeface="맑은 고딕"/>
-        <a:font script="Hans" typeface="宋体"/>
-        <a:font script="Hant" typeface="新細明體"/>
-        <a:font script="Arab" typeface="Arial"/>
-        <a:font script="Hebr" typeface="Arial"/>
-        <a:font script="Thai" typeface="Cordia New"/>
-        <a:font script="Ethi" typeface="Nyala"/>
-        <a:font script="Beng" typeface="Vrinda"/>
-        <a:font script="Gujr" typeface="Shruti"/>
-        <a:font script="Khmr" typeface="DaunPenh"/>
-        <a:font script="Knda" typeface="Tunga"/>
-        <a:font script="Guru" typeface="Raavi"/>
-        <a:font script="Cans" typeface="Euphemia"/>
-        <a:font script="Cher" typeface="Plantagenet Cherokee"/>
-        <a:font script="Yiii" typeface="Microsoft Yi Baiti"/>
-        <a:font script="Tibt" typeface="Microsoft Himalaya"/>
-        <a:font script="Thaa" typeface="MV Boli"/>
-        <a:font script="Deva" typeface="Mangal"/>
-        <a:font script="Telu" typeface="Gautami"/>
-        <a:font script="Taml" typeface="Latha"/>
-        <a:font script="Syrc" typeface="Estrangelo Edessa"/>
-        <a:font script="Orya" typeface="Kalinga"/>
-        <a:font script="Mlym" typeface="Kartika"/>
-        <a:font script="Laoo" typeface="DokChampa"/>
-        <a:font script="Sinh" typeface="Iskoola Pota"/>
-        <a:font script="Mong" typeface="Mongolian Baiti"/>
-        <a:font script="Viet" typeface="Arial"/>
-        <a:font script="Uigh" typeface="Microsoft Uighur"/>
-        <a:font script="Geor" typeface="Sylfaen"/>
-      </a:minorFont>
-    </a:fontScheme>
-    <a:fmtScheme name="Office">
-      <a:fillStyleLst>
-        <a:solidFill>
-          <a:schemeClr val="phClr"/>
-        </a:solidFill>
-        <a:gradFill rotWithShape="1">
-          <a:gsLst>
-            <a:gs pos="0">
-              <a:schemeClr val="phClr">
-                <a:tint val="50000"/>
-                <a:satMod val="300000"/>
-              </a:schemeClr>
-            </a:gs>
-            <a:gs pos="35000">
-              <a:schemeClr val="phClr">
-                <a:tint val="37000"/>
-                <a:satMod val="300000"/>
-              </a:schemeClr>
-            </a:gs>
-            <a:gs pos="100000">
-              <a:schemeClr val="phClr">
-                <a:tint val="15000"/>
-                <a:satMod val="350000"/>
-              </a:schemeClr>
-            </a:gs>
-          </a:gsLst>
-          <a:lin ang="16200000" scaled="1"/>
-        </a:gradFill>
-        <a:gradFill rotWithShape="1">
-          <a:gsLst>
-            <a:gs pos="0">
-              <a:schemeClr val="phClr">
-                <a:tint val="100000"/>
-                <a:shade val="100000"/>
-                <a:satMod val="130000"/>
-              </a:schemeClr>
-            </a:gs>
-            <a:gs pos="100000">
-              <a:schemeClr val="phClr">
-                <a:tint val="50000"/>
-                <a:shade val="100000"/>
-                <a:satMod val="350000"/>
-              </a:schemeClr>
-            </a:gs>
-          </a:gsLst>
-          <a:lin ang="16200000" scaled="0"/>
-        </a:gradFill>
-      </a:fillStyleLst>
-      <a:lnStyleLst>
-        <a:ln w="9525" cap="flat" cmpd="sng" algn="ctr">
-          <a:solidFill>
-            <a:schemeClr val="phClr">
-              <a:shade val="95000"/>
-              <a:satMod val="105000"/>
-            </a:schemeClr>
-          </a:solidFill>
-          <a:prstDash val="solid"/>
-        </a:ln>
-        <a:ln w="25400" cap="flat" cmpd="sng" algn="ctr">
-          <a:solidFill>
-            <a:schemeClr val="phClr"/>
-          </a:solidFill>
-          <a:prstDash val="solid"/>
-        </a:ln>
-        <a:ln w="38100" cap="flat" cmpd="sng" algn="ctr">
-          <a:solidFill>
-            <a:schemeClr val="phClr"/>
-          </a:solidFill>
-          <a:prstDash val="solid"/>
-        </a:ln>
-      </a:lnStyleLst>
-      <a:effectStyleLst>
-        <a:effectStyle>
-          <a:effectLst>
-            <a:outerShdw blurRad="40000" dist="20000" dir="5400000" rotWithShape="0">
-              <a:srgbClr val="000000">
-                <a:alpha val="38000"/>
-              </a:srgbClr>
-            </a:outerShdw>
-          </a:effectLst>
-        </a:effectStyle>
-        <a:effectStyle>
-          <a:effectLst>
-            <a:outerShdw blurRad="40000" dist="23000" dir="5400000" rotWithShape="0">
-              <a:srgbClr val="000000">
-                <a:alpha val="35000"/>
-              </a:srgbClr>
-            </a:outerShdw>
-          </a:effectLst>
-        </a:effectStyle>
-        <a:effectStyle>
-          <a:effectLst>
-            <a:outerShdw blurRad="40000" dist="23000" dir="5400000" rotWithShape="0">
-              <a:srgbClr val="000000">
-                <a:alpha val="35000"/>
-              </a:srgbClr>
-            </a:outerShdw>
-          </a:effectLst>
-          <a:scene3d>
-            <a:camera prst="orthographicFront">
-              <a:rot lat="0" lon="0" rev="0"/>
-            </a:camera>
-            <a:lightRig rig="threePt" dir="t">
-              <a:rot lat="0" lon="0" rev="1200000"/>
-            </a:lightRig>
-          </a:scene3d>
-          <a:sp3d>
-            <a:bevelT w="63500" h="25400"/>
-          </a:sp3d>
-        </a:effectStyle>
-      </a:effectStyleLst>
-      <a:bgFillStyleLst>
-        <a:solidFill>
-          <a:schemeClr val="phClr"/>
-        </a:solidFill>
-        <a:gradFill rotWithShape="1">
-          <a:gsLst>
-            <a:gs pos="0">
-              <a:schemeClr val="phClr">
-                <a:tint val="40000"/>
-                <a:satMod val="350000"/>
-              </a:schemeClr>
-            </a:gs>
-            <a:gs pos="40000">
-              <a:schemeClr val="phClr">
-                <a:tint val="45000"/>
-                <a:shade val="99000"/>
-                <a:satMod val="350000"/>
-              </a:schemeClr>
-            </a:gs>
-            <a:gs pos="100000">
-              <a:schemeClr val="phClr">
-                <a:shade val="20000"/>
-                <a:satMod val="255000"/>
-              </a:schemeClr>
-            </a:gs>
-          </a:gsLst>
-          <a:path path="circle">
-            <a:fillToRect l="50000" t="-80000" r="50000" b="180000"/>
-          </a:path>
-        </a:gradFill>
-        <a:gradFill rotWithShape="1">
-          <a:gsLst>
-            <a:gs pos="0">
-              <a:schemeClr val="phClr">
-                <a:tint val="80000"/>
-                <a:satMod val="300000"/>
-              </a:schemeClr>
-            </a:gs>
-            <a:gs pos="100000">
-              <a:schemeClr val="phClr">
-                <a:shade val="30000"/>
-                <a:satMod val="200000"/>
-              </a:schemeClr>
-            </a:gs>
-          </a:gsLst>
-          <a:path path="circle">
-            <a:fillToRect l="50000" t="50000" r="50000" b="50000"/>
-          </a:path>
-        </a:gradFill>
-      </a:bgFillStyleLst>
-    </a:fmtScheme>
-  </a:themeElements>
-</a:theme>
 </file>
--- a/Effect of Educational Attainment on per Capita Growth by State.pptx
+++ b/Effect of Educational Attainment on per Capita Growth by State.pptx
@@ -10915,6 +10915,37 @@
                 <a:spcPts val="1200"/>
               </a:spcBef>
               <a:spcAft>
+                <a:spcPts val="0"/>
+              </a:spcAft>
+              <a:buNone/>
+            </a:pPr>
+            <a:r>
+              <a:t/>
+            </a:r>
+            <a:endParaRPr/>
+          </a:p>
+          <a:p>
+            <a:pPr indent="0" lvl="0" marL="0" rtl="0" algn="l">
+              <a:spcBef>
+                <a:spcPts val="1200"/>
+              </a:spcBef>
+              <a:spcAft>
+                <a:spcPts val="0"/>
+              </a:spcAft>
+              <a:buNone/>
+            </a:pPr>
+            <a:r>
+              <a:rPr lang="en"/>
+              <a:t>Continuing working on this portion as we improve and modify our ML model.</a:t>
+            </a:r>
+            <a:endParaRPr/>
+          </a:p>
+          <a:p>
+            <a:pPr indent="0" lvl="0" marL="0" rtl="0" algn="l">
+              <a:spcBef>
+                <a:spcPts val="1200"/>
+              </a:spcBef>
+              <a:spcAft>
                 <a:spcPts val="1200"/>
               </a:spcAft>
               <a:buNone/>
@@ -11119,6 +11150,285 @@
 </file>
 
 <file path=ppt/theme/theme1.xml><?xml version="1.0" encoding="utf-8"?>
+<a:theme xmlns:a="http://schemas.openxmlformats.org/drawingml/2006/main" xmlns:r="http://schemas.openxmlformats.org/officeDocument/2006/relationships">
+  <a:themeElements>
+    <a:clrScheme name="Default">
+      <a:dk1>
+        <a:srgbClr val="000000"/>
+      </a:dk1>
+      <a:lt1>
+        <a:srgbClr val="FFFFFF"/>
+      </a:lt1>
+      <a:dk2>
+        <a:srgbClr val="158158"/>
+      </a:dk2>
+      <a:lt2>
+        <a:srgbClr val="F3F3F3"/>
+      </a:lt2>
+      <a:accent1>
+        <a:srgbClr val="058DC7"/>
+      </a:accent1>
+      <a:accent2>
+        <a:srgbClr val="50B432"/>
+      </a:accent2>
+      <a:accent3>
+        <a:srgbClr val="ED561B"/>
+      </a:accent3>
+      <a:accent4>
+        <a:srgbClr val="EDEF00"/>
+      </a:accent4>
+      <a:accent5>
+        <a:srgbClr val="24CBE5"/>
+      </a:accent5>
+      <a:accent6>
+        <a:srgbClr val="64E572"/>
+      </a:accent6>
+      <a:hlink>
+        <a:srgbClr val="2200CC"/>
+      </a:hlink>
+      <a:folHlink>
+        <a:srgbClr val="551A8B"/>
+      </a:folHlink>
+    </a:clrScheme>
+    <a:fontScheme name="Office">
+      <a:majorFont>
+        <a:latin typeface="Arial"/>
+        <a:ea typeface=""/>
+        <a:cs typeface=""/>
+        <a:font script="Jpan" typeface="ＭＳ Ｐゴシック"/>
+        <a:font script="Hang" typeface="맑은 고딕"/>
+        <a:font script="Hans" typeface="宋体"/>
+        <a:font script="Hant" typeface="新細明體"/>
+        <a:font script="Arab" typeface="Times New Roman"/>
+        <a:font script="Hebr" typeface="Times New Roman"/>
+        <a:font script="Thai" typeface="Angsana New"/>
+        <a:font script="Ethi" typeface="Nyala"/>
+        <a:font script="Beng" typeface="Vrinda"/>
+        <a:font script="Gujr" typeface="Shruti"/>
+        <a:font script="Khmr" typeface="MoolBoran"/>
+        <a:font script="Knda" typeface="Tunga"/>
+        <a:font script="Guru" typeface="Raavi"/>
+        <a:font script="Cans" typeface="Euphemia"/>
+        <a:font script="Cher" typeface="Plantagenet Cherokee"/>
+        <a:font script="Yiii" typeface="Microsoft Yi Baiti"/>
+        <a:font script="Tibt" typeface="Microsoft Himalaya"/>
+        <a:font script="Thaa" typeface="MV Boli"/>
+        <a:font script="Deva" typeface="Mangal"/>
+        <a:font script="Telu" typeface="Gautami"/>
+        <a:font script="Taml" typeface="Latha"/>
+        <a:font script="Syrc" typeface="Estrangelo Edessa"/>
+        <a:font script="Orya" typeface="Kalinga"/>
+        <a:font script="Mlym" typeface="Kartika"/>
+        <a:font script="Laoo" typeface="DokChampa"/>
+        <a:font script="Sinh" typeface="Iskoola Pota"/>
+        <a:font script="Mong" typeface="Mongolian Baiti"/>
+        <a:font script="Viet" typeface="Times New Roman"/>
+        <a:font script="Uigh" typeface="Microsoft Uighur"/>
+        <a:font script="Geor" typeface="Sylfaen"/>
+      </a:majorFont>
+      <a:minorFont>
+        <a:latin typeface="Arial"/>
+        <a:ea typeface=""/>
+        <a:cs typeface=""/>
+        <a:font script="Jpan" typeface="ＭＳ Ｐゴシック"/>
+        <a:font script="Hang" typeface="맑은 고딕"/>
+        <a:font script="Hans" typeface="宋体"/>
+        <a:font script="Hant" typeface="新細明體"/>
+        <a:font script="Arab" typeface="Arial"/>
+        <a:font script="Hebr" typeface="Arial"/>
+        <a:font script="Thai" typeface="Cordia New"/>
+        <a:font script="Ethi" typeface="Nyala"/>
+        <a:font script="Beng" typeface="Vrinda"/>
+        <a:font script="Gujr" typeface="Shruti"/>
+        <a:font script="Khmr" typeface="DaunPenh"/>
+        <a:font script="Knda" typeface="Tunga"/>
+        <a:font script="Guru" typeface="Raavi"/>
+        <a:font script="Cans" typeface="Euphemia"/>
+        <a:font script="Cher" typeface="Plantagenet Cherokee"/>
+        <a:font script="Yiii" typeface="Microsoft Yi Baiti"/>
+        <a:font script="Tibt" typeface="Microsoft Himalaya"/>
+        <a:font script="Thaa" typeface="MV Boli"/>
+        <a:font script="Deva" typeface="Mangal"/>
+        <a:font script="Telu" typeface="Gautami"/>
+        <a:font script="Taml" typeface="Latha"/>
+        <a:font script="Syrc" typeface="Estrangelo Edessa"/>
+        <a:font script="Orya" typeface="Kalinga"/>
+        <a:font script="Mlym" typeface="Kartika"/>
+        <a:font script="Laoo" typeface="DokChampa"/>
+        <a:font script="Sinh" typeface="Iskoola Pota"/>
+        <a:font script="Mong" typeface="Mongolian Baiti"/>
+        <a:font script="Viet" typeface="Arial"/>
+        <a:font script="Uigh" typeface="Microsoft Uighur"/>
+        <a:font script="Geor" typeface="Sylfaen"/>
+      </a:minorFont>
+    </a:fontScheme>
+    <a:fmtScheme name="Office">
+      <a:fillStyleLst>
+        <a:solidFill>
+          <a:schemeClr val="phClr"/>
+        </a:solidFill>
+        <a:gradFill rotWithShape="1">
+          <a:gsLst>
+            <a:gs pos="0">
+              <a:schemeClr val="phClr">
+                <a:tint val="50000"/>
+                <a:satMod val="300000"/>
+              </a:schemeClr>
+            </a:gs>
+            <a:gs pos="35000">
+              <a:schemeClr val="phClr">
+                <a:tint val="37000"/>
+                <a:satMod val="300000"/>
+              </a:schemeClr>
+            </a:gs>
+            <a:gs pos="100000">
+              <a:schemeClr val="phClr">
+                <a:tint val="15000"/>
+                <a:satMod val="350000"/>
+              </a:schemeClr>
+            </a:gs>
+          </a:gsLst>
+          <a:lin ang="16200000" scaled="1"/>
+        </a:gradFill>
+        <a:gradFill rotWithShape="1">
+          <a:gsLst>
+            <a:gs pos="0">
+              <a:schemeClr val="phClr">
+                <a:tint val="100000"/>
+                <a:shade val="100000"/>
+                <a:satMod val="130000"/>
+              </a:schemeClr>
+            </a:gs>
+            <a:gs pos="100000">
+              <a:schemeClr val="phClr">
+                <a:tint val="50000"/>
+                <a:shade val="100000"/>
+                <a:satMod val="350000"/>
+              </a:schemeClr>
+            </a:gs>
+          </a:gsLst>
+          <a:lin ang="16200000" scaled="0"/>
+        </a:gradFill>
+      </a:fillStyleLst>
+      <a:lnStyleLst>
+        <a:ln w="9525" cap="flat" cmpd="sng" algn="ctr">
+          <a:solidFill>
+            <a:schemeClr val="phClr">
+              <a:shade val="95000"/>
+              <a:satMod val="105000"/>
+            </a:schemeClr>
+          </a:solidFill>
+          <a:prstDash val="solid"/>
+        </a:ln>
+        <a:ln w="25400" cap="flat" cmpd="sng" algn="ctr">
+          <a:solidFill>
+            <a:schemeClr val="phClr"/>
+          </a:solidFill>
+          <a:prstDash val="solid"/>
+        </a:ln>
+        <a:ln w="38100" cap="flat" cmpd="sng" algn="ctr">
+          <a:solidFill>
+            <a:schemeClr val="phClr"/>
+          </a:solidFill>
+          <a:prstDash val="solid"/>
+        </a:ln>
+      </a:lnStyleLst>
+      <a:effectStyleLst>
+        <a:effectStyle>
+          <a:effectLst>
+            <a:outerShdw blurRad="40000" dist="20000" dir="5400000" rotWithShape="0">
+              <a:srgbClr val="000000">
+                <a:alpha val="38000"/>
+              </a:srgbClr>
+            </a:outerShdw>
+          </a:effectLst>
+        </a:effectStyle>
+        <a:effectStyle>
+          <a:effectLst>
+            <a:outerShdw blurRad="40000" dist="23000" dir="5400000" rotWithShape="0">
+              <a:srgbClr val="000000">
+                <a:alpha val="35000"/>
+              </a:srgbClr>
+            </a:outerShdw>
+          </a:effectLst>
+        </a:effectStyle>
+        <a:effectStyle>
+          <a:effectLst>
+            <a:outerShdw blurRad="40000" dist="23000" dir="5400000" rotWithShape="0">
+              <a:srgbClr val="000000">
+                <a:alpha val="35000"/>
+              </a:srgbClr>
+            </a:outerShdw>
+          </a:effectLst>
+          <a:scene3d>
+            <a:camera prst="orthographicFront">
+              <a:rot lat="0" lon="0" rev="0"/>
+            </a:camera>
+            <a:lightRig rig="threePt" dir="t">
+              <a:rot lat="0" lon="0" rev="1200000"/>
+            </a:lightRig>
+          </a:scene3d>
+          <a:sp3d>
+            <a:bevelT w="63500" h="25400"/>
+          </a:sp3d>
+        </a:effectStyle>
+      </a:effectStyleLst>
+      <a:bgFillStyleLst>
+        <a:solidFill>
+          <a:schemeClr val="phClr"/>
+        </a:solidFill>
+        <a:gradFill rotWithShape="1">
+          <a:gsLst>
+            <a:gs pos="0">
+              <a:schemeClr val="phClr">
+                <a:tint val="40000"/>
+                <a:satMod val="350000"/>
+              </a:schemeClr>
+            </a:gs>
+            <a:gs pos="40000">
+              <a:schemeClr val="phClr">
+                <a:tint val="45000"/>
+                <a:shade val="99000"/>
+                <a:satMod val="350000"/>
+              </a:schemeClr>
+            </a:gs>
+            <a:gs pos="100000">
+              <a:schemeClr val="phClr">
+                <a:shade val="20000"/>
+                <a:satMod val="255000"/>
+              </a:schemeClr>
+            </a:gs>
+          </a:gsLst>
+          <a:path path="circle">
+            <a:fillToRect l="50000" t="-80000" r="50000" b="180000"/>
+          </a:path>
+        </a:gradFill>
+        <a:gradFill rotWithShape="1">
+          <a:gsLst>
+            <a:gs pos="0">
+              <a:schemeClr val="phClr">
+                <a:tint val="80000"/>
+                <a:satMod val="300000"/>
+              </a:schemeClr>
+            </a:gs>
+            <a:gs pos="100000">
+              <a:schemeClr val="phClr">
+                <a:shade val="30000"/>
+                <a:satMod val="200000"/>
+              </a:schemeClr>
+            </a:gs>
+          </a:gsLst>
+          <a:path path="circle">
+            <a:fillToRect l="50000" t="50000" r="50000" b="50000"/>
+          </a:path>
+        </a:gradFill>
+      </a:bgFillStyleLst>
+    </a:fmtScheme>
+  </a:themeElements>
+</a:theme>
+</file>
+
+<file path=ppt/theme/theme2.xml><?xml version="1.0" encoding="utf-8"?>
 <a:theme xmlns:a="http://schemas.openxmlformats.org/drawingml/2006/main" xmlns:r="http://schemas.openxmlformats.org/officeDocument/2006/relationships" name="Focus">
   <a:themeElements>
     <a:clrScheme name="Focus">
@@ -11395,283 +11705,4 @@
     </a:fmtScheme>
   </a:themeElements>
 </a:theme>
-</file>
-
-<file path=ppt/theme/theme2.xml><?xml version="1.0" encoding="utf-8"?>
-<a:theme xmlns:a="http://schemas.openxmlformats.org/drawingml/2006/main" xmlns:r="http://schemas.openxmlformats.org/officeDocument/2006/relationships">
-  <a:themeElements>
-    <a:clrScheme name="Default">
-      <a:dk1>
-        <a:srgbClr val="000000"/>
-      </a:dk1>
-      <a:lt1>
-        <a:srgbClr val="FFFFFF"/>
-      </a:lt1>
-      <a:dk2>
-        <a:srgbClr val="158158"/>
-      </a:dk2>
-      <a:lt2>
-        <a:srgbClr val="F3F3F3"/>
-      </a:lt2>
-      <a:accent1>
-        <a:srgbClr val="058DC7"/>
-      </a:accent1>
-      <a:accent2>
-        <a:srgbClr val="50B432"/>
-      </a:accent2>
-      <a:accent3>
-        <a:srgbClr val="ED561B"/>
-      </a:accent3>
-      <a:accent4>
-        <a:srgbClr val="EDEF00"/>
-      </a:accent4>
-      <a:accent5>
-        <a:srgbClr val="24CBE5"/>
-      </a:accent5>
-      <a:accent6>
-        <a:srgbClr val="64E572"/>
-      </a:accent6>
-      <a:hlink>
-        <a:srgbClr val="2200CC"/>
-      </a:hlink>
-      <a:folHlink>
-        <a:srgbClr val="551A8B"/>
-      </a:folHlink>
-    </a:clrScheme>
-    <a:fontScheme name="Office">
-      <a:majorFont>
-        <a:latin typeface="Arial"/>
-        <a:ea typeface=""/>
-        <a:cs typeface=""/>
-        <a:font script="Jpan" typeface="ＭＳ Ｐゴシック"/>
-        <a:font script="Hang" typeface="맑은 고딕"/>
-        <a:font script="Hans" typeface="宋体"/>
-        <a:font script="Hant" typeface="新細明體"/>
-        <a:font script="Arab" typeface="Times New Roman"/>
-        <a:font script="Hebr" typeface="Times New Roman"/>
-        <a:font script="Thai" typeface="Angsana New"/>
-        <a:font script="Ethi" typeface="Nyala"/>
-        <a:font script="Beng" typeface="Vrinda"/>
-        <a:font script="Gujr" typeface="Shruti"/>
-        <a:font script="Khmr" typeface="MoolBoran"/>
-        <a:font script="Knda" typeface="Tunga"/>
-        <a:font script="Guru" typeface="Raavi"/>
-        <a:font script="Cans" typeface="Euphemia"/>
-        <a:font script="Cher" typeface="Plantagenet Cherokee"/>
-        <a:font script="Yiii" typeface="Microsoft Yi Baiti"/>
-        <a:font script="Tibt" typeface="Microsoft Himalaya"/>
-        <a:font script="Thaa" typeface="MV Boli"/>
-        <a:font script="Deva" typeface="Mangal"/>
-        <a:font script="Telu" typeface="Gautami"/>
-        <a:font script="Taml" typeface="Latha"/>
-        <a:font script="Syrc" typeface="Estrangelo Edessa"/>
-        <a:font script="Orya" typeface="Kalinga"/>
-        <a:font script="Mlym" typeface="Kartika"/>
-        <a:font script="Laoo" typeface="DokChampa"/>
-        <a:font script="Sinh" typeface="Iskoola Pota"/>
-        <a:font script="Mong" typeface="Mongolian Baiti"/>
-        <a:font script="Viet" typeface="Times New Roman"/>
-        <a:font script="Uigh" typeface="Microsoft Uighur"/>
-        <a:font script="Geor" typeface="Sylfaen"/>
-      </a:majorFont>
-      <a:minorFont>
-        <a:latin typeface="Arial"/>
-        <a:ea typeface=""/>
-        <a:cs typeface=""/>
-        <a:font script="Jpan" typeface="ＭＳ Ｐゴシック"/>
-        <a:font script="Hang" typeface="맑은 고딕"/>
-        <a:font script="Hans" typeface="宋体"/>
-        <a:font script="Hant" typeface="新細明體"/>
-        <a:font script="Arab" typeface="Arial"/>
-        <a:font script="Hebr" typeface="Arial"/>
-        <a:font script="Thai" typeface="Cordia New"/>
-        <a:font script="Ethi" typeface="Nyala"/>
-        <a:font script="Beng" typeface="Vrinda"/>
-        <a:font script="Gujr" typeface="Shruti"/>
-        <a:font script="Khmr" typeface="DaunPenh"/>
-        <a:font script="Knda" typeface="Tunga"/>
-        <a:font script="Guru" typeface="Raavi"/>
-        <a:font script="Cans" typeface="Euphemia"/>
-        <a:font script="Cher" typeface="Plantagenet Cherokee"/>
-        <a:font script="Yiii" typeface="Microsoft Yi Baiti"/>
-        <a:font script="Tibt" typeface="Microsoft Himalaya"/>
-        <a:font script="Thaa" typeface="MV Boli"/>
-        <a:font script="Deva" typeface="Mangal"/>
-        <a:font script="Telu" typeface="Gautami"/>
-        <a:font script="Taml" typeface="Latha"/>
-        <a:font script="Syrc" typeface="Estrangelo Edessa"/>
-        <a:font script="Orya" typeface="Kalinga"/>
-        <a:font script="Mlym" typeface="Kartika"/>
-        <a:font script="Laoo" typeface="DokChampa"/>
-        <a:font script="Sinh" typeface="Iskoola Pota"/>
-        <a:font script="Mong" typeface="Mongolian Baiti"/>
-        <a:font script="Viet" typeface="Arial"/>
-        <a:font script="Uigh" typeface="Microsoft Uighur"/>
-        <a:font script="Geor" typeface="Sylfaen"/>
-      </a:minorFont>
-    </a:fontScheme>
-    <a:fmtScheme name="Office">
-      <a:fillStyleLst>
-        <a:solidFill>
-          <a:schemeClr val="phClr"/>
-        </a:solidFill>
-        <a:gradFill rotWithShape="1">
-          <a:gsLst>
-            <a:gs pos="0">
-              <a:schemeClr val="phClr">
-                <a:tint val="50000"/>
-                <a:satMod val="300000"/>
-              </a:schemeClr>
-            </a:gs>
-            <a:gs pos="35000">
-              <a:schemeClr val="phClr">
-                <a:tint val="37000"/>
-                <a:satMod val="300000"/>
-              </a:schemeClr>
-            </a:gs>
-            <a:gs pos="100000">
-              <a:schemeClr val="phClr">
-                <a:tint val="15000"/>
-                <a:satMod val="350000"/>
-              </a:schemeClr>
-            </a:gs>
-          </a:gsLst>
-          <a:lin ang="16200000" scaled="1"/>
-        </a:gradFill>
-        <a:gradFill rotWithShape="1">
-          <a:gsLst>
-            <a:gs pos="0">
-              <a:schemeClr val="phClr">
-                <a:tint val="100000"/>
-                <a:shade val="100000"/>
-                <a:satMod val="130000"/>
-              </a:schemeClr>
-            </a:gs>
-            <a:gs pos="100000">
-              <a:schemeClr val="phClr">
-                <a:tint val="50000"/>
-                <a:shade val="100000"/>
-                <a:satMod val="350000"/>
-              </a:schemeClr>
-            </a:gs>
-          </a:gsLst>
-          <a:lin ang="16200000" scaled="0"/>
-        </a:gradFill>
-      </a:fillStyleLst>
-      <a:lnStyleLst>
-        <a:ln w="9525" cap="flat" cmpd="sng" algn="ctr">
-          <a:solidFill>
-            <a:schemeClr val="phClr">
-              <a:shade val="95000"/>
-              <a:satMod val="105000"/>
-            </a:schemeClr>
-          </a:solidFill>
-          <a:prstDash val="solid"/>
-        </a:ln>
-        <a:ln w="25400" cap="flat" cmpd="sng" algn="ctr">
-          <a:solidFill>
-            <a:schemeClr val="phClr"/>
-          </a:solidFill>
-          <a:prstDash val="solid"/>
-        </a:ln>
-        <a:ln w="38100" cap="flat" cmpd="sng" algn="ctr">
-          <a:solidFill>
-            <a:schemeClr val="phClr"/>
-          </a:solidFill>
-          <a:prstDash val="solid"/>
-        </a:ln>
-      </a:lnStyleLst>
-      <a:effectStyleLst>
-        <a:effectStyle>
-          <a:effectLst>
-            <a:outerShdw blurRad="40000" dist="20000" dir="5400000" rotWithShape="0">
-              <a:srgbClr val="000000">
-                <a:alpha val="38000"/>
-              </a:srgbClr>
-            </a:outerShdw>
-          </a:effectLst>
-        </a:effectStyle>
-        <a:effectStyle>
-          <a:effectLst>
-            <a:outerShdw blurRad="40000" dist="23000" dir="5400000" rotWithShape="0">
-              <a:srgbClr val="000000">
-                <a:alpha val="35000"/>
-              </a:srgbClr>
-            </a:outerShdw>
-          </a:effectLst>
-        </a:effectStyle>
-        <a:effectStyle>
-          <a:effectLst>
-            <a:outerShdw blurRad="40000" dist="23000" dir="5400000" rotWithShape="0">
-              <a:srgbClr val="000000">
-                <a:alpha val="35000"/>
-              </a:srgbClr>
-            </a:outerShdw>
-          </a:effectLst>
-          <a:scene3d>
-            <a:camera prst="orthographicFront">
-              <a:rot lat="0" lon="0" rev="0"/>
-            </a:camera>
-            <a:lightRig rig="threePt" dir="t">
-              <a:rot lat="0" lon="0" rev="1200000"/>
-            </a:lightRig>
-          </a:scene3d>
-          <a:sp3d>
-            <a:bevelT w="63500" h="25400"/>
-          </a:sp3d>
-        </a:effectStyle>
-      </a:effectStyleLst>
-      <a:bgFillStyleLst>
-        <a:solidFill>
-          <a:schemeClr val="phClr"/>
-        </a:solidFill>
-        <a:gradFill rotWithShape="1">
-          <a:gsLst>
-            <a:gs pos="0">
-              <a:schemeClr val="phClr">
-                <a:tint val="40000"/>
-                <a:satMod val="350000"/>
-              </a:schemeClr>
-            </a:gs>
-            <a:gs pos="40000">
-              <a:schemeClr val="phClr">
-                <a:tint val="45000"/>
-                <a:shade val="99000"/>
-                <a:satMod val="350000"/>
-              </a:schemeClr>
-            </a:gs>
-            <a:gs pos="100000">
-              <a:schemeClr val="phClr">
-                <a:shade val="20000"/>
-                <a:satMod val="255000"/>
-              </a:schemeClr>
-            </a:gs>
-          </a:gsLst>
-          <a:path path="circle">
-            <a:fillToRect l="50000" t="-80000" r="50000" b="180000"/>
-          </a:path>
-        </a:gradFill>
-        <a:gradFill rotWithShape="1">
-          <a:gsLst>
-            <a:gs pos="0">
-              <a:schemeClr val="phClr">
-                <a:tint val="80000"/>
-                <a:satMod val="300000"/>
-              </a:schemeClr>
-            </a:gs>
-            <a:gs pos="100000">
-              <a:schemeClr val="phClr">
-                <a:shade val="30000"/>
-                <a:satMod val="200000"/>
-              </a:schemeClr>
-            </a:gs>
-          </a:gsLst>
-          <a:path path="circle">
-            <a:fillToRect l="50000" t="50000" r="50000" b="50000"/>
-          </a:path>
-        </a:gradFill>
-      </a:bgFillStyleLst>
-    </a:fmtScheme>
-  </a:themeElements>
-</a:theme>
 </file>
--- a/Effect of Educational Attainment on per Capita Growth by State.pptx
+++ b/Effect of Educational Attainment on per Capita Growth by State.pptx
@@ -10056,7 +10056,7 @@
             </a:pPr>
             <a:r>
               <a:rPr lang="en" sz="1107"/>
-              <a:t> Bureau of Economic Analysis: Regional Economic </a:t>
+              <a:t>Bureau of Economic Analysis: Regional Economic </a:t>
             </a:r>
             <a:r>
               <a:rPr lang="en" sz="1107"/>
@@ -10409,7 +10409,24 @@
               <a:rPr lang="en" sz="1800"/>
               <a:t>If so, which state or education attainment</a:t>
             </a:r>
-            <a:endParaRPr/>
+            <a:endParaRPr sz="1800"/>
+          </a:p>
+          <a:p>
+            <a:pPr indent="-342900" lvl="0" marL="457200" rtl="0" algn="l">
+              <a:spcBef>
+                <a:spcPts val="0"/>
+              </a:spcBef>
+              <a:spcAft>
+                <a:spcPts val="0"/>
+              </a:spcAft>
+              <a:buSzPts val="1800"/>
+              <a:buChar char="●"/>
+            </a:pPr>
+            <a:r>
+              <a:rPr lang="en" sz="1800"/>
+              <a:t>Data collected for analysis is from 2005 - 2019</a:t>
+            </a:r>
+            <a:endParaRPr sz="1800"/>
           </a:p>
         </p:txBody>
       </p:sp>
@@ -10576,7 +10593,7 @@
             </a:pPr>
             <a:r>
               <a:rPr lang="en"/>
-              <a:t>Dependent Variable/Target/ ?DRAFT</a:t>
+              <a:t>Dependent Variable/Target</a:t>
             </a:r>
             <a:endParaRPr/>
           </a:p>
@@ -10682,7 +10699,7 @@
         </p:spPr>
         <p:txBody>
           <a:bodyPr anchorCtr="0" anchor="t" bIns="91425" lIns="91425" spcFirstLastPara="1" rIns="91425" wrap="square" tIns="91425">
-            <a:normAutofit/>
+            <a:normAutofit lnSpcReduction="10000"/>
           </a:bodyPr>
           <a:lstStyle/>
           <a:p>
@@ -10786,6 +10803,22 @@
             <a:r>
               <a:rPr lang="en"/>
               <a:t>- Creating a line of regression</a:t>
+            </a:r>
+            <a:endParaRPr/>
+          </a:p>
+          <a:p>
+            <a:pPr indent="0" lvl="0" marL="0" rtl="0" algn="l">
+              <a:spcBef>
+                <a:spcPts val="1200"/>
+              </a:spcBef>
+              <a:spcAft>
+                <a:spcPts val="0"/>
+              </a:spcAft>
+              <a:buNone/>
+            </a:pPr>
+            <a:r>
+              <a:rPr lang="en"/>
+              <a:t>- Machine Learning and training the data</a:t>
             </a:r>
             <a:endParaRPr/>
           </a:p>
@@ -11150,6 +11183,285 @@
 </file>
 
 <file path=ppt/theme/theme1.xml><?xml version="1.0" encoding="utf-8"?>
+<a:theme xmlns:a="http://schemas.openxmlformats.org/drawingml/2006/main" xmlns:r="http://schemas.openxmlformats.org/officeDocument/2006/relationships" name="Focus">
+  <a:themeElements>
+    <a:clrScheme name="Focus">
+      <a:dk1>
+        <a:srgbClr val="1B212C"/>
+      </a:dk1>
+      <a:lt1>
+        <a:srgbClr val="FFFFFF"/>
+      </a:lt1>
+      <a:dk2>
+        <a:srgbClr val="D9D9D9"/>
+      </a:dk2>
+      <a:lt2>
+        <a:srgbClr val="82C7A5"/>
+      </a:lt2>
+      <a:accent1>
+        <a:srgbClr val="0145AC"/>
+      </a:accent1>
+      <a:accent2>
+        <a:srgbClr val="EECE1A"/>
+      </a:accent2>
+      <a:accent3>
+        <a:srgbClr val="4E5567"/>
+      </a:accent3>
+      <a:accent4>
+        <a:srgbClr val="F4D6AD"/>
+      </a:accent4>
+      <a:accent5>
+        <a:srgbClr val="7890CD"/>
+      </a:accent5>
+      <a:accent6>
+        <a:srgbClr val="F15E22"/>
+      </a:accent6>
+      <a:hlink>
+        <a:srgbClr val="7890CD"/>
+      </a:hlink>
+      <a:folHlink>
+        <a:srgbClr val="7890CD"/>
+      </a:folHlink>
+    </a:clrScheme>
+    <a:fontScheme name="Office">
+      <a:majorFont>
+        <a:latin typeface="Arial"/>
+        <a:ea typeface=""/>
+        <a:cs typeface=""/>
+        <a:font script="Jpan" typeface="ＭＳ Ｐゴシック"/>
+        <a:font script="Hang" typeface="맑은 고딕"/>
+        <a:font script="Hans" typeface="宋体"/>
+        <a:font script="Hant" typeface="新細明體"/>
+        <a:font script="Arab" typeface="Times New Roman"/>
+        <a:font script="Hebr" typeface="Times New Roman"/>
+        <a:font script="Thai" typeface="Angsana New"/>
+        <a:font script="Ethi" typeface="Nyala"/>
+        <a:font script="Beng" typeface="Vrinda"/>
+        <a:font script="Gujr" typeface="Shruti"/>
+        <a:font script="Khmr" typeface="MoolBoran"/>
+        <a:font script="Knda" typeface="Tunga"/>
+        <a:font script="Guru" typeface="Raavi"/>
+        <a:font script="Cans" typeface="Euphemia"/>
+        <a:font script="Cher" typeface="Plantagenet Cherokee"/>
+        <a:font script="Yiii" typeface="Microsoft Yi Baiti"/>
+        <a:font script="Tibt" typeface="Microsoft Himalaya"/>
+        <a:font script="Thaa" typeface="MV Boli"/>
+        <a:font script="Deva" typeface="Mangal"/>
+        <a:font script="Telu" typeface="Gautami"/>
+        <a:font script="Taml" typeface="Latha"/>
+        <a:font script="Syrc" typeface="Estrangelo Edessa"/>
+        <a:font script="Orya" typeface="Kalinga"/>
+        <a:font script="Mlym" typeface="Kartika"/>
+        <a:font script="Laoo" typeface="DokChampa"/>
+        <a:font script="Sinh" typeface="Iskoola Pota"/>
+        <a:font script="Mong" typeface="Mongolian Baiti"/>
+        <a:font script="Viet" typeface="Times New Roman"/>
+        <a:font script="Uigh" typeface="Microsoft Uighur"/>
+        <a:font script="Geor" typeface="Sylfaen"/>
+      </a:majorFont>
+      <a:minorFont>
+        <a:latin typeface="Arial"/>
+        <a:ea typeface=""/>
+        <a:cs typeface=""/>
+        <a:font script="Jpan" typeface="ＭＳ Ｐゴシック"/>
+        <a:font script="Hang" typeface="맑은 고딕"/>
+        <a:font script="Hans" typeface="宋体"/>
+        <a:font script="Hant" typeface="新細明體"/>
+        <a:font script="Arab" typeface="Arial"/>
+        <a:font script="Hebr" typeface="Arial"/>
+        <a:font script="Thai" typeface="Cordia New"/>
+        <a:font script="Ethi" typeface="Nyala"/>
+        <a:font script="Beng" typeface="Vrinda"/>
+        <a:font script="Gujr" typeface="Shruti"/>
+        <a:font script="Khmr" typeface="DaunPenh"/>
+        <a:font script="Knda" typeface="Tunga"/>
+        <a:font script="Guru" typeface="Raavi"/>
+        <a:font script="Cans" typeface="Euphemia"/>
+        <a:font script="Cher" typeface="Plantagenet Cherokee"/>
+        <a:font script="Yiii" typeface="Microsoft Yi Baiti"/>
+        <a:font script="Tibt" typeface="Microsoft Himalaya"/>
+        <a:font script="Thaa" typeface="MV Boli"/>
+        <a:font script="Deva" typeface="Mangal"/>
+        <a:font script="Telu" typeface="Gautami"/>
+        <a:font script="Taml" typeface="Latha"/>
+        <a:font script="Syrc" typeface="Estrangelo Edessa"/>
+        <a:font script="Orya" typeface="Kalinga"/>
+        <a:font script="Mlym" typeface="Kartika"/>
+        <a:font script="Laoo" typeface="DokChampa"/>
+        <a:font script="Sinh" typeface="Iskoola Pota"/>
+        <a:font script="Mong" typeface="Mongolian Baiti"/>
+        <a:font script="Viet" typeface="Arial"/>
+        <a:font script="Uigh" typeface="Microsoft Uighur"/>
+        <a:font script="Geor" typeface="Sylfaen"/>
+      </a:minorFont>
+    </a:fontScheme>
+    <a:fmtScheme name="Office">
+      <a:fillStyleLst>
+        <a:solidFill>
+          <a:schemeClr val="phClr"/>
+        </a:solidFill>
+        <a:gradFill rotWithShape="1">
+          <a:gsLst>
+            <a:gs pos="0">
+              <a:schemeClr val="phClr">
+                <a:tint val="50000"/>
+                <a:satMod val="300000"/>
+              </a:schemeClr>
+            </a:gs>
+            <a:gs pos="35000">
+              <a:schemeClr val="phClr">
+                <a:tint val="37000"/>
+                <a:satMod val="300000"/>
+              </a:schemeClr>
+            </a:gs>
+            <a:gs pos="100000">
+              <a:schemeClr val="phClr">
+                <a:tint val="15000"/>
+                <a:satMod val="350000"/>
+              </a:schemeClr>
+            </a:gs>
+          </a:gsLst>
+          <a:lin ang="16200000" scaled="1"/>
+        </a:gradFill>
+        <a:gradFill rotWithShape="1">
+          <a:gsLst>
+            <a:gs pos="0">
+              <a:schemeClr val="phClr">
+                <a:tint val="100000"/>
+                <a:shade val="100000"/>
+                <a:satMod val="130000"/>
+              </a:schemeClr>
+            </a:gs>
+            <a:gs pos="100000">
+              <a:schemeClr val="phClr">
+                <a:tint val="50000"/>
+                <a:shade val="100000"/>
+                <a:satMod val="350000"/>
+              </a:schemeClr>
+            </a:gs>
+          </a:gsLst>
+          <a:lin ang="16200000" scaled="0"/>
+        </a:gradFill>
+      </a:fillStyleLst>
+      <a:lnStyleLst>
+        <a:ln w="9525" cap="flat" cmpd="sng" algn="ctr">
+          <a:solidFill>
+            <a:schemeClr val="phClr">
+              <a:shade val="95000"/>
+              <a:satMod val="105000"/>
+            </a:schemeClr>
+          </a:solidFill>
+          <a:prstDash val="solid"/>
+        </a:ln>
+        <a:ln w="25400" cap="flat" cmpd="sng" algn="ctr">
+          <a:solidFill>
+            <a:schemeClr val="phClr"/>
+          </a:solidFill>
+          <a:prstDash val="solid"/>
+        </a:ln>
+        <a:ln w="38100" cap="flat" cmpd="sng" algn="ctr">
+          <a:solidFill>
+            <a:schemeClr val="phClr"/>
+          </a:solidFill>
+          <a:prstDash val="solid"/>
+        </a:ln>
+      </a:lnStyleLst>
+      <a:effectStyleLst>
+        <a:effectStyle>
+          <a:effectLst>
+            <a:outerShdw blurRad="40000" dist="20000" dir="5400000" rotWithShape="0">
+              <a:srgbClr val="000000">
+                <a:alpha val="38000"/>
+              </a:srgbClr>
+            </a:outerShdw>
+          </a:effectLst>
+        </a:effectStyle>
+        <a:effectStyle>
+          <a:effectLst>
+            <a:outerShdw blurRad="40000" dist="23000" dir="5400000" rotWithShape="0">
+              <a:srgbClr val="000000">
+                <a:alpha val="35000"/>
+              </a:srgbClr>
+            </a:outerShdw>
+          </a:effectLst>
+        </a:effectStyle>
+        <a:effectStyle>
+          <a:effectLst>
+            <a:outerShdw blurRad="40000" dist="23000" dir="5400000" rotWithShape="0">
+              <a:srgbClr val="000000">
+                <a:alpha val="35000"/>
+              </a:srgbClr>
+            </a:outerShdw>
+          </a:effectLst>
+          <a:scene3d>
+            <a:camera prst="orthographicFront">
+              <a:rot lat="0" lon="0" rev="0"/>
+            </a:camera>
+            <a:lightRig rig="threePt" dir="t">
+              <a:rot lat="0" lon="0" rev="1200000"/>
+            </a:lightRig>
+          </a:scene3d>
+          <a:sp3d>
+            <a:bevelT w="63500" h="25400"/>
+          </a:sp3d>
+        </a:effectStyle>
+      </a:effectStyleLst>
+      <a:bgFillStyleLst>
+        <a:solidFill>
+          <a:schemeClr val="phClr"/>
+        </a:solidFill>
+        <a:gradFill rotWithShape="1">
+          <a:gsLst>
+            <a:gs pos="0">
+              <a:schemeClr val="phClr">
+                <a:tint val="40000"/>
+                <a:satMod val="350000"/>
+              </a:schemeClr>
+            </a:gs>
+            <a:gs pos="40000">
+              <a:schemeClr val="phClr">
+                <a:tint val="45000"/>
+                <a:shade val="99000"/>
+                <a:satMod val="350000"/>
+              </a:schemeClr>
+            </a:gs>
+            <a:gs pos="100000">
+              <a:schemeClr val="phClr">
+                <a:shade val="20000"/>
+                <a:satMod val="255000"/>
+              </a:schemeClr>
+            </a:gs>
+          </a:gsLst>
+          <a:path path="circle">
+            <a:fillToRect l="50000" t="-80000" r="50000" b="180000"/>
+          </a:path>
+        </a:gradFill>
+        <a:gradFill rotWithShape="1">
+          <a:gsLst>
+            <a:gs pos="0">
+              <a:schemeClr val="phClr">
+                <a:tint val="80000"/>
+                <a:satMod val="300000"/>
+              </a:schemeClr>
+            </a:gs>
+            <a:gs pos="100000">
+              <a:schemeClr val="phClr">
+                <a:shade val="30000"/>
+                <a:satMod val="200000"/>
+              </a:schemeClr>
+            </a:gs>
+          </a:gsLst>
+          <a:path path="circle">
+            <a:fillToRect l="50000" t="50000" r="50000" b="50000"/>
+          </a:path>
+        </a:gradFill>
+      </a:bgFillStyleLst>
+    </a:fmtScheme>
+  </a:themeElements>
+</a:theme>
+</file>
+
+<file path=ppt/theme/theme2.xml><?xml version="1.0" encoding="utf-8"?>
 <a:theme xmlns:a="http://schemas.openxmlformats.org/drawingml/2006/main" xmlns:r="http://schemas.openxmlformats.org/officeDocument/2006/relationships">
   <a:themeElements>
     <a:clrScheme name="Default">
@@ -11426,283 +11738,4 @@
     </a:fmtScheme>
   </a:themeElements>
 </a:theme>
-</file>
-
-<file path=ppt/theme/theme2.xml><?xml version="1.0" encoding="utf-8"?>
-<a:theme xmlns:a="http://schemas.openxmlformats.org/drawingml/2006/main" xmlns:r="http://schemas.openxmlformats.org/officeDocument/2006/relationships" name="Focus">
-  <a:themeElements>
-    <a:clrScheme name="Focus">
-      <a:dk1>
-        <a:srgbClr val="1B212C"/>
-      </a:dk1>
-      <a:lt1>
-        <a:srgbClr val="FFFFFF"/>
-      </a:lt1>
-      <a:dk2>
-        <a:srgbClr val="D9D9D9"/>
-      </a:dk2>
-      <a:lt2>
-        <a:srgbClr val="82C7A5"/>
-      </a:lt2>
-      <a:accent1>
-        <a:srgbClr val="0145AC"/>
-      </a:accent1>
-      <a:accent2>
-        <a:srgbClr val="EECE1A"/>
-      </a:accent2>
-      <a:accent3>
-        <a:srgbClr val="4E5567"/>
-      </a:accent3>
-      <a:accent4>
-        <a:srgbClr val="F4D6AD"/>
-      </a:accent4>
-      <a:accent5>
-        <a:srgbClr val="7890CD"/>
-      </a:accent5>
-      <a:accent6>
-        <a:srgbClr val="F15E22"/>
-      </a:accent6>
-      <a:hlink>
-        <a:srgbClr val="7890CD"/>
-      </a:hlink>
-      <a:folHlink>
-        <a:srgbClr val="7890CD"/>
-      </a:folHlink>
-    </a:clrScheme>
-    <a:fontScheme name="Office">
-      <a:majorFont>
-        <a:latin typeface="Arial"/>
-        <a:ea typeface=""/>
-        <a:cs typeface=""/>
-        <a:font script="Jpan" typeface="ＭＳ Ｐゴシック"/>
-        <a:font script="Hang" typeface="맑은 고딕"/>
-        <a:font script="Hans" typeface="宋体"/>
-        <a:font script="Hant" typeface="新細明體"/>
-        <a:font script="Arab" typeface="Times New Roman"/>
-        <a:font script="Hebr" typeface="Times New Roman"/>
-        <a:font script="Thai" typeface="Angsana New"/>
-        <a:font script="Ethi" typeface="Nyala"/>
-        <a:font script="Beng" typeface="Vrinda"/>
-        <a:font script="Gujr" typeface="Shruti"/>
-        <a:font script="Khmr" typeface="MoolBoran"/>
-        <a:font script="Knda" typeface="Tunga"/>
-        <a:font script="Guru" typeface="Raavi"/>
-        <a:font script="Cans" typeface="Euphemia"/>
-        <a:font script="Cher" typeface="Plantagenet Cherokee"/>
-        <a:font script="Yiii" typeface="Microsoft Yi Baiti"/>
-        <a:font script="Tibt" typeface="Microsoft Himalaya"/>
-        <a:font script="Thaa" typeface="MV Boli"/>
-        <a:font script="Deva" typeface="Mangal"/>
-        <a:font script="Telu" typeface="Gautami"/>
-        <a:font script="Taml" typeface="Latha"/>
-        <a:font script="Syrc" typeface="Estrangelo Edessa"/>
-        <a:font script="Orya" typeface="Kalinga"/>
-        <a:font script="Mlym" typeface="Kartika"/>
-        <a:font script="Laoo" typeface="DokChampa"/>
-        <a:font script="Sinh" typeface="Iskoola Pota"/>
-        <a:font script="Mong" typeface="Mongolian Baiti"/>
-        <a:font script="Viet" typeface="Times New Roman"/>
-        <a:font script="Uigh" typeface="Microsoft Uighur"/>
-        <a:font script="Geor" typeface="Sylfaen"/>
-      </a:majorFont>
-      <a:minorFont>
-        <a:latin typeface="Arial"/>
-        <a:ea typeface=""/>
-        <a:cs typeface=""/>
-        <a:font script="Jpan" typeface="ＭＳ Ｐゴシック"/>
-        <a:font script="Hang" typeface="맑은 고딕"/>
-        <a:font script="Hans" typeface="宋体"/>
-        <a:font script="Hant" typeface="新細明體"/>
-        <a:font script="Arab" typeface="Arial"/>
-        <a:font script="Hebr" typeface="Arial"/>
-        <a:font script="Thai" typeface="Cordia New"/>
-        <a:font script="Ethi" typeface="Nyala"/>
-        <a:font script="Beng" typeface="Vrinda"/>
-        <a:font script="Gujr" typeface="Shruti"/>
-        <a:font script="Khmr" typeface="DaunPenh"/>
-        <a:font script="Knda" typeface="Tunga"/>
-        <a:font script="Guru" typeface="Raavi"/>
-        <a:font script="Cans" typeface="Euphemia"/>
-        <a:font script="Cher" typeface="Plantagenet Cherokee"/>
-        <a:font script="Yiii" typeface="Microsoft Yi Baiti"/>
-        <a:font script="Tibt" typeface="Microsoft Himalaya"/>
-        <a:font script="Thaa" typeface="MV Boli"/>
-        <a:font script="Deva" typeface="Mangal"/>
-        <a:font script="Telu" typeface="Gautami"/>
-        <a:font script="Taml" typeface="Latha"/>
-        <a:font script="Syrc" typeface="Estrangelo Edessa"/>
-        <a:font script="Orya" typeface="Kalinga"/>
-        <a:font script="Mlym" typeface="Kartika"/>
-        <a:font script="Laoo" typeface="DokChampa"/>
-        <a:font script="Sinh" typeface="Iskoola Pota"/>
-        <a:font script="Mong" typeface="Mongolian Baiti"/>
-        <a:font script="Viet" typeface="Arial"/>
-        <a:font script="Uigh" typeface="Microsoft Uighur"/>
-        <a:font script="Geor" typeface="Sylfaen"/>
-      </a:minorFont>
-    </a:fontScheme>
-    <a:fmtScheme name="Office">
-      <a:fillStyleLst>
-        <a:solidFill>
-          <a:schemeClr val="phClr"/>
-        </a:solidFill>
-        <a:gradFill rotWithShape="1">
-          <a:gsLst>
-            <a:gs pos="0">
-              <a:schemeClr val="phClr">
-                <a:tint val="50000"/>
-                <a:satMod val="300000"/>
-              </a:schemeClr>
-            </a:gs>
-            <a:gs pos="35000">
-              <a:schemeClr val="phClr">
-                <a:tint val="37000"/>
-                <a:satMod val="300000"/>
-              </a:schemeClr>
-            </a:gs>
-            <a:gs pos="100000">
-              <a:schemeClr val="phClr">
-                <a:tint val="15000"/>
-                <a:satMod val="350000"/>
-              </a:schemeClr>
-            </a:gs>
-          </a:gsLst>
-          <a:lin ang="16200000" scaled="1"/>
-        </a:gradFill>
-        <a:gradFill rotWithShape="1">
-          <a:gsLst>
-            <a:gs pos="0">
-              <a:schemeClr val="phClr">
-                <a:tint val="100000"/>
-                <a:shade val="100000"/>
-                <a:satMod val="130000"/>
-              </a:schemeClr>
-            </a:gs>
-            <a:gs pos="100000">
-              <a:schemeClr val="phClr">
-                <a:tint val="50000"/>
-                <a:shade val="100000"/>
-                <a:satMod val="350000"/>
-              </a:schemeClr>
-            </a:gs>
-          </a:gsLst>
-          <a:lin ang="16200000" scaled="0"/>
-        </a:gradFill>
-      </a:fillStyleLst>
-      <a:lnStyleLst>
-        <a:ln w="9525" cap="flat" cmpd="sng" algn="ctr">
-          <a:solidFill>
-            <a:schemeClr val="phClr">
-              <a:shade val="95000"/>
-              <a:satMod val="105000"/>
-            </a:schemeClr>
-          </a:solidFill>
-          <a:prstDash val="solid"/>
-        </a:ln>
-        <a:ln w="25400" cap="flat" cmpd="sng" algn="ctr">
-          <a:solidFill>
-            <a:schemeClr val="phClr"/>
-          </a:solidFill>
-          <a:prstDash val="solid"/>
-        </a:ln>
-        <a:ln w="38100" cap="flat" cmpd="sng" algn="ctr">
-          <a:solidFill>
-            <a:schemeClr val="phClr"/>
-          </a:solidFill>
-          <a:prstDash val="solid"/>
-        </a:ln>
-      </a:lnStyleLst>
-      <a:effectStyleLst>
-        <a:effectStyle>
-          <a:effectLst>
-            <a:outerShdw blurRad="40000" dist="20000" dir="5400000" rotWithShape="0">
-              <a:srgbClr val="000000">
-                <a:alpha val="38000"/>
-              </a:srgbClr>
-            </a:outerShdw>
-          </a:effectLst>
-        </a:effectStyle>
-        <a:effectStyle>
-          <a:effectLst>
-            <a:outerShdw blurRad="40000" dist="23000" dir="5400000" rotWithShape="0">
-              <a:srgbClr val="000000">
-                <a:alpha val="35000"/>
-              </a:srgbClr>
-            </a:outerShdw>
-          </a:effectLst>
-        </a:effectStyle>
-        <a:effectStyle>
-          <a:effectLst>
-            <a:outerShdw blurRad="40000" dist="23000" dir="5400000" rotWithShape="0">
-              <a:srgbClr val="000000">
-                <a:alpha val="35000"/>
-              </a:srgbClr>
-            </a:outerShdw>
-          </a:effectLst>
-          <a:scene3d>
-            <a:camera prst="orthographicFront">
-              <a:rot lat="0" lon="0" rev="0"/>
-            </a:camera>
-            <a:lightRig rig="threePt" dir="t">
-              <a:rot lat="0" lon="0" rev="1200000"/>
-            </a:lightRig>
-          </a:scene3d>
-          <a:sp3d>
-            <a:bevelT w="63500" h="25400"/>
-          </a:sp3d>
-        </a:effectStyle>
-      </a:effectStyleLst>
-      <a:bgFillStyleLst>
-        <a:solidFill>
-          <a:schemeClr val="phClr"/>
-        </a:solidFill>
-        <a:gradFill rotWithShape="1">
-          <a:gsLst>
-            <a:gs pos="0">
-              <a:schemeClr val="phClr">
-                <a:tint val="40000"/>
-                <a:satMod val="350000"/>
-              </a:schemeClr>
-            </a:gs>
-            <a:gs pos="40000">
-              <a:schemeClr val="phClr">
-                <a:tint val="45000"/>
-                <a:shade val="99000"/>
-                <a:satMod val="350000"/>
-              </a:schemeClr>
-            </a:gs>
-            <a:gs pos="100000">
-              <a:schemeClr val="phClr">
-                <a:shade val="20000"/>
-                <a:satMod val="255000"/>
-              </a:schemeClr>
-            </a:gs>
-          </a:gsLst>
-          <a:path path="circle">
-            <a:fillToRect l="50000" t="-80000" r="50000" b="180000"/>
-          </a:path>
-        </a:gradFill>
-        <a:gradFill rotWithShape="1">
-          <a:gsLst>
-            <a:gs pos="0">
-              <a:schemeClr val="phClr">
-                <a:tint val="80000"/>
-                <a:satMod val="300000"/>
-              </a:schemeClr>
-            </a:gs>
-            <a:gs pos="100000">
-              <a:schemeClr val="phClr">
-                <a:shade val="30000"/>
-                <a:satMod val="200000"/>
-              </a:schemeClr>
-            </a:gs>
-          </a:gsLst>
-          <a:path path="circle">
-            <a:fillToRect l="50000" t="50000" r="50000" b="50000"/>
-          </a:path>
-        </a:gradFill>
-      </a:bgFillStyleLst>
-    </a:fmtScheme>
-  </a:themeElements>
-</a:theme>
 </file>
--- a/Effect of Educational Attainment on per Capita Growth by State.pptx
+++ b/Effect of Educational Attainment on per Capita Growth by State.pptx
@@ -16,23 +16,24 @@
     <p:sldId id="261" r:id="rId11"/>
     <p:sldId id="262" r:id="rId12"/>
     <p:sldId id="263" r:id="rId13"/>
+    <p:sldId id="264" r:id="rId14"/>
   </p:sldIdLst>
   <p:sldSz cy="5143500" cx="9144000"/>
   <p:notesSz cx="6858000" cy="9144000"/>
   <p:embeddedFontLst>
     <p:embeddedFont>
       <p:font typeface="Montserrat"/>
-      <p:regular r:id="rId14"/>
-      <p:bold r:id="rId15"/>
-      <p:italic r:id="rId16"/>
-      <p:boldItalic r:id="rId17"/>
+      <p:regular r:id="rId15"/>
+      <p:bold r:id="rId16"/>
+      <p:italic r:id="rId17"/>
+      <p:boldItalic r:id="rId18"/>
     </p:embeddedFont>
     <p:embeddedFont>
       <p:font typeface="Lato"/>
-      <p:regular r:id="rId18"/>
-      <p:bold r:id="rId19"/>
-      <p:italic r:id="rId20"/>
-      <p:boldItalic r:id="rId21"/>
+      <p:regular r:id="rId19"/>
+      <p:bold r:id="rId20"/>
+      <p:italic r:id="rId21"/>
+      <p:boldItalic r:id="rId22"/>
     </p:embeddedFont>
   </p:embeddedFontLst>
   <p:defaultTextStyle>
@@ -926,7 +927,7 @@
       </p:grpSpPr>
       <p:sp>
         <p:nvSpPr>
-          <p:cNvPr id="143" name="Google Shape;143;g1153f00578a_0_136:notes"/>
+          <p:cNvPr id="143" name="Google Shape;143;g1153f00578a_0_150:notes"/>
           <p:cNvSpPr/>
           <p:nvPr>
             <p:ph idx="2" type="sldImg"/>
@@ -961,7 +962,7 @@
       </p:sp>
       <p:sp>
         <p:nvSpPr>
-          <p:cNvPr id="144" name="Google Shape;144;g1153f00578a_0_136:notes"/>
+          <p:cNvPr id="144" name="Google Shape;144;g1153f00578a_0_150:notes"/>
           <p:cNvSpPr txBox="1"/>
           <p:nvPr>
             <p:ph idx="1" type="body"/>
@@ -1025,7 +1026,7 @@
       </p:grpSpPr>
       <p:sp>
         <p:nvSpPr>
-          <p:cNvPr id="149" name="Google Shape;149;g1153f00578a_0_150:notes"/>
+          <p:cNvPr id="149" name="Google Shape;149;g1153f00578a_0_136:notes"/>
           <p:cNvSpPr/>
           <p:nvPr>
             <p:ph idx="2" type="sldImg"/>
@@ -1060,7 +1061,7 @@
       </p:sp>
       <p:sp>
         <p:nvSpPr>
-          <p:cNvPr id="150" name="Google Shape;150;g1153f00578a_0_150:notes"/>
+          <p:cNvPr id="150" name="Google Shape;150;g1153f00578a_0_136:notes"/>
           <p:cNvSpPr txBox="1"/>
           <p:nvPr>
             <p:ph idx="1" type="body"/>
@@ -1457,6 +1458,105 @@
       <p:sp>
         <p:nvSpPr>
           <p:cNvPr id="174" name="Google Shape;174;g116099cb52e_0_0:notes"/>
+          <p:cNvSpPr txBox="1"/>
+          <p:nvPr>
+            <p:ph idx="1" type="body"/>
+          </p:nvPr>
+        </p:nvSpPr>
+        <p:spPr>
+          <a:xfrm>
+            <a:off x="685800" y="4343400"/>
+            <a:ext cx="5486400" cy="4114800"/>
+          </a:xfrm>
+          <a:prstGeom prst="rect">
+            <a:avLst/>
+          </a:prstGeom>
+        </p:spPr>
+        <p:txBody>
+          <a:bodyPr anchorCtr="0" anchor="t" bIns="91425" lIns="91425" spcFirstLastPara="1" rIns="91425" wrap="square" tIns="91425">
+            <a:noAutofit/>
+          </a:bodyPr>
+          <a:lstStyle/>
+          <a:p>
+            <a:pPr indent="0" lvl="0" marL="0" rtl="0" algn="l">
+              <a:spcBef>
+                <a:spcPts val="0"/>
+              </a:spcBef>
+              <a:spcAft>
+                <a:spcPts val="0"/>
+              </a:spcAft>
+              <a:buNone/>
+            </a:pPr>
+            <a:r>
+              <a:t/>
+            </a:r>
+            <a:endParaRPr/>
+          </a:p>
+        </p:txBody>
+      </p:sp>
+    </p:spTree>
+  </p:cSld>
+  <p:clrMapOvr>
+    <a:masterClrMapping/>
+  </p:clrMapOvr>
+</p:notes>
+</file>
+
+<file path=ppt/notesSlides/notesSlide9.xml><?xml version="1.0" encoding="utf-8"?>
+<p:notes xmlns:a="http://schemas.openxmlformats.org/drawingml/2006/main" xmlns:r="http://schemas.openxmlformats.org/officeDocument/2006/relationships" xmlns:mc="http://schemas.openxmlformats.org/markup-compatibility/2006" xmlns:mv="urn:schemas-microsoft-com:mac:vml" xmlns:p="http://schemas.openxmlformats.org/presentationml/2006/main" xmlns:c="http://schemas.openxmlformats.org/drawingml/2006/chart" xmlns:dgm="http://schemas.openxmlformats.org/drawingml/2006/diagram" xmlns:o="urn:schemas-microsoft-com:office:office" xmlns:v="urn:schemas-microsoft-com:vml" xmlns:pvml="urn:schemas-microsoft-com:office:powerpoint" xmlns:com="http://schemas.openxmlformats.org/drawingml/2006/compatibility" xmlns:p14="http://schemas.microsoft.com/office/powerpoint/2010/main" xmlns:p15="http://schemas.microsoft.com/office/powerpoint/2012/main" xmlns:ahyp="http://schemas.microsoft.com/office/drawing/2018/hyperlinkcolor" showMasterPhAnim="0" showMasterSp="0">
+  <p:cSld>
+    <p:spTree>
+      <p:nvGrpSpPr>
+        <p:cNvPr id="178" name="Shape 178"/>
+        <p:cNvGrpSpPr/>
+        <p:nvPr/>
+      </p:nvGrpSpPr>
+      <p:grpSpPr>
+        <a:xfrm>
+          <a:off x="0" y="0"/>
+          <a:ext cx="0" cy="0"/>
+          <a:chOff x="0" y="0"/>
+          <a:chExt cx="0" cy="0"/>
+        </a:xfrm>
+      </p:grpSpPr>
+      <p:sp>
+        <p:nvSpPr>
+          <p:cNvPr id="179" name="Google Shape;179;g11768d52d85_0_0:notes"/>
+          <p:cNvSpPr/>
+          <p:nvPr>
+            <p:ph idx="2" type="sldImg"/>
+          </p:nvPr>
+        </p:nvSpPr>
+        <p:spPr>
+          <a:xfrm>
+            <a:off x="381300" y="685800"/>
+            <a:ext cx="6096000" cy="3429000"/>
+          </a:xfrm>
+          <a:custGeom>
+            <a:rect b="b" l="l" r="r" t="t"/>
+            <a:pathLst>
+              <a:path extrusionOk="0" h="120000" w="120000">
+                <a:moveTo>
+                  <a:pt x="0" y="0"/>
+                </a:moveTo>
+                <a:lnTo>
+                  <a:pt x="120000" y="0"/>
+                </a:lnTo>
+                <a:lnTo>
+                  <a:pt x="120000" y="120000"/>
+                </a:lnTo>
+                <a:lnTo>
+                  <a:pt x="0" y="120000"/>
+                </a:lnTo>
+                <a:close/>
+              </a:path>
+            </a:pathLst>
+          </a:custGeom>
+        </p:spPr>
+      </p:sp>
+      <p:sp>
+        <p:nvSpPr>
+          <p:cNvPr id="180" name="Google Shape;180;g11768d52d85_0_0:notes"/>
           <p:cNvSpPr txBox="1"/>
           <p:nvPr>
             <p:ph idx="1" type="body"/>
@@ -9907,7 +10007,7 @@
             </a:r>
             <a:r>
               <a:rPr lang="en" sz="1800"/>
-              <a:t> impact education has on per capita growth year over year.  The goal of our proposed question is to </a:t>
+              <a:t> impact education has on per capita growth year over year on state level.  The goal of our proposed question is to </a:t>
             </a:r>
             <a:r>
               <a:rPr lang="en" sz="1800"/>
@@ -9969,19 +10069,19 @@
         <p:spPr>
           <a:xfrm>
             <a:off x="1297500" y="393750"/>
-            <a:ext cx="7038900" cy="914100"/>
+            <a:ext cx="7482000" cy="914100"/>
           </a:xfrm>
           <a:prstGeom prst="rect">
             <a:avLst/>
           </a:prstGeom>
         </p:spPr>
         <p:txBody>
-          <a:bodyPr anchorCtr="0" anchor="ctr" bIns="91425" lIns="91425" spcFirstLastPara="1" rIns="91425" wrap="square" tIns="91425">
-            <a:normAutofit/>
+          <a:bodyPr anchorCtr="0" anchor="t" bIns="91425" lIns="91425" spcFirstLastPara="1" rIns="91425" wrap="square" tIns="91425">
+            <a:normAutofit fontScale="90000"/>
           </a:bodyPr>
           <a:lstStyle/>
           <a:p>
-            <a:pPr indent="0" lvl="0" marL="0" rtl="0" algn="ctr">
+            <a:pPr indent="0" lvl="0" marL="0" rtl="0" algn="l">
               <a:spcBef>
                 <a:spcPts val="0"/>
               </a:spcBef>
@@ -9991,10 +10091,10 @@
               <a:buNone/>
             </a:pPr>
             <a:r>
-              <a:rPr lang="en"/>
-              <a:t>Data Source</a:t>
+              <a:rPr lang="en" sz="2622"/>
+              <a:t>Proposed questions to answer with the analysis:</a:t>
             </a:r>
-            <a:endParaRPr/>
+            <a:endParaRPr sz="2622"/>
           </a:p>
         </p:txBody>
       </p:sp>
@@ -10009,7 +10109,7 @@
         <p:spPr>
           <a:xfrm>
             <a:off x="1297500" y="1567550"/>
-            <a:ext cx="7038900" cy="2911200"/>
+            <a:ext cx="7581300" cy="2911200"/>
           </a:xfrm>
           <a:prstGeom prst="rect">
             <a:avLst/>
@@ -10017,204 +10117,131 @@
         </p:spPr>
         <p:txBody>
           <a:bodyPr anchorCtr="0" anchor="t" bIns="91425" lIns="91425" spcFirstLastPara="1" rIns="91425" wrap="square" tIns="91425">
-            <a:noAutofit/>
+            <a:normAutofit/>
           </a:bodyPr>
           <a:lstStyle/>
           <a:p>
-            <a:pPr indent="0" lvl="0" marL="0" rtl="0" algn="l">
-              <a:lnSpc>
-                <a:spcPct val="95000"/>
-              </a:lnSpc>
-              <a:spcBef>
-                <a:spcPts val="0"/>
-              </a:spcBef>
-              <a:spcAft>
-                <a:spcPts val="0"/>
-              </a:spcAft>
-              <a:buSzPts val="852"/>
-              <a:buNone/>
+            <a:pPr indent="-342900" lvl="0" marL="457200" rtl="0" algn="l">
+              <a:spcBef>
+                <a:spcPts val="0"/>
+              </a:spcBef>
+              <a:spcAft>
+                <a:spcPts val="0"/>
+              </a:spcAft>
+              <a:buSzPts val="1800"/>
+              <a:buChar char="●"/>
             </a:pPr>
             <a:r>
-              <a:rPr lang="en" sz="1107"/>
-              <a:t>Per Capita Income by State</a:t>
+              <a:rPr lang="en" sz="1800"/>
+              <a:t>T</a:t>
             </a:r>
-            <a:endParaRPr sz="1107"/>
+            <a:r>
+              <a:rPr lang="en" sz="1800"/>
+              <a:t>he impact education has on per capita growth year over year in each state</a:t>
+            </a:r>
+            <a:endParaRPr sz="1800"/>
           </a:p>
           <a:p>
-            <a:pPr indent="0" lvl="0" marL="457200" marR="0" rtl="0" algn="l">
-              <a:lnSpc>
-                <a:spcPct val="95000"/>
-              </a:lnSpc>
-              <a:spcBef>
-                <a:spcPts val="1200"/>
-              </a:spcBef>
-              <a:spcAft>
-                <a:spcPts val="0"/>
-              </a:spcAft>
-              <a:buSzPts val="852"/>
-              <a:buNone/>
+            <a:pPr indent="-342900" lvl="0" marL="457200" rtl="0" algn="l">
+              <a:spcBef>
+                <a:spcPts val="0"/>
+              </a:spcBef>
+              <a:spcAft>
+                <a:spcPts val="0"/>
+              </a:spcAft>
+              <a:buSzPts val="1800"/>
+              <a:buChar char="●"/>
             </a:pPr>
             <a:r>
-              <a:rPr lang="en" sz="1107"/>
-              <a:t>Bureau of Economic Analysis: Regional Economic </a:t>
+              <a:rPr lang="en" sz="1800"/>
+              <a:t>Will there be notable patterns</a:t>
             </a:r>
-            <a:r>
-              <a:rPr lang="en" sz="1107"/>
-              <a:t>Accounts</a:t>
-            </a:r>
-            <a:r>
-              <a:rPr lang="en" sz="1107"/>
-              <a:t>, Personal Income (State and Local), Annual Personal Income and Employment by State</a:t>
-            </a:r>
-            <a:endParaRPr sz="1107"/>
+            <a:endParaRPr sz="1800"/>
           </a:p>
           <a:p>
-            <a:pPr indent="0" lvl="0" marL="0" marR="0" rtl="0" algn="l">
-              <a:lnSpc>
-                <a:spcPct val="95000"/>
-              </a:lnSpc>
-              <a:spcBef>
-                <a:spcPts val="1200"/>
-              </a:spcBef>
-              <a:spcAft>
-                <a:spcPts val="0"/>
-              </a:spcAft>
-              <a:buSzPts val="852"/>
-              <a:buNone/>
+            <a:pPr indent="-342900" lvl="1" marL="914400" rtl="0" algn="l">
+              <a:spcBef>
+                <a:spcPts val="0"/>
+              </a:spcBef>
+              <a:spcAft>
+                <a:spcPts val="0"/>
+              </a:spcAft>
+              <a:buSzPts val="1800"/>
+              <a:buChar char="○"/>
             </a:pPr>
             <a:r>
-              <a:rPr lang="en" sz="1107"/>
-              <a:t>	 https://apps.bea.gov/regional/downloadzip.cfm, SAINC5N_ALLAREAS_1998_2020.csv</a:t>
+              <a:rPr lang="en" sz="1800"/>
+              <a:t>Are there patterns between states</a:t>
             </a:r>
-            <a:endParaRPr sz="875">
-              <a:solidFill>
-                <a:schemeClr val="dk2"/>
-              </a:solidFill>
-              <a:highlight>
-                <a:srgbClr val="2B2B2B"/>
-              </a:highlight>
-              <a:latin typeface="Consolas"/>
-              <a:ea typeface="Consolas"/>
-              <a:cs typeface="Consolas"/>
-              <a:sym typeface="Consolas"/>
-            </a:endParaRPr>
+            <a:endParaRPr sz="1800"/>
           </a:p>
           <a:p>
-            <a:pPr indent="0" lvl="0" marL="0" marR="0" rtl="0" algn="l">
-              <a:lnSpc>
-                <a:spcPct val="95000"/>
-              </a:lnSpc>
-              <a:spcBef>
-                <a:spcPts val="1200"/>
-              </a:spcBef>
-              <a:spcAft>
-                <a:spcPts val="0"/>
-              </a:spcAft>
-              <a:buSzPts val="852"/>
-              <a:buNone/>
+            <a:pPr indent="-342900" lvl="1" marL="914400" rtl="0" algn="l">
+              <a:spcBef>
+                <a:spcPts val="0"/>
+              </a:spcBef>
+              <a:spcAft>
+                <a:spcPts val="0"/>
+              </a:spcAft>
+              <a:buSzPts val="1800"/>
+              <a:buChar char="○"/>
             </a:pPr>
             <a:r>
-              <a:t/>
+              <a:rPr lang="en" sz="1800"/>
+              <a:t>Are there patterns between regions</a:t>
             </a:r>
-            <a:endParaRPr sz="1107"/>
+            <a:endParaRPr sz="1800"/>
           </a:p>
           <a:p>
-            <a:pPr indent="0" lvl="0" marL="0" marR="0" rtl="0" algn="l">
-              <a:lnSpc>
-                <a:spcPct val="95000"/>
-              </a:lnSpc>
-              <a:spcBef>
-                <a:spcPts val="1200"/>
-              </a:spcBef>
-              <a:spcAft>
-                <a:spcPts val="0"/>
-              </a:spcAft>
-              <a:buSzPts val="852"/>
-              <a:buNone/>
+            <a:pPr indent="-342900" lvl="0" marL="457200" rtl="0" algn="l">
+              <a:spcBef>
+                <a:spcPts val="0"/>
+              </a:spcBef>
+              <a:spcAft>
+                <a:spcPts val="0"/>
+              </a:spcAft>
+              <a:buSzPts val="1800"/>
+              <a:buChar char="●"/>
             </a:pPr>
             <a:r>
-              <a:rPr lang="en" sz="1107"/>
-              <a:t>Educational attainment</a:t>
+              <a:rPr lang="en" sz="1800"/>
+              <a:t>Are there outliers</a:t>
             </a:r>
-            <a:endParaRPr sz="1107"/>
+            <a:endParaRPr sz="1800"/>
           </a:p>
           <a:p>
-            <a:pPr indent="457200" lvl="0" marL="0" marR="0" rtl="0" algn="l">
-              <a:lnSpc>
-                <a:spcPct val="95000"/>
-              </a:lnSpc>
-              <a:spcBef>
-                <a:spcPts val="1200"/>
-              </a:spcBef>
-              <a:spcAft>
-                <a:spcPts val="0"/>
-              </a:spcAft>
-              <a:buSzPts val="852"/>
-              <a:buNone/>
+            <a:pPr indent="-342900" lvl="1" marL="914400" rtl="0" algn="l">
+              <a:spcBef>
+                <a:spcPts val="0"/>
+              </a:spcBef>
+              <a:spcAft>
+                <a:spcPts val="0"/>
+              </a:spcAft>
+              <a:buSzPts val="1800"/>
+              <a:buChar char="○"/>
             </a:pPr>
             <a:r>
-              <a:rPr lang="en" sz="1107"/>
-              <a:t>Census.gov: American Community Survey, Selected Social Characteristics in the United States, </a:t>
+              <a:rPr lang="en" sz="1800"/>
+              <a:t>If so, which state or education attainment</a:t>
             </a:r>
-            <a:endParaRPr sz="1107"/>
+            <a:endParaRPr sz="1800"/>
           </a:p>
           <a:p>
-            <a:pPr indent="457200" lvl="0" marL="0" marR="0" rtl="0" algn="l">
-              <a:lnSpc>
-                <a:spcPct val="95000"/>
-              </a:lnSpc>
-              <a:spcBef>
-                <a:spcPts val="1200"/>
-              </a:spcBef>
-              <a:spcAft>
-                <a:spcPts val="0"/>
-              </a:spcAft>
-              <a:buSzPts val="852"/>
-              <a:buNone/>
+            <a:pPr indent="-342900" lvl="0" marL="457200" rtl="0" algn="l">
+              <a:spcBef>
+                <a:spcPts val="0"/>
+              </a:spcBef>
+              <a:spcAft>
+                <a:spcPts val="0"/>
+              </a:spcAft>
+              <a:buSzPts val="1800"/>
+              <a:buChar char="●"/>
             </a:pPr>
             <a:r>
-              <a:rPr lang="en" sz="1107"/>
-              <a:t>https://data.census.gov/cedsci/table?q=DP02&amp;g=0100000US%240400000&amp;tid=ACSDP1Y2019.DP02</a:t>
+              <a:rPr lang="en" sz="1800"/>
+              <a:t>Data collected for analysis is from 2005 - 2019</a:t>
             </a:r>
-            <a:endParaRPr sz="1107"/>
-          </a:p>
-          <a:p>
-            <a:pPr indent="0" lvl="0" marL="0" marR="0" rtl="0" algn="l">
-              <a:lnSpc>
-                <a:spcPct val="95000"/>
-              </a:lnSpc>
-              <a:spcBef>
-                <a:spcPts val="1200"/>
-              </a:spcBef>
-              <a:spcAft>
-                <a:spcPts val="0"/>
-              </a:spcAft>
-              <a:buSzPts val="852"/>
-              <a:buNone/>
-            </a:pPr>
-            <a:r>
-              <a:t/>
-            </a:r>
-            <a:endParaRPr sz="1107"/>
-          </a:p>
-          <a:p>
-            <a:pPr indent="0" lvl="0" marL="0" rtl="0" algn="l">
-              <a:lnSpc>
-                <a:spcPct val="95000"/>
-              </a:lnSpc>
-              <a:spcBef>
-                <a:spcPts val="1200"/>
-              </a:spcBef>
-              <a:spcAft>
-                <a:spcPts val="1200"/>
-              </a:spcAft>
-              <a:buSzPts val="852"/>
-              <a:buNone/>
-            </a:pPr>
-            <a:r>
-              <a:t/>
-            </a:r>
-            <a:endParaRPr sz="1007"/>
+            <a:endParaRPr sz="1800"/>
           </a:p>
         </p:txBody>
       </p:sp>
@@ -10254,19 +10281,19 @@
         <p:spPr>
           <a:xfrm>
             <a:off x="1297500" y="393750"/>
-            <a:ext cx="7482000" cy="914100"/>
+            <a:ext cx="7038900" cy="914100"/>
           </a:xfrm>
           <a:prstGeom prst="rect">
             <a:avLst/>
           </a:prstGeom>
         </p:spPr>
         <p:txBody>
-          <a:bodyPr anchorCtr="0" anchor="t" bIns="91425" lIns="91425" spcFirstLastPara="1" rIns="91425" wrap="square" tIns="91425">
-            <a:normAutofit fontScale="90000"/>
+          <a:bodyPr anchorCtr="0" anchor="ctr" bIns="91425" lIns="91425" spcFirstLastPara="1" rIns="91425" wrap="square" tIns="91425">
+            <a:normAutofit/>
           </a:bodyPr>
           <a:lstStyle/>
           <a:p>
-            <a:pPr indent="0" lvl="0" marL="0" rtl="0" algn="l">
+            <a:pPr indent="0" lvl="0" marL="0" rtl="0" algn="ctr">
               <a:spcBef>
                 <a:spcPts val="0"/>
               </a:spcBef>
@@ -10276,10 +10303,10 @@
               <a:buNone/>
             </a:pPr>
             <a:r>
-              <a:rPr lang="en" sz="2622"/>
-              <a:t>Proposed questions to answer with the analysis:</a:t>
+              <a:rPr lang="en"/>
+              <a:t>Data Source</a:t>
             </a:r>
-            <a:endParaRPr sz="2622"/>
+            <a:endParaRPr/>
           </a:p>
         </p:txBody>
       </p:sp>
@@ -10294,7 +10321,7 @@
         <p:spPr>
           <a:xfrm>
             <a:off x="1297500" y="1567550"/>
-            <a:ext cx="7581300" cy="2911200"/>
+            <a:ext cx="7038900" cy="2911200"/>
           </a:xfrm>
           <a:prstGeom prst="rect">
             <a:avLst/>
@@ -10302,131 +10329,204 @@
         </p:spPr>
         <p:txBody>
           <a:bodyPr anchorCtr="0" anchor="t" bIns="91425" lIns="91425" spcFirstLastPara="1" rIns="91425" wrap="square" tIns="91425">
-            <a:normAutofit/>
+            <a:noAutofit/>
           </a:bodyPr>
           <a:lstStyle/>
           <a:p>
-            <a:pPr indent="-342900" lvl="0" marL="457200" rtl="0" algn="l">
-              <a:spcBef>
-                <a:spcPts val="0"/>
-              </a:spcBef>
-              <a:spcAft>
-                <a:spcPts val="0"/>
-              </a:spcAft>
-              <a:buSzPts val="1800"/>
-              <a:buChar char="●"/>
+            <a:pPr indent="0" lvl="0" marL="0" rtl="0" algn="l">
+              <a:lnSpc>
+                <a:spcPct val="95000"/>
+              </a:lnSpc>
+              <a:spcBef>
+                <a:spcPts val="0"/>
+              </a:spcBef>
+              <a:spcAft>
+                <a:spcPts val="0"/>
+              </a:spcAft>
+              <a:buSzPts val="852"/>
+              <a:buNone/>
             </a:pPr>
             <a:r>
-              <a:rPr lang="en" sz="1800"/>
-              <a:t>T</a:t>
+              <a:rPr lang="en" sz="1107"/>
+              <a:t>Per Capita Income by State</a:t>
+            </a:r>
+            <a:endParaRPr sz="1107"/>
+          </a:p>
+          <a:p>
+            <a:pPr indent="0" lvl="0" marL="457200" marR="0" rtl="0" algn="l">
+              <a:lnSpc>
+                <a:spcPct val="95000"/>
+              </a:lnSpc>
+              <a:spcBef>
+                <a:spcPts val="1200"/>
+              </a:spcBef>
+              <a:spcAft>
+                <a:spcPts val="0"/>
+              </a:spcAft>
+              <a:buSzPts val="852"/>
+              <a:buNone/>
+            </a:pPr>
+            <a:r>
+              <a:rPr lang="en" sz="1107"/>
+              <a:t>Bureau of Economic Analysis: Regional Economic </a:t>
             </a:r>
             <a:r>
-              <a:rPr lang="en" sz="1800"/>
-              <a:t>he impact education has on per capita growth year over year in each state</a:t>
+              <a:rPr lang="en" sz="1107"/>
+              <a:t>Accounts</a:t>
             </a:r>
-            <a:endParaRPr sz="1800"/>
+            <a:r>
+              <a:rPr lang="en" sz="1107"/>
+              <a:t>, Personal Income (State and Local), Annual Personal Income and Employment by State</a:t>
+            </a:r>
+            <a:endParaRPr sz="1107"/>
           </a:p>
           <a:p>
-            <a:pPr indent="-342900" lvl="0" marL="457200" rtl="0" algn="l">
-              <a:spcBef>
-                <a:spcPts val="0"/>
-              </a:spcBef>
-              <a:spcAft>
-                <a:spcPts val="0"/>
-              </a:spcAft>
-              <a:buSzPts val="1800"/>
-              <a:buChar char="●"/>
+            <a:pPr indent="0" lvl="0" marL="0" marR="0" rtl="0" algn="l">
+              <a:lnSpc>
+                <a:spcPct val="95000"/>
+              </a:lnSpc>
+              <a:spcBef>
+                <a:spcPts val="1200"/>
+              </a:spcBef>
+              <a:spcAft>
+                <a:spcPts val="0"/>
+              </a:spcAft>
+              <a:buSzPts val="852"/>
+              <a:buNone/>
             </a:pPr>
             <a:r>
-              <a:rPr lang="en" sz="1800"/>
-              <a:t>Will there be notable patterns</a:t>
+              <a:rPr lang="en" sz="1107"/>
+              <a:t>	 https://apps.bea.gov/regional/downloadzip.cfm, SAINC5N_ALLAREAS_1998_2020.csv</a:t>
             </a:r>
-            <a:endParaRPr sz="1800"/>
+            <a:endParaRPr sz="875">
+              <a:solidFill>
+                <a:schemeClr val="dk2"/>
+              </a:solidFill>
+              <a:highlight>
+                <a:srgbClr val="2B2B2B"/>
+              </a:highlight>
+              <a:latin typeface="Consolas"/>
+              <a:ea typeface="Consolas"/>
+              <a:cs typeface="Consolas"/>
+              <a:sym typeface="Consolas"/>
+            </a:endParaRPr>
           </a:p>
           <a:p>
-            <a:pPr indent="-342900" lvl="1" marL="914400" rtl="0" algn="l">
-              <a:spcBef>
-                <a:spcPts val="0"/>
-              </a:spcBef>
-              <a:spcAft>
-                <a:spcPts val="0"/>
-              </a:spcAft>
-              <a:buSzPts val="1800"/>
-              <a:buChar char="○"/>
+            <a:pPr indent="0" lvl="0" marL="0" marR="0" rtl="0" algn="l">
+              <a:lnSpc>
+                <a:spcPct val="95000"/>
+              </a:lnSpc>
+              <a:spcBef>
+                <a:spcPts val="1200"/>
+              </a:spcBef>
+              <a:spcAft>
+                <a:spcPts val="0"/>
+              </a:spcAft>
+              <a:buSzPts val="852"/>
+              <a:buNone/>
             </a:pPr>
             <a:r>
-              <a:rPr lang="en" sz="1800"/>
-              <a:t>Are there patterns between states</a:t>
+              <a:t/>
             </a:r>
-            <a:endParaRPr sz="1800"/>
+            <a:endParaRPr sz="1107"/>
           </a:p>
           <a:p>
-            <a:pPr indent="-342900" lvl="1" marL="914400" rtl="0" algn="l">
-              <a:spcBef>
-                <a:spcPts val="0"/>
-              </a:spcBef>
-              <a:spcAft>
-                <a:spcPts val="0"/>
-              </a:spcAft>
-              <a:buSzPts val="1800"/>
-              <a:buChar char="○"/>
+            <a:pPr indent="0" lvl="0" marL="0" marR="0" rtl="0" algn="l">
+              <a:lnSpc>
+                <a:spcPct val="95000"/>
+              </a:lnSpc>
+              <a:spcBef>
+                <a:spcPts val="1200"/>
+              </a:spcBef>
+              <a:spcAft>
+                <a:spcPts val="0"/>
+              </a:spcAft>
+              <a:buSzPts val="852"/>
+              <a:buNone/>
             </a:pPr>
             <a:r>
-              <a:rPr lang="en" sz="1800"/>
-              <a:t>Are there patterns between regions</a:t>
+              <a:rPr lang="en" sz="1107"/>
+              <a:t>Educational attainment</a:t>
             </a:r>
-            <a:endParaRPr sz="1800"/>
+            <a:endParaRPr sz="1107"/>
           </a:p>
           <a:p>
-            <a:pPr indent="-342900" lvl="0" marL="457200" rtl="0" algn="l">
-              <a:spcBef>
-                <a:spcPts val="0"/>
-              </a:spcBef>
-              <a:spcAft>
-                <a:spcPts val="0"/>
-              </a:spcAft>
-              <a:buSzPts val="1800"/>
-              <a:buChar char="●"/>
+            <a:pPr indent="457200" lvl="0" marL="0" marR="0" rtl="0" algn="l">
+              <a:lnSpc>
+                <a:spcPct val="95000"/>
+              </a:lnSpc>
+              <a:spcBef>
+                <a:spcPts val="1200"/>
+              </a:spcBef>
+              <a:spcAft>
+                <a:spcPts val="0"/>
+              </a:spcAft>
+              <a:buSzPts val="852"/>
+              <a:buNone/>
             </a:pPr>
             <a:r>
-              <a:rPr lang="en" sz="1800"/>
-              <a:t>Are there outliers</a:t>
+              <a:rPr lang="en" sz="1107"/>
+              <a:t>Census.gov: American Community Survey, Selected Social Characteristics in the United States, </a:t>
             </a:r>
-            <a:endParaRPr sz="1800"/>
+            <a:endParaRPr sz="1107"/>
           </a:p>
           <a:p>
-            <a:pPr indent="-342900" lvl="1" marL="914400" rtl="0" algn="l">
-              <a:spcBef>
-                <a:spcPts val="0"/>
-              </a:spcBef>
-              <a:spcAft>
-                <a:spcPts val="0"/>
-              </a:spcAft>
-              <a:buSzPts val="1800"/>
-              <a:buChar char="○"/>
+            <a:pPr indent="457200" lvl="0" marL="0" marR="0" rtl="0" algn="l">
+              <a:lnSpc>
+                <a:spcPct val="95000"/>
+              </a:lnSpc>
+              <a:spcBef>
+                <a:spcPts val="1200"/>
+              </a:spcBef>
+              <a:spcAft>
+                <a:spcPts val="0"/>
+              </a:spcAft>
+              <a:buSzPts val="852"/>
+              <a:buNone/>
             </a:pPr>
             <a:r>
-              <a:rPr lang="en" sz="1800"/>
-              <a:t>If so, which state or education attainment</a:t>
+              <a:rPr lang="en" sz="1107"/>
+              <a:t>https://data.census.gov/cedsci/table?q=DP02&amp;g=0100000US%240400000&amp;tid=ACSDP1Y2019.DP02</a:t>
             </a:r>
-            <a:endParaRPr sz="1800"/>
+            <a:endParaRPr sz="1107"/>
           </a:p>
           <a:p>
-            <a:pPr indent="-342900" lvl="0" marL="457200" rtl="0" algn="l">
-              <a:spcBef>
-                <a:spcPts val="0"/>
-              </a:spcBef>
-              <a:spcAft>
-                <a:spcPts val="0"/>
-              </a:spcAft>
-              <a:buSzPts val="1800"/>
-              <a:buChar char="●"/>
+            <a:pPr indent="0" lvl="0" marL="0" marR="0" rtl="0" algn="l">
+              <a:lnSpc>
+                <a:spcPct val="95000"/>
+              </a:lnSpc>
+              <a:spcBef>
+                <a:spcPts val="1200"/>
+              </a:spcBef>
+              <a:spcAft>
+                <a:spcPts val="0"/>
+              </a:spcAft>
+              <a:buSzPts val="852"/>
+              <a:buNone/>
             </a:pPr>
             <a:r>
-              <a:rPr lang="en" sz="1800"/>
-              <a:t>Data collected for analysis is from 2005 - 2019</a:t>
+              <a:t/>
             </a:r>
-            <a:endParaRPr sz="1800"/>
+            <a:endParaRPr sz="1107"/>
+          </a:p>
+          <a:p>
+            <a:pPr indent="0" lvl="0" marL="0" rtl="0" algn="l">
+              <a:lnSpc>
+                <a:spcPct val="95000"/>
+              </a:lnSpc>
+              <a:spcBef>
+                <a:spcPts val="1200"/>
+              </a:spcBef>
+              <a:spcAft>
+                <a:spcPts val="1200"/>
+              </a:spcAft>
+              <a:buSzPts val="852"/>
+              <a:buNone/>
+            </a:pPr>
+            <a:r>
+              <a:t/>
+            </a:r>
+            <a:endParaRPr sz="1007"/>
           </a:p>
         </p:txBody>
       </p:sp>
@@ -10730,6 +10830,22 @@
             </a:pPr>
             <a:r>
               <a:rPr lang="en"/>
+              <a:t>-API pull of data to csv file</a:t>
+            </a:r>
+            <a:endParaRPr/>
+          </a:p>
+          <a:p>
+            <a:pPr indent="0" lvl="0" marL="0" rtl="0" algn="l">
+              <a:spcBef>
+                <a:spcPts val="1200"/>
+              </a:spcBef>
+              <a:spcAft>
+                <a:spcPts val="0"/>
+              </a:spcAft>
+              <a:buNone/>
+            </a:pPr>
+            <a:r>
+              <a:rPr lang="en"/>
               <a:t>Preprocessing in Jupyter Notebook:</a:t>
             </a:r>
             <a:endParaRPr/>
@@ -10746,7 +10862,15 @@
             </a:pPr>
             <a:r>
               <a:rPr lang="en"/>
-              <a:t>-Rearranging columns and rows in </a:t>
+              <a:t>-Removing  columns and rows </a:t>
+            </a:r>
+            <a:r>
+              <a:rPr lang="en"/>
+              <a:t>deemed unnecessary i</a:t>
+            </a:r>
+            <a:r>
+              <a:rPr lang="en"/>
+              <a:t>n </a:t>
             </a:r>
             <a:r>
               <a:rPr lang="en"/>
@@ -10754,7 +10878,23 @@
             </a:r>
             <a:r>
               <a:rPr lang="en"/>
-              <a:t> to read data as necessary.</a:t>
+              <a:t> to read data.</a:t>
+            </a:r>
+            <a:endParaRPr/>
+          </a:p>
+          <a:p>
+            <a:pPr indent="0" lvl="0" marL="0" rtl="0" algn="l">
+              <a:spcBef>
+                <a:spcPts val="1200"/>
+              </a:spcBef>
+              <a:spcAft>
+                <a:spcPts val="0"/>
+              </a:spcAft>
+              <a:buNone/>
+            </a:pPr>
+            <a:r>
+              <a:rPr lang="en"/>
+              <a:t>- Converting objects to strings</a:t>
             </a:r>
             <a:endParaRPr/>
           </a:p>
@@ -10787,38 +10927,6 @@
             <a:r>
               <a:rPr lang="en"/>
               <a:t>-[Need to do a join]</a:t>
-            </a:r>
-            <a:endParaRPr/>
-          </a:p>
-          <a:p>
-            <a:pPr indent="0" lvl="0" marL="0" rtl="0" algn="l">
-              <a:spcBef>
-                <a:spcPts val="1200"/>
-              </a:spcBef>
-              <a:spcAft>
-                <a:spcPts val="0"/>
-              </a:spcAft>
-              <a:buNone/>
-            </a:pPr>
-            <a:r>
-              <a:rPr lang="en"/>
-              <a:t>- Creating a line of regression</a:t>
-            </a:r>
-            <a:endParaRPr/>
-          </a:p>
-          <a:p>
-            <a:pPr indent="0" lvl="0" marL="0" rtl="0" algn="l">
-              <a:spcBef>
-                <a:spcPts val="1200"/>
-              </a:spcBef>
-              <a:spcAft>
-                <a:spcPts val="0"/>
-              </a:spcAft>
-              <a:buNone/>
-            </a:pPr>
-            <a:r>
-              <a:rPr lang="en"/>
-              <a:t>- Machine Learning and training the data</a:t>
             </a:r>
             <a:endParaRPr/>
           </a:p>
@@ -10914,7 +11022,7 @@
         </p:nvSpPr>
         <p:spPr>
           <a:xfrm>
-            <a:off x="1297500" y="1567550"/>
+            <a:off x="1120150" y="1537975"/>
             <a:ext cx="7038900" cy="2911200"/>
           </a:xfrm>
           <a:prstGeom prst="rect">
@@ -10923,7 +11031,7 @@
         </p:spPr>
         <p:txBody>
           <a:bodyPr anchorCtr="0" anchor="t" bIns="91425" lIns="91425" spcFirstLastPara="1" rIns="91425" wrap="square" tIns="91425">
-            <a:normAutofit/>
+            <a:normAutofit fontScale="92500" lnSpcReduction="20000"/>
           </a:bodyPr>
           <a:lstStyle/>
           <a:p>
@@ -10938,7 +11046,27 @@
             </a:pPr>
             <a:r>
               <a:rPr lang="en"/>
-              <a:t> Finalize ML - training</a:t>
+              <a:t>- Creating a line of regression</a:t>
+            </a:r>
+            <a:endParaRPr/>
+          </a:p>
+          <a:p>
+            <a:pPr indent="457200" lvl="0" marL="0" rtl="0" algn="l">
+              <a:spcBef>
+                <a:spcPts val="1200"/>
+              </a:spcBef>
+              <a:spcAft>
+                <a:spcPts val="0"/>
+              </a:spcAft>
+              <a:buNone/>
+            </a:pPr>
+            <a:r>
+              <a:rPr lang="en"/>
+              <a:t>A positive relationship was observed with some outliers to dissect  further in analysis</a:t>
+            </a:r>
+            <a:r>
+              <a:rPr lang="en"/>
+              <a:t> </a:t>
             </a:r>
             <a:endParaRPr/>
           </a:p>
@@ -10953,7 +11081,68 @@
               <a:buNone/>
             </a:pPr>
             <a:r>
-              <a:t/>
+              <a:rPr lang="en"/>
+              <a:t>Machine Learning</a:t>
+            </a:r>
+            <a:endParaRPr/>
+          </a:p>
+          <a:p>
+            <a:pPr indent="0" lvl="0" marL="0" rtl="0" algn="l">
+              <a:spcBef>
+                <a:spcPts val="1200"/>
+              </a:spcBef>
+              <a:spcAft>
+                <a:spcPts val="0"/>
+              </a:spcAft>
+              <a:buNone/>
+            </a:pPr>
+            <a:r>
+              <a:rPr lang="en"/>
+              <a:t>	Initially the model was trained using the </a:t>
+            </a:r>
+            <a:r>
+              <a:rPr lang="en"/>
+              <a:t>singular</a:t>
+            </a:r>
+            <a:r>
+              <a:rPr lang="en"/>
+              <a:t> linear regression. </a:t>
+            </a:r>
+            <a:endParaRPr/>
+          </a:p>
+          <a:p>
+            <a:pPr indent="0" lvl="0" marL="0" rtl="0" algn="l">
+              <a:spcBef>
+                <a:spcPts val="1200"/>
+              </a:spcBef>
+              <a:spcAft>
+                <a:spcPts val="0"/>
+              </a:spcAft>
+              <a:buNone/>
+            </a:pPr>
+            <a:r>
+              <a:rPr lang="en"/>
+              <a:t>	</a:t>
+            </a:r>
+            <a:r>
+              <a:rPr lang="en"/>
+              <a:t>From the linear regression we were able to gather metrics such as r2, coefficients and intercepts which were output to a json file used in Tableau.</a:t>
+            </a:r>
+            <a:endParaRPr/>
+          </a:p>
+          <a:p>
+            <a:pPr indent="457200" lvl="0" marL="0" rtl="0" algn="l">
+              <a:spcBef>
+                <a:spcPts val="1200"/>
+              </a:spcBef>
+              <a:spcAft>
+                <a:spcPts val="0"/>
+              </a:spcAft>
+              <a:buNone/>
+            </a:pPr>
+            <a:r>
+              <a:rPr lang="en"/>
+              <a:t>-</a:t>
             </a:r>
             <a:endParaRPr/>
           </a:p>
@@ -11156,6 +11345,405 @@
               <a:t>-US Map geographic trends</a:t>
             </a:r>
             <a:endParaRPr/>
+          </a:p>
+          <a:p>
+            <a:pPr indent="0" lvl="0" marL="0" rtl="0" algn="l">
+              <a:spcBef>
+                <a:spcPts val="1200"/>
+              </a:spcBef>
+              <a:spcAft>
+                <a:spcPts val="1200"/>
+              </a:spcAft>
+              <a:buNone/>
+            </a:pPr>
+            <a:r>
+              <a:t/>
+            </a:r>
+            <a:endParaRPr/>
+          </a:p>
+        </p:txBody>
+      </p:sp>
+    </p:spTree>
+  </p:cSld>
+  <p:clrMapOvr>
+    <a:masterClrMapping/>
+  </p:clrMapOvr>
+</p:sld>
+</file>
+
+<file path=ppt/slides/slide9.xml><?xml version="1.0" encoding="utf-8"?>
+<p:sld xmlns:a="http://schemas.openxmlformats.org/drawingml/2006/main" xmlns:r="http://schemas.openxmlformats.org/officeDocument/2006/relationships" xmlns:mc="http://schemas.openxmlformats.org/markup-compatibility/2006" xmlns:mv="urn:schemas-microsoft-com:mac:vml" xmlns:p="http://schemas.openxmlformats.org/presentationml/2006/main" xmlns:c="http://schemas.openxmlformats.org/drawingml/2006/chart" xmlns:dgm="http://schemas.openxmlformats.org/drawingml/2006/diagram" xmlns:o="urn:schemas-microsoft-com:office:office" xmlns:v="urn:schemas-microsoft-com:vml" xmlns:pvml="urn:schemas-microsoft-com:office:powerpoint" xmlns:com="http://schemas.openxmlformats.org/drawingml/2006/compatibility" xmlns:p14="http://schemas.microsoft.com/office/powerpoint/2010/main" xmlns:p15="http://schemas.microsoft.com/office/powerpoint/2012/main" xmlns:ahyp="http://schemas.microsoft.com/office/drawing/2018/hyperlinkcolor">
+  <p:cSld>
+    <p:spTree>
+      <p:nvGrpSpPr>
+        <p:cNvPr id="181" name="Shape 181"/>
+        <p:cNvGrpSpPr/>
+        <p:nvPr/>
+      </p:nvGrpSpPr>
+      <p:grpSpPr>
+        <a:xfrm>
+          <a:off x="0" y="0"/>
+          <a:ext cx="0" cy="0"/>
+          <a:chOff x="0" y="0"/>
+          <a:chExt cx="0" cy="0"/>
+        </a:xfrm>
+      </p:grpSpPr>
+      <p:sp>
+        <p:nvSpPr>
+          <p:cNvPr id="182" name="Google Shape;182;p21"/>
+          <p:cNvSpPr txBox="1"/>
+          <p:nvPr>
+            <p:ph type="title"/>
+          </p:nvPr>
+        </p:nvSpPr>
+        <p:spPr>
+          <a:xfrm>
+            <a:off x="1297500" y="393750"/>
+            <a:ext cx="7038900" cy="914100"/>
+          </a:xfrm>
+          <a:prstGeom prst="rect">
+            <a:avLst/>
+          </a:prstGeom>
+        </p:spPr>
+        <p:txBody>
+          <a:bodyPr anchorCtr="0" anchor="ctr" bIns="91425" lIns="91425" spcFirstLastPara="1" rIns="91425" wrap="square" tIns="91425">
+            <a:normAutofit/>
+          </a:bodyPr>
+          <a:lstStyle/>
+          <a:p>
+            <a:pPr indent="0" lvl="0" marL="0" rtl="0" algn="ctr">
+              <a:spcBef>
+                <a:spcPts val="0"/>
+              </a:spcBef>
+              <a:spcAft>
+                <a:spcPts val="0"/>
+              </a:spcAft>
+              <a:buNone/>
+            </a:pPr>
+            <a:r>
+              <a:rPr lang="en"/>
+              <a:t>Technologies, Languages, Tools and Libraries</a:t>
+            </a:r>
+            <a:endParaRPr/>
+          </a:p>
+        </p:txBody>
+      </p:sp>
+      <p:sp>
+        <p:nvSpPr>
+          <p:cNvPr id="183" name="Google Shape;183;p21"/>
+          <p:cNvSpPr txBox="1"/>
+          <p:nvPr>
+            <p:ph idx="1" type="body"/>
+          </p:nvPr>
+        </p:nvSpPr>
+        <p:spPr>
+          <a:xfrm>
+            <a:off x="2236725" y="1567550"/>
+            <a:ext cx="2463900" cy="2911200"/>
+          </a:xfrm>
+          <a:prstGeom prst="rect">
+            <a:avLst/>
+          </a:prstGeom>
+        </p:spPr>
+        <p:txBody>
+          <a:bodyPr anchorCtr="0" anchor="t" bIns="91425" lIns="91425" spcFirstLastPara="1" rIns="91425" wrap="square" tIns="91425">
+            <a:normAutofit fontScale="25000" lnSpcReduction="20000"/>
+          </a:bodyPr>
+          <a:lstStyle/>
+          <a:p>
+            <a:pPr indent="0" lvl="0" marL="0" marR="0" rtl="0" algn="l">
+              <a:lnSpc>
+                <a:spcPct val="115000"/>
+              </a:lnSpc>
+              <a:spcBef>
+                <a:spcPts val="0"/>
+              </a:spcBef>
+              <a:spcAft>
+                <a:spcPts val="0"/>
+              </a:spcAft>
+              <a:buNone/>
+            </a:pPr>
+            <a:r>
+              <a:rPr lang="en" sz="6100"/>
+              <a:t>Python 3.7.11</a:t>
+            </a:r>
+            <a:endParaRPr sz="6100"/>
+          </a:p>
+          <a:p>
+            <a:pPr indent="0" lvl="0" marL="0" marR="0" rtl="0" algn="l">
+              <a:lnSpc>
+                <a:spcPct val="115000"/>
+              </a:lnSpc>
+              <a:spcBef>
+                <a:spcPts val="1200"/>
+              </a:spcBef>
+              <a:spcAft>
+                <a:spcPts val="0"/>
+              </a:spcAft>
+              <a:buNone/>
+            </a:pPr>
+            <a:r>
+              <a:rPr lang="en" sz="6100"/>
+              <a:t>Pandas 1.3.5</a:t>
+            </a:r>
+            <a:endParaRPr sz="6100"/>
+          </a:p>
+          <a:p>
+            <a:pPr indent="0" lvl="0" marL="0" marR="0" rtl="0" algn="l">
+              <a:lnSpc>
+                <a:spcPct val="115000"/>
+              </a:lnSpc>
+              <a:spcBef>
+                <a:spcPts val="1200"/>
+              </a:spcBef>
+              <a:spcAft>
+                <a:spcPts val="0"/>
+              </a:spcAft>
+              <a:buNone/>
+            </a:pPr>
+            <a:r>
+              <a:rPr lang="en" sz="6100"/>
+              <a:t>Requests 2.26.0</a:t>
+            </a:r>
+            <a:endParaRPr sz="6100"/>
+          </a:p>
+          <a:p>
+            <a:pPr indent="0" lvl="0" marL="0" marR="0" rtl="0" algn="l">
+              <a:lnSpc>
+                <a:spcPct val="115000"/>
+              </a:lnSpc>
+              <a:spcBef>
+                <a:spcPts val="1200"/>
+              </a:spcBef>
+              <a:spcAft>
+                <a:spcPts val="0"/>
+              </a:spcAft>
+              <a:buNone/>
+            </a:pPr>
+            <a:r>
+              <a:rPr lang="en" sz="6100"/>
+              <a:t>Census Data 1.15</a:t>
+            </a:r>
+            <a:endParaRPr sz="6100"/>
+          </a:p>
+          <a:p>
+            <a:pPr indent="0" lvl="0" marL="0" marR="0" rtl="0" algn="l">
+              <a:lnSpc>
+                <a:spcPct val="115000"/>
+              </a:lnSpc>
+              <a:spcBef>
+                <a:spcPts val="1200"/>
+              </a:spcBef>
+              <a:spcAft>
+                <a:spcPts val="0"/>
+              </a:spcAft>
+              <a:buNone/>
+            </a:pPr>
+            <a:r>
+              <a:rPr lang="en" sz="6100"/>
+              <a:t>Pathlib 2.3.6</a:t>
+            </a:r>
+            <a:endParaRPr sz="6100"/>
+          </a:p>
+          <a:p>
+            <a:pPr indent="0" lvl="0" marL="0" marR="0" rtl="0" algn="l">
+              <a:lnSpc>
+                <a:spcPct val="115000"/>
+              </a:lnSpc>
+              <a:spcBef>
+                <a:spcPts val="1200"/>
+              </a:spcBef>
+              <a:spcAft>
+                <a:spcPts val="0"/>
+              </a:spcAft>
+              <a:buNone/>
+            </a:pPr>
+            <a:r>
+              <a:rPr lang="en" sz="6100"/>
+              <a:t>Matplotlib 3.5.0</a:t>
+            </a:r>
+            <a:endParaRPr sz="6100"/>
+          </a:p>
+          <a:p>
+            <a:pPr indent="0" lvl="0" marL="0" marR="0" rtl="0" algn="l">
+              <a:lnSpc>
+                <a:spcPct val="115000"/>
+              </a:lnSpc>
+              <a:spcBef>
+                <a:spcPts val="1200"/>
+              </a:spcBef>
+              <a:spcAft>
+                <a:spcPts val="0"/>
+              </a:spcAft>
+              <a:buNone/>
+            </a:pPr>
+            <a:r>
+              <a:rPr lang="en" sz="6100"/>
+              <a:t>Sklearn 1.0</a:t>
+            </a:r>
+            <a:endParaRPr sz="6100"/>
+          </a:p>
+          <a:p>
+            <a:pPr indent="0" lvl="0" marL="0" rtl="0" algn="l">
+              <a:spcBef>
+                <a:spcPts val="1200"/>
+              </a:spcBef>
+              <a:spcAft>
+                <a:spcPts val="1200"/>
+              </a:spcAft>
+              <a:buNone/>
+            </a:pPr>
+            <a:r>
+              <a:t/>
+            </a:r>
+            <a:endParaRPr/>
+          </a:p>
+        </p:txBody>
+      </p:sp>
+      <p:sp>
+        <p:nvSpPr>
+          <p:cNvPr id="184" name="Google Shape;184;p21"/>
+          <p:cNvSpPr txBox="1"/>
+          <p:nvPr>
+            <p:ph idx="2" type="body"/>
+          </p:nvPr>
+        </p:nvSpPr>
+        <p:spPr>
+          <a:xfrm>
+            <a:off x="4933221" y="1567550"/>
+            <a:ext cx="3403200" cy="2911200"/>
+          </a:xfrm>
+          <a:prstGeom prst="rect">
+            <a:avLst/>
+          </a:prstGeom>
+        </p:spPr>
+        <p:txBody>
+          <a:bodyPr anchorCtr="0" anchor="t" bIns="91425" lIns="91425" spcFirstLastPara="1" rIns="91425" wrap="square" tIns="91425">
+            <a:normAutofit fontScale="25000" lnSpcReduction="20000"/>
+          </a:bodyPr>
+          <a:lstStyle/>
+          <a:p>
+            <a:pPr indent="0" lvl="0" marL="0" rtl="0" algn="l">
+              <a:spcBef>
+                <a:spcPts val="0"/>
+              </a:spcBef>
+              <a:spcAft>
+                <a:spcPts val="0"/>
+              </a:spcAft>
+              <a:buNone/>
+            </a:pPr>
+            <a:r>
+              <a:rPr lang="en" sz="6100"/>
+              <a:t>Jupyter 1.0</a:t>
+            </a:r>
+            <a:endParaRPr sz="6100"/>
+          </a:p>
+          <a:p>
+            <a:pPr indent="0" lvl="0" marL="0" rtl="0" algn="l">
+              <a:spcBef>
+                <a:spcPts val="1200"/>
+              </a:spcBef>
+              <a:spcAft>
+                <a:spcPts val="0"/>
+              </a:spcAft>
+              <a:buNone/>
+            </a:pPr>
+            <a:r>
+              <a:rPr lang="en" sz="6100"/>
+              <a:t>pgAdmin 5.7</a:t>
+            </a:r>
+            <a:endParaRPr sz="6100"/>
+          </a:p>
+          <a:p>
+            <a:pPr indent="0" lvl="0" marL="0" rtl="0" algn="l">
+              <a:spcBef>
+                <a:spcPts val="1200"/>
+              </a:spcBef>
+              <a:spcAft>
+                <a:spcPts val="0"/>
+              </a:spcAft>
+              <a:buNone/>
+            </a:pPr>
+            <a:r>
+              <a:rPr lang="en" sz="6100"/>
+              <a:t>PostgreSQL</a:t>
+            </a:r>
+            <a:endParaRPr sz="6100"/>
+          </a:p>
+          <a:p>
+            <a:pPr indent="0" lvl="0" marL="0" rtl="0" algn="l">
+              <a:spcBef>
+                <a:spcPts val="1200"/>
+              </a:spcBef>
+              <a:spcAft>
+                <a:spcPts val="0"/>
+              </a:spcAft>
+              <a:buNone/>
+            </a:pPr>
+            <a:r>
+              <a:rPr lang="en" sz="6100"/>
+              <a:t>Tableau Desktop 20.4.2</a:t>
+            </a:r>
+            <a:endParaRPr sz="6100"/>
+          </a:p>
+          <a:p>
+            <a:pPr indent="0" lvl="0" marL="0" rtl="0" algn="l">
+              <a:spcBef>
+                <a:spcPts val="1200"/>
+              </a:spcBef>
+              <a:spcAft>
+                <a:spcPts val="0"/>
+              </a:spcAft>
+              <a:buNone/>
+            </a:pPr>
+            <a:r>
+              <a:rPr lang="en" sz="6100"/>
+              <a:t>Tableau Public</a:t>
+            </a:r>
+            <a:endParaRPr sz="6100"/>
+          </a:p>
+          <a:p>
+            <a:pPr indent="0" lvl="0" marL="0" rtl="0" algn="l">
+              <a:spcBef>
+                <a:spcPts val="1200"/>
+              </a:spcBef>
+              <a:spcAft>
+                <a:spcPts val="0"/>
+              </a:spcAft>
+              <a:buNone/>
+            </a:pPr>
+            <a:r>
+              <a:rPr lang="en" sz="6100"/>
+              <a:t>Microsoft Excel</a:t>
+            </a:r>
+            <a:endParaRPr sz="6100"/>
+          </a:p>
+          <a:p>
+            <a:pPr indent="0" lvl="0" marL="0" rtl="0" algn="l">
+              <a:spcBef>
+                <a:spcPts val="1200"/>
+              </a:spcBef>
+              <a:spcAft>
+                <a:spcPts val="0"/>
+              </a:spcAft>
+              <a:buNone/>
+            </a:pPr>
+            <a:r>
+              <a:rPr lang="en" sz="6100"/>
+              <a:t>Google Drive, Docs, Slides</a:t>
+            </a:r>
+            <a:endParaRPr sz="6000">
+              <a:solidFill>
+                <a:srgbClr val="24292F"/>
+              </a:solidFill>
+              <a:highlight>
+                <a:srgbClr val="FFFFFF"/>
+              </a:highlight>
+              <a:latin typeface="Arial"/>
+              <a:ea typeface="Arial"/>
+              <a:cs typeface="Arial"/>
+              <a:sym typeface="Arial"/>
+            </a:endParaRPr>
           </a:p>
           <a:p>
             <a:pPr indent="0" lvl="0" marL="0" rtl="0" algn="l">

--- a/Effect of Educational Attainment on per Capita Growth by State.pptx
+++ b/Effect of Educational Attainment on per Capita Growth by State.pptx
@@ -17,23 +17,25 @@
     <p:sldId id="262" r:id="rId12"/>
     <p:sldId id="263" r:id="rId13"/>
     <p:sldId id="264" r:id="rId14"/>
+    <p:sldId id="265" r:id="rId15"/>
+    <p:sldId id="266" r:id="rId16"/>
   </p:sldIdLst>
   <p:sldSz cy="5143500" cx="9144000"/>
   <p:notesSz cx="6858000" cy="9144000"/>
   <p:embeddedFontLst>
     <p:embeddedFont>
       <p:font typeface="Montserrat"/>
-      <p:regular r:id="rId15"/>
-      <p:bold r:id="rId16"/>
-      <p:italic r:id="rId17"/>
-      <p:boldItalic r:id="rId18"/>
+      <p:regular r:id="rId17"/>
+      <p:bold r:id="rId18"/>
+      <p:italic r:id="rId19"/>
+      <p:boldItalic r:id="rId20"/>
     </p:embeddedFont>
     <p:embeddedFont>
       <p:font typeface="Lato"/>
-      <p:regular r:id="rId19"/>
-      <p:bold r:id="rId20"/>
-      <p:italic r:id="rId21"/>
-      <p:boldItalic r:id="rId22"/>
+      <p:regular r:id="rId21"/>
+      <p:bold r:id="rId22"/>
+      <p:italic r:id="rId23"/>
+      <p:boldItalic r:id="rId24"/>
     </p:embeddedFont>
   </p:embeddedFontLst>
   <p:defaultTextStyle>
@@ -809,6 +811,204 @@
 </p:notes>
 </file>
 
+<file path=ppt/notesSlides/notesSlide10.xml><?xml version="1.0" encoding="utf-8"?>
+<p:notes xmlns:a="http://schemas.openxmlformats.org/drawingml/2006/main" xmlns:r="http://schemas.openxmlformats.org/officeDocument/2006/relationships" xmlns:mc="http://schemas.openxmlformats.org/markup-compatibility/2006" xmlns:mv="urn:schemas-microsoft-com:mac:vml" xmlns:p="http://schemas.openxmlformats.org/presentationml/2006/main" xmlns:c="http://schemas.openxmlformats.org/drawingml/2006/chart" xmlns:dgm="http://schemas.openxmlformats.org/drawingml/2006/diagram" xmlns:o="urn:schemas-microsoft-com:office:office" xmlns:v="urn:schemas-microsoft-com:vml" xmlns:pvml="urn:schemas-microsoft-com:office:powerpoint" xmlns:com="http://schemas.openxmlformats.org/drawingml/2006/compatibility" xmlns:p14="http://schemas.microsoft.com/office/powerpoint/2010/main" xmlns:p15="http://schemas.microsoft.com/office/powerpoint/2012/main" xmlns:ahyp="http://schemas.microsoft.com/office/drawing/2018/hyperlinkcolor" showMasterPhAnim="0" showMasterSp="0">
+  <p:cSld>
+    <p:spTree>
+      <p:nvGrpSpPr>
+        <p:cNvPr id="186" name="Shape 186"/>
+        <p:cNvGrpSpPr/>
+        <p:nvPr/>
+      </p:nvGrpSpPr>
+      <p:grpSpPr>
+        <a:xfrm>
+          <a:off x="0" y="0"/>
+          <a:ext cx="0" cy="0"/>
+          <a:chOff x="0" y="0"/>
+          <a:chExt cx="0" cy="0"/>
+        </a:xfrm>
+      </p:grpSpPr>
+      <p:sp>
+        <p:nvSpPr>
+          <p:cNvPr id="187" name="Google Shape;187;g116099cb52e_0_0:notes"/>
+          <p:cNvSpPr/>
+          <p:nvPr>
+            <p:ph idx="2" type="sldImg"/>
+          </p:nvPr>
+        </p:nvSpPr>
+        <p:spPr>
+          <a:xfrm>
+            <a:off x="381300" y="685800"/>
+            <a:ext cx="6096000" cy="3429000"/>
+          </a:xfrm>
+          <a:custGeom>
+            <a:rect b="b" l="l" r="r" t="t"/>
+            <a:pathLst>
+              <a:path extrusionOk="0" h="120000" w="120000">
+                <a:moveTo>
+                  <a:pt x="0" y="0"/>
+                </a:moveTo>
+                <a:lnTo>
+                  <a:pt x="120000" y="0"/>
+                </a:lnTo>
+                <a:lnTo>
+                  <a:pt x="120000" y="120000"/>
+                </a:lnTo>
+                <a:lnTo>
+                  <a:pt x="0" y="120000"/>
+                </a:lnTo>
+                <a:close/>
+              </a:path>
+            </a:pathLst>
+          </a:custGeom>
+        </p:spPr>
+      </p:sp>
+      <p:sp>
+        <p:nvSpPr>
+          <p:cNvPr id="188" name="Google Shape;188;g116099cb52e_0_0:notes"/>
+          <p:cNvSpPr txBox="1"/>
+          <p:nvPr>
+            <p:ph idx="1" type="body"/>
+          </p:nvPr>
+        </p:nvSpPr>
+        <p:spPr>
+          <a:xfrm>
+            <a:off x="685800" y="4343400"/>
+            <a:ext cx="5486400" cy="4114800"/>
+          </a:xfrm>
+          <a:prstGeom prst="rect">
+            <a:avLst/>
+          </a:prstGeom>
+        </p:spPr>
+        <p:txBody>
+          <a:bodyPr anchorCtr="0" anchor="t" bIns="91425" lIns="91425" spcFirstLastPara="1" rIns="91425" wrap="square" tIns="91425">
+            <a:noAutofit/>
+          </a:bodyPr>
+          <a:lstStyle/>
+          <a:p>
+            <a:pPr indent="0" lvl="0" marL="0" rtl="0" algn="l">
+              <a:spcBef>
+                <a:spcPts val="0"/>
+              </a:spcBef>
+              <a:spcAft>
+                <a:spcPts val="0"/>
+              </a:spcAft>
+              <a:buNone/>
+            </a:pPr>
+            <a:r>
+              <a:t/>
+            </a:r>
+            <a:endParaRPr/>
+          </a:p>
+        </p:txBody>
+      </p:sp>
+    </p:spTree>
+  </p:cSld>
+  <p:clrMapOvr>
+    <a:masterClrMapping/>
+  </p:clrMapOvr>
+</p:notes>
+</file>
+
+<file path=ppt/notesSlides/notesSlide11.xml><?xml version="1.0" encoding="utf-8"?>
+<p:notes xmlns:a="http://schemas.openxmlformats.org/drawingml/2006/main" xmlns:r="http://schemas.openxmlformats.org/officeDocument/2006/relationships" xmlns:mc="http://schemas.openxmlformats.org/markup-compatibility/2006" xmlns:mv="urn:schemas-microsoft-com:mac:vml" xmlns:p="http://schemas.openxmlformats.org/presentationml/2006/main" xmlns:c="http://schemas.openxmlformats.org/drawingml/2006/chart" xmlns:dgm="http://schemas.openxmlformats.org/drawingml/2006/diagram" xmlns:o="urn:schemas-microsoft-com:office:office" xmlns:v="urn:schemas-microsoft-com:vml" xmlns:pvml="urn:schemas-microsoft-com:office:powerpoint" xmlns:com="http://schemas.openxmlformats.org/drawingml/2006/compatibility" xmlns:p14="http://schemas.microsoft.com/office/powerpoint/2010/main" xmlns:p15="http://schemas.microsoft.com/office/powerpoint/2012/main" xmlns:ahyp="http://schemas.microsoft.com/office/drawing/2018/hyperlinkcolor" showMasterPhAnim="0" showMasterSp="0">
+  <p:cSld>
+    <p:spTree>
+      <p:nvGrpSpPr>
+        <p:cNvPr id="192" name="Shape 192"/>
+        <p:cNvGrpSpPr/>
+        <p:nvPr/>
+      </p:nvGrpSpPr>
+      <p:grpSpPr>
+        <a:xfrm>
+          <a:off x="0" y="0"/>
+          <a:ext cx="0" cy="0"/>
+          <a:chOff x="0" y="0"/>
+          <a:chExt cx="0" cy="0"/>
+        </a:xfrm>
+      </p:grpSpPr>
+      <p:sp>
+        <p:nvSpPr>
+          <p:cNvPr id="193" name="Google Shape;193;g11768d52d85_0_0:notes"/>
+          <p:cNvSpPr/>
+          <p:nvPr>
+            <p:ph idx="2" type="sldImg"/>
+          </p:nvPr>
+        </p:nvSpPr>
+        <p:spPr>
+          <a:xfrm>
+            <a:off x="381300" y="685800"/>
+            <a:ext cx="6096000" cy="3429000"/>
+          </a:xfrm>
+          <a:custGeom>
+            <a:rect b="b" l="l" r="r" t="t"/>
+            <a:pathLst>
+              <a:path extrusionOk="0" h="120000" w="120000">
+                <a:moveTo>
+                  <a:pt x="0" y="0"/>
+                </a:moveTo>
+                <a:lnTo>
+                  <a:pt x="120000" y="0"/>
+                </a:lnTo>
+                <a:lnTo>
+                  <a:pt x="120000" y="120000"/>
+                </a:lnTo>
+                <a:lnTo>
+                  <a:pt x="0" y="120000"/>
+                </a:lnTo>
+                <a:close/>
+              </a:path>
+            </a:pathLst>
+          </a:custGeom>
+        </p:spPr>
+      </p:sp>
+      <p:sp>
+        <p:nvSpPr>
+          <p:cNvPr id="194" name="Google Shape;194;g11768d52d85_0_0:notes"/>
+          <p:cNvSpPr txBox="1"/>
+          <p:nvPr>
+            <p:ph idx="1" type="body"/>
+          </p:nvPr>
+        </p:nvSpPr>
+        <p:spPr>
+          <a:xfrm>
+            <a:off x="685800" y="4343400"/>
+            <a:ext cx="5486400" cy="4114800"/>
+          </a:xfrm>
+          <a:prstGeom prst="rect">
+            <a:avLst/>
+          </a:prstGeom>
+        </p:spPr>
+        <p:txBody>
+          <a:bodyPr anchorCtr="0" anchor="t" bIns="91425" lIns="91425" spcFirstLastPara="1" rIns="91425" wrap="square" tIns="91425">
+            <a:noAutofit/>
+          </a:bodyPr>
+          <a:lstStyle/>
+          <a:p>
+            <a:pPr indent="0" lvl="0" marL="0" rtl="0" algn="l">
+              <a:spcBef>
+                <a:spcPts val="0"/>
+              </a:spcBef>
+              <a:spcAft>
+                <a:spcPts val="0"/>
+              </a:spcAft>
+              <a:buNone/>
+            </a:pPr>
+            <a:r>
+              <a:t/>
+            </a:r>
+            <a:endParaRPr/>
+          </a:p>
+        </p:txBody>
+      </p:sp>
+    </p:spTree>
+  </p:cSld>
+  <p:clrMapOvr>
+    <a:masterClrMapping/>
+  </p:clrMapOvr>
+</p:notes>
+</file>
+
 <file path=ppt/notesSlides/notesSlide2.xml><?xml version="1.0" encoding="utf-8"?>
 <p:notes xmlns:a="http://schemas.openxmlformats.org/drawingml/2006/main" xmlns:r="http://schemas.openxmlformats.org/officeDocument/2006/relationships" xmlns:mc="http://schemas.openxmlformats.org/markup-compatibility/2006" xmlns:mv="urn:schemas-microsoft-com:mac:vml" xmlns:p="http://schemas.openxmlformats.org/presentationml/2006/main" xmlns:c="http://schemas.openxmlformats.org/drawingml/2006/chart" xmlns:dgm="http://schemas.openxmlformats.org/drawingml/2006/diagram" xmlns:o="urn:schemas-microsoft-com:office:office" xmlns:v="urn:schemas-microsoft-com:vml" xmlns:pvml="urn:schemas-microsoft-com:office:powerpoint" xmlns:com="http://schemas.openxmlformats.org/drawingml/2006/compatibility" xmlns:p14="http://schemas.microsoft.com/office/powerpoint/2010/main" xmlns:p15="http://schemas.microsoft.com/office/powerpoint/2012/main" xmlns:ahyp="http://schemas.microsoft.com/office/drawing/2018/hyperlinkcolor" showMasterPhAnim="0" showMasterSp="0">
   <p:cSld>
@@ -1422,7 +1622,7 @@
       </p:grpSpPr>
       <p:sp>
         <p:nvSpPr>
-          <p:cNvPr id="173" name="Google Shape;173;g116099cb52e_0_0:notes"/>
+          <p:cNvPr id="173" name="Google Shape;173;g11768d52d85_0_7:notes"/>
           <p:cNvSpPr/>
           <p:nvPr>
             <p:ph idx="2" type="sldImg"/>
@@ -1457,7 +1657,7 @@
       </p:sp>
       <p:sp>
         <p:nvSpPr>
-          <p:cNvPr id="174" name="Google Shape;174;g116099cb52e_0_0:notes"/>
+          <p:cNvPr id="174" name="Google Shape;174;g11768d52d85_0_7:notes"/>
           <p:cNvSpPr txBox="1"/>
           <p:nvPr>
             <p:ph idx="1" type="body"/>
@@ -1507,7 +1707,7 @@
   <p:cSld>
     <p:spTree>
       <p:nvGrpSpPr>
-        <p:cNvPr id="178" name="Shape 178"/>
+        <p:cNvPr id="179" name="Shape 179"/>
         <p:cNvGrpSpPr/>
         <p:nvPr/>
       </p:nvGrpSpPr>
@@ -1521,7 +1721,7 @@
       </p:grpSpPr>
       <p:sp>
         <p:nvSpPr>
-          <p:cNvPr id="179" name="Google Shape;179;g11768d52d85_0_0:notes"/>
+          <p:cNvPr id="180" name="Google Shape;180;g11768d52d85_0_14:notes"/>
           <p:cNvSpPr/>
           <p:nvPr>
             <p:ph idx="2" type="sldImg"/>
@@ -1556,7 +1756,7 @@
       </p:sp>
       <p:sp>
         <p:nvSpPr>
-          <p:cNvPr id="180" name="Google Shape;180;g11768d52d85_0_0:notes"/>
+          <p:cNvPr id="181" name="Google Shape;181;g11768d52d85_0_14:notes"/>
           <p:cNvSpPr txBox="1"/>
           <p:nvPr>
             <p:ph idx="1" type="body"/>
@@ -9897,6 +10097,589 @@
 </p:sld>
 </file>
 
+<file path=ppt/slides/slide10.xml><?xml version="1.0" encoding="utf-8"?>
+<p:sld xmlns:a="http://schemas.openxmlformats.org/drawingml/2006/main" xmlns:r="http://schemas.openxmlformats.org/officeDocument/2006/relationships" xmlns:mc="http://schemas.openxmlformats.org/markup-compatibility/2006" xmlns:mv="urn:schemas-microsoft-com:mac:vml" xmlns:p="http://schemas.openxmlformats.org/presentationml/2006/main" xmlns:c="http://schemas.openxmlformats.org/drawingml/2006/chart" xmlns:dgm="http://schemas.openxmlformats.org/drawingml/2006/diagram" xmlns:o="urn:schemas-microsoft-com:office:office" xmlns:v="urn:schemas-microsoft-com:vml" xmlns:pvml="urn:schemas-microsoft-com:office:powerpoint" xmlns:com="http://schemas.openxmlformats.org/drawingml/2006/compatibility" xmlns:p14="http://schemas.microsoft.com/office/powerpoint/2010/main" xmlns:p15="http://schemas.microsoft.com/office/powerpoint/2012/main" xmlns:ahyp="http://schemas.microsoft.com/office/drawing/2018/hyperlinkcolor">
+  <p:cSld>
+    <p:spTree>
+      <p:nvGrpSpPr>
+        <p:cNvPr id="189" name="Shape 189"/>
+        <p:cNvGrpSpPr/>
+        <p:nvPr/>
+      </p:nvGrpSpPr>
+      <p:grpSpPr>
+        <a:xfrm>
+          <a:off x="0" y="0"/>
+          <a:ext cx="0" cy="0"/>
+          <a:chOff x="0" y="0"/>
+          <a:chExt cx="0" cy="0"/>
+        </a:xfrm>
+      </p:grpSpPr>
+      <p:sp>
+        <p:nvSpPr>
+          <p:cNvPr id="190" name="Google Shape;190;p22"/>
+          <p:cNvSpPr txBox="1"/>
+          <p:nvPr>
+            <p:ph type="title"/>
+          </p:nvPr>
+        </p:nvSpPr>
+        <p:spPr>
+          <a:xfrm>
+            <a:off x="1297500" y="393750"/>
+            <a:ext cx="7038900" cy="914100"/>
+          </a:xfrm>
+          <a:prstGeom prst="rect">
+            <a:avLst/>
+          </a:prstGeom>
+        </p:spPr>
+        <p:txBody>
+          <a:bodyPr anchorCtr="0" anchor="t" bIns="91425" lIns="91425" spcFirstLastPara="1" rIns="91425" wrap="square" tIns="91425">
+            <a:normAutofit/>
+          </a:bodyPr>
+          <a:lstStyle/>
+          <a:p>
+            <a:pPr indent="0" lvl="0" marL="0" rtl="0" algn="ctr">
+              <a:spcBef>
+                <a:spcPts val="0"/>
+              </a:spcBef>
+              <a:spcAft>
+                <a:spcPts val="0"/>
+              </a:spcAft>
+              <a:buNone/>
+            </a:pPr>
+            <a:r>
+              <a:rPr lang="en"/>
+              <a:t>Analysis</a:t>
+            </a:r>
+            <a:endParaRPr/>
+          </a:p>
+        </p:txBody>
+      </p:sp>
+      <p:sp>
+        <p:nvSpPr>
+          <p:cNvPr id="191" name="Google Shape;191;p22"/>
+          <p:cNvSpPr txBox="1"/>
+          <p:nvPr>
+            <p:ph idx="1" type="body"/>
+          </p:nvPr>
+        </p:nvSpPr>
+        <p:spPr>
+          <a:xfrm>
+            <a:off x="1297500" y="1567550"/>
+            <a:ext cx="7038900" cy="2911200"/>
+          </a:xfrm>
+          <a:prstGeom prst="rect">
+            <a:avLst/>
+          </a:prstGeom>
+        </p:spPr>
+        <p:txBody>
+          <a:bodyPr anchorCtr="0" anchor="t" bIns="91425" lIns="91425" spcFirstLastPara="1" rIns="91425" wrap="square" tIns="91425">
+            <a:normAutofit/>
+          </a:bodyPr>
+          <a:lstStyle/>
+          <a:p>
+            <a:pPr indent="0" lvl="0" marL="0" rtl="0" algn="l">
+              <a:spcBef>
+                <a:spcPts val="0"/>
+              </a:spcBef>
+              <a:spcAft>
+                <a:spcPts val="0"/>
+              </a:spcAft>
+              <a:buNone/>
+            </a:pPr>
+            <a:r>
+              <a:rPr lang="en"/>
+              <a:t>Tableau Visualization</a:t>
+            </a:r>
+            <a:endParaRPr/>
+          </a:p>
+          <a:p>
+            <a:pPr indent="0" lvl="0" marL="0" rtl="0" algn="l">
+              <a:spcBef>
+                <a:spcPts val="1200"/>
+              </a:spcBef>
+              <a:spcAft>
+                <a:spcPts val="0"/>
+              </a:spcAft>
+              <a:buNone/>
+            </a:pPr>
+            <a:r>
+              <a:rPr lang="en"/>
+              <a:t>-Heat Map of US </a:t>
+            </a:r>
+            <a:endParaRPr/>
+          </a:p>
+          <a:p>
+            <a:pPr indent="0" lvl="0" marL="0" rtl="0" algn="l">
+              <a:spcBef>
+                <a:spcPts val="1200"/>
+              </a:spcBef>
+              <a:spcAft>
+                <a:spcPts val="0"/>
+              </a:spcAft>
+              <a:buNone/>
+            </a:pPr>
+            <a:r>
+              <a:rPr lang="en"/>
+              <a:t>-US Map according to level education</a:t>
+            </a:r>
+            <a:endParaRPr/>
+          </a:p>
+          <a:p>
+            <a:pPr indent="0" lvl="0" marL="0" rtl="0" algn="l">
+              <a:spcBef>
+                <a:spcPts val="1200"/>
+              </a:spcBef>
+              <a:spcAft>
+                <a:spcPts val="0"/>
+              </a:spcAft>
+              <a:buNone/>
+            </a:pPr>
+            <a:r>
+              <a:rPr lang="en"/>
+              <a:t>-US Map according to income per capita</a:t>
+            </a:r>
+            <a:endParaRPr/>
+          </a:p>
+          <a:p>
+            <a:pPr indent="0" lvl="0" marL="0" rtl="0" algn="l">
+              <a:spcBef>
+                <a:spcPts val="1200"/>
+              </a:spcBef>
+              <a:spcAft>
+                <a:spcPts val="0"/>
+              </a:spcAft>
+              <a:buNone/>
+            </a:pPr>
+            <a:r>
+              <a:rPr lang="en"/>
+              <a:t>-US Map geographic trends</a:t>
+            </a:r>
+            <a:endParaRPr/>
+          </a:p>
+          <a:p>
+            <a:pPr indent="0" lvl="0" marL="0" rtl="0" algn="l">
+              <a:spcBef>
+                <a:spcPts val="1200"/>
+              </a:spcBef>
+              <a:spcAft>
+                <a:spcPts val="1200"/>
+              </a:spcAft>
+              <a:buNone/>
+            </a:pPr>
+            <a:r>
+              <a:t/>
+            </a:r>
+            <a:endParaRPr/>
+          </a:p>
+        </p:txBody>
+      </p:sp>
+    </p:spTree>
+  </p:cSld>
+  <p:clrMapOvr>
+    <a:masterClrMapping/>
+  </p:clrMapOvr>
+</p:sld>
+</file>
+
+<file path=ppt/slides/slide11.xml><?xml version="1.0" encoding="utf-8"?>
+<p:sld xmlns:a="http://schemas.openxmlformats.org/drawingml/2006/main" xmlns:r="http://schemas.openxmlformats.org/officeDocument/2006/relationships" xmlns:mc="http://schemas.openxmlformats.org/markup-compatibility/2006" xmlns:mv="urn:schemas-microsoft-com:mac:vml" xmlns:p="http://schemas.openxmlformats.org/presentationml/2006/main" xmlns:c="http://schemas.openxmlformats.org/drawingml/2006/chart" xmlns:dgm="http://schemas.openxmlformats.org/drawingml/2006/diagram" xmlns:o="urn:schemas-microsoft-com:office:office" xmlns:v="urn:schemas-microsoft-com:vml" xmlns:pvml="urn:schemas-microsoft-com:office:powerpoint" xmlns:com="http://schemas.openxmlformats.org/drawingml/2006/compatibility" xmlns:p14="http://schemas.microsoft.com/office/powerpoint/2010/main" xmlns:p15="http://schemas.microsoft.com/office/powerpoint/2012/main" xmlns:ahyp="http://schemas.microsoft.com/office/drawing/2018/hyperlinkcolor">
+  <p:cSld>
+    <p:spTree>
+      <p:nvGrpSpPr>
+        <p:cNvPr id="195" name="Shape 195"/>
+        <p:cNvGrpSpPr/>
+        <p:nvPr/>
+      </p:nvGrpSpPr>
+      <p:grpSpPr>
+        <a:xfrm>
+          <a:off x="0" y="0"/>
+          <a:ext cx="0" cy="0"/>
+          <a:chOff x="0" y="0"/>
+          <a:chExt cx="0" cy="0"/>
+        </a:xfrm>
+      </p:grpSpPr>
+      <p:sp>
+        <p:nvSpPr>
+          <p:cNvPr id="196" name="Google Shape;196;p23"/>
+          <p:cNvSpPr txBox="1"/>
+          <p:nvPr>
+            <p:ph type="title"/>
+          </p:nvPr>
+        </p:nvSpPr>
+        <p:spPr>
+          <a:xfrm>
+            <a:off x="1297500" y="393750"/>
+            <a:ext cx="7038900" cy="914100"/>
+          </a:xfrm>
+          <a:prstGeom prst="rect">
+            <a:avLst/>
+          </a:prstGeom>
+        </p:spPr>
+        <p:txBody>
+          <a:bodyPr anchorCtr="0" anchor="ctr" bIns="91425" lIns="91425" spcFirstLastPara="1" rIns="91425" wrap="square" tIns="91425">
+            <a:normAutofit/>
+          </a:bodyPr>
+          <a:lstStyle/>
+          <a:p>
+            <a:pPr indent="0" lvl="0" marL="0" rtl="0" algn="ctr">
+              <a:spcBef>
+                <a:spcPts val="0"/>
+              </a:spcBef>
+              <a:spcAft>
+                <a:spcPts val="0"/>
+              </a:spcAft>
+              <a:buNone/>
+            </a:pPr>
+            <a:r>
+              <a:rPr lang="en"/>
+              <a:t>Technologies, Languages, Tools and Libraries</a:t>
+            </a:r>
+            <a:endParaRPr/>
+          </a:p>
+        </p:txBody>
+      </p:sp>
+      <p:sp>
+        <p:nvSpPr>
+          <p:cNvPr id="197" name="Google Shape;197;p23"/>
+          <p:cNvSpPr txBox="1"/>
+          <p:nvPr>
+            <p:ph idx="1" type="body"/>
+          </p:nvPr>
+        </p:nvSpPr>
+        <p:spPr>
+          <a:xfrm>
+            <a:off x="2236725" y="1567550"/>
+            <a:ext cx="2463900" cy="2911200"/>
+          </a:xfrm>
+          <a:prstGeom prst="rect">
+            <a:avLst/>
+          </a:prstGeom>
+        </p:spPr>
+        <p:txBody>
+          <a:bodyPr anchorCtr="0" anchor="t" bIns="91425" lIns="91425" spcFirstLastPara="1" rIns="91425" wrap="square" tIns="91425">
+            <a:normAutofit fontScale="25000" lnSpcReduction="20000"/>
+          </a:bodyPr>
+          <a:lstStyle/>
+          <a:p>
+            <a:pPr indent="0" lvl="0" marL="0" marR="0" rtl="0" algn="l">
+              <a:lnSpc>
+                <a:spcPct val="115000"/>
+              </a:lnSpc>
+              <a:spcBef>
+                <a:spcPts val="0"/>
+              </a:spcBef>
+              <a:spcAft>
+                <a:spcPts val="0"/>
+              </a:spcAft>
+              <a:buNone/>
+            </a:pPr>
+            <a:r>
+              <a:rPr lang="en" sz="6100"/>
+              <a:t>Python 3.7.11</a:t>
+            </a:r>
+            <a:endParaRPr sz="6100"/>
+          </a:p>
+          <a:p>
+            <a:pPr indent="0" lvl="0" marL="0" marR="0" rtl="0" algn="l">
+              <a:lnSpc>
+                <a:spcPct val="115000"/>
+              </a:lnSpc>
+              <a:spcBef>
+                <a:spcPts val="1200"/>
+              </a:spcBef>
+              <a:spcAft>
+                <a:spcPts val="0"/>
+              </a:spcAft>
+              <a:buNone/>
+            </a:pPr>
+            <a:r>
+              <a:rPr lang="en" sz="6100"/>
+              <a:t>Pandas 1.3.5</a:t>
+            </a:r>
+            <a:endParaRPr sz="6100"/>
+          </a:p>
+          <a:p>
+            <a:pPr indent="0" lvl="0" marL="0" marR="0" rtl="0" algn="l">
+              <a:lnSpc>
+                <a:spcPct val="115000"/>
+              </a:lnSpc>
+              <a:spcBef>
+                <a:spcPts val="1200"/>
+              </a:spcBef>
+              <a:spcAft>
+                <a:spcPts val="0"/>
+              </a:spcAft>
+              <a:buNone/>
+            </a:pPr>
+            <a:r>
+              <a:rPr lang="en" sz="6100"/>
+              <a:t>Requests 2.26.0</a:t>
+            </a:r>
+            <a:endParaRPr sz="6100"/>
+          </a:p>
+          <a:p>
+            <a:pPr indent="0" lvl="0" marL="0" marR="0" rtl="0" algn="l">
+              <a:lnSpc>
+                <a:spcPct val="115000"/>
+              </a:lnSpc>
+              <a:spcBef>
+                <a:spcPts val="1200"/>
+              </a:spcBef>
+              <a:spcAft>
+                <a:spcPts val="0"/>
+              </a:spcAft>
+              <a:buNone/>
+            </a:pPr>
+            <a:r>
+              <a:rPr lang="en" sz="6100"/>
+              <a:t>Census Data 1.15</a:t>
+            </a:r>
+            <a:endParaRPr sz="6100"/>
+          </a:p>
+          <a:p>
+            <a:pPr indent="0" lvl="0" marL="0" marR="0" rtl="0" algn="l">
+              <a:lnSpc>
+                <a:spcPct val="115000"/>
+              </a:lnSpc>
+              <a:spcBef>
+                <a:spcPts val="1200"/>
+              </a:spcBef>
+              <a:spcAft>
+                <a:spcPts val="0"/>
+              </a:spcAft>
+              <a:buNone/>
+            </a:pPr>
+            <a:r>
+              <a:rPr lang="en" sz="6100"/>
+              <a:t>Pathlib 2.3.6</a:t>
+            </a:r>
+            <a:endParaRPr sz="6100"/>
+          </a:p>
+          <a:p>
+            <a:pPr indent="0" lvl="0" marL="0" marR="0" rtl="0" algn="l">
+              <a:lnSpc>
+                <a:spcPct val="115000"/>
+              </a:lnSpc>
+              <a:spcBef>
+                <a:spcPts val="1200"/>
+              </a:spcBef>
+              <a:spcAft>
+                <a:spcPts val="0"/>
+              </a:spcAft>
+              <a:buNone/>
+            </a:pPr>
+            <a:r>
+              <a:rPr lang="en" sz="6100"/>
+              <a:t>Matplotlib 3.5.0</a:t>
+            </a:r>
+            <a:endParaRPr sz="6100"/>
+          </a:p>
+          <a:p>
+            <a:pPr indent="0" lvl="0" marL="0" marR="0" rtl="0" algn="l">
+              <a:lnSpc>
+                <a:spcPct val="115000"/>
+              </a:lnSpc>
+              <a:spcBef>
+                <a:spcPts val="1200"/>
+              </a:spcBef>
+              <a:spcAft>
+                <a:spcPts val="0"/>
+              </a:spcAft>
+              <a:buNone/>
+            </a:pPr>
+            <a:r>
+              <a:rPr lang="en" sz="6100"/>
+              <a:t>Sklearn 1.0</a:t>
+            </a:r>
+            <a:endParaRPr sz="6100"/>
+          </a:p>
+          <a:p>
+            <a:pPr indent="0" lvl="0" marL="0" rtl="0" algn="l">
+              <a:spcBef>
+                <a:spcPts val="1200"/>
+              </a:spcBef>
+              <a:spcAft>
+                <a:spcPts val="1200"/>
+              </a:spcAft>
+              <a:buNone/>
+            </a:pPr>
+            <a:r>
+              <a:t/>
+            </a:r>
+            <a:endParaRPr/>
+          </a:p>
+        </p:txBody>
+      </p:sp>
+      <p:sp>
+        <p:nvSpPr>
+          <p:cNvPr id="198" name="Google Shape;198;p23"/>
+          <p:cNvSpPr txBox="1"/>
+          <p:nvPr>
+            <p:ph idx="2" type="body"/>
+          </p:nvPr>
+        </p:nvSpPr>
+        <p:spPr>
+          <a:xfrm>
+            <a:off x="4933221" y="1567550"/>
+            <a:ext cx="3403200" cy="2911200"/>
+          </a:xfrm>
+          <a:prstGeom prst="rect">
+            <a:avLst/>
+          </a:prstGeom>
+        </p:spPr>
+        <p:txBody>
+          <a:bodyPr anchorCtr="0" anchor="t" bIns="91425" lIns="91425" spcFirstLastPara="1" rIns="91425" wrap="square" tIns="91425">
+            <a:normAutofit fontScale="25000" lnSpcReduction="20000"/>
+          </a:bodyPr>
+          <a:lstStyle/>
+          <a:p>
+            <a:pPr indent="0" lvl="0" marL="0" rtl="0" algn="l">
+              <a:spcBef>
+                <a:spcPts val="0"/>
+              </a:spcBef>
+              <a:spcAft>
+                <a:spcPts val="0"/>
+              </a:spcAft>
+              <a:buNone/>
+            </a:pPr>
+            <a:r>
+              <a:rPr lang="en" sz="6100"/>
+              <a:t>Jupyter 1.0</a:t>
+            </a:r>
+            <a:endParaRPr sz="6100"/>
+          </a:p>
+          <a:p>
+            <a:pPr indent="0" lvl="0" marL="0" rtl="0" algn="l">
+              <a:spcBef>
+                <a:spcPts val="1200"/>
+              </a:spcBef>
+              <a:spcAft>
+                <a:spcPts val="0"/>
+              </a:spcAft>
+              <a:buNone/>
+            </a:pPr>
+            <a:r>
+              <a:rPr lang="en" sz="6100"/>
+              <a:t>pgAdmin 5.7</a:t>
+            </a:r>
+            <a:endParaRPr sz="6100"/>
+          </a:p>
+          <a:p>
+            <a:pPr indent="0" lvl="0" marL="0" rtl="0" algn="l">
+              <a:spcBef>
+                <a:spcPts val="1200"/>
+              </a:spcBef>
+              <a:spcAft>
+                <a:spcPts val="0"/>
+              </a:spcAft>
+              <a:buNone/>
+            </a:pPr>
+            <a:r>
+              <a:rPr lang="en" sz="6100"/>
+              <a:t>PostgreSQL</a:t>
+            </a:r>
+            <a:endParaRPr sz="6100"/>
+          </a:p>
+          <a:p>
+            <a:pPr indent="0" lvl="0" marL="0" rtl="0" algn="l">
+              <a:spcBef>
+                <a:spcPts val="1200"/>
+              </a:spcBef>
+              <a:spcAft>
+                <a:spcPts val="0"/>
+              </a:spcAft>
+              <a:buNone/>
+            </a:pPr>
+            <a:r>
+              <a:rPr lang="en" sz="6100"/>
+              <a:t>Tableau Desktop 20.4.2</a:t>
+            </a:r>
+            <a:endParaRPr sz="6100"/>
+          </a:p>
+          <a:p>
+            <a:pPr indent="0" lvl="0" marL="0" rtl="0" algn="l">
+              <a:spcBef>
+                <a:spcPts val="1200"/>
+              </a:spcBef>
+              <a:spcAft>
+                <a:spcPts val="0"/>
+              </a:spcAft>
+              <a:buNone/>
+            </a:pPr>
+            <a:r>
+              <a:rPr lang="en" sz="6100"/>
+              <a:t>Tableau Public</a:t>
+            </a:r>
+            <a:endParaRPr sz="6100"/>
+          </a:p>
+          <a:p>
+            <a:pPr indent="0" lvl="0" marL="0" rtl="0" algn="l">
+              <a:spcBef>
+                <a:spcPts val="1200"/>
+              </a:spcBef>
+              <a:spcAft>
+                <a:spcPts val="0"/>
+              </a:spcAft>
+              <a:buNone/>
+            </a:pPr>
+            <a:r>
+              <a:rPr lang="en" sz="6100"/>
+              <a:t>Microsoft Excel</a:t>
+            </a:r>
+            <a:endParaRPr sz="6100"/>
+          </a:p>
+          <a:p>
+            <a:pPr indent="0" lvl="0" marL="0" rtl="0" algn="l">
+              <a:spcBef>
+                <a:spcPts val="1200"/>
+              </a:spcBef>
+              <a:spcAft>
+                <a:spcPts val="0"/>
+              </a:spcAft>
+              <a:buNone/>
+            </a:pPr>
+            <a:r>
+              <a:rPr lang="en" sz="6100"/>
+              <a:t>Google Drive, Docs, Slides</a:t>
+            </a:r>
+            <a:endParaRPr sz="6000">
+              <a:solidFill>
+                <a:srgbClr val="24292F"/>
+              </a:solidFill>
+              <a:highlight>
+                <a:srgbClr val="FFFFFF"/>
+              </a:highlight>
+              <a:latin typeface="Arial"/>
+              <a:ea typeface="Arial"/>
+              <a:cs typeface="Arial"/>
+              <a:sym typeface="Arial"/>
+            </a:endParaRPr>
+          </a:p>
+          <a:p>
+            <a:pPr indent="0" lvl="0" marL="0" rtl="0" algn="l">
+              <a:spcBef>
+                <a:spcPts val="1200"/>
+              </a:spcBef>
+              <a:spcAft>
+                <a:spcPts val="1200"/>
+              </a:spcAft>
+              <a:buNone/>
+            </a:pPr>
+            <a:r>
+              <a:t/>
+            </a:r>
+            <a:endParaRPr/>
+          </a:p>
+        </p:txBody>
+      </p:sp>
+    </p:spTree>
+  </p:cSld>
+  <p:clrMapOvr>
+    <a:masterClrMapping/>
+  </p:clrMapOvr>
+</p:sld>
+</file>
+
 <file path=ppt/slides/slide2.xml><?xml version="1.0" encoding="utf-8"?>
 <p:sld xmlns:a="http://schemas.openxmlformats.org/drawingml/2006/main" xmlns:r="http://schemas.openxmlformats.org/officeDocument/2006/relationships" xmlns:mc="http://schemas.openxmlformats.org/markup-compatibility/2006" xmlns:mv="urn:schemas-microsoft-com:mac:vml" xmlns:p="http://schemas.openxmlformats.org/presentationml/2006/main" xmlns:c="http://schemas.openxmlformats.org/drawingml/2006/chart" xmlns:dgm="http://schemas.openxmlformats.org/drawingml/2006/diagram" xmlns:o="urn:schemas-microsoft-com:office:office" xmlns:v="urn:schemas-microsoft-com:vml" xmlns:pvml="urn:schemas-microsoft-com:office:powerpoint" xmlns:com="http://schemas.openxmlformats.org/drawingml/2006/compatibility" xmlns:p14="http://schemas.microsoft.com/office/powerpoint/2010/main" xmlns:p15="http://schemas.microsoft.com/office/powerpoint/2012/main" xmlns:ahyp="http://schemas.microsoft.com/office/drawing/2018/hyperlinkcolor">
   <p:cSld>
@@ -11238,131 +12021,68 @@
             </a:pPr>
             <a:r>
               <a:rPr lang="en"/>
-              <a:t>Analysis</a:t>
+              <a:t>R Squared Indicator</a:t>
             </a:r>
             <a:endParaRPr/>
           </a:p>
         </p:txBody>
       </p:sp>
-      <p:sp>
-        <p:nvSpPr>
+      <p:pic>
+        <p:nvPicPr>
           <p:cNvPr id="177" name="Google Shape;177;p20"/>
-          <p:cNvSpPr txBox="1"/>
-          <p:nvPr>
-            <p:ph idx="1" type="body"/>
-          </p:nvPr>
-        </p:nvSpPr>
+          <p:cNvPicPr preferRelativeResize="0"/>
+          <p:nvPr/>
+        </p:nvPicPr>
+        <p:blipFill>
+          <a:blip r:embed="rId3">
+            <a:alphaModFix/>
+          </a:blip>
+          <a:stretch>
+            <a:fillRect/>
+          </a:stretch>
+        </p:blipFill>
         <p:spPr>
           <a:xfrm>
-            <a:off x="1297500" y="1567550"/>
-            <a:ext cx="7038900" cy="2911200"/>
+            <a:off x="1616800" y="1161725"/>
+            <a:ext cx="6040224" cy="3722850"/>
           </a:xfrm>
           <a:prstGeom prst="rect">
             <a:avLst/>
           </a:prstGeom>
+          <a:noFill/>
+          <a:ln>
+            <a:noFill/>
+          </a:ln>
         </p:spPr>
-        <p:txBody>
-          <a:bodyPr anchorCtr="0" anchor="t" bIns="91425" lIns="91425" spcFirstLastPara="1" rIns="91425" wrap="square" tIns="91425">
-            <a:normAutofit/>
-          </a:bodyPr>
-          <a:lstStyle/>
-          <a:p>
-            <a:pPr indent="0" lvl="0" marL="0" rtl="0" algn="l">
-              <a:spcBef>
-                <a:spcPts val="0"/>
-              </a:spcBef>
-              <a:spcAft>
-                <a:spcPts val="0"/>
-              </a:spcAft>
-              <a:buNone/>
-            </a:pPr>
-            <a:r>
-              <a:rPr lang="en"/>
-              <a:t>Tableau Visualization</a:t>
-            </a:r>
-            <a:endParaRPr/>
-          </a:p>
-          <a:p>
-            <a:pPr indent="0" lvl="0" marL="0" rtl="0" algn="l">
-              <a:spcBef>
-                <a:spcPts val="1200"/>
-              </a:spcBef>
-              <a:spcAft>
-                <a:spcPts val="0"/>
-              </a:spcAft>
-              <a:buNone/>
-            </a:pPr>
-            <a:r>
-              <a:rPr lang="en"/>
-              <a:t>-Heat Map of US </a:t>
-            </a:r>
-            <a:endParaRPr/>
-          </a:p>
-          <a:p>
-            <a:pPr indent="0" lvl="0" marL="0" rtl="0" algn="l">
-              <a:spcBef>
-                <a:spcPts val="1200"/>
-              </a:spcBef>
-              <a:spcAft>
-                <a:spcPts val="0"/>
-              </a:spcAft>
-              <a:buNone/>
-            </a:pPr>
-            <a:r>
-              <a:rPr lang="en"/>
-              <a:t>-US Map according to level education</a:t>
-            </a:r>
-            <a:endParaRPr/>
-          </a:p>
-          <a:p>
-            <a:pPr indent="0" lvl="0" marL="0" rtl="0" algn="l">
-              <a:spcBef>
-                <a:spcPts val="1200"/>
-              </a:spcBef>
-              <a:spcAft>
-                <a:spcPts val="0"/>
-              </a:spcAft>
-              <a:buNone/>
-            </a:pPr>
-            <a:r>
-              <a:rPr lang="en"/>
-              <a:t>-US Map according to income per capita</a:t>
-            </a:r>
-            <a:endParaRPr/>
-          </a:p>
-          <a:p>
-            <a:pPr indent="0" lvl="0" marL="0" rtl="0" algn="l">
-              <a:spcBef>
-                <a:spcPts val="1200"/>
-              </a:spcBef>
-              <a:spcAft>
-                <a:spcPts val="0"/>
-              </a:spcAft>
-              <a:buNone/>
-            </a:pPr>
-            <a:r>
-              <a:rPr lang="en"/>
-              <a:t>-US Map geographic trends</a:t>
-            </a:r>
-            <a:endParaRPr/>
-          </a:p>
-          <a:p>
-            <a:pPr indent="0" lvl="0" marL="0" rtl="0" algn="l">
-              <a:spcBef>
-                <a:spcPts val="1200"/>
-              </a:spcBef>
-              <a:spcAft>
-                <a:spcPts val="1200"/>
-              </a:spcAft>
-              <a:buNone/>
-            </a:pPr>
-            <a:r>
-              <a:t/>
-            </a:r>
-            <a:endParaRPr/>
-          </a:p>
-        </p:txBody>
-      </p:sp>
+      </p:pic>
+      <p:pic>
+        <p:nvPicPr>
+          <p:cNvPr id="178" name="Google Shape;178;p20"/>
+          <p:cNvPicPr preferRelativeResize="0"/>
+          <p:nvPr/>
+        </p:nvPicPr>
+        <p:blipFill>
+          <a:blip r:embed="rId4">
+            <a:alphaModFix/>
+          </a:blip>
+          <a:stretch>
+            <a:fillRect/>
+          </a:stretch>
+        </p:blipFill>
+        <p:spPr>
+          <a:xfrm>
+            <a:off x="7754525" y="4271600"/>
+            <a:ext cx="1282750" cy="612975"/>
+          </a:xfrm>
+          <a:prstGeom prst="rect">
+            <a:avLst/>
+          </a:prstGeom>
+          <a:noFill/>
+          <a:ln>
+            <a:noFill/>
+          </a:ln>
+        </p:spPr>
+      </p:pic>
     </p:spTree>
   </p:cSld>
   <p:clrMapOvr>
@@ -11376,7 +12096,7 @@
   <p:cSld>
     <p:spTree>
       <p:nvGrpSpPr>
-        <p:cNvPr id="181" name="Shape 181"/>
+        <p:cNvPr id="182" name="Shape 182"/>
         <p:cNvGrpSpPr/>
         <p:nvPr/>
       </p:nvGrpSpPr>
@@ -11390,7 +12110,7 @@
       </p:grpSpPr>
       <p:sp>
         <p:nvSpPr>
-          <p:cNvPr id="182" name="Google Shape;182;p21"/>
+          <p:cNvPr id="183" name="Google Shape;183;p21"/>
           <p:cNvSpPr txBox="1"/>
           <p:nvPr>
             <p:ph type="title"/>
@@ -11422,346 +12142,68 @@
             </a:pPr>
             <a:r>
               <a:rPr lang="en"/>
-              <a:t>Technologies, Languages, Tools and Libraries</a:t>
+              <a:t>Coefficient Indicator</a:t>
             </a:r>
             <a:endParaRPr/>
           </a:p>
         </p:txBody>
       </p:sp>
-      <p:sp>
-        <p:nvSpPr>
-          <p:cNvPr id="183" name="Google Shape;183;p21"/>
-          <p:cNvSpPr txBox="1"/>
-          <p:nvPr>
-            <p:ph idx="1" type="body"/>
-          </p:nvPr>
-        </p:nvSpPr>
+      <p:pic>
+        <p:nvPicPr>
+          <p:cNvPr id="184" name="Google Shape;184;p21"/>
+          <p:cNvPicPr preferRelativeResize="0"/>
+          <p:nvPr/>
+        </p:nvPicPr>
+        <p:blipFill>
+          <a:blip r:embed="rId3">
+            <a:alphaModFix/>
+          </a:blip>
+          <a:stretch>
+            <a:fillRect/>
+          </a:stretch>
+        </p:blipFill>
         <p:spPr>
           <a:xfrm>
-            <a:off x="2236725" y="1567550"/>
-            <a:ext cx="2463900" cy="2911200"/>
+            <a:off x="1534300" y="1460950"/>
+            <a:ext cx="6075401" cy="3393475"/>
           </a:xfrm>
           <a:prstGeom prst="rect">
             <a:avLst/>
           </a:prstGeom>
+          <a:noFill/>
+          <a:ln>
+            <a:noFill/>
+          </a:ln>
         </p:spPr>
-        <p:txBody>
-          <a:bodyPr anchorCtr="0" anchor="t" bIns="91425" lIns="91425" spcFirstLastPara="1" rIns="91425" wrap="square" tIns="91425">
-            <a:normAutofit fontScale="25000" lnSpcReduction="20000"/>
-          </a:bodyPr>
-          <a:lstStyle/>
-          <a:p>
-            <a:pPr indent="0" lvl="0" marL="0" marR="0" rtl="0" algn="l">
-              <a:lnSpc>
-                <a:spcPct val="115000"/>
-              </a:lnSpc>
-              <a:spcBef>
-                <a:spcPts val="0"/>
-              </a:spcBef>
-              <a:spcAft>
-                <a:spcPts val="0"/>
-              </a:spcAft>
-              <a:buNone/>
-            </a:pPr>
-            <a:r>
-              <a:rPr lang="en" sz="6100"/>
-              <a:t>Python 3.7.11</a:t>
-            </a:r>
-            <a:endParaRPr sz="6100"/>
-          </a:p>
-          <a:p>
-            <a:pPr indent="0" lvl="0" marL="0" marR="0" rtl="0" algn="l">
-              <a:lnSpc>
-                <a:spcPct val="115000"/>
-              </a:lnSpc>
-              <a:spcBef>
-                <a:spcPts val="1200"/>
-              </a:spcBef>
-              <a:spcAft>
-                <a:spcPts val="0"/>
-              </a:spcAft>
-              <a:buNone/>
-            </a:pPr>
-            <a:r>
-              <a:rPr lang="en" sz="6100"/>
-              <a:t>Pandas 1.3.5</a:t>
-            </a:r>
-            <a:endParaRPr sz="6100"/>
-          </a:p>
-          <a:p>
-            <a:pPr indent="0" lvl="0" marL="0" marR="0" rtl="0" algn="l">
-              <a:lnSpc>
-                <a:spcPct val="115000"/>
-              </a:lnSpc>
-              <a:spcBef>
-                <a:spcPts val="1200"/>
-              </a:spcBef>
-              <a:spcAft>
-                <a:spcPts val="0"/>
-              </a:spcAft>
-              <a:buNone/>
-            </a:pPr>
-            <a:r>
-              <a:rPr lang="en" sz="6100"/>
-              <a:t>Requests 2.26.0</a:t>
-            </a:r>
-            <a:endParaRPr sz="6100"/>
-          </a:p>
-          <a:p>
-            <a:pPr indent="0" lvl="0" marL="0" marR="0" rtl="0" algn="l">
-              <a:lnSpc>
-                <a:spcPct val="115000"/>
-              </a:lnSpc>
-              <a:spcBef>
-                <a:spcPts val="1200"/>
-              </a:spcBef>
-              <a:spcAft>
-                <a:spcPts val="0"/>
-              </a:spcAft>
-              <a:buNone/>
-            </a:pPr>
-            <a:r>
-              <a:rPr lang="en" sz="6100"/>
-              <a:t>Census Data 1.15</a:t>
-            </a:r>
-            <a:endParaRPr sz="6100"/>
-          </a:p>
-          <a:p>
-            <a:pPr indent="0" lvl="0" marL="0" marR="0" rtl="0" algn="l">
-              <a:lnSpc>
-                <a:spcPct val="115000"/>
-              </a:lnSpc>
-              <a:spcBef>
-                <a:spcPts val="1200"/>
-              </a:spcBef>
-              <a:spcAft>
-                <a:spcPts val="0"/>
-              </a:spcAft>
-              <a:buNone/>
-            </a:pPr>
-            <a:r>
-              <a:rPr lang="en" sz="6100"/>
-              <a:t>Pathlib 2.3.6</a:t>
-            </a:r>
-            <a:endParaRPr sz="6100"/>
-          </a:p>
-          <a:p>
-            <a:pPr indent="0" lvl="0" marL="0" marR="0" rtl="0" algn="l">
-              <a:lnSpc>
-                <a:spcPct val="115000"/>
-              </a:lnSpc>
-              <a:spcBef>
-                <a:spcPts val="1200"/>
-              </a:spcBef>
-              <a:spcAft>
-                <a:spcPts val="0"/>
-              </a:spcAft>
-              <a:buNone/>
-            </a:pPr>
-            <a:r>
-              <a:rPr lang="en" sz="6100"/>
-              <a:t>Matplotlib 3.5.0</a:t>
-            </a:r>
-            <a:endParaRPr sz="6100"/>
-          </a:p>
-          <a:p>
-            <a:pPr indent="0" lvl="0" marL="0" marR="0" rtl="0" algn="l">
-              <a:lnSpc>
-                <a:spcPct val="115000"/>
-              </a:lnSpc>
-              <a:spcBef>
-                <a:spcPts val="1200"/>
-              </a:spcBef>
-              <a:spcAft>
-                <a:spcPts val="0"/>
-              </a:spcAft>
-              <a:buNone/>
-            </a:pPr>
-            <a:r>
-              <a:rPr lang="en" sz="6100"/>
-              <a:t>Sklearn 1.0</a:t>
-            </a:r>
-            <a:endParaRPr sz="6100"/>
-          </a:p>
-          <a:p>
-            <a:pPr indent="0" lvl="0" marL="0" rtl="0" algn="l">
-              <a:spcBef>
-                <a:spcPts val="1200"/>
-              </a:spcBef>
-              <a:spcAft>
-                <a:spcPts val="1200"/>
-              </a:spcAft>
-              <a:buNone/>
-            </a:pPr>
-            <a:r>
-              <a:t/>
-            </a:r>
-            <a:endParaRPr/>
-          </a:p>
-        </p:txBody>
-      </p:sp>
-      <p:sp>
-        <p:nvSpPr>
-          <p:cNvPr id="184" name="Google Shape;184;p21"/>
-          <p:cNvSpPr txBox="1"/>
-          <p:nvPr>
-            <p:ph idx="2" type="body"/>
-          </p:nvPr>
-        </p:nvSpPr>
+      </p:pic>
+      <p:pic>
+        <p:nvPicPr>
+          <p:cNvPr id="185" name="Google Shape;185;p21"/>
+          <p:cNvPicPr preferRelativeResize="0"/>
+          <p:nvPr/>
+        </p:nvPicPr>
+        <p:blipFill>
+          <a:blip r:embed="rId4">
+            <a:alphaModFix/>
+          </a:blip>
+          <a:stretch>
+            <a:fillRect/>
+          </a:stretch>
+        </p:blipFill>
         <p:spPr>
           <a:xfrm>
-            <a:off x="4933221" y="1567550"/>
-            <a:ext cx="3403200" cy="2911200"/>
+            <a:off x="7754575" y="4317350"/>
+            <a:ext cx="1256200" cy="537075"/>
           </a:xfrm>
           <a:prstGeom prst="rect">
             <a:avLst/>
           </a:prstGeom>
+          <a:noFill/>
+          <a:ln>
+            <a:noFill/>
+          </a:ln>
         </p:spPr>
-        <p:txBody>
-          <a:bodyPr anchorCtr="0" anchor="t" bIns="91425" lIns="91425" spcFirstLastPara="1" rIns="91425" wrap="square" tIns="91425">
-            <a:normAutofit fontScale="25000" lnSpcReduction="20000"/>
-          </a:bodyPr>
-          <a:lstStyle/>
-          <a:p>
-            <a:pPr indent="0" lvl="0" marL="0" rtl="0" algn="l">
-              <a:spcBef>
-                <a:spcPts val="0"/>
-              </a:spcBef>
-              <a:spcAft>
-                <a:spcPts val="0"/>
-              </a:spcAft>
-              <a:buNone/>
-            </a:pPr>
-            <a:r>
-              <a:rPr lang="en" sz="6100"/>
-              <a:t>Jupyter 1.0</a:t>
-            </a:r>
-            <a:endParaRPr sz="6100"/>
-          </a:p>
-          <a:p>
-            <a:pPr indent="0" lvl="0" marL="0" rtl="0" algn="l">
-              <a:spcBef>
-                <a:spcPts val="1200"/>
-              </a:spcBef>
-              <a:spcAft>
-                <a:spcPts val="0"/>
-              </a:spcAft>
-              <a:buNone/>
-            </a:pPr>
-            <a:r>
-              <a:rPr lang="en" sz="6100"/>
-              <a:t>pgAdmin 5.7</a:t>
-            </a:r>
-            <a:endParaRPr sz="6100"/>
-          </a:p>
-          <a:p>
-            <a:pPr indent="0" lvl="0" marL="0" rtl="0" algn="l">
-              <a:spcBef>
-                <a:spcPts val="1200"/>
-              </a:spcBef>
-              <a:spcAft>
-                <a:spcPts val="0"/>
-              </a:spcAft>
-              <a:buNone/>
-            </a:pPr>
-            <a:r>
-              <a:rPr lang="en" sz="6100"/>
-              <a:t>PostgreSQL</a:t>
-            </a:r>
-            <a:endParaRPr sz="6100"/>
-          </a:p>
-          <a:p>
-            <a:pPr indent="0" lvl="0" marL="0" rtl="0" algn="l">
-              <a:spcBef>
-                <a:spcPts val="1200"/>
-              </a:spcBef>
-              <a:spcAft>
-                <a:spcPts val="0"/>
-              </a:spcAft>
-              <a:buNone/>
-            </a:pPr>
-            <a:r>
-              <a:rPr lang="en" sz="6100"/>
-              <a:t>Tableau Desktop 20.4.2</a:t>
-            </a:r>
-            <a:endParaRPr sz="6100"/>
-          </a:p>
-          <a:p>
-            <a:pPr indent="0" lvl="0" marL="0" rtl="0" algn="l">
-              <a:spcBef>
-                <a:spcPts val="1200"/>
-              </a:spcBef>
-              <a:spcAft>
-                <a:spcPts val="0"/>
-              </a:spcAft>
-              <a:buNone/>
-            </a:pPr>
-            <a:r>
-              <a:rPr lang="en" sz="6100"/>
-              <a:t>Tableau Public</a:t>
-            </a:r>
-            <a:endParaRPr sz="6100"/>
-          </a:p>
-          <a:p>
-            <a:pPr indent="0" lvl="0" marL="0" rtl="0" algn="l">
-              <a:spcBef>
-                <a:spcPts val="1200"/>
-              </a:spcBef>
-              <a:spcAft>
-                <a:spcPts val="0"/>
-              </a:spcAft>
-              <a:buNone/>
-            </a:pPr>
-            <a:r>
-              <a:rPr lang="en" sz="6100"/>
-              <a:t>Microsoft Excel</a:t>
-            </a:r>
-            <a:endParaRPr sz="6100"/>
-          </a:p>
-          <a:p>
-            <a:pPr indent="0" lvl="0" marL="0" rtl="0" algn="l">
-              <a:spcBef>
-                <a:spcPts val="1200"/>
-              </a:spcBef>
-              <a:spcAft>
-                <a:spcPts val="0"/>
-              </a:spcAft>
-              <a:buNone/>
-            </a:pPr>
-            <a:r>
-              <a:rPr lang="en" sz="6100"/>
-              <a:t>Google Drive, Docs, Slides</a:t>
-            </a:r>
-            <a:endParaRPr sz="6000">
-              <a:solidFill>
-                <a:srgbClr val="24292F"/>
-              </a:solidFill>
-              <a:highlight>
-                <a:srgbClr val="FFFFFF"/>
-              </a:highlight>
-              <a:latin typeface="Arial"/>
-              <a:ea typeface="Arial"/>
-              <a:cs typeface="Arial"/>
-              <a:sym typeface="Arial"/>
-            </a:endParaRPr>
-          </a:p>
-          <a:p>
-            <a:pPr indent="0" lvl="0" marL="0" rtl="0" algn="l">
-              <a:spcBef>
-                <a:spcPts val="1200"/>
-              </a:spcBef>
-              <a:spcAft>
-                <a:spcPts val="1200"/>
-              </a:spcAft>
-              <a:buNone/>
-            </a:pPr>
-            <a:r>
-              <a:t/>
-            </a:r>
-            <a:endParaRPr/>
-          </a:p>
-        </p:txBody>
-      </p:sp>
+      </p:pic>
     </p:spTree>
   </p:cSld>
   <p:clrMapOvr>

--- a/Effect of Educational Attainment on per Capita Growth by State.pptx
+++ b/Effect of Educational Attainment on per Capita Growth by State.pptx
@@ -19,23 +19,24 @@
     <p:sldId id="264" r:id="rId14"/>
     <p:sldId id="265" r:id="rId15"/>
     <p:sldId id="266" r:id="rId16"/>
+    <p:sldId id="267" r:id="rId17"/>
   </p:sldIdLst>
   <p:sldSz cy="5143500" cx="9144000"/>
   <p:notesSz cx="6858000" cy="9144000"/>
   <p:embeddedFontLst>
     <p:embeddedFont>
       <p:font typeface="Montserrat"/>
-      <p:regular r:id="rId17"/>
-      <p:bold r:id="rId18"/>
-      <p:italic r:id="rId19"/>
-      <p:boldItalic r:id="rId20"/>
+      <p:regular r:id="rId18"/>
+      <p:bold r:id="rId19"/>
+      <p:italic r:id="rId20"/>
+      <p:boldItalic r:id="rId21"/>
     </p:embeddedFont>
     <p:embeddedFont>
       <p:font typeface="Lato"/>
-      <p:regular r:id="rId21"/>
-      <p:bold r:id="rId22"/>
-      <p:italic r:id="rId23"/>
-      <p:boldItalic r:id="rId24"/>
+      <p:regular r:id="rId22"/>
+      <p:bold r:id="rId23"/>
+      <p:italic r:id="rId24"/>
+      <p:boldItalic r:id="rId25"/>
     </p:embeddedFont>
   </p:embeddedFontLst>
   <p:defaultTextStyle>
@@ -830,7 +831,7 @@
       </p:grpSpPr>
       <p:sp>
         <p:nvSpPr>
-          <p:cNvPr id="187" name="Google Shape;187;g116099cb52e_0_0:notes"/>
+          <p:cNvPr id="187" name="Google Shape;187;g11768d52d85_0_14:notes"/>
           <p:cNvSpPr/>
           <p:nvPr>
             <p:ph idx="2" type="sldImg"/>
@@ -865,7 +866,7 @@
       </p:sp>
       <p:sp>
         <p:nvSpPr>
-          <p:cNvPr id="188" name="Google Shape;188;g116099cb52e_0_0:notes"/>
+          <p:cNvPr id="188" name="Google Shape;188;g11768d52d85_0_14:notes"/>
           <p:cNvSpPr txBox="1"/>
           <p:nvPr>
             <p:ph idx="1" type="body"/>
@@ -915,7 +916,7 @@
   <p:cSld>
     <p:spTree>
       <p:nvGrpSpPr>
-        <p:cNvPr id="192" name="Shape 192"/>
+        <p:cNvPr id="193" name="Shape 193"/>
         <p:cNvGrpSpPr/>
         <p:nvPr/>
       </p:nvGrpSpPr>
@@ -929,7 +930,7 @@
       </p:grpSpPr>
       <p:sp>
         <p:nvSpPr>
-          <p:cNvPr id="193" name="Google Shape;193;g11768d52d85_0_0:notes"/>
+          <p:cNvPr id="194" name="Google Shape;194;g116099cb52e_0_0:notes"/>
           <p:cNvSpPr/>
           <p:nvPr>
             <p:ph idx="2" type="sldImg"/>
@@ -964,7 +965,106 @@
       </p:sp>
       <p:sp>
         <p:nvSpPr>
-          <p:cNvPr id="194" name="Google Shape;194;g11768d52d85_0_0:notes"/>
+          <p:cNvPr id="195" name="Google Shape;195;g116099cb52e_0_0:notes"/>
+          <p:cNvSpPr txBox="1"/>
+          <p:nvPr>
+            <p:ph idx="1" type="body"/>
+          </p:nvPr>
+        </p:nvSpPr>
+        <p:spPr>
+          <a:xfrm>
+            <a:off x="685800" y="4343400"/>
+            <a:ext cx="5486400" cy="4114800"/>
+          </a:xfrm>
+          <a:prstGeom prst="rect">
+            <a:avLst/>
+          </a:prstGeom>
+        </p:spPr>
+        <p:txBody>
+          <a:bodyPr anchorCtr="0" anchor="t" bIns="91425" lIns="91425" spcFirstLastPara="1" rIns="91425" wrap="square" tIns="91425">
+            <a:noAutofit/>
+          </a:bodyPr>
+          <a:lstStyle/>
+          <a:p>
+            <a:pPr indent="0" lvl="0" marL="0" rtl="0" algn="l">
+              <a:spcBef>
+                <a:spcPts val="0"/>
+              </a:spcBef>
+              <a:spcAft>
+                <a:spcPts val="0"/>
+              </a:spcAft>
+              <a:buNone/>
+            </a:pPr>
+            <a:r>
+              <a:t/>
+            </a:r>
+            <a:endParaRPr/>
+          </a:p>
+        </p:txBody>
+      </p:sp>
+    </p:spTree>
+  </p:cSld>
+  <p:clrMapOvr>
+    <a:masterClrMapping/>
+  </p:clrMapOvr>
+</p:notes>
+</file>
+
+<file path=ppt/notesSlides/notesSlide12.xml><?xml version="1.0" encoding="utf-8"?>
+<p:notes xmlns:a="http://schemas.openxmlformats.org/drawingml/2006/main" xmlns:r="http://schemas.openxmlformats.org/officeDocument/2006/relationships" xmlns:mc="http://schemas.openxmlformats.org/markup-compatibility/2006" xmlns:mv="urn:schemas-microsoft-com:mac:vml" xmlns:p="http://schemas.openxmlformats.org/presentationml/2006/main" xmlns:c="http://schemas.openxmlformats.org/drawingml/2006/chart" xmlns:dgm="http://schemas.openxmlformats.org/drawingml/2006/diagram" xmlns:o="urn:schemas-microsoft-com:office:office" xmlns:v="urn:schemas-microsoft-com:vml" xmlns:pvml="urn:schemas-microsoft-com:office:powerpoint" xmlns:com="http://schemas.openxmlformats.org/drawingml/2006/compatibility" xmlns:p14="http://schemas.microsoft.com/office/powerpoint/2010/main" xmlns:p15="http://schemas.microsoft.com/office/powerpoint/2012/main" xmlns:ahyp="http://schemas.microsoft.com/office/drawing/2018/hyperlinkcolor" showMasterPhAnim="0" showMasterSp="0">
+  <p:cSld>
+    <p:spTree>
+      <p:nvGrpSpPr>
+        <p:cNvPr id="199" name="Shape 199"/>
+        <p:cNvGrpSpPr/>
+        <p:nvPr/>
+      </p:nvGrpSpPr>
+      <p:grpSpPr>
+        <a:xfrm>
+          <a:off x="0" y="0"/>
+          <a:ext cx="0" cy="0"/>
+          <a:chOff x="0" y="0"/>
+          <a:chExt cx="0" cy="0"/>
+        </a:xfrm>
+      </p:grpSpPr>
+      <p:sp>
+        <p:nvSpPr>
+          <p:cNvPr id="200" name="Google Shape;200;g11768d52d85_0_0:notes"/>
+          <p:cNvSpPr/>
+          <p:nvPr>
+            <p:ph idx="2" type="sldImg"/>
+          </p:nvPr>
+        </p:nvSpPr>
+        <p:spPr>
+          <a:xfrm>
+            <a:off x="381300" y="685800"/>
+            <a:ext cx="6096000" cy="3429000"/>
+          </a:xfrm>
+          <a:custGeom>
+            <a:rect b="b" l="l" r="r" t="t"/>
+            <a:pathLst>
+              <a:path extrusionOk="0" h="120000" w="120000">
+                <a:moveTo>
+                  <a:pt x="0" y="0"/>
+                </a:moveTo>
+                <a:lnTo>
+                  <a:pt x="120000" y="0"/>
+                </a:lnTo>
+                <a:lnTo>
+                  <a:pt x="120000" y="120000"/>
+                </a:lnTo>
+                <a:lnTo>
+                  <a:pt x="0" y="120000"/>
+                </a:lnTo>
+                <a:close/>
+              </a:path>
+            </a:pathLst>
+          </a:custGeom>
+        </p:spPr>
+      </p:sp>
+      <p:sp>
+        <p:nvSpPr>
+          <p:cNvPr id="201" name="Google Shape;201;g11768d52d85_0_0:notes"/>
           <p:cNvSpPr txBox="1"/>
           <p:nvPr>
             <p:ph idx="1" type="body"/>
@@ -1608,7 +1708,7 @@
   <p:cSld>
     <p:spTree>
       <p:nvGrpSpPr>
-        <p:cNvPr id="172" name="Shape 172"/>
+        <p:cNvPr id="173" name="Shape 173"/>
         <p:cNvGrpSpPr/>
         <p:nvPr/>
       </p:nvGrpSpPr>
@@ -1622,7 +1722,7 @@
       </p:grpSpPr>
       <p:sp>
         <p:nvSpPr>
-          <p:cNvPr id="173" name="Google Shape;173;g11768d52d85_0_7:notes"/>
+          <p:cNvPr id="174" name="Google Shape;174;g11768d52d85_0_22:notes"/>
           <p:cNvSpPr/>
           <p:nvPr>
             <p:ph idx="2" type="sldImg"/>
@@ -1657,7 +1757,7 @@
       </p:sp>
       <p:sp>
         <p:nvSpPr>
-          <p:cNvPr id="174" name="Google Shape;174;g11768d52d85_0_7:notes"/>
+          <p:cNvPr id="175" name="Google Shape;175;g11768d52d85_0_22:notes"/>
           <p:cNvSpPr txBox="1"/>
           <p:nvPr>
             <p:ph idx="1" type="body"/>
@@ -1721,7 +1821,7 @@
       </p:grpSpPr>
       <p:sp>
         <p:nvSpPr>
-          <p:cNvPr id="180" name="Google Shape;180;g11768d52d85_0_14:notes"/>
+          <p:cNvPr id="180" name="Google Shape;180;g11768d52d85_0_7:notes"/>
           <p:cNvSpPr/>
           <p:nvPr>
             <p:ph idx="2" type="sldImg"/>
@@ -1756,7 +1856,7 @@
       </p:sp>
       <p:sp>
         <p:nvSpPr>
-          <p:cNvPr id="181" name="Google Shape;181;g11768d52d85_0_14:notes"/>
+          <p:cNvPr id="181" name="Google Shape;181;g11768d52d85_0_7:notes"/>
           <p:cNvSpPr txBox="1"/>
           <p:nvPr>
             <p:ph idx="1" type="body"/>
@@ -10132,6 +10232,127 @@
           </a:prstGeom>
         </p:spPr>
         <p:txBody>
+          <a:bodyPr anchorCtr="0" anchor="ctr" bIns="91425" lIns="91425" spcFirstLastPara="1" rIns="91425" wrap="square" tIns="91425">
+            <a:normAutofit/>
+          </a:bodyPr>
+          <a:lstStyle/>
+          <a:p>
+            <a:pPr indent="0" lvl="0" marL="0" rtl="0" algn="ctr">
+              <a:spcBef>
+                <a:spcPts val="0"/>
+              </a:spcBef>
+              <a:spcAft>
+                <a:spcPts val="0"/>
+              </a:spcAft>
+              <a:buNone/>
+            </a:pPr>
+            <a:r>
+              <a:rPr lang="en"/>
+              <a:t>Coefficient Indicator</a:t>
+            </a:r>
+            <a:endParaRPr/>
+          </a:p>
+        </p:txBody>
+      </p:sp>
+      <p:pic>
+        <p:nvPicPr>
+          <p:cNvPr id="191" name="Google Shape;191;p22"/>
+          <p:cNvPicPr preferRelativeResize="0"/>
+          <p:nvPr/>
+        </p:nvPicPr>
+        <p:blipFill>
+          <a:blip r:embed="rId3">
+            <a:alphaModFix/>
+          </a:blip>
+          <a:stretch>
+            <a:fillRect/>
+          </a:stretch>
+        </p:blipFill>
+        <p:spPr>
+          <a:xfrm>
+            <a:off x="1534300" y="1460950"/>
+            <a:ext cx="6075401" cy="3393475"/>
+          </a:xfrm>
+          <a:prstGeom prst="rect">
+            <a:avLst/>
+          </a:prstGeom>
+          <a:noFill/>
+          <a:ln>
+            <a:noFill/>
+          </a:ln>
+        </p:spPr>
+      </p:pic>
+      <p:pic>
+        <p:nvPicPr>
+          <p:cNvPr id="192" name="Google Shape;192;p22"/>
+          <p:cNvPicPr preferRelativeResize="0"/>
+          <p:nvPr/>
+        </p:nvPicPr>
+        <p:blipFill>
+          <a:blip r:embed="rId4">
+            <a:alphaModFix/>
+          </a:blip>
+          <a:stretch>
+            <a:fillRect/>
+          </a:stretch>
+        </p:blipFill>
+        <p:spPr>
+          <a:xfrm>
+            <a:off x="7754575" y="4317350"/>
+            <a:ext cx="1256200" cy="537075"/>
+          </a:xfrm>
+          <a:prstGeom prst="rect">
+            <a:avLst/>
+          </a:prstGeom>
+          <a:noFill/>
+          <a:ln>
+            <a:noFill/>
+          </a:ln>
+        </p:spPr>
+      </p:pic>
+    </p:spTree>
+  </p:cSld>
+  <p:clrMapOvr>
+    <a:masterClrMapping/>
+  </p:clrMapOvr>
+</p:sld>
+</file>
+
+<file path=ppt/slides/slide11.xml><?xml version="1.0" encoding="utf-8"?>
+<p:sld xmlns:a="http://schemas.openxmlformats.org/drawingml/2006/main" xmlns:r="http://schemas.openxmlformats.org/officeDocument/2006/relationships" xmlns:mc="http://schemas.openxmlformats.org/markup-compatibility/2006" xmlns:mv="urn:schemas-microsoft-com:mac:vml" xmlns:p="http://schemas.openxmlformats.org/presentationml/2006/main" xmlns:c="http://schemas.openxmlformats.org/drawingml/2006/chart" xmlns:dgm="http://schemas.openxmlformats.org/drawingml/2006/diagram" xmlns:o="urn:schemas-microsoft-com:office:office" xmlns:v="urn:schemas-microsoft-com:vml" xmlns:pvml="urn:schemas-microsoft-com:office:powerpoint" xmlns:com="http://schemas.openxmlformats.org/drawingml/2006/compatibility" xmlns:p14="http://schemas.microsoft.com/office/powerpoint/2010/main" xmlns:p15="http://schemas.microsoft.com/office/powerpoint/2012/main" xmlns:ahyp="http://schemas.microsoft.com/office/drawing/2018/hyperlinkcolor">
+  <p:cSld>
+    <p:spTree>
+      <p:nvGrpSpPr>
+        <p:cNvPr id="196" name="Shape 196"/>
+        <p:cNvGrpSpPr/>
+        <p:nvPr/>
+      </p:nvGrpSpPr>
+      <p:grpSpPr>
+        <a:xfrm>
+          <a:off x="0" y="0"/>
+          <a:ext cx="0" cy="0"/>
+          <a:chOff x="0" y="0"/>
+          <a:chExt cx="0" cy="0"/>
+        </a:xfrm>
+      </p:grpSpPr>
+      <p:sp>
+        <p:nvSpPr>
+          <p:cNvPr id="197" name="Google Shape;197;p23"/>
+          <p:cNvSpPr txBox="1"/>
+          <p:nvPr>
+            <p:ph type="title"/>
+          </p:nvPr>
+        </p:nvSpPr>
+        <p:spPr>
+          <a:xfrm>
+            <a:off x="1297500" y="393750"/>
+            <a:ext cx="7038900" cy="914100"/>
+          </a:xfrm>
+          <a:prstGeom prst="rect">
+            <a:avLst/>
+          </a:prstGeom>
+        </p:spPr>
+        <p:txBody>
           <a:bodyPr anchorCtr="0" anchor="t" bIns="91425" lIns="91425" spcFirstLastPara="1" rIns="91425" wrap="square" tIns="91425">
             <a:normAutofit/>
           </a:bodyPr>
@@ -10148,7 +10369,7 @@
             </a:pPr>
             <a:r>
               <a:rPr lang="en"/>
-              <a:t>Analysis</a:t>
+              <a:t>Analysis Vicky’s Tableau Link</a:t>
             </a:r>
             <a:endParaRPr/>
           </a:p>
@@ -10156,7 +10377,7 @@
       </p:sp>
       <p:sp>
         <p:nvSpPr>
-          <p:cNvPr id="191" name="Google Shape;191;p22"/>
+          <p:cNvPr id="198" name="Google Shape;198;p23"/>
           <p:cNvSpPr txBox="1"/>
           <p:nvPr>
             <p:ph idx="1" type="body"/>
@@ -10173,13 +10394,77 @@
         </p:spPr>
         <p:txBody>
           <a:bodyPr anchorCtr="0" anchor="t" bIns="91425" lIns="91425" spcFirstLastPara="1" rIns="91425" wrap="square" tIns="91425">
-            <a:normAutofit/>
+            <a:normAutofit fontScale="77500" lnSpcReduction="10000"/>
           </a:bodyPr>
           <a:lstStyle/>
           <a:p>
             <a:pPr indent="0" lvl="0" marL="0" rtl="0" algn="l">
               <a:spcBef>
                 <a:spcPts val="0"/>
+              </a:spcBef>
+              <a:spcAft>
+                <a:spcPts val="0"/>
+              </a:spcAft>
+              <a:buNone/>
+            </a:pPr>
+            <a:r>
+              <a:rPr lang="en" u="sng">
+                <a:solidFill>
+                  <a:schemeClr val="hlink"/>
+                </a:solidFill>
+                <a:hlinkClick r:id="rId3"/>
+              </a:rPr>
+              <a:t>https://public.tableau.com/app/profile/vicky.carlson/viz/EffectofEducationalAttainmentonPerCapitaIncomeGrowth/Story1</a:t>
+            </a:r>
+            <a:r>
+              <a:rPr lang="en"/>
+              <a:t> </a:t>
+            </a:r>
+            <a:endParaRPr/>
+          </a:p>
+          <a:p>
+            <a:pPr indent="0" lvl="0" marL="0" rtl="0" algn="l">
+              <a:spcBef>
+                <a:spcPts val="1200"/>
+              </a:spcBef>
+              <a:spcAft>
+                <a:spcPts val="0"/>
+              </a:spcAft>
+              <a:buNone/>
+            </a:pPr>
+            <a:r>
+              <a:t/>
+            </a:r>
+            <a:endParaRPr/>
+          </a:p>
+          <a:p>
+            <a:pPr indent="0" lvl="0" marL="0" rtl="0" algn="l">
+              <a:spcBef>
+                <a:spcPts val="1200"/>
+              </a:spcBef>
+              <a:spcAft>
+                <a:spcPts val="0"/>
+              </a:spcAft>
+              <a:buNone/>
+            </a:pPr>
+            <a:r>
+              <a:rPr lang="en"/>
+              <a:t>See if we can capture the </a:t>
+            </a:r>
+            <a:r>
+              <a:rPr lang="en"/>
+              <a:t>transformation</a:t>
+            </a:r>
+            <a:r>
+              <a:rPr lang="en"/>
+              <a:t> clip and insert into pp</a:t>
+            </a:r>
+            <a:endParaRPr/>
+          </a:p>
+          <a:p>
+            <a:pPr indent="0" lvl="0" marL="0" rtl="0" algn="l">
+              <a:spcBef>
+                <a:spcPts val="1200"/>
               </a:spcBef>
               <a:spcAft>
                 <a:spcPts val="0"/>
@@ -10281,12 +10566,12 @@
 </p:sld>
 </file>
 
-<file path=ppt/slides/slide11.xml><?xml version="1.0" encoding="utf-8"?>
+<file path=ppt/slides/slide12.xml><?xml version="1.0" encoding="utf-8"?>
 <p:sld xmlns:a="http://schemas.openxmlformats.org/drawingml/2006/main" xmlns:r="http://schemas.openxmlformats.org/officeDocument/2006/relationships" xmlns:mc="http://schemas.openxmlformats.org/markup-compatibility/2006" xmlns:mv="urn:schemas-microsoft-com:mac:vml" xmlns:p="http://schemas.openxmlformats.org/presentationml/2006/main" xmlns:c="http://schemas.openxmlformats.org/drawingml/2006/chart" xmlns:dgm="http://schemas.openxmlformats.org/drawingml/2006/diagram" xmlns:o="urn:schemas-microsoft-com:office:office" xmlns:v="urn:schemas-microsoft-com:vml" xmlns:pvml="urn:schemas-microsoft-com:office:powerpoint" xmlns:com="http://schemas.openxmlformats.org/drawingml/2006/compatibility" xmlns:p14="http://schemas.microsoft.com/office/powerpoint/2010/main" xmlns:p15="http://schemas.microsoft.com/office/powerpoint/2012/main" xmlns:ahyp="http://schemas.microsoft.com/office/drawing/2018/hyperlinkcolor">
   <p:cSld>
     <p:spTree>
       <p:nvGrpSpPr>
-        <p:cNvPr id="195" name="Shape 195"/>
+        <p:cNvPr id="202" name="Shape 202"/>
         <p:cNvGrpSpPr/>
         <p:nvPr/>
       </p:nvGrpSpPr>
@@ -10300,7 +10585,7 @@
       </p:grpSpPr>
       <p:sp>
         <p:nvSpPr>
-          <p:cNvPr id="196" name="Google Shape;196;p23"/>
+          <p:cNvPr id="203" name="Google Shape;203;p24"/>
           <p:cNvSpPr txBox="1"/>
           <p:nvPr>
             <p:ph type="title"/>
@@ -10340,7 +10625,7 @@
       </p:sp>
       <p:sp>
         <p:nvSpPr>
-          <p:cNvPr id="197" name="Google Shape;197;p23"/>
+          <p:cNvPr id="204" name="Google Shape;204;p24"/>
           <p:cNvSpPr txBox="1"/>
           <p:nvPr>
             <p:ph idx="1" type="body"/>
@@ -10512,7 +10797,7 @@
       </p:sp>
       <p:sp>
         <p:nvSpPr>
-          <p:cNvPr id="198" name="Google Shape;198;p23"/>
+          <p:cNvPr id="205" name="Google Shape;205;p24"/>
           <p:cNvSpPr txBox="1"/>
           <p:nvPr>
             <p:ph idx="2" type="body"/>
@@ -11789,7 +12074,7 @@
             </a:pPr>
             <a:r>
               <a:rPr lang="en"/>
-              <a:t>Analysis - DRAFT</a:t>
+              <a:t>Analysis - Linear Regression</a:t>
             </a:r>
             <a:endParaRPr/>
           </a:p>
@@ -11805,8 +12090,8 @@
         </p:nvSpPr>
         <p:spPr>
           <a:xfrm>
-            <a:off x="1120150" y="1537975"/>
-            <a:ext cx="7038900" cy="2911200"/>
+            <a:off x="863975" y="1779050"/>
+            <a:ext cx="3274500" cy="2911200"/>
           </a:xfrm>
           <a:prstGeom prst="rect">
             <a:avLst/>
@@ -11814,7 +12099,7 @@
         </p:spPr>
         <p:txBody>
           <a:bodyPr anchorCtr="0" anchor="t" bIns="91425" lIns="91425" spcFirstLastPara="1" rIns="91425" wrap="square" tIns="91425">
-            <a:normAutofit fontScale="92500" lnSpcReduction="20000"/>
+            <a:normAutofit/>
           </a:bodyPr>
           <a:lstStyle/>
           <a:p>
@@ -11839,129 +12124,46 @@
                 <a:spcPts val="1200"/>
               </a:spcBef>
               <a:spcAft>
-                <a:spcPts val="0"/>
+                <a:spcPts val="1200"/>
               </a:spcAft>
               <a:buNone/>
             </a:pPr>
             <a:r>
               <a:rPr lang="en"/>
-              <a:t>A positive relationship was observed with some outliers to dissect  further in analysis</a:t>
-            </a:r>
-            <a:r>
-              <a:rPr lang="en"/>
-              <a:t> </a:t>
-            </a:r>
-            <a:endParaRPr/>
-          </a:p>
-          <a:p>
-            <a:pPr indent="0" lvl="0" marL="0" rtl="0" algn="l">
-              <a:spcBef>
-                <a:spcPts val="1200"/>
-              </a:spcBef>
-              <a:spcAft>
-                <a:spcPts val="0"/>
-              </a:spcAft>
-              <a:buNone/>
-            </a:pPr>
-            <a:r>
-              <a:rPr lang="en"/>
-              <a:t>Machine Learning</a:t>
-            </a:r>
-            <a:endParaRPr/>
-          </a:p>
-          <a:p>
-            <a:pPr indent="0" lvl="0" marL="0" rtl="0" algn="l">
-              <a:spcBef>
-                <a:spcPts val="1200"/>
-              </a:spcBef>
-              <a:spcAft>
-                <a:spcPts val="0"/>
-              </a:spcAft>
-              <a:buNone/>
-            </a:pPr>
-            <a:r>
-              <a:rPr lang="en"/>
-              <a:t>	Initially the model was trained using the </a:t>
-            </a:r>
-            <a:r>
-              <a:rPr lang="en"/>
-              <a:t>singular</a:t>
-            </a:r>
-            <a:r>
-              <a:rPr lang="en"/>
-              <a:t> linear regression. </a:t>
-            </a:r>
-            <a:endParaRPr/>
-          </a:p>
-          <a:p>
-            <a:pPr indent="0" lvl="0" marL="0" rtl="0" algn="l">
-              <a:spcBef>
-                <a:spcPts val="1200"/>
-              </a:spcBef>
-              <a:spcAft>
-                <a:spcPts val="0"/>
-              </a:spcAft>
-              <a:buNone/>
-            </a:pPr>
-            <a:r>
-              <a:rPr lang="en"/>
-              <a:t>	</a:t>
-            </a:r>
-            <a:r>
-              <a:rPr lang="en"/>
-              <a:t>From the linear regression we were able to gather metrics such as r2, coefficients and intercepts which were output to a json file used in Tableau.</a:t>
-            </a:r>
-            <a:endParaRPr/>
-          </a:p>
-          <a:p>
-            <a:pPr indent="457200" lvl="0" marL="0" rtl="0" algn="l">
-              <a:spcBef>
-                <a:spcPts val="1200"/>
-              </a:spcBef>
-              <a:spcAft>
-                <a:spcPts val="0"/>
-              </a:spcAft>
-              <a:buNone/>
-            </a:pPr>
-            <a:r>
-              <a:rPr lang="en"/>
-              <a:t>-</a:t>
-            </a:r>
-            <a:endParaRPr/>
-          </a:p>
-          <a:p>
-            <a:pPr indent="0" lvl="0" marL="0" rtl="0" algn="l">
-              <a:spcBef>
-                <a:spcPts val="1200"/>
-              </a:spcBef>
-              <a:spcAft>
-                <a:spcPts val="0"/>
-              </a:spcAft>
-              <a:buNone/>
-            </a:pPr>
-            <a:r>
-              <a:rPr lang="en"/>
-              <a:t>Continuing working on this portion as we improve and modify our ML model.</a:t>
-            </a:r>
-            <a:endParaRPr/>
-          </a:p>
-          <a:p>
-            <a:pPr indent="0" lvl="0" marL="0" rtl="0" algn="l">
-              <a:spcBef>
-                <a:spcPts val="1200"/>
-              </a:spcBef>
-              <a:spcAft>
-                <a:spcPts val="1200"/>
-              </a:spcAft>
-              <a:buNone/>
-            </a:pPr>
-            <a:r>
-              <a:t/>
+              <a:t>A positive relationship was observed with some outliers to dissect  </a:t>
             </a:r>
             <a:endParaRPr/>
           </a:p>
         </p:txBody>
       </p:sp>
+      <p:pic>
+        <p:nvPicPr>
+          <p:cNvPr id="172" name="Google Shape;172;p19"/>
+          <p:cNvPicPr preferRelativeResize="0"/>
+          <p:nvPr/>
+        </p:nvPicPr>
+        <p:blipFill>
+          <a:blip r:embed="rId3">
+            <a:alphaModFix/>
+          </a:blip>
+          <a:stretch>
+            <a:fillRect/>
+          </a:stretch>
+        </p:blipFill>
+        <p:spPr>
+          <a:xfrm>
+            <a:off x="4448270" y="1779050"/>
+            <a:ext cx="4200115" cy="2911201"/>
+          </a:xfrm>
+          <a:prstGeom prst="rect">
+            <a:avLst/>
+          </a:prstGeom>
+          <a:noFill/>
+          <a:ln>
+            <a:noFill/>
+          </a:ln>
+        </p:spPr>
+      </p:pic>
     </p:spTree>
   </p:cSld>
   <p:clrMapOvr>
@@ -11975,7 +12177,7 @@
   <p:cSld>
     <p:spTree>
       <p:nvGrpSpPr>
-        <p:cNvPr id="175" name="Shape 175"/>
+        <p:cNvPr id="176" name="Shape 176"/>
         <p:cNvGrpSpPr/>
         <p:nvPr/>
       </p:nvGrpSpPr>
@@ -11989,7 +12191,7 @@
       </p:grpSpPr>
       <p:sp>
         <p:nvSpPr>
-          <p:cNvPr id="176" name="Google Shape;176;p20"/>
+          <p:cNvPr id="177" name="Google Shape;177;p20"/>
           <p:cNvSpPr txBox="1"/>
           <p:nvPr>
             <p:ph type="title"/>
@@ -12010,7 +12212,7 @@
           </a:bodyPr>
           <a:lstStyle/>
           <a:p>
-            <a:pPr indent="0" lvl="0" marL="0" rtl="0" algn="ctr">
+            <a:pPr indent="0" lvl="0" marL="0" rtl="0" algn="l">
               <a:spcBef>
                 <a:spcPts val="0"/>
               </a:spcBef>
@@ -12021,68 +12223,131 @@
             </a:pPr>
             <a:r>
               <a:rPr lang="en"/>
-              <a:t>R Squared Indicator</a:t>
+              <a:t>Analysis - Machine Learning</a:t>
             </a:r>
             <a:endParaRPr/>
           </a:p>
         </p:txBody>
       </p:sp>
-      <p:pic>
-        <p:nvPicPr>
-          <p:cNvPr id="177" name="Google Shape;177;p20"/>
-          <p:cNvPicPr preferRelativeResize="0"/>
-          <p:nvPr/>
-        </p:nvPicPr>
-        <p:blipFill>
-          <a:blip r:embed="rId3">
-            <a:alphaModFix/>
-          </a:blip>
-          <a:stretch>
-            <a:fillRect/>
-          </a:stretch>
-        </p:blipFill>
+      <p:sp>
+        <p:nvSpPr>
+          <p:cNvPr id="178" name="Google Shape;178;p20"/>
+          <p:cNvSpPr txBox="1"/>
+          <p:nvPr>
+            <p:ph idx="1" type="body"/>
+          </p:nvPr>
+        </p:nvSpPr>
         <p:spPr>
           <a:xfrm>
-            <a:off x="1616800" y="1161725"/>
-            <a:ext cx="6040224" cy="3722850"/>
+            <a:off x="1297500" y="1567550"/>
+            <a:ext cx="7038900" cy="2911200"/>
           </a:xfrm>
           <a:prstGeom prst="rect">
             <a:avLst/>
           </a:prstGeom>
-          <a:noFill/>
-          <a:ln>
-            <a:noFill/>
-          </a:ln>
         </p:spPr>
-      </p:pic>
-      <p:pic>
-        <p:nvPicPr>
-          <p:cNvPr id="178" name="Google Shape;178;p20"/>
-          <p:cNvPicPr preferRelativeResize="0"/>
-          <p:nvPr/>
-        </p:nvPicPr>
-        <p:blipFill>
-          <a:blip r:embed="rId4">
-            <a:alphaModFix/>
-          </a:blip>
-          <a:stretch>
-            <a:fillRect/>
-          </a:stretch>
-        </p:blipFill>
-        <p:spPr>
-          <a:xfrm>
-            <a:off x="7754525" y="4271600"/>
-            <a:ext cx="1282750" cy="612975"/>
-          </a:xfrm>
-          <a:prstGeom prst="rect">
-            <a:avLst/>
-          </a:prstGeom>
-          <a:noFill/>
-          <a:ln>
-            <a:noFill/>
-          </a:ln>
-        </p:spPr>
-      </p:pic>
+        <p:txBody>
+          <a:bodyPr anchorCtr="0" anchor="t" bIns="91425" lIns="91425" spcFirstLastPara="1" rIns="91425" wrap="square" tIns="91425">
+            <a:normAutofit/>
+          </a:bodyPr>
+          <a:lstStyle/>
+          <a:p>
+            <a:pPr indent="0" lvl="0" marL="0" rtl="0" algn="l">
+              <a:spcBef>
+                <a:spcPts val="0"/>
+              </a:spcBef>
+              <a:spcAft>
+                <a:spcPts val="0"/>
+              </a:spcAft>
+              <a:buNone/>
+            </a:pPr>
+            <a:r>
+              <a:rPr lang="en"/>
+              <a:t>Machine Learning</a:t>
+            </a:r>
+            <a:endParaRPr/>
+          </a:p>
+          <a:p>
+            <a:pPr indent="0" lvl="0" marL="0" rtl="0" algn="l">
+              <a:spcBef>
+                <a:spcPts val="1200"/>
+              </a:spcBef>
+              <a:spcAft>
+                <a:spcPts val="0"/>
+              </a:spcAft>
+              <a:buNone/>
+            </a:pPr>
+            <a:r>
+              <a:rPr lang="en"/>
+              <a:t>	Initially the model was trained using the singular linear regression. </a:t>
+            </a:r>
+            <a:endParaRPr/>
+          </a:p>
+          <a:p>
+            <a:pPr indent="0" lvl="0" marL="0" rtl="0" algn="l">
+              <a:spcBef>
+                <a:spcPts val="1200"/>
+              </a:spcBef>
+              <a:spcAft>
+                <a:spcPts val="0"/>
+              </a:spcAft>
+              <a:buNone/>
+            </a:pPr>
+            <a:r>
+              <a:rPr lang="en"/>
+              <a:t>	From the linear regression we were able to gather metrics such as r2, coefficients and intercepts which were output to a json file used in Tableau.</a:t>
+            </a:r>
+            <a:endParaRPr/>
+          </a:p>
+          <a:p>
+            <a:pPr indent="457200" lvl="0" marL="0" rtl="0" algn="l">
+              <a:spcBef>
+                <a:spcPts val="1200"/>
+              </a:spcBef>
+              <a:spcAft>
+                <a:spcPts val="0"/>
+              </a:spcAft>
+              <a:buNone/>
+            </a:pPr>
+            <a:r>
+              <a:rPr lang="en"/>
+              <a:t>-</a:t>
+            </a:r>
+            <a:endParaRPr/>
+          </a:p>
+          <a:p>
+            <a:pPr indent="0" lvl="0" marL="0" rtl="0" algn="l">
+              <a:spcBef>
+                <a:spcPts val="1200"/>
+              </a:spcBef>
+              <a:spcAft>
+                <a:spcPts val="0"/>
+              </a:spcAft>
+              <a:buNone/>
+            </a:pPr>
+            <a:r>
+              <a:rPr lang="en"/>
+              <a:t>Continuing working on this portion as we improve and modify our ML model.</a:t>
+            </a:r>
+            <a:endParaRPr/>
+          </a:p>
+          <a:p>
+            <a:pPr indent="0" lvl="0" marL="0" rtl="0" algn="l">
+              <a:spcBef>
+                <a:spcPts val="1200"/>
+              </a:spcBef>
+              <a:spcAft>
+                <a:spcPts val="1200"/>
+              </a:spcAft>
+              <a:buNone/>
+            </a:pPr>
+            <a:r>
+              <a:t/>
+            </a:r>
+            <a:endParaRPr/>
+          </a:p>
+        </p:txBody>
+      </p:sp>
     </p:spTree>
   </p:cSld>
   <p:clrMapOvr>
@@ -12126,7 +12391,7 @@
           </a:prstGeom>
         </p:spPr>
         <p:txBody>
-          <a:bodyPr anchorCtr="0" anchor="ctr" bIns="91425" lIns="91425" spcFirstLastPara="1" rIns="91425" wrap="square" tIns="91425">
+          <a:bodyPr anchorCtr="0" anchor="t" bIns="91425" lIns="91425" spcFirstLastPara="1" rIns="91425" wrap="square" tIns="91425">
             <a:normAutofit/>
           </a:bodyPr>
           <a:lstStyle/>
@@ -12142,7 +12407,7 @@
             </a:pPr>
             <a:r>
               <a:rPr lang="en"/>
-              <a:t>Coefficient Indicator</a:t>
+              <a:t>R Squared Indicator</a:t>
             </a:r>
             <a:endParaRPr/>
           </a:p>
@@ -12164,8 +12429,8 @@
         </p:blipFill>
         <p:spPr>
           <a:xfrm>
-            <a:off x="1534300" y="1460950"/>
-            <a:ext cx="6075401" cy="3393475"/>
+            <a:off x="1616800" y="1161725"/>
+            <a:ext cx="6040224" cy="3722850"/>
           </a:xfrm>
           <a:prstGeom prst="rect">
             <a:avLst/>
@@ -12192,8 +12457,8 @@
         </p:blipFill>
         <p:spPr>
           <a:xfrm>
-            <a:off x="7754575" y="4317350"/>
-            <a:ext cx="1256200" cy="537075"/>
+            <a:off x="7754525" y="4271600"/>
+            <a:ext cx="1282750" cy="612975"/>
           </a:xfrm>
           <a:prstGeom prst="rect">
             <a:avLst/>
@@ -12213,6 +12478,285 @@
 </file>
 
 <file path=ppt/theme/theme1.xml><?xml version="1.0" encoding="utf-8"?>
+<a:theme xmlns:a="http://schemas.openxmlformats.org/drawingml/2006/main" xmlns:r="http://schemas.openxmlformats.org/officeDocument/2006/relationships">
+  <a:themeElements>
+    <a:clrScheme name="Default">
+      <a:dk1>
+        <a:srgbClr val="000000"/>
+      </a:dk1>
+      <a:lt1>
+        <a:srgbClr val="FFFFFF"/>
+      </a:lt1>
+      <a:dk2>
+        <a:srgbClr val="158158"/>
+      </a:dk2>
+      <a:lt2>
+        <a:srgbClr val="F3F3F3"/>
+      </a:lt2>
+      <a:accent1>
+        <a:srgbClr val="058DC7"/>
+      </a:accent1>
+      <a:accent2>
+        <a:srgbClr val="50B432"/>
+      </a:accent2>
+      <a:accent3>
+        <a:srgbClr val="ED561B"/>
+      </a:accent3>
+      <a:accent4>
+        <a:srgbClr val="EDEF00"/>
+      </a:accent4>
+      <a:accent5>
+        <a:srgbClr val="24CBE5"/>
+      </a:accent5>
+      <a:accent6>
+        <a:srgbClr val="64E572"/>
+      </a:accent6>
+      <a:hlink>
+        <a:srgbClr val="2200CC"/>
+      </a:hlink>
+      <a:folHlink>
+        <a:srgbClr val="551A8B"/>
+      </a:folHlink>
+    </a:clrScheme>
+    <a:fontScheme name="Office">
+      <a:majorFont>
+        <a:latin typeface="Arial"/>
+        <a:ea typeface=""/>
+        <a:cs typeface=""/>
+        <a:font script="Jpan" typeface="ＭＳ Ｐゴシック"/>
+        <a:font script="Hang" typeface="맑은 고딕"/>
+        <a:font script="Hans" typeface="宋体"/>
+        <a:font script="Hant" typeface="新細明體"/>
+        <a:font script="Arab" typeface="Times New Roman"/>
+        <a:font script="Hebr" typeface="Times New Roman"/>
+        <a:font script="Thai" typeface="Angsana New"/>
+        <a:font script="Ethi" typeface="Nyala"/>
+        <a:font script="Beng" typeface="Vrinda"/>
+        <a:font script="Gujr" typeface="Shruti"/>
+        <a:font script="Khmr" typeface="MoolBoran"/>
+        <a:font script="Knda" typeface="Tunga"/>
+        <a:font script="Guru" typeface="Raavi"/>
+        <a:font script="Cans" typeface="Euphemia"/>
+        <a:font script="Cher" typeface="Plantagenet Cherokee"/>
+        <a:font script="Yiii" typeface="Microsoft Yi Baiti"/>
+        <a:font script="Tibt" typeface="Microsoft Himalaya"/>
+        <a:font script="Thaa" typeface="MV Boli"/>
+        <a:font script="Deva" typeface="Mangal"/>
+        <a:font script="Telu" typeface="Gautami"/>
+        <a:font script="Taml" typeface="Latha"/>
+        <a:font script="Syrc" typeface="Estrangelo Edessa"/>
+        <a:font script="Orya" typeface="Kalinga"/>
+        <a:font script="Mlym" typeface="Kartika"/>
+        <a:font script="Laoo" typeface="DokChampa"/>
+        <a:font script="Sinh" typeface="Iskoola Pota"/>
+        <a:font script="Mong" typeface="Mongolian Baiti"/>
+        <a:font script="Viet" typeface="Times New Roman"/>
+        <a:font script="Uigh" typeface="Microsoft Uighur"/>
+        <a:font script="Geor" typeface="Sylfaen"/>
+      </a:majorFont>
+      <a:minorFont>
+        <a:latin typeface="Arial"/>
+        <a:ea typeface=""/>
+        <a:cs typeface=""/>
+        <a:font script="Jpan" typeface="ＭＳ Ｐゴシック"/>
+        <a:font script="Hang" typeface="맑은 고딕"/>
+        <a:font script="Hans" typeface="宋体"/>
+        <a:font script="Hant" typeface="新細明體"/>
+        <a:font script="Arab" typeface="Arial"/>
+        <a:font script="Hebr" typeface="Arial"/>
+        <a:font script="Thai" typeface="Cordia New"/>
+        <a:font script="Ethi" typeface="Nyala"/>
+        <a:font script="Beng" typeface="Vrinda"/>
+        <a:font script="Gujr" typeface="Shruti"/>
+        <a:font script="Khmr" typeface="DaunPenh"/>
+        <a:font script="Knda" typeface="Tunga"/>
+        <a:font script="Guru" typeface="Raavi"/>
+        <a:font script="Cans" typeface="Euphemia"/>
+        <a:font script="Cher" typeface="Plantagenet Cherokee"/>
+        <a:font script="Yiii" typeface="Microsoft Yi Baiti"/>
+        <a:font script="Tibt" typeface="Microsoft Himalaya"/>
+        <a:font script="Thaa" typeface="MV Boli"/>
+        <a:font script="Deva" typeface="Mangal"/>
+        <a:font script="Telu" typeface="Gautami"/>
+        <a:font script="Taml" typeface="Latha"/>
+        <a:font script="Syrc" typeface="Estrangelo Edessa"/>
+        <a:font script="Orya" typeface="Kalinga"/>
+        <a:font script="Mlym" typeface="Kartika"/>
+        <a:font script="Laoo" typeface="DokChampa"/>
+        <a:font script="Sinh" typeface="Iskoola Pota"/>
+        <a:font script="Mong" typeface="Mongolian Baiti"/>
+        <a:font script="Viet" typeface="Arial"/>
+        <a:font script="Uigh" typeface="Microsoft Uighur"/>
+        <a:font script="Geor" typeface="Sylfaen"/>
+      </a:minorFont>
+    </a:fontScheme>
+    <a:fmtScheme name="Office">
+      <a:fillStyleLst>
+        <a:solidFill>
+          <a:schemeClr val="phClr"/>
+        </a:solidFill>
+        <a:gradFill rotWithShape="1">
+          <a:gsLst>
+            <a:gs pos="0">
+              <a:schemeClr val="phClr">
+                <a:tint val="50000"/>
+                <a:satMod val="300000"/>
+              </a:schemeClr>
+            </a:gs>
+            <a:gs pos="35000">
+              <a:schemeClr val="phClr">
+                <a:tint val="37000"/>
+                <a:satMod val="300000"/>
+              </a:schemeClr>
+            </a:gs>
+            <a:gs pos="100000">
+              <a:schemeClr val="phClr">
+                <a:tint val="15000"/>
+                <a:satMod val="350000"/>
+              </a:schemeClr>
+            </a:gs>
+          </a:gsLst>
+          <a:lin ang="16200000" scaled="1"/>
+        </a:gradFill>
+        <a:gradFill rotWithShape="1">
+          <a:gsLst>
+            <a:gs pos="0">
+              <a:schemeClr val="phClr">
+                <a:tint val="100000"/>
+                <a:shade val="100000"/>
+                <a:satMod val="130000"/>
+              </a:schemeClr>
+            </a:gs>
+            <a:gs pos="100000">
+              <a:schemeClr val="phClr">
+                <a:tint val="50000"/>
+                <a:shade val="100000"/>
+                <a:satMod val="350000"/>
+              </a:schemeClr>
+            </a:gs>
+          </a:gsLst>
+          <a:lin ang="16200000" scaled="0"/>
+        </a:gradFill>
+      </a:fillStyleLst>
+      <a:lnStyleLst>
+        <a:ln w="9525" cap="flat" cmpd="sng" algn="ctr">
+          <a:solidFill>
+            <a:schemeClr val="phClr">
+              <a:shade val="95000"/>
+              <a:satMod val="105000"/>
+            </a:schemeClr>
+          </a:solidFill>
+          <a:prstDash val="solid"/>
+        </a:ln>
+        <a:ln w="25400" cap="flat" cmpd="sng" algn="ctr">
+          <a:solidFill>
+            <a:schemeClr val="phClr"/>
+          </a:solidFill>
+          <a:prstDash val="solid"/>
+        </a:ln>
+        <a:ln w="38100" cap="flat" cmpd="sng" algn="ctr">
+          <a:solidFill>
+            <a:schemeClr val="phClr"/>
+          </a:solidFill>
+          <a:prstDash val="solid"/>
+        </a:ln>
+      </a:lnStyleLst>
+      <a:effectStyleLst>
+        <a:effectStyle>
+          <a:effectLst>
+            <a:outerShdw blurRad="40000" dist="20000" dir="5400000" rotWithShape="0">
+              <a:srgbClr val="000000">
+                <a:alpha val="38000"/>
+              </a:srgbClr>
+            </a:outerShdw>
+          </a:effectLst>
+        </a:effectStyle>
+        <a:effectStyle>
+          <a:effectLst>
+            <a:outerShdw blurRad="40000" dist="23000" dir="5400000" rotWithShape="0">
+              <a:srgbClr val="000000">
+                <a:alpha val="35000"/>
+              </a:srgbClr>
+            </a:outerShdw>
+          </a:effectLst>
+        </a:effectStyle>
+        <a:effectStyle>
+          <a:effectLst>
+            <a:outerShdw blurRad="40000" dist="23000" dir="5400000" rotWithShape="0">
+              <a:srgbClr val="000000">
+                <a:alpha val="35000"/>
+              </a:srgbClr>
+            </a:outerShdw>
+          </a:effectLst>
+          <a:scene3d>
+            <a:camera prst="orthographicFront">
+              <a:rot lat="0" lon="0" rev="0"/>
+            </a:camera>
+            <a:lightRig rig="threePt" dir="t">
+              <a:rot lat="0" lon="0" rev="1200000"/>
+            </a:lightRig>
+          </a:scene3d>
+          <a:sp3d>
+            <a:bevelT w="63500" h="25400"/>
+          </a:sp3d>
+        </a:effectStyle>
+      </a:effectStyleLst>
+      <a:bgFillStyleLst>
+        <a:solidFill>
+          <a:schemeClr val="phClr"/>
+        </a:solidFill>
+        <a:gradFill rotWithShape="1">
+          <a:gsLst>
+            <a:gs pos="0">
+              <a:schemeClr val="phClr">
+                <a:tint val="40000"/>
+                <a:satMod val="350000"/>
+              </a:schemeClr>
+            </a:gs>
+            <a:gs pos="40000">
+              <a:schemeClr val="phClr">
+                <a:tint val="45000"/>
+                <a:shade val="99000"/>
+                <a:satMod val="350000"/>
+              </a:schemeClr>
+            </a:gs>
+            <a:gs pos="100000">
+              <a:schemeClr val="phClr">
+                <a:shade val="20000"/>
+                <a:satMod val="255000"/>
+              </a:schemeClr>
+            </a:gs>
+          </a:gsLst>
+          <a:path path="circle">
+            <a:fillToRect l="50000" t="-80000" r="50000" b="180000"/>
+          </a:path>
+        </a:gradFill>
+        <a:gradFill rotWithShape="1">
+          <a:gsLst>
+            <a:gs pos="0">
+              <a:schemeClr val="phClr">
+                <a:tint val="80000"/>
+                <a:satMod val="300000"/>
+              </a:schemeClr>
+            </a:gs>
+            <a:gs pos="100000">
+              <a:schemeClr val="phClr">
+                <a:shade val="30000"/>
+                <a:satMod val="200000"/>
+              </a:schemeClr>
+            </a:gs>
+          </a:gsLst>
+          <a:path path="circle">
+            <a:fillToRect l="50000" t="50000" r="50000" b="50000"/>
+          </a:path>
+        </a:gradFill>
+      </a:bgFillStyleLst>
+    </a:fmtScheme>
+  </a:themeElements>
+</a:theme>
+</file>
+
+<file path=ppt/theme/theme2.xml><?xml version="1.0" encoding="utf-8"?>
 <a:theme xmlns:a="http://schemas.openxmlformats.org/drawingml/2006/main" xmlns:r="http://schemas.openxmlformats.org/officeDocument/2006/relationships" name="Focus">
   <a:themeElements>
     <a:clrScheme name="Focus">
@@ -12489,283 +13033,4 @@
     </a:fmtScheme>
   </a:themeElements>
 </a:theme>
-</file>
-
-<file path=ppt/theme/theme2.xml><?xml version="1.0" encoding="utf-8"?>
-<a:theme xmlns:a="http://schemas.openxmlformats.org/drawingml/2006/main" xmlns:r="http://schemas.openxmlformats.org/officeDocument/2006/relationships">
-  <a:themeElements>
-    <a:clrScheme name="Default">
-      <a:dk1>
-        <a:srgbClr val="000000"/>
-      </a:dk1>
-      <a:lt1>
-        <a:srgbClr val="FFFFFF"/>
-      </a:lt1>
-      <a:dk2>
-        <a:srgbClr val="158158"/>
-      </a:dk2>
-      <a:lt2>
-        <a:srgbClr val="F3F3F3"/>
-      </a:lt2>
-      <a:accent1>
-        <a:srgbClr val="058DC7"/>
-      </a:accent1>
-      <a:accent2>
-        <a:srgbClr val="50B432"/>
-      </a:accent2>
-      <a:accent3>
-        <a:srgbClr val="ED561B"/>
-      </a:accent3>
-      <a:accent4>
-        <a:srgbClr val="EDEF00"/>
-      </a:accent4>
-      <a:accent5>
-        <a:srgbClr val="24CBE5"/>
-      </a:accent5>
-      <a:accent6>
-        <a:srgbClr val="64E572"/>
-      </a:accent6>
-      <a:hlink>
-        <a:srgbClr val="2200CC"/>
-      </a:hlink>
-      <a:folHlink>
-        <a:srgbClr val="551A8B"/>
-      </a:folHlink>
-    </a:clrScheme>
-    <a:fontScheme name="Office">
-      <a:majorFont>
-        <a:latin typeface="Arial"/>
-        <a:ea typeface=""/>
-        <a:cs typeface=""/>
-        <a:font script="Jpan" typeface="ＭＳ Ｐゴシック"/>
-        <a:font script="Hang" typeface="맑은 고딕"/>
-        <a:font script="Hans" typeface="宋体"/>
-        <a:font script="Hant" typeface="新細明體"/>
-        <a:font script="Arab" typeface="Times New Roman"/>
-        <a:font script="Hebr" typeface="Times New Roman"/>
-        <a:font script="Thai" typeface="Angsana New"/>
-        <a:font script="Ethi" typeface="Nyala"/>
-        <a:font script="Beng" typeface="Vrinda"/>
-        <a:font script="Gujr" typeface="Shruti"/>
-        <a:font script="Khmr" typeface="MoolBoran"/>
-        <a:font script="Knda" typeface="Tunga"/>
-        <a:font script="Guru" typeface="Raavi"/>
-        <a:font script="Cans" typeface="Euphemia"/>
-        <a:font script="Cher" typeface="Plantagenet Cherokee"/>
-        <a:font script="Yiii" typeface="Microsoft Yi Baiti"/>
-        <a:font script="Tibt" typeface="Microsoft Himalaya"/>
-        <a:font script="Thaa" typeface="MV Boli"/>
-        <a:font script="Deva" typeface="Mangal"/>
-        <a:font script="Telu" typeface="Gautami"/>
-        <a:font script="Taml" typeface="Latha"/>
-        <a:font script="Syrc" typeface="Estrangelo Edessa"/>
-        <a:font script="Orya" typeface="Kalinga"/>
-        <a:font script="Mlym" typeface="Kartika"/>
-        <a:font script="Laoo" typeface="DokChampa"/>
-        <a:font script="Sinh" typeface="Iskoola Pota"/>
-        <a:font script="Mong" typeface="Mongolian Baiti"/>
-        <a:font script="Viet" typeface="Times New Roman"/>
-        <a:font script="Uigh" typeface="Microsoft Uighur"/>
-        <a:font script="Geor" typeface="Sylfaen"/>
-      </a:majorFont>
-      <a:minorFont>
-        <a:latin typeface="Arial"/>
-        <a:ea typeface=""/>
-        <a:cs typeface=""/>
-        <a:font script="Jpan" typeface="ＭＳ Ｐゴシック"/>
-        <a:font script="Hang" typeface="맑은 고딕"/>
-        <a:font script="Hans" typeface="宋体"/>
-        <a:font script="Hant" typeface="新細明體"/>
-        <a:font script="Arab" typeface="Arial"/>
-        <a:font script="Hebr" typeface="Arial"/>
-        <a:font script="Thai" typeface="Cordia New"/>
-        <a:font script="Ethi" typeface="Nyala"/>
-        <a:font script="Beng" typeface="Vrinda"/>
-        <a:font script="Gujr" typeface="Shruti"/>
-        <a:font script="Khmr" typeface="DaunPenh"/>
-        <a:font script="Knda" typeface="Tunga"/>
-        <a:font script="Guru" typeface="Raavi"/>
-        <a:font script="Cans" typeface="Euphemia"/>
-        <a:font script="Cher" typeface="Plantagenet Cherokee"/>
-        <a:font script="Yiii" typeface="Microsoft Yi Baiti"/>
-        <a:font script="Tibt" typeface="Microsoft Himalaya"/>
-        <a:font script="Thaa" typeface="MV Boli"/>
-        <a:font script="Deva" typeface="Mangal"/>
-        <a:font script="Telu" typeface="Gautami"/>
-        <a:font script="Taml" typeface="Latha"/>
-        <a:font script="Syrc" typeface="Estrangelo Edessa"/>
-        <a:font script="Orya" typeface="Kalinga"/>
-        <a:font script="Mlym" typeface="Kartika"/>
-        <a:font script="Laoo" typeface="DokChampa"/>
-        <a:font script="Sinh" typeface="Iskoola Pota"/>
-        <a:font script="Mong" typeface="Mongolian Baiti"/>
-        <a:font script="Viet" typeface="Arial"/>
-        <a:font script="Uigh" typeface="Microsoft Uighur"/>
-        <a:font script="Geor" typeface="Sylfaen"/>
-      </a:minorFont>
-    </a:fontScheme>
-    <a:fmtScheme name="Office">
-      <a:fillStyleLst>
-        <a:solidFill>
-          <a:schemeClr val="phClr"/>
-        </a:solidFill>
-        <a:gradFill rotWithShape="1">
-          <a:gsLst>
-            <a:gs pos="0">
-              <a:schemeClr val="phClr">
-                <a:tint val="50000"/>
-                <a:satMod val="300000"/>
-              </a:schemeClr>
-            </a:gs>
-            <a:gs pos="35000">
-              <a:schemeClr val="phClr">
-                <a:tint val="37000"/>
-                <a:satMod val="300000"/>
-              </a:schemeClr>
-            </a:gs>
-            <a:gs pos="100000">
-              <a:schemeClr val="phClr">
-                <a:tint val="15000"/>
-                <a:satMod val="350000"/>
-              </a:schemeClr>
-            </a:gs>
-          </a:gsLst>
-          <a:lin ang="16200000" scaled="1"/>
-        </a:gradFill>
-        <a:gradFill rotWithShape="1">
-          <a:gsLst>
-            <a:gs pos="0">
-              <a:schemeClr val="phClr">
-                <a:tint val="100000"/>
-                <a:shade val="100000"/>
-                <a:satMod val="130000"/>
-              </a:schemeClr>
-            </a:gs>
-            <a:gs pos="100000">
-              <a:schemeClr val="phClr">
-                <a:tint val="50000"/>
-                <a:shade val="100000"/>
-                <a:satMod val="350000"/>
-              </a:schemeClr>
-            </a:gs>
-          </a:gsLst>
-          <a:lin ang="16200000" scaled="0"/>
-        </a:gradFill>
-      </a:fillStyleLst>
-      <a:lnStyleLst>
-        <a:ln w="9525" cap="flat" cmpd="sng" algn="ctr">
-          <a:solidFill>
-            <a:schemeClr val="phClr">
-              <a:shade val="95000"/>
-              <a:satMod val="105000"/>
-            </a:schemeClr>
-          </a:solidFill>
-          <a:prstDash val="solid"/>
-        </a:ln>
-        <a:ln w="25400" cap="flat" cmpd="sng" algn="ctr">
-          <a:solidFill>
-            <a:schemeClr val="phClr"/>
-          </a:solidFill>
-          <a:prstDash val="solid"/>
-        </a:ln>
-        <a:ln w="38100" cap="flat" cmpd="sng" algn="ctr">
-          <a:solidFill>
-            <a:schemeClr val="phClr"/>
-          </a:solidFill>
-          <a:prstDash val="solid"/>
-        </a:ln>
-      </a:lnStyleLst>
-      <a:effectStyleLst>
-        <a:effectStyle>
-          <a:effectLst>
-            <a:outerShdw blurRad="40000" dist="20000" dir="5400000" rotWithShape="0">
-              <a:srgbClr val="000000">
-                <a:alpha val="38000"/>
-              </a:srgbClr>
-            </a:outerShdw>
-          </a:effectLst>
-        </a:effectStyle>
-        <a:effectStyle>
-          <a:effectLst>
-            <a:outerShdw blurRad="40000" dist="23000" dir="5400000" rotWithShape="0">
-              <a:srgbClr val="000000">
-                <a:alpha val="35000"/>
-              </a:srgbClr>
-            </a:outerShdw>
-          </a:effectLst>
-        </a:effectStyle>
-        <a:effectStyle>
-          <a:effectLst>
-            <a:outerShdw blurRad="40000" dist="23000" dir="5400000" rotWithShape="0">
-              <a:srgbClr val="000000">
-                <a:alpha val="35000"/>
-              </a:srgbClr>
-            </a:outerShdw>
-          </a:effectLst>
-          <a:scene3d>
-            <a:camera prst="orthographicFront">
-              <a:rot lat="0" lon="0" rev="0"/>
-            </a:camera>
-            <a:lightRig rig="threePt" dir="t">
-              <a:rot lat="0" lon="0" rev="1200000"/>
-            </a:lightRig>
-          </a:scene3d>
-          <a:sp3d>
-            <a:bevelT w="63500" h="25400"/>
-          </a:sp3d>
-        </a:effectStyle>
-      </a:effectStyleLst>
-      <a:bgFillStyleLst>
-        <a:solidFill>
-          <a:schemeClr val="phClr"/>
-        </a:solidFill>
-        <a:gradFill rotWithShape="1">
-          <a:gsLst>
-            <a:gs pos="0">
-              <a:schemeClr val="phClr">
-                <a:tint val="40000"/>
-                <a:satMod val="350000"/>
-              </a:schemeClr>
-            </a:gs>
-            <a:gs pos="40000">
-              <a:schemeClr val="phClr">
-                <a:tint val="45000"/>
-                <a:shade val="99000"/>
-                <a:satMod val="350000"/>
-              </a:schemeClr>
-            </a:gs>
-            <a:gs pos="100000">
-              <a:schemeClr val="phClr">
-                <a:shade val="20000"/>
-                <a:satMod val="255000"/>
-              </a:schemeClr>
-            </a:gs>
-          </a:gsLst>
-          <a:path path="circle">
-            <a:fillToRect l="50000" t="-80000" r="50000" b="180000"/>
-          </a:path>
-        </a:gradFill>
-        <a:gradFill rotWithShape="1">
-          <a:gsLst>
-            <a:gs pos="0">
-              <a:schemeClr val="phClr">
-                <a:tint val="80000"/>
-                <a:satMod val="300000"/>
-              </a:schemeClr>
-            </a:gs>
-            <a:gs pos="100000">
-              <a:schemeClr val="phClr">
-                <a:shade val="30000"/>
-                <a:satMod val="200000"/>
-              </a:schemeClr>
-            </a:gs>
-          </a:gsLst>
-          <a:path path="circle">
-            <a:fillToRect l="50000" t="50000" r="50000" b="50000"/>
-          </a:path>
-        </a:gradFill>
-      </a:bgFillStyleLst>
-    </a:fmtScheme>
-  </a:themeElements>
-</a:theme>
 </file>
--- a/Effect of Educational Attainment on per Capita Growth by State.pptx
+++ b/Effect of Educational Attainment on per Capita Growth by State.pptx
@@ -20,23 +20,27 @@
     <p:sldId id="265" r:id="rId15"/>
     <p:sldId id="266" r:id="rId16"/>
     <p:sldId id="267" r:id="rId17"/>
+    <p:sldId id="268" r:id="rId18"/>
+    <p:sldId id="269" r:id="rId19"/>
+    <p:sldId id="270" r:id="rId20"/>
+    <p:sldId id="271" r:id="rId21"/>
   </p:sldIdLst>
   <p:sldSz cy="5143500" cx="9144000"/>
   <p:notesSz cx="6858000" cy="9144000"/>
   <p:embeddedFontLst>
     <p:embeddedFont>
       <p:font typeface="Montserrat"/>
-      <p:regular r:id="rId18"/>
-      <p:bold r:id="rId19"/>
-      <p:italic r:id="rId20"/>
-      <p:boldItalic r:id="rId21"/>
-    </p:embeddedFont>
-    <p:embeddedFont>
-      <p:font typeface="Lato"/>
       <p:regular r:id="rId22"/>
       <p:bold r:id="rId23"/>
       <p:italic r:id="rId24"/>
       <p:boldItalic r:id="rId25"/>
+    </p:embeddedFont>
+    <p:embeddedFont>
+      <p:font typeface="Lato"/>
+      <p:regular r:id="rId26"/>
+      <p:bold r:id="rId27"/>
+      <p:italic r:id="rId28"/>
+      <p:boldItalic r:id="rId29"/>
     </p:embeddedFont>
   </p:embeddedFontLst>
   <p:defaultTextStyle>
@@ -817,7 +821,7 @@
   <p:cSld>
     <p:spTree>
       <p:nvGrpSpPr>
-        <p:cNvPr id="186" name="Shape 186"/>
+        <p:cNvPr id="187" name="Shape 187"/>
         <p:cNvGrpSpPr/>
         <p:nvPr/>
       </p:nvGrpSpPr>
@@ -831,7 +835,7 @@
       </p:grpSpPr>
       <p:sp>
         <p:nvSpPr>
-          <p:cNvPr id="187" name="Google Shape;187;g11768d52d85_0_14:notes"/>
+          <p:cNvPr id="188" name="Google Shape;188;g11768d52d85_0_7:notes"/>
           <p:cNvSpPr/>
           <p:nvPr>
             <p:ph idx="2" type="sldImg"/>
@@ -866,7 +870,7 @@
       </p:sp>
       <p:sp>
         <p:nvSpPr>
-          <p:cNvPr id="188" name="Google Shape;188;g11768d52d85_0_14:notes"/>
+          <p:cNvPr id="189" name="Google Shape;189;g11768d52d85_0_7:notes"/>
           <p:cNvSpPr txBox="1"/>
           <p:nvPr>
             <p:ph idx="1" type="body"/>
@@ -916,7 +920,7 @@
   <p:cSld>
     <p:spTree>
       <p:nvGrpSpPr>
-        <p:cNvPr id="193" name="Shape 193"/>
+        <p:cNvPr id="194" name="Shape 194"/>
         <p:cNvGrpSpPr/>
         <p:nvPr/>
       </p:nvGrpSpPr>
@@ -930,7 +934,7 @@
       </p:grpSpPr>
       <p:sp>
         <p:nvSpPr>
-          <p:cNvPr id="194" name="Google Shape;194;g116099cb52e_0_0:notes"/>
+          <p:cNvPr id="195" name="Google Shape;195;g11768d52d85_0_14:notes"/>
           <p:cNvSpPr/>
           <p:nvPr>
             <p:ph idx="2" type="sldImg"/>
@@ -965,7 +969,7 @@
       </p:sp>
       <p:sp>
         <p:nvSpPr>
-          <p:cNvPr id="195" name="Google Shape;195;g116099cb52e_0_0:notes"/>
+          <p:cNvPr id="196" name="Google Shape;196;g11768d52d85_0_14:notes"/>
           <p:cNvSpPr txBox="1"/>
           <p:nvPr>
             <p:ph idx="1" type="body"/>
@@ -1015,7 +1019,7 @@
   <p:cSld>
     <p:spTree>
       <p:nvGrpSpPr>
-        <p:cNvPr id="199" name="Shape 199"/>
+        <p:cNvPr id="201" name="Shape 201"/>
         <p:cNvGrpSpPr/>
         <p:nvPr/>
       </p:nvGrpSpPr>
@@ -1029,7 +1033,7 @@
       </p:grpSpPr>
       <p:sp>
         <p:nvSpPr>
-          <p:cNvPr id="200" name="Google Shape;200;g11768d52d85_0_0:notes"/>
+          <p:cNvPr id="202" name="Google Shape;202;g116099cb52e_0_0:notes"/>
           <p:cNvSpPr/>
           <p:nvPr>
             <p:ph idx="2" type="sldImg"/>
@@ -1064,7 +1068,403 @@
       </p:sp>
       <p:sp>
         <p:nvSpPr>
-          <p:cNvPr id="201" name="Google Shape;201;g11768d52d85_0_0:notes"/>
+          <p:cNvPr id="203" name="Google Shape;203;g116099cb52e_0_0:notes"/>
+          <p:cNvSpPr txBox="1"/>
+          <p:nvPr>
+            <p:ph idx="1" type="body"/>
+          </p:nvPr>
+        </p:nvSpPr>
+        <p:spPr>
+          <a:xfrm>
+            <a:off x="685800" y="4343400"/>
+            <a:ext cx="5486400" cy="4114800"/>
+          </a:xfrm>
+          <a:prstGeom prst="rect">
+            <a:avLst/>
+          </a:prstGeom>
+        </p:spPr>
+        <p:txBody>
+          <a:bodyPr anchorCtr="0" anchor="t" bIns="91425" lIns="91425" spcFirstLastPara="1" rIns="91425" wrap="square" tIns="91425">
+            <a:noAutofit/>
+          </a:bodyPr>
+          <a:lstStyle/>
+          <a:p>
+            <a:pPr indent="0" lvl="0" marL="0" rtl="0" algn="l">
+              <a:spcBef>
+                <a:spcPts val="0"/>
+              </a:spcBef>
+              <a:spcAft>
+                <a:spcPts val="0"/>
+              </a:spcAft>
+              <a:buNone/>
+            </a:pPr>
+            <a:r>
+              <a:t/>
+            </a:r>
+            <a:endParaRPr/>
+          </a:p>
+        </p:txBody>
+      </p:sp>
+    </p:spTree>
+  </p:cSld>
+  <p:clrMapOvr>
+    <a:masterClrMapping/>
+  </p:clrMapOvr>
+</p:notes>
+</file>
+
+<file path=ppt/notesSlides/notesSlide13.xml><?xml version="1.0" encoding="utf-8"?>
+<p:notes xmlns:a="http://schemas.openxmlformats.org/drawingml/2006/main" xmlns:r="http://schemas.openxmlformats.org/officeDocument/2006/relationships" xmlns:mc="http://schemas.openxmlformats.org/markup-compatibility/2006" xmlns:mv="urn:schemas-microsoft-com:mac:vml" xmlns:p="http://schemas.openxmlformats.org/presentationml/2006/main" xmlns:c="http://schemas.openxmlformats.org/drawingml/2006/chart" xmlns:dgm="http://schemas.openxmlformats.org/drawingml/2006/diagram" xmlns:o="urn:schemas-microsoft-com:office:office" xmlns:v="urn:schemas-microsoft-com:vml" xmlns:pvml="urn:schemas-microsoft-com:office:powerpoint" xmlns:com="http://schemas.openxmlformats.org/drawingml/2006/compatibility" xmlns:p14="http://schemas.microsoft.com/office/powerpoint/2010/main" xmlns:p15="http://schemas.microsoft.com/office/powerpoint/2012/main" xmlns:ahyp="http://schemas.microsoft.com/office/drawing/2018/hyperlinkcolor" showMasterPhAnim="0" showMasterSp="0">
+  <p:cSld>
+    <p:spTree>
+      <p:nvGrpSpPr>
+        <p:cNvPr id="207" name="Shape 207"/>
+        <p:cNvGrpSpPr/>
+        <p:nvPr/>
+      </p:nvGrpSpPr>
+      <p:grpSpPr>
+        <a:xfrm>
+          <a:off x="0" y="0"/>
+          <a:ext cx="0" cy="0"/>
+          <a:chOff x="0" y="0"/>
+          <a:chExt cx="0" cy="0"/>
+        </a:xfrm>
+      </p:grpSpPr>
+      <p:sp>
+        <p:nvSpPr>
+          <p:cNvPr id="208" name="Google Shape;208;g117b696f6ee_0_20:notes"/>
+          <p:cNvSpPr/>
+          <p:nvPr>
+            <p:ph idx="2" type="sldImg"/>
+          </p:nvPr>
+        </p:nvSpPr>
+        <p:spPr>
+          <a:xfrm>
+            <a:off x="381300" y="685800"/>
+            <a:ext cx="6096000" cy="3429000"/>
+          </a:xfrm>
+          <a:custGeom>
+            <a:rect b="b" l="l" r="r" t="t"/>
+            <a:pathLst>
+              <a:path extrusionOk="0" h="120000" w="120000">
+                <a:moveTo>
+                  <a:pt x="0" y="0"/>
+                </a:moveTo>
+                <a:lnTo>
+                  <a:pt x="120000" y="0"/>
+                </a:lnTo>
+                <a:lnTo>
+                  <a:pt x="120000" y="120000"/>
+                </a:lnTo>
+                <a:lnTo>
+                  <a:pt x="0" y="120000"/>
+                </a:lnTo>
+                <a:close/>
+              </a:path>
+            </a:pathLst>
+          </a:custGeom>
+        </p:spPr>
+      </p:sp>
+      <p:sp>
+        <p:nvSpPr>
+          <p:cNvPr id="209" name="Google Shape;209;g117b696f6ee_0_20:notes"/>
+          <p:cNvSpPr txBox="1"/>
+          <p:nvPr>
+            <p:ph idx="1" type="body"/>
+          </p:nvPr>
+        </p:nvSpPr>
+        <p:spPr>
+          <a:xfrm>
+            <a:off x="685800" y="4343400"/>
+            <a:ext cx="5486400" cy="4114800"/>
+          </a:xfrm>
+          <a:prstGeom prst="rect">
+            <a:avLst/>
+          </a:prstGeom>
+        </p:spPr>
+        <p:txBody>
+          <a:bodyPr anchorCtr="0" anchor="t" bIns="91425" lIns="91425" spcFirstLastPara="1" rIns="91425" wrap="square" tIns="91425">
+            <a:noAutofit/>
+          </a:bodyPr>
+          <a:lstStyle/>
+          <a:p>
+            <a:pPr indent="0" lvl="0" marL="0" rtl="0" algn="l">
+              <a:spcBef>
+                <a:spcPts val="0"/>
+              </a:spcBef>
+              <a:spcAft>
+                <a:spcPts val="0"/>
+              </a:spcAft>
+              <a:buNone/>
+            </a:pPr>
+            <a:r>
+              <a:t/>
+            </a:r>
+            <a:endParaRPr/>
+          </a:p>
+        </p:txBody>
+      </p:sp>
+    </p:spTree>
+  </p:cSld>
+  <p:clrMapOvr>
+    <a:masterClrMapping/>
+  </p:clrMapOvr>
+</p:notes>
+</file>
+
+<file path=ppt/notesSlides/notesSlide14.xml><?xml version="1.0" encoding="utf-8"?>
+<p:notes xmlns:a="http://schemas.openxmlformats.org/drawingml/2006/main" xmlns:r="http://schemas.openxmlformats.org/officeDocument/2006/relationships" xmlns:mc="http://schemas.openxmlformats.org/markup-compatibility/2006" xmlns:mv="urn:schemas-microsoft-com:mac:vml" xmlns:p="http://schemas.openxmlformats.org/presentationml/2006/main" xmlns:c="http://schemas.openxmlformats.org/drawingml/2006/chart" xmlns:dgm="http://schemas.openxmlformats.org/drawingml/2006/diagram" xmlns:o="urn:schemas-microsoft-com:office:office" xmlns:v="urn:schemas-microsoft-com:vml" xmlns:pvml="urn:schemas-microsoft-com:office:powerpoint" xmlns:com="http://schemas.openxmlformats.org/drawingml/2006/compatibility" xmlns:p14="http://schemas.microsoft.com/office/powerpoint/2010/main" xmlns:p15="http://schemas.microsoft.com/office/powerpoint/2012/main" xmlns:ahyp="http://schemas.microsoft.com/office/drawing/2018/hyperlinkcolor" showMasterPhAnim="0" showMasterSp="0">
+  <p:cSld>
+    <p:spTree>
+      <p:nvGrpSpPr>
+        <p:cNvPr id="213" name="Shape 213"/>
+        <p:cNvGrpSpPr/>
+        <p:nvPr/>
+      </p:nvGrpSpPr>
+      <p:grpSpPr>
+        <a:xfrm>
+          <a:off x="0" y="0"/>
+          <a:ext cx="0" cy="0"/>
+          <a:chOff x="0" y="0"/>
+          <a:chExt cx="0" cy="0"/>
+        </a:xfrm>
+      </p:grpSpPr>
+      <p:sp>
+        <p:nvSpPr>
+          <p:cNvPr id="214" name="Google Shape;214;g117b696f6ee_0_25:notes"/>
+          <p:cNvSpPr/>
+          <p:nvPr>
+            <p:ph idx="2" type="sldImg"/>
+          </p:nvPr>
+        </p:nvSpPr>
+        <p:spPr>
+          <a:xfrm>
+            <a:off x="381300" y="685800"/>
+            <a:ext cx="6096000" cy="3429000"/>
+          </a:xfrm>
+          <a:custGeom>
+            <a:rect b="b" l="l" r="r" t="t"/>
+            <a:pathLst>
+              <a:path extrusionOk="0" h="120000" w="120000">
+                <a:moveTo>
+                  <a:pt x="0" y="0"/>
+                </a:moveTo>
+                <a:lnTo>
+                  <a:pt x="120000" y="0"/>
+                </a:lnTo>
+                <a:lnTo>
+                  <a:pt x="120000" y="120000"/>
+                </a:lnTo>
+                <a:lnTo>
+                  <a:pt x="0" y="120000"/>
+                </a:lnTo>
+                <a:close/>
+              </a:path>
+            </a:pathLst>
+          </a:custGeom>
+        </p:spPr>
+      </p:sp>
+      <p:sp>
+        <p:nvSpPr>
+          <p:cNvPr id="215" name="Google Shape;215;g117b696f6ee_0_25:notes"/>
+          <p:cNvSpPr txBox="1"/>
+          <p:nvPr>
+            <p:ph idx="1" type="body"/>
+          </p:nvPr>
+        </p:nvSpPr>
+        <p:spPr>
+          <a:xfrm>
+            <a:off x="685800" y="4343400"/>
+            <a:ext cx="5486400" cy="4114800"/>
+          </a:xfrm>
+          <a:prstGeom prst="rect">
+            <a:avLst/>
+          </a:prstGeom>
+        </p:spPr>
+        <p:txBody>
+          <a:bodyPr anchorCtr="0" anchor="t" bIns="91425" lIns="91425" spcFirstLastPara="1" rIns="91425" wrap="square" tIns="91425">
+            <a:noAutofit/>
+          </a:bodyPr>
+          <a:lstStyle/>
+          <a:p>
+            <a:pPr indent="0" lvl="0" marL="0" rtl="0" algn="l">
+              <a:spcBef>
+                <a:spcPts val="0"/>
+              </a:spcBef>
+              <a:spcAft>
+                <a:spcPts val="0"/>
+              </a:spcAft>
+              <a:buNone/>
+            </a:pPr>
+            <a:r>
+              <a:t/>
+            </a:r>
+            <a:endParaRPr/>
+          </a:p>
+        </p:txBody>
+      </p:sp>
+    </p:spTree>
+  </p:cSld>
+  <p:clrMapOvr>
+    <a:masterClrMapping/>
+  </p:clrMapOvr>
+</p:notes>
+</file>
+
+<file path=ppt/notesSlides/notesSlide15.xml><?xml version="1.0" encoding="utf-8"?>
+<p:notes xmlns:a="http://schemas.openxmlformats.org/drawingml/2006/main" xmlns:r="http://schemas.openxmlformats.org/officeDocument/2006/relationships" xmlns:mc="http://schemas.openxmlformats.org/markup-compatibility/2006" xmlns:mv="urn:schemas-microsoft-com:mac:vml" xmlns:p="http://schemas.openxmlformats.org/presentationml/2006/main" xmlns:c="http://schemas.openxmlformats.org/drawingml/2006/chart" xmlns:dgm="http://schemas.openxmlformats.org/drawingml/2006/diagram" xmlns:o="urn:schemas-microsoft-com:office:office" xmlns:v="urn:schemas-microsoft-com:vml" xmlns:pvml="urn:schemas-microsoft-com:office:powerpoint" xmlns:com="http://schemas.openxmlformats.org/drawingml/2006/compatibility" xmlns:p14="http://schemas.microsoft.com/office/powerpoint/2010/main" xmlns:p15="http://schemas.microsoft.com/office/powerpoint/2012/main" xmlns:ahyp="http://schemas.microsoft.com/office/drawing/2018/hyperlinkcolor" showMasterPhAnim="0" showMasterSp="0">
+  <p:cSld>
+    <p:spTree>
+      <p:nvGrpSpPr>
+        <p:cNvPr id="219" name="Shape 219"/>
+        <p:cNvGrpSpPr/>
+        <p:nvPr/>
+      </p:nvGrpSpPr>
+      <p:grpSpPr>
+        <a:xfrm>
+          <a:off x="0" y="0"/>
+          <a:ext cx="0" cy="0"/>
+          <a:chOff x="0" y="0"/>
+          <a:chExt cx="0" cy="0"/>
+        </a:xfrm>
+      </p:grpSpPr>
+      <p:sp>
+        <p:nvSpPr>
+          <p:cNvPr id="220" name="Google Shape;220;g117b696f6ee_0_30:notes"/>
+          <p:cNvSpPr/>
+          <p:nvPr>
+            <p:ph idx="2" type="sldImg"/>
+          </p:nvPr>
+        </p:nvSpPr>
+        <p:spPr>
+          <a:xfrm>
+            <a:off x="381300" y="685800"/>
+            <a:ext cx="6096000" cy="3429000"/>
+          </a:xfrm>
+          <a:custGeom>
+            <a:rect b="b" l="l" r="r" t="t"/>
+            <a:pathLst>
+              <a:path extrusionOk="0" h="120000" w="120000">
+                <a:moveTo>
+                  <a:pt x="0" y="0"/>
+                </a:moveTo>
+                <a:lnTo>
+                  <a:pt x="120000" y="0"/>
+                </a:lnTo>
+                <a:lnTo>
+                  <a:pt x="120000" y="120000"/>
+                </a:lnTo>
+                <a:lnTo>
+                  <a:pt x="0" y="120000"/>
+                </a:lnTo>
+                <a:close/>
+              </a:path>
+            </a:pathLst>
+          </a:custGeom>
+        </p:spPr>
+      </p:sp>
+      <p:sp>
+        <p:nvSpPr>
+          <p:cNvPr id="221" name="Google Shape;221;g117b696f6ee_0_30:notes"/>
+          <p:cNvSpPr txBox="1"/>
+          <p:nvPr>
+            <p:ph idx="1" type="body"/>
+          </p:nvPr>
+        </p:nvSpPr>
+        <p:spPr>
+          <a:xfrm>
+            <a:off x="685800" y="4343400"/>
+            <a:ext cx="5486400" cy="4114800"/>
+          </a:xfrm>
+          <a:prstGeom prst="rect">
+            <a:avLst/>
+          </a:prstGeom>
+        </p:spPr>
+        <p:txBody>
+          <a:bodyPr anchorCtr="0" anchor="t" bIns="91425" lIns="91425" spcFirstLastPara="1" rIns="91425" wrap="square" tIns="91425">
+            <a:noAutofit/>
+          </a:bodyPr>
+          <a:lstStyle/>
+          <a:p>
+            <a:pPr indent="0" lvl="0" marL="0" rtl="0" algn="l">
+              <a:spcBef>
+                <a:spcPts val="0"/>
+              </a:spcBef>
+              <a:spcAft>
+                <a:spcPts val="0"/>
+              </a:spcAft>
+              <a:buNone/>
+            </a:pPr>
+            <a:r>
+              <a:t/>
+            </a:r>
+            <a:endParaRPr/>
+          </a:p>
+        </p:txBody>
+      </p:sp>
+    </p:spTree>
+  </p:cSld>
+  <p:clrMapOvr>
+    <a:masterClrMapping/>
+  </p:clrMapOvr>
+</p:notes>
+</file>
+
+<file path=ppt/notesSlides/notesSlide16.xml><?xml version="1.0" encoding="utf-8"?>
+<p:notes xmlns:a="http://schemas.openxmlformats.org/drawingml/2006/main" xmlns:r="http://schemas.openxmlformats.org/officeDocument/2006/relationships" xmlns:mc="http://schemas.openxmlformats.org/markup-compatibility/2006" xmlns:mv="urn:schemas-microsoft-com:mac:vml" xmlns:p="http://schemas.openxmlformats.org/presentationml/2006/main" xmlns:c="http://schemas.openxmlformats.org/drawingml/2006/chart" xmlns:dgm="http://schemas.openxmlformats.org/drawingml/2006/diagram" xmlns:o="urn:schemas-microsoft-com:office:office" xmlns:v="urn:schemas-microsoft-com:vml" xmlns:pvml="urn:schemas-microsoft-com:office:powerpoint" xmlns:com="http://schemas.openxmlformats.org/drawingml/2006/compatibility" xmlns:p14="http://schemas.microsoft.com/office/powerpoint/2010/main" xmlns:p15="http://schemas.microsoft.com/office/powerpoint/2012/main" xmlns:ahyp="http://schemas.microsoft.com/office/drawing/2018/hyperlinkcolor" showMasterPhAnim="0" showMasterSp="0">
+  <p:cSld>
+    <p:spTree>
+      <p:nvGrpSpPr>
+        <p:cNvPr id="225" name="Shape 225"/>
+        <p:cNvGrpSpPr/>
+        <p:nvPr/>
+      </p:nvGrpSpPr>
+      <p:grpSpPr>
+        <a:xfrm>
+          <a:off x="0" y="0"/>
+          <a:ext cx="0" cy="0"/>
+          <a:chOff x="0" y="0"/>
+          <a:chExt cx="0" cy="0"/>
+        </a:xfrm>
+      </p:grpSpPr>
+      <p:sp>
+        <p:nvSpPr>
+          <p:cNvPr id="226" name="Google Shape;226;g11768d52d85_0_0:notes"/>
+          <p:cNvSpPr/>
+          <p:nvPr>
+            <p:ph idx="2" type="sldImg"/>
+          </p:nvPr>
+        </p:nvSpPr>
+        <p:spPr>
+          <a:xfrm>
+            <a:off x="381300" y="685800"/>
+            <a:ext cx="6096000" cy="3429000"/>
+          </a:xfrm>
+          <a:custGeom>
+            <a:rect b="b" l="l" r="r" t="t"/>
+            <a:pathLst>
+              <a:path extrusionOk="0" h="120000" w="120000">
+                <a:moveTo>
+                  <a:pt x="0" y="0"/>
+                </a:moveTo>
+                <a:lnTo>
+                  <a:pt x="120000" y="0"/>
+                </a:lnTo>
+                <a:lnTo>
+                  <a:pt x="120000" y="120000"/>
+                </a:lnTo>
+                <a:lnTo>
+                  <a:pt x="0" y="120000"/>
+                </a:lnTo>
+                <a:close/>
+              </a:path>
+            </a:pathLst>
+          </a:custGeom>
+        </p:spPr>
+      </p:sp>
+      <p:sp>
+        <p:nvSpPr>
+          <p:cNvPr id="227" name="Google Shape;227;g11768d52d85_0_0:notes"/>
           <p:cNvSpPr txBox="1"/>
           <p:nvPr>
             <p:ph idx="1" type="body"/>
@@ -1227,7 +1627,7 @@
       </p:grpSpPr>
       <p:sp>
         <p:nvSpPr>
-          <p:cNvPr id="143" name="Google Shape;143;g1153f00578a_0_150:notes"/>
+          <p:cNvPr id="143" name="Google Shape;143;g1153f00578a_0_136:notes"/>
           <p:cNvSpPr/>
           <p:nvPr>
             <p:ph idx="2" type="sldImg"/>
@@ -1262,7 +1662,7 @@
       </p:sp>
       <p:sp>
         <p:nvSpPr>
-          <p:cNvPr id="144" name="Google Shape;144;g1153f00578a_0_150:notes"/>
+          <p:cNvPr id="144" name="Google Shape;144;g1153f00578a_0_136:notes"/>
           <p:cNvSpPr txBox="1"/>
           <p:nvPr>
             <p:ph idx="1" type="body"/>
@@ -1312,7 +1712,7 @@
   <p:cSld>
     <p:spTree>
       <p:nvGrpSpPr>
-        <p:cNvPr id="148" name="Shape 148"/>
+        <p:cNvPr id="150" name="Shape 150"/>
         <p:cNvGrpSpPr/>
         <p:nvPr/>
       </p:nvGrpSpPr>
@@ -1326,7 +1726,7 @@
       </p:grpSpPr>
       <p:sp>
         <p:nvSpPr>
-          <p:cNvPr id="149" name="Google Shape;149;g1153f00578a_0_136:notes"/>
+          <p:cNvPr id="151" name="Google Shape;151;g1153f00578a_0_150:notes"/>
           <p:cNvSpPr/>
           <p:nvPr>
             <p:ph idx="2" type="sldImg"/>
@@ -1361,7 +1761,7 @@
       </p:sp>
       <p:sp>
         <p:nvSpPr>
-          <p:cNvPr id="150" name="Google Shape;150;g1153f00578a_0_136:notes"/>
+          <p:cNvPr id="152" name="Google Shape;152;g1153f00578a_0_150:notes"/>
           <p:cNvSpPr txBox="1"/>
           <p:nvPr>
             <p:ph idx="1" type="body"/>
@@ -1411,7 +1811,7 @@
   <p:cSld>
     <p:spTree>
       <p:nvGrpSpPr>
-        <p:cNvPr id="154" name="Shape 154"/>
+        <p:cNvPr id="156" name="Shape 156"/>
         <p:cNvGrpSpPr/>
         <p:nvPr/>
       </p:nvGrpSpPr>
@@ -1425,7 +1825,7 @@
       </p:grpSpPr>
       <p:sp>
         <p:nvSpPr>
-          <p:cNvPr id="155" name="Google Shape;155;g1153f00578a_0_173:notes"/>
+          <p:cNvPr id="157" name="Google Shape;157;g1153f00578a_0_173:notes"/>
           <p:cNvSpPr/>
           <p:nvPr>
             <p:ph idx="2" type="sldImg"/>
@@ -1460,7 +1860,7 @@
       </p:sp>
       <p:sp>
         <p:nvSpPr>
-          <p:cNvPr id="156" name="Google Shape;156;g1153f00578a_0_173:notes"/>
+          <p:cNvPr id="158" name="Google Shape;158;g1153f00578a_0_173:notes"/>
           <p:cNvSpPr txBox="1"/>
           <p:nvPr>
             <p:ph idx="1" type="body"/>
@@ -1510,7 +1910,7 @@
   <p:cSld>
     <p:spTree>
       <p:nvGrpSpPr>
-        <p:cNvPr id="160" name="Shape 160"/>
+        <p:cNvPr id="162" name="Shape 162"/>
         <p:cNvGrpSpPr/>
         <p:nvPr/>
       </p:nvGrpSpPr>
@@ -1524,7 +1924,7 @@
       </p:grpSpPr>
       <p:sp>
         <p:nvSpPr>
-          <p:cNvPr id="161" name="Google Shape;161;g1153f00578a_0_156:notes"/>
+          <p:cNvPr id="163" name="Google Shape;163;g1153f00578a_0_156:notes"/>
           <p:cNvSpPr/>
           <p:nvPr>
             <p:ph idx="2" type="sldImg"/>
@@ -1559,7 +1959,7 @@
       </p:sp>
       <p:sp>
         <p:nvSpPr>
-          <p:cNvPr id="162" name="Google Shape;162;g1153f00578a_0_156:notes"/>
+          <p:cNvPr id="164" name="Google Shape;164;g1153f00578a_0_156:notes"/>
           <p:cNvSpPr txBox="1"/>
           <p:nvPr>
             <p:ph idx="1" type="body"/>
@@ -1609,7 +2009,7 @@
   <p:cSld>
     <p:spTree>
       <p:nvGrpSpPr>
-        <p:cNvPr id="166" name="Shape 166"/>
+        <p:cNvPr id="168" name="Shape 168"/>
         <p:cNvGrpSpPr/>
         <p:nvPr/>
       </p:nvGrpSpPr>
@@ -1623,7 +2023,7 @@
       </p:grpSpPr>
       <p:sp>
         <p:nvSpPr>
-          <p:cNvPr id="167" name="Google Shape;167;g1153f00578a_0_161:notes"/>
+          <p:cNvPr id="169" name="Google Shape;169;g1153f00578a_0_161:notes"/>
           <p:cNvSpPr/>
           <p:nvPr>
             <p:ph idx="2" type="sldImg"/>
@@ -1658,7 +2058,7 @@
       </p:sp>
       <p:sp>
         <p:nvSpPr>
-          <p:cNvPr id="168" name="Google Shape;168;g1153f00578a_0_161:notes"/>
+          <p:cNvPr id="170" name="Google Shape;170;g1153f00578a_0_161:notes"/>
           <p:cNvSpPr txBox="1"/>
           <p:nvPr>
             <p:ph idx="1" type="body"/>
@@ -1708,7 +2108,7 @@
   <p:cSld>
     <p:spTree>
       <p:nvGrpSpPr>
-        <p:cNvPr id="173" name="Shape 173"/>
+        <p:cNvPr id="175" name="Shape 175"/>
         <p:cNvGrpSpPr/>
         <p:nvPr/>
       </p:nvGrpSpPr>
@@ -1722,7 +2122,7 @@
       </p:grpSpPr>
       <p:sp>
         <p:nvSpPr>
-          <p:cNvPr id="174" name="Google Shape;174;g11768d52d85_0_22:notes"/>
+          <p:cNvPr id="176" name="Google Shape;176;g11768d52d85_0_22:notes"/>
           <p:cNvSpPr/>
           <p:nvPr>
             <p:ph idx="2" type="sldImg"/>
@@ -1757,7 +2157,7 @@
       </p:sp>
       <p:sp>
         <p:nvSpPr>
-          <p:cNvPr id="175" name="Google Shape;175;g11768d52d85_0_22:notes"/>
+          <p:cNvPr id="177" name="Google Shape;177;g11768d52d85_0_22:notes"/>
           <p:cNvSpPr txBox="1"/>
           <p:nvPr>
             <p:ph idx="1" type="body"/>
@@ -1807,7 +2207,7 @@
   <p:cSld>
     <p:spTree>
       <p:nvGrpSpPr>
-        <p:cNvPr id="179" name="Shape 179"/>
+        <p:cNvPr id="181" name="Shape 181"/>
         <p:cNvGrpSpPr/>
         <p:nvPr/>
       </p:nvGrpSpPr>
@@ -1821,7 +2221,7 @@
       </p:grpSpPr>
       <p:sp>
         <p:nvSpPr>
-          <p:cNvPr id="180" name="Google Shape;180;g11768d52d85_0_7:notes"/>
+          <p:cNvPr id="182" name="Google Shape;182;g117b696f6ee_0_35:notes"/>
           <p:cNvSpPr/>
           <p:nvPr>
             <p:ph idx="2" type="sldImg"/>
@@ -1856,7 +2256,7 @@
       </p:sp>
       <p:sp>
         <p:nvSpPr>
-          <p:cNvPr id="181" name="Google Shape;181;g11768d52d85_0_7:notes"/>
+          <p:cNvPr id="183" name="Google Shape;183;g117b696f6ee_0_35:notes"/>
           <p:cNvSpPr txBox="1"/>
           <p:nvPr>
             <p:ph idx="1" type="body"/>
@@ -10202,7 +10602,7 @@
   <p:cSld>
     <p:spTree>
       <p:nvGrpSpPr>
-        <p:cNvPr id="189" name="Shape 189"/>
+        <p:cNvPr id="190" name="Shape 190"/>
         <p:cNvGrpSpPr/>
         <p:nvPr/>
       </p:nvGrpSpPr>
@@ -10216,7 +10616,128 @@
       </p:grpSpPr>
       <p:sp>
         <p:nvSpPr>
-          <p:cNvPr id="190" name="Google Shape;190;p22"/>
+          <p:cNvPr id="191" name="Google Shape;191;p22"/>
+          <p:cNvSpPr txBox="1"/>
+          <p:nvPr>
+            <p:ph type="title"/>
+          </p:nvPr>
+        </p:nvSpPr>
+        <p:spPr>
+          <a:xfrm>
+            <a:off x="1297500" y="393750"/>
+            <a:ext cx="7038900" cy="914100"/>
+          </a:xfrm>
+          <a:prstGeom prst="rect">
+            <a:avLst/>
+          </a:prstGeom>
+        </p:spPr>
+        <p:txBody>
+          <a:bodyPr anchorCtr="0" anchor="t" bIns="91425" lIns="91425" spcFirstLastPara="1" rIns="91425" wrap="square" tIns="91425">
+            <a:normAutofit/>
+          </a:bodyPr>
+          <a:lstStyle/>
+          <a:p>
+            <a:pPr indent="0" lvl="0" marL="0" rtl="0" algn="ctr">
+              <a:spcBef>
+                <a:spcPts val="0"/>
+              </a:spcBef>
+              <a:spcAft>
+                <a:spcPts val="0"/>
+              </a:spcAft>
+              <a:buNone/>
+            </a:pPr>
+            <a:r>
+              <a:rPr lang="en"/>
+              <a:t>R Squared Indicator</a:t>
+            </a:r>
+            <a:endParaRPr/>
+          </a:p>
+        </p:txBody>
+      </p:sp>
+      <p:pic>
+        <p:nvPicPr>
+          <p:cNvPr id="192" name="Google Shape;192;p22"/>
+          <p:cNvPicPr preferRelativeResize="0"/>
+          <p:nvPr/>
+        </p:nvPicPr>
+        <p:blipFill>
+          <a:blip r:embed="rId3">
+            <a:alphaModFix/>
+          </a:blip>
+          <a:stretch>
+            <a:fillRect/>
+          </a:stretch>
+        </p:blipFill>
+        <p:spPr>
+          <a:xfrm>
+            <a:off x="1616800" y="1161725"/>
+            <a:ext cx="6040224" cy="3722850"/>
+          </a:xfrm>
+          <a:prstGeom prst="rect">
+            <a:avLst/>
+          </a:prstGeom>
+          <a:noFill/>
+          <a:ln>
+            <a:noFill/>
+          </a:ln>
+        </p:spPr>
+      </p:pic>
+      <p:pic>
+        <p:nvPicPr>
+          <p:cNvPr id="193" name="Google Shape;193;p22"/>
+          <p:cNvPicPr preferRelativeResize="0"/>
+          <p:nvPr/>
+        </p:nvPicPr>
+        <p:blipFill>
+          <a:blip r:embed="rId4">
+            <a:alphaModFix/>
+          </a:blip>
+          <a:stretch>
+            <a:fillRect/>
+          </a:stretch>
+        </p:blipFill>
+        <p:spPr>
+          <a:xfrm>
+            <a:off x="7754525" y="4271600"/>
+            <a:ext cx="1282750" cy="612975"/>
+          </a:xfrm>
+          <a:prstGeom prst="rect">
+            <a:avLst/>
+          </a:prstGeom>
+          <a:noFill/>
+          <a:ln>
+            <a:noFill/>
+          </a:ln>
+        </p:spPr>
+      </p:pic>
+    </p:spTree>
+  </p:cSld>
+  <p:clrMapOvr>
+    <a:masterClrMapping/>
+  </p:clrMapOvr>
+</p:sld>
+</file>
+
+<file path=ppt/slides/slide11.xml><?xml version="1.0" encoding="utf-8"?>
+<p:sld xmlns:a="http://schemas.openxmlformats.org/drawingml/2006/main" xmlns:r="http://schemas.openxmlformats.org/officeDocument/2006/relationships" xmlns:mc="http://schemas.openxmlformats.org/markup-compatibility/2006" xmlns:mv="urn:schemas-microsoft-com:mac:vml" xmlns:p="http://schemas.openxmlformats.org/presentationml/2006/main" xmlns:c="http://schemas.openxmlformats.org/drawingml/2006/chart" xmlns:dgm="http://schemas.openxmlformats.org/drawingml/2006/diagram" xmlns:o="urn:schemas-microsoft-com:office:office" xmlns:v="urn:schemas-microsoft-com:vml" xmlns:pvml="urn:schemas-microsoft-com:office:powerpoint" xmlns:com="http://schemas.openxmlformats.org/drawingml/2006/compatibility" xmlns:p14="http://schemas.microsoft.com/office/powerpoint/2010/main" xmlns:p15="http://schemas.microsoft.com/office/powerpoint/2012/main" xmlns:ahyp="http://schemas.microsoft.com/office/drawing/2018/hyperlinkcolor">
+  <p:cSld>
+    <p:spTree>
+      <p:nvGrpSpPr>
+        <p:cNvPr id="197" name="Shape 197"/>
+        <p:cNvGrpSpPr/>
+        <p:nvPr/>
+      </p:nvGrpSpPr>
+      <p:grpSpPr>
+        <a:xfrm>
+          <a:off x="0" y="0"/>
+          <a:ext cx="0" cy="0"/>
+          <a:chOff x="0" y="0"/>
+          <a:chExt cx="0" cy="0"/>
+        </a:xfrm>
+      </p:grpSpPr>
+      <p:sp>
+        <p:nvSpPr>
+          <p:cNvPr id="198" name="Google Shape;198;p23"/>
           <p:cNvSpPr txBox="1"/>
           <p:nvPr>
             <p:ph type="title"/>
@@ -10256,7 +10777,7 @@
       </p:sp>
       <p:pic>
         <p:nvPicPr>
-          <p:cNvPr id="191" name="Google Shape;191;p22"/>
+          <p:cNvPr id="199" name="Google Shape;199;p23"/>
           <p:cNvPicPr preferRelativeResize="0"/>
           <p:nvPr/>
         </p:nvPicPr>
@@ -10284,7 +10805,7 @@
       </p:pic>
       <p:pic>
         <p:nvPicPr>
-          <p:cNvPr id="192" name="Google Shape;192;p22"/>
+          <p:cNvPr id="200" name="Google Shape;200;p23"/>
           <p:cNvPicPr preferRelativeResize="0"/>
           <p:nvPr/>
         </p:nvPicPr>
@@ -10318,12 +10839,12 @@
 </p:sld>
 </file>
 
-<file path=ppt/slides/slide11.xml><?xml version="1.0" encoding="utf-8"?>
+<file path=ppt/slides/slide12.xml><?xml version="1.0" encoding="utf-8"?>
 <p:sld xmlns:a="http://schemas.openxmlformats.org/drawingml/2006/main" xmlns:r="http://schemas.openxmlformats.org/officeDocument/2006/relationships" xmlns:mc="http://schemas.openxmlformats.org/markup-compatibility/2006" xmlns:mv="urn:schemas-microsoft-com:mac:vml" xmlns:p="http://schemas.openxmlformats.org/presentationml/2006/main" xmlns:c="http://schemas.openxmlformats.org/drawingml/2006/chart" xmlns:dgm="http://schemas.openxmlformats.org/drawingml/2006/diagram" xmlns:o="urn:schemas-microsoft-com:office:office" xmlns:v="urn:schemas-microsoft-com:vml" xmlns:pvml="urn:schemas-microsoft-com:office:powerpoint" xmlns:com="http://schemas.openxmlformats.org/drawingml/2006/compatibility" xmlns:p14="http://schemas.microsoft.com/office/powerpoint/2010/main" xmlns:p15="http://schemas.microsoft.com/office/powerpoint/2012/main" xmlns:ahyp="http://schemas.microsoft.com/office/drawing/2018/hyperlinkcolor">
   <p:cSld>
     <p:spTree>
       <p:nvGrpSpPr>
-        <p:cNvPr id="196" name="Shape 196"/>
+        <p:cNvPr id="204" name="Shape 204"/>
         <p:cNvGrpSpPr/>
         <p:nvPr/>
       </p:nvGrpSpPr>
@@ -10337,7 +10858,7 @@
       </p:grpSpPr>
       <p:sp>
         <p:nvSpPr>
-          <p:cNvPr id="197" name="Google Shape;197;p23"/>
+          <p:cNvPr id="205" name="Google Shape;205;p24"/>
           <p:cNvSpPr txBox="1"/>
           <p:nvPr>
             <p:ph type="title"/>
@@ -10377,7 +10898,7 @@
       </p:sp>
       <p:sp>
         <p:nvSpPr>
-          <p:cNvPr id="198" name="Google Shape;198;p23"/>
+          <p:cNvPr id="206" name="Google Shape;206;p24"/>
           <p:cNvSpPr txBox="1"/>
           <p:nvPr>
             <p:ph idx="1" type="body"/>
@@ -10566,12 +11087,12 @@
 </p:sld>
 </file>
 
-<file path=ppt/slides/slide12.xml><?xml version="1.0" encoding="utf-8"?>
+<file path=ppt/slides/slide13.xml><?xml version="1.0" encoding="utf-8"?>
 <p:sld xmlns:a="http://schemas.openxmlformats.org/drawingml/2006/main" xmlns:r="http://schemas.openxmlformats.org/officeDocument/2006/relationships" xmlns:mc="http://schemas.openxmlformats.org/markup-compatibility/2006" xmlns:mv="urn:schemas-microsoft-com:mac:vml" xmlns:p="http://schemas.openxmlformats.org/presentationml/2006/main" xmlns:c="http://schemas.openxmlformats.org/drawingml/2006/chart" xmlns:dgm="http://schemas.openxmlformats.org/drawingml/2006/diagram" xmlns:o="urn:schemas-microsoft-com:office:office" xmlns:v="urn:schemas-microsoft-com:vml" xmlns:pvml="urn:schemas-microsoft-com:office:powerpoint" xmlns:com="http://schemas.openxmlformats.org/drawingml/2006/compatibility" xmlns:p14="http://schemas.microsoft.com/office/powerpoint/2010/main" xmlns:p15="http://schemas.microsoft.com/office/powerpoint/2012/main" xmlns:ahyp="http://schemas.microsoft.com/office/drawing/2018/hyperlinkcolor">
   <p:cSld>
     <p:spTree>
       <p:nvGrpSpPr>
-        <p:cNvPr id="202" name="Shape 202"/>
+        <p:cNvPr id="210" name="Shape 210"/>
         <p:cNvGrpSpPr/>
         <p:nvPr/>
       </p:nvGrpSpPr>
@@ -10585,7 +11106,7 @@
       </p:grpSpPr>
       <p:sp>
         <p:nvSpPr>
-          <p:cNvPr id="203" name="Google Shape;203;p24"/>
+          <p:cNvPr id="211" name="Google Shape;211;p25"/>
           <p:cNvSpPr txBox="1"/>
           <p:nvPr>
             <p:ph type="title"/>
@@ -10617,6 +11138,318 @@
             </a:pPr>
             <a:r>
               <a:rPr lang="en"/>
+              <a:t>Result of analysis</a:t>
+            </a:r>
+            <a:endParaRPr/>
+          </a:p>
+        </p:txBody>
+      </p:sp>
+      <p:sp>
+        <p:nvSpPr>
+          <p:cNvPr id="212" name="Google Shape;212;p25"/>
+          <p:cNvSpPr txBox="1"/>
+          <p:nvPr>
+            <p:ph idx="1" type="body"/>
+          </p:nvPr>
+        </p:nvSpPr>
+        <p:spPr>
+          <a:xfrm>
+            <a:off x="1297500" y="1567550"/>
+            <a:ext cx="7038900" cy="2911200"/>
+          </a:xfrm>
+          <a:prstGeom prst="rect">
+            <a:avLst/>
+          </a:prstGeom>
+        </p:spPr>
+        <p:txBody>
+          <a:bodyPr anchorCtr="0" anchor="t" bIns="91425" lIns="91425" spcFirstLastPara="1" rIns="91425" wrap="square" tIns="91425">
+            <a:normAutofit/>
+          </a:bodyPr>
+          <a:lstStyle/>
+          <a:p>
+            <a:pPr indent="0" lvl="0" marL="0" rtl="0" algn="l">
+              <a:spcBef>
+                <a:spcPts val="0"/>
+              </a:spcBef>
+              <a:spcAft>
+                <a:spcPts val="1200"/>
+              </a:spcAft>
+              <a:buNone/>
+            </a:pPr>
+            <a:r>
+              <a:t/>
+            </a:r>
+            <a:endParaRPr/>
+          </a:p>
+        </p:txBody>
+      </p:sp>
+    </p:spTree>
+  </p:cSld>
+  <p:clrMapOvr>
+    <a:masterClrMapping/>
+  </p:clrMapOvr>
+</p:sld>
+</file>
+
+<file path=ppt/slides/slide14.xml><?xml version="1.0" encoding="utf-8"?>
+<p:sld xmlns:a="http://schemas.openxmlformats.org/drawingml/2006/main" xmlns:r="http://schemas.openxmlformats.org/officeDocument/2006/relationships" xmlns:mc="http://schemas.openxmlformats.org/markup-compatibility/2006" xmlns:mv="urn:schemas-microsoft-com:mac:vml" xmlns:p="http://schemas.openxmlformats.org/presentationml/2006/main" xmlns:c="http://schemas.openxmlformats.org/drawingml/2006/chart" xmlns:dgm="http://schemas.openxmlformats.org/drawingml/2006/diagram" xmlns:o="urn:schemas-microsoft-com:office:office" xmlns:v="urn:schemas-microsoft-com:vml" xmlns:pvml="urn:schemas-microsoft-com:office:powerpoint" xmlns:com="http://schemas.openxmlformats.org/drawingml/2006/compatibility" xmlns:p14="http://schemas.microsoft.com/office/powerpoint/2010/main" xmlns:p15="http://schemas.microsoft.com/office/powerpoint/2012/main" xmlns:ahyp="http://schemas.microsoft.com/office/drawing/2018/hyperlinkcolor">
+  <p:cSld>
+    <p:spTree>
+      <p:nvGrpSpPr>
+        <p:cNvPr id="216" name="Shape 216"/>
+        <p:cNvGrpSpPr/>
+        <p:nvPr/>
+      </p:nvGrpSpPr>
+      <p:grpSpPr>
+        <a:xfrm>
+          <a:off x="0" y="0"/>
+          <a:ext cx="0" cy="0"/>
+          <a:chOff x="0" y="0"/>
+          <a:chExt cx="0" cy="0"/>
+        </a:xfrm>
+      </p:grpSpPr>
+      <p:sp>
+        <p:nvSpPr>
+          <p:cNvPr id="217" name="Google Shape;217;p26"/>
+          <p:cNvSpPr txBox="1"/>
+          <p:nvPr>
+            <p:ph type="title"/>
+          </p:nvPr>
+        </p:nvSpPr>
+        <p:spPr>
+          <a:xfrm>
+            <a:off x="1297500" y="393750"/>
+            <a:ext cx="7038900" cy="914100"/>
+          </a:xfrm>
+          <a:prstGeom prst="rect">
+            <a:avLst/>
+          </a:prstGeom>
+        </p:spPr>
+        <p:txBody>
+          <a:bodyPr anchorCtr="0" anchor="ctr" bIns="91425" lIns="91425" spcFirstLastPara="1" rIns="91425" wrap="square" tIns="91425">
+            <a:normAutofit/>
+          </a:bodyPr>
+          <a:lstStyle/>
+          <a:p>
+            <a:pPr indent="0" lvl="0" marL="0" rtl="0" algn="ctr">
+              <a:spcBef>
+                <a:spcPts val="0"/>
+              </a:spcBef>
+              <a:spcAft>
+                <a:spcPts val="0"/>
+              </a:spcAft>
+              <a:buNone/>
+            </a:pPr>
+            <a:r>
+              <a:rPr lang="en"/>
+              <a:t>Recommendation for future analysis</a:t>
+            </a:r>
+            <a:endParaRPr/>
+          </a:p>
+        </p:txBody>
+      </p:sp>
+      <p:sp>
+        <p:nvSpPr>
+          <p:cNvPr id="218" name="Google Shape;218;p26"/>
+          <p:cNvSpPr txBox="1"/>
+          <p:nvPr>
+            <p:ph idx="1" type="body"/>
+          </p:nvPr>
+        </p:nvSpPr>
+        <p:spPr>
+          <a:xfrm>
+            <a:off x="1297500" y="1567550"/>
+            <a:ext cx="7038900" cy="2911200"/>
+          </a:xfrm>
+          <a:prstGeom prst="rect">
+            <a:avLst/>
+          </a:prstGeom>
+        </p:spPr>
+        <p:txBody>
+          <a:bodyPr anchorCtr="0" anchor="t" bIns="91425" lIns="91425" spcFirstLastPara="1" rIns="91425" wrap="square" tIns="91425">
+            <a:normAutofit/>
+          </a:bodyPr>
+          <a:lstStyle/>
+          <a:p>
+            <a:pPr indent="0" lvl="0" marL="0" rtl="0" algn="l">
+              <a:spcBef>
+                <a:spcPts val="0"/>
+              </a:spcBef>
+              <a:spcAft>
+                <a:spcPts val="1200"/>
+              </a:spcAft>
+              <a:buNone/>
+            </a:pPr>
+            <a:r>
+              <a:t/>
+            </a:r>
+            <a:endParaRPr/>
+          </a:p>
+        </p:txBody>
+      </p:sp>
+    </p:spTree>
+  </p:cSld>
+  <p:clrMapOvr>
+    <a:masterClrMapping/>
+  </p:clrMapOvr>
+</p:sld>
+</file>
+
+<file path=ppt/slides/slide15.xml><?xml version="1.0" encoding="utf-8"?>
+<p:sld xmlns:a="http://schemas.openxmlformats.org/drawingml/2006/main" xmlns:r="http://schemas.openxmlformats.org/officeDocument/2006/relationships" xmlns:mc="http://schemas.openxmlformats.org/markup-compatibility/2006" xmlns:mv="urn:schemas-microsoft-com:mac:vml" xmlns:p="http://schemas.openxmlformats.org/presentationml/2006/main" xmlns:c="http://schemas.openxmlformats.org/drawingml/2006/chart" xmlns:dgm="http://schemas.openxmlformats.org/drawingml/2006/diagram" xmlns:o="urn:schemas-microsoft-com:office:office" xmlns:v="urn:schemas-microsoft-com:vml" xmlns:pvml="urn:schemas-microsoft-com:office:powerpoint" xmlns:com="http://schemas.openxmlformats.org/drawingml/2006/compatibility" xmlns:p14="http://schemas.microsoft.com/office/powerpoint/2010/main" xmlns:p15="http://schemas.microsoft.com/office/powerpoint/2012/main" xmlns:ahyp="http://schemas.microsoft.com/office/drawing/2018/hyperlinkcolor">
+  <p:cSld>
+    <p:spTree>
+      <p:nvGrpSpPr>
+        <p:cNvPr id="222" name="Shape 222"/>
+        <p:cNvGrpSpPr/>
+        <p:nvPr/>
+      </p:nvGrpSpPr>
+      <p:grpSpPr>
+        <a:xfrm>
+          <a:off x="0" y="0"/>
+          <a:ext cx="0" cy="0"/>
+          <a:chOff x="0" y="0"/>
+          <a:chExt cx="0" cy="0"/>
+        </a:xfrm>
+      </p:grpSpPr>
+      <p:sp>
+        <p:nvSpPr>
+          <p:cNvPr id="223" name="Google Shape;223;p27"/>
+          <p:cNvSpPr txBox="1"/>
+          <p:nvPr>
+            <p:ph type="title"/>
+          </p:nvPr>
+        </p:nvSpPr>
+        <p:spPr>
+          <a:xfrm>
+            <a:off x="1297500" y="393750"/>
+            <a:ext cx="7038900" cy="914100"/>
+          </a:xfrm>
+          <a:prstGeom prst="rect">
+            <a:avLst/>
+          </a:prstGeom>
+        </p:spPr>
+        <p:txBody>
+          <a:bodyPr anchorCtr="0" anchor="ctr" bIns="91425" lIns="91425" spcFirstLastPara="1" rIns="91425" wrap="square" tIns="91425">
+            <a:normAutofit/>
+          </a:bodyPr>
+          <a:lstStyle/>
+          <a:p>
+            <a:pPr indent="0" lvl="0" marL="0" rtl="0" algn="ctr">
+              <a:spcBef>
+                <a:spcPts val="0"/>
+              </a:spcBef>
+              <a:spcAft>
+                <a:spcPts val="0"/>
+              </a:spcAft>
+              <a:buNone/>
+            </a:pPr>
+            <a:r>
+              <a:rPr lang="en"/>
+              <a:t>Anything that would be done differently</a:t>
+            </a:r>
+            <a:endParaRPr/>
+          </a:p>
+        </p:txBody>
+      </p:sp>
+      <p:sp>
+        <p:nvSpPr>
+          <p:cNvPr id="224" name="Google Shape;224;p27"/>
+          <p:cNvSpPr txBox="1"/>
+          <p:nvPr>
+            <p:ph idx="1" type="body"/>
+          </p:nvPr>
+        </p:nvSpPr>
+        <p:spPr>
+          <a:xfrm>
+            <a:off x="1297500" y="1567550"/>
+            <a:ext cx="7038900" cy="2911200"/>
+          </a:xfrm>
+          <a:prstGeom prst="rect">
+            <a:avLst/>
+          </a:prstGeom>
+        </p:spPr>
+        <p:txBody>
+          <a:bodyPr anchorCtr="0" anchor="t" bIns="91425" lIns="91425" spcFirstLastPara="1" rIns="91425" wrap="square" tIns="91425">
+            <a:normAutofit/>
+          </a:bodyPr>
+          <a:lstStyle/>
+          <a:p>
+            <a:pPr indent="0" lvl="0" marL="0" rtl="0" algn="l">
+              <a:spcBef>
+                <a:spcPts val="0"/>
+              </a:spcBef>
+              <a:spcAft>
+                <a:spcPts val="1200"/>
+              </a:spcAft>
+              <a:buNone/>
+            </a:pPr>
+            <a:r>
+              <a:t/>
+            </a:r>
+            <a:endParaRPr/>
+          </a:p>
+        </p:txBody>
+      </p:sp>
+    </p:spTree>
+  </p:cSld>
+  <p:clrMapOvr>
+    <a:masterClrMapping/>
+  </p:clrMapOvr>
+</p:sld>
+</file>
+
+<file path=ppt/slides/slide16.xml><?xml version="1.0" encoding="utf-8"?>
+<p:sld xmlns:a="http://schemas.openxmlformats.org/drawingml/2006/main" xmlns:r="http://schemas.openxmlformats.org/officeDocument/2006/relationships" xmlns:mc="http://schemas.openxmlformats.org/markup-compatibility/2006" xmlns:mv="urn:schemas-microsoft-com:mac:vml" xmlns:p="http://schemas.openxmlformats.org/presentationml/2006/main" xmlns:c="http://schemas.openxmlformats.org/drawingml/2006/chart" xmlns:dgm="http://schemas.openxmlformats.org/drawingml/2006/diagram" xmlns:o="urn:schemas-microsoft-com:office:office" xmlns:v="urn:schemas-microsoft-com:vml" xmlns:pvml="urn:schemas-microsoft-com:office:powerpoint" xmlns:com="http://schemas.openxmlformats.org/drawingml/2006/compatibility" xmlns:p14="http://schemas.microsoft.com/office/powerpoint/2010/main" xmlns:p15="http://schemas.microsoft.com/office/powerpoint/2012/main" xmlns:ahyp="http://schemas.microsoft.com/office/drawing/2018/hyperlinkcolor">
+  <p:cSld>
+    <p:spTree>
+      <p:nvGrpSpPr>
+        <p:cNvPr id="228" name="Shape 228"/>
+        <p:cNvGrpSpPr/>
+        <p:nvPr/>
+      </p:nvGrpSpPr>
+      <p:grpSpPr>
+        <a:xfrm>
+          <a:off x="0" y="0"/>
+          <a:ext cx="0" cy="0"/>
+          <a:chOff x="0" y="0"/>
+          <a:chExt cx="0" cy="0"/>
+        </a:xfrm>
+      </p:grpSpPr>
+      <p:sp>
+        <p:nvSpPr>
+          <p:cNvPr id="229" name="Google Shape;229;p28"/>
+          <p:cNvSpPr txBox="1"/>
+          <p:nvPr>
+            <p:ph type="title"/>
+          </p:nvPr>
+        </p:nvSpPr>
+        <p:spPr>
+          <a:xfrm>
+            <a:off x="1297500" y="393750"/>
+            <a:ext cx="7038900" cy="914100"/>
+          </a:xfrm>
+          <a:prstGeom prst="rect">
+            <a:avLst/>
+          </a:prstGeom>
+        </p:spPr>
+        <p:txBody>
+          <a:bodyPr anchorCtr="0" anchor="ctr" bIns="91425" lIns="91425" spcFirstLastPara="1" rIns="91425" wrap="square" tIns="91425">
+            <a:normAutofit/>
+          </a:bodyPr>
+          <a:lstStyle/>
+          <a:p>
+            <a:pPr indent="0" lvl="0" marL="0" rtl="0" algn="ctr">
+              <a:spcBef>
+                <a:spcPts val="0"/>
+              </a:spcBef>
+              <a:spcAft>
+                <a:spcPts val="0"/>
+              </a:spcAft>
+              <a:buNone/>
+            </a:pPr>
+            <a:r>
+              <a:rPr lang="en"/>
               <a:t>Technologies, Languages, Tools and Libraries</a:t>
             </a:r>
             <a:endParaRPr/>
@@ -10625,7 +11458,7 @@
       </p:sp>
       <p:sp>
         <p:nvSpPr>
-          <p:cNvPr id="204" name="Google Shape;204;p24"/>
+          <p:cNvPr id="230" name="Google Shape;230;p28"/>
           <p:cNvSpPr txBox="1"/>
           <p:nvPr>
             <p:ph idx="1" type="body"/>
@@ -10797,7 +11630,7 @@
       </p:sp>
       <p:sp>
         <p:nvSpPr>
-          <p:cNvPr id="205" name="Google Shape;205;p24"/>
+          <p:cNvPr id="231" name="Google Shape;231;p28"/>
           <p:cNvSpPr txBox="1"/>
           <p:nvPr>
             <p:ph idx="2" type="body"/>
@@ -11137,218 +11970,6 @@
         <p:spPr>
           <a:xfrm>
             <a:off x="1297500" y="393750"/>
-            <a:ext cx="7482000" cy="914100"/>
-          </a:xfrm>
-          <a:prstGeom prst="rect">
-            <a:avLst/>
-          </a:prstGeom>
-        </p:spPr>
-        <p:txBody>
-          <a:bodyPr anchorCtr="0" anchor="t" bIns="91425" lIns="91425" spcFirstLastPara="1" rIns="91425" wrap="square" tIns="91425">
-            <a:normAutofit fontScale="90000"/>
-          </a:bodyPr>
-          <a:lstStyle/>
-          <a:p>
-            <a:pPr indent="0" lvl="0" marL="0" rtl="0" algn="l">
-              <a:spcBef>
-                <a:spcPts val="0"/>
-              </a:spcBef>
-              <a:spcAft>
-                <a:spcPts val="0"/>
-              </a:spcAft>
-              <a:buNone/>
-            </a:pPr>
-            <a:r>
-              <a:rPr lang="en" sz="2622"/>
-              <a:t>Proposed questions to answer with the analysis:</a:t>
-            </a:r>
-            <a:endParaRPr sz="2622"/>
-          </a:p>
-        </p:txBody>
-      </p:sp>
-      <p:sp>
-        <p:nvSpPr>
-          <p:cNvPr id="147" name="Google Shape;147;p15"/>
-          <p:cNvSpPr txBox="1"/>
-          <p:nvPr>
-            <p:ph idx="1" type="body"/>
-          </p:nvPr>
-        </p:nvSpPr>
-        <p:spPr>
-          <a:xfrm>
-            <a:off x="1297500" y="1567550"/>
-            <a:ext cx="7581300" cy="2911200"/>
-          </a:xfrm>
-          <a:prstGeom prst="rect">
-            <a:avLst/>
-          </a:prstGeom>
-        </p:spPr>
-        <p:txBody>
-          <a:bodyPr anchorCtr="0" anchor="t" bIns="91425" lIns="91425" spcFirstLastPara="1" rIns="91425" wrap="square" tIns="91425">
-            <a:normAutofit/>
-          </a:bodyPr>
-          <a:lstStyle/>
-          <a:p>
-            <a:pPr indent="-342900" lvl="0" marL="457200" rtl="0" algn="l">
-              <a:spcBef>
-                <a:spcPts val="0"/>
-              </a:spcBef>
-              <a:spcAft>
-                <a:spcPts val="0"/>
-              </a:spcAft>
-              <a:buSzPts val="1800"/>
-              <a:buChar char="●"/>
-            </a:pPr>
-            <a:r>
-              <a:rPr lang="en" sz="1800"/>
-              <a:t>T</a:t>
-            </a:r>
-            <a:r>
-              <a:rPr lang="en" sz="1800"/>
-              <a:t>he impact education has on per capita growth year over year in each state</a:t>
-            </a:r>
-            <a:endParaRPr sz="1800"/>
-          </a:p>
-          <a:p>
-            <a:pPr indent="-342900" lvl="0" marL="457200" rtl="0" algn="l">
-              <a:spcBef>
-                <a:spcPts val="0"/>
-              </a:spcBef>
-              <a:spcAft>
-                <a:spcPts val="0"/>
-              </a:spcAft>
-              <a:buSzPts val="1800"/>
-              <a:buChar char="●"/>
-            </a:pPr>
-            <a:r>
-              <a:rPr lang="en" sz="1800"/>
-              <a:t>Will there be notable patterns</a:t>
-            </a:r>
-            <a:endParaRPr sz="1800"/>
-          </a:p>
-          <a:p>
-            <a:pPr indent="-342900" lvl="1" marL="914400" rtl="0" algn="l">
-              <a:spcBef>
-                <a:spcPts val="0"/>
-              </a:spcBef>
-              <a:spcAft>
-                <a:spcPts val="0"/>
-              </a:spcAft>
-              <a:buSzPts val="1800"/>
-              <a:buChar char="○"/>
-            </a:pPr>
-            <a:r>
-              <a:rPr lang="en" sz="1800"/>
-              <a:t>Are there patterns between states</a:t>
-            </a:r>
-            <a:endParaRPr sz="1800"/>
-          </a:p>
-          <a:p>
-            <a:pPr indent="-342900" lvl="1" marL="914400" rtl="0" algn="l">
-              <a:spcBef>
-                <a:spcPts val="0"/>
-              </a:spcBef>
-              <a:spcAft>
-                <a:spcPts val="0"/>
-              </a:spcAft>
-              <a:buSzPts val="1800"/>
-              <a:buChar char="○"/>
-            </a:pPr>
-            <a:r>
-              <a:rPr lang="en" sz="1800"/>
-              <a:t>Are there patterns between regions</a:t>
-            </a:r>
-            <a:endParaRPr sz="1800"/>
-          </a:p>
-          <a:p>
-            <a:pPr indent="-342900" lvl="0" marL="457200" rtl="0" algn="l">
-              <a:spcBef>
-                <a:spcPts val="0"/>
-              </a:spcBef>
-              <a:spcAft>
-                <a:spcPts val="0"/>
-              </a:spcAft>
-              <a:buSzPts val="1800"/>
-              <a:buChar char="●"/>
-            </a:pPr>
-            <a:r>
-              <a:rPr lang="en" sz="1800"/>
-              <a:t>Are there outliers</a:t>
-            </a:r>
-            <a:endParaRPr sz="1800"/>
-          </a:p>
-          <a:p>
-            <a:pPr indent="-342900" lvl="1" marL="914400" rtl="0" algn="l">
-              <a:spcBef>
-                <a:spcPts val="0"/>
-              </a:spcBef>
-              <a:spcAft>
-                <a:spcPts val="0"/>
-              </a:spcAft>
-              <a:buSzPts val="1800"/>
-              <a:buChar char="○"/>
-            </a:pPr>
-            <a:r>
-              <a:rPr lang="en" sz="1800"/>
-              <a:t>If so, which state or education attainment</a:t>
-            </a:r>
-            <a:endParaRPr sz="1800"/>
-          </a:p>
-          <a:p>
-            <a:pPr indent="-342900" lvl="0" marL="457200" rtl="0" algn="l">
-              <a:spcBef>
-                <a:spcPts val="0"/>
-              </a:spcBef>
-              <a:spcAft>
-                <a:spcPts val="0"/>
-              </a:spcAft>
-              <a:buSzPts val="1800"/>
-              <a:buChar char="●"/>
-            </a:pPr>
-            <a:r>
-              <a:rPr lang="en" sz="1800"/>
-              <a:t>Data collected for analysis is from 2005 - 2019</a:t>
-            </a:r>
-            <a:endParaRPr sz="1800"/>
-          </a:p>
-        </p:txBody>
-      </p:sp>
-    </p:spTree>
-  </p:cSld>
-  <p:clrMapOvr>
-    <a:masterClrMapping/>
-  </p:clrMapOvr>
-</p:sld>
-</file>
-
-<file path=ppt/slides/slide4.xml><?xml version="1.0" encoding="utf-8"?>
-<p:sld xmlns:a="http://schemas.openxmlformats.org/drawingml/2006/main" xmlns:r="http://schemas.openxmlformats.org/officeDocument/2006/relationships" xmlns:mc="http://schemas.openxmlformats.org/markup-compatibility/2006" xmlns:mv="urn:schemas-microsoft-com:mac:vml" xmlns:p="http://schemas.openxmlformats.org/presentationml/2006/main" xmlns:c="http://schemas.openxmlformats.org/drawingml/2006/chart" xmlns:dgm="http://schemas.openxmlformats.org/drawingml/2006/diagram" xmlns:o="urn:schemas-microsoft-com:office:office" xmlns:v="urn:schemas-microsoft-com:vml" xmlns:pvml="urn:schemas-microsoft-com:office:powerpoint" xmlns:com="http://schemas.openxmlformats.org/drawingml/2006/compatibility" xmlns:p14="http://schemas.microsoft.com/office/powerpoint/2010/main" xmlns:p15="http://schemas.microsoft.com/office/powerpoint/2012/main" xmlns:ahyp="http://schemas.microsoft.com/office/drawing/2018/hyperlinkcolor">
-  <p:cSld>
-    <p:spTree>
-      <p:nvGrpSpPr>
-        <p:cNvPr id="151" name="Shape 151"/>
-        <p:cNvGrpSpPr/>
-        <p:nvPr/>
-      </p:nvGrpSpPr>
-      <p:grpSpPr>
-        <a:xfrm>
-          <a:off x="0" y="0"/>
-          <a:ext cx="0" cy="0"/>
-          <a:chOff x="0" y="0"/>
-          <a:chExt cx="0" cy="0"/>
-        </a:xfrm>
-      </p:grpSpPr>
-      <p:sp>
-        <p:nvSpPr>
-          <p:cNvPr id="152" name="Google Shape;152;p16"/>
-          <p:cNvSpPr txBox="1"/>
-          <p:nvPr>
-            <p:ph type="title"/>
-          </p:nvPr>
-        </p:nvSpPr>
-        <p:spPr>
-          <a:xfrm>
-            <a:off x="1297500" y="393750"/>
             <a:ext cx="7038900" cy="914100"/>
           </a:xfrm>
           <a:prstGeom prst="rect">
@@ -11380,7 +12001,7 @@
       </p:sp>
       <p:sp>
         <p:nvSpPr>
-          <p:cNvPr id="153" name="Google Shape;153;p16"/>
+          <p:cNvPr id="147" name="Google Shape;147;p15"/>
           <p:cNvSpPr txBox="1"/>
           <p:nvPr>
             <p:ph idx="1" type="body"/>
@@ -11598,6 +12219,261 @@
           </a:p>
         </p:txBody>
       </p:sp>
+      <p:pic>
+        <p:nvPicPr>
+          <p:cNvPr id="148" name="Google Shape;148;p15"/>
+          <p:cNvPicPr preferRelativeResize="0"/>
+          <p:nvPr/>
+        </p:nvPicPr>
+        <p:blipFill>
+          <a:blip r:embed="rId3">
+            <a:alphaModFix/>
+          </a:blip>
+          <a:stretch>
+            <a:fillRect/>
+          </a:stretch>
+        </p:blipFill>
+        <p:spPr>
+          <a:xfrm>
+            <a:off x="278425" y="3322750"/>
+            <a:ext cx="1428750" cy="746625"/>
+          </a:xfrm>
+          <a:prstGeom prst="rect">
+            <a:avLst/>
+          </a:prstGeom>
+          <a:noFill/>
+          <a:ln>
+            <a:noFill/>
+          </a:ln>
+        </p:spPr>
+      </p:pic>
+      <p:pic>
+        <p:nvPicPr>
+          <p:cNvPr id="149" name="Google Shape;149;p15"/>
+          <p:cNvPicPr preferRelativeResize="0"/>
+          <p:nvPr/>
+        </p:nvPicPr>
+        <p:blipFill>
+          <a:blip r:embed="rId4">
+            <a:alphaModFix/>
+          </a:blip>
+          <a:stretch>
+            <a:fillRect/>
+          </a:stretch>
+        </p:blipFill>
+        <p:spPr>
+          <a:xfrm>
+            <a:off x="525713" y="1848213"/>
+            <a:ext cx="934163" cy="934163"/>
+          </a:xfrm>
+          <a:prstGeom prst="rect">
+            <a:avLst/>
+          </a:prstGeom>
+          <a:noFill/>
+          <a:ln>
+            <a:noFill/>
+          </a:ln>
+        </p:spPr>
+      </p:pic>
+    </p:spTree>
+  </p:cSld>
+  <p:clrMapOvr>
+    <a:masterClrMapping/>
+  </p:clrMapOvr>
+</p:sld>
+</file>
+
+<file path=ppt/slides/slide4.xml><?xml version="1.0" encoding="utf-8"?>
+<p:sld xmlns:a="http://schemas.openxmlformats.org/drawingml/2006/main" xmlns:r="http://schemas.openxmlformats.org/officeDocument/2006/relationships" xmlns:mc="http://schemas.openxmlformats.org/markup-compatibility/2006" xmlns:mv="urn:schemas-microsoft-com:mac:vml" xmlns:p="http://schemas.openxmlformats.org/presentationml/2006/main" xmlns:c="http://schemas.openxmlformats.org/drawingml/2006/chart" xmlns:dgm="http://schemas.openxmlformats.org/drawingml/2006/diagram" xmlns:o="urn:schemas-microsoft-com:office:office" xmlns:v="urn:schemas-microsoft-com:vml" xmlns:pvml="urn:schemas-microsoft-com:office:powerpoint" xmlns:com="http://schemas.openxmlformats.org/drawingml/2006/compatibility" xmlns:p14="http://schemas.microsoft.com/office/powerpoint/2010/main" xmlns:p15="http://schemas.microsoft.com/office/powerpoint/2012/main" xmlns:ahyp="http://schemas.microsoft.com/office/drawing/2018/hyperlinkcolor">
+  <p:cSld>
+    <p:spTree>
+      <p:nvGrpSpPr>
+        <p:cNvPr id="153" name="Shape 153"/>
+        <p:cNvGrpSpPr/>
+        <p:nvPr/>
+      </p:nvGrpSpPr>
+      <p:grpSpPr>
+        <a:xfrm>
+          <a:off x="0" y="0"/>
+          <a:ext cx="0" cy="0"/>
+          <a:chOff x="0" y="0"/>
+          <a:chExt cx="0" cy="0"/>
+        </a:xfrm>
+      </p:grpSpPr>
+      <p:sp>
+        <p:nvSpPr>
+          <p:cNvPr id="154" name="Google Shape;154;p16"/>
+          <p:cNvSpPr txBox="1"/>
+          <p:nvPr>
+            <p:ph type="title"/>
+          </p:nvPr>
+        </p:nvSpPr>
+        <p:spPr>
+          <a:xfrm>
+            <a:off x="1297500" y="393750"/>
+            <a:ext cx="7482000" cy="914100"/>
+          </a:xfrm>
+          <a:prstGeom prst="rect">
+            <a:avLst/>
+          </a:prstGeom>
+        </p:spPr>
+        <p:txBody>
+          <a:bodyPr anchorCtr="0" anchor="ctr" bIns="91425" lIns="91425" spcFirstLastPara="1" rIns="91425" wrap="square" tIns="91425">
+            <a:normAutofit/>
+          </a:bodyPr>
+          <a:lstStyle/>
+          <a:p>
+            <a:pPr indent="0" lvl="0" marL="0" rtl="0" algn="l">
+              <a:spcBef>
+                <a:spcPts val="0"/>
+              </a:spcBef>
+              <a:spcAft>
+                <a:spcPts val="0"/>
+              </a:spcAft>
+              <a:buNone/>
+            </a:pPr>
+            <a:r>
+              <a:rPr lang="en" sz="2622"/>
+              <a:t>Q</a:t>
+            </a:r>
+            <a:r>
+              <a:rPr lang="en" sz="2622"/>
+              <a:t>uestions to answer with the analysis:</a:t>
+            </a:r>
+            <a:endParaRPr sz="2622"/>
+          </a:p>
+        </p:txBody>
+      </p:sp>
+      <p:sp>
+        <p:nvSpPr>
+          <p:cNvPr id="155" name="Google Shape;155;p16"/>
+          <p:cNvSpPr txBox="1"/>
+          <p:nvPr>
+            <p:ph idx="1" type="body"/>
+          </p:nvPr>
+        </p:nvSpPr>
+        <p:spPr>
+          <a:xfrm>
+            <a:off x="1297500" y="1567550"/>
+            <a:ext cx="7581300" cy="2911200"/>
+          </a:xfrm>
+          <a:prstGeom prst="rect">
+            <a:avLst/>
+          </a:prstGeom>
+        </p:spPr>
+        <p:txBody>
+          <a:bodyPr anchorCtr="0" anchor="t" bIns="91425" lIns="91425" spcFirstLastPara="1" rIns="91425" wrap="square" tIns="91425">
+            <a:normAutofit/>
+          </a:bodyPr>
+          <a:lstStyle/>
+          <a:p>
+            <a:pPr indent="-342900" lvl="0" marL="457200" rtl="0" algn="l">
+              <a:spcBef>
+                <a:spcPts val="0"/>
+              </a:spcBef>
+              <a:spcAft>
+                <a:spcPts val="0"/>
+              </a:spcAft>
+              <a:buSzPts val="1800"/>
+              <a:buChar char="●"/>
+            </a:pPr>
+            <a:r>
+              <a:rPr lang="en" sz="1800"/>
+              <a:t>T</a:t>
+            </a:r>
+            <a:r>
+              <a:rPr lang="en" sz="1800"/>
+              <a:t>he impact education has on per capita growth year over year in each state.</a:t>
+            </a:r>
+            <a:endParaRPr sz="1800"/>
+          </a:p>
+          <a:p>
+            <a:pPr indent="-342900" lvl="0" marL="457200" rtl="0" algn="l">
+              <a:spcBef>
+                <a:spcPts val="0"/>
+              </a:spcBef>
+              <a:spcAft>
+                <a:spcPts val="0"/>
+              </a:spcAft>
+              <a:buSzPts val="1800"/>
+              <a:buChar char="●"/>
+            </a:pPr>
+            <a:r>
+              <a:rPr lang="en" sz="1800"/>
+              <a:t>Will there be notable patterns?</a:t>
+            </a:r>
+            <a:endParaRPr sz="1800"/>
+          </a:p>
+          <a:p>
+            <a:pPr indent="-342900" lvl="1" marL="914400" rtl="0" algn="l">
+              <a:spcBef>
+                <a:spcPts val="0"/>
+              </a:spcBef>
+              <a:spcAft>
+                <a:spcPts val="0"/>
+              </a:spcAft>
+              <a:buSzPts val="1800"/>
+              <a:buChar char="○"/>
+            </a:pPr>
+            <a:r>
+              <a:rPr lang="en" sz="1800"/>
+              <a:t>Are there patterns between states?</a:t>
+            </a:r>
+            <a:endParaRPr sz="1800"/>
+          </a:p>
+          <a:p>
+            <a:pPr indent="-342900" lvl="1" marL="914400" rtl="0" algn="l">
+              <a:spcBef>
+                <a:spcPts val="0"/>
+              </a:spcBef>
+              <a:spcAft>
+                <a:spcPts val="0"/>
+              </a:spcAft>
+              <a:buSzPts val="1800"/>
+              <a:buChar char="○"/>
+            </a:pPr>
+            <a:r>
+              <a:rPr lang="en" sz="1800"/>
+              <a:t>Are there patterns between regions?</a:t>
+            </a:r>
+            <a:endParaRPr sz="1800"/>
+          </a:p>
+          <a:p>
+            <a:pPr indent="-342900" lvl="0" marL="457200" rtl="0" algn="l">
+              <a:spcBef>
+                <a:spcPts val="0"/>
+              </a:spcBef>
+              <a:spcAft>
+                <a:spcPts val="0"/>
+              </a:spcAft>
+              <a:buSzPts val="1800"/>
+              <a:buChar char="●"/>
+            </a:pPr>
+            <a:r>
+              <a:rPr lang="en" sz="1800"/>
+              <a:t>Are there outliers?</a:t>
+            </a:r>
+            <a:endParaRPr sz="1800"/>
+          </a:p>
+          <a:p>
+            <a:pPr indent="-342900" lvl="1" marL="914400" rtl="0" algn="l">
+              <a:spcBef>
+                <a:spcPts val="0"/>
+              </a:spcBef>
+              <a:spcAft>
+                <a:spcPts val="0"/>
+              </a:spcAft>
+              <a:buSzPts val="1800"/>
+              <a:buChar char="○"/>
+            </a:pPr>
+            <a:r>
+              <a:rPr lang="en" sz="1800"/>
+              <a:t>If so, which state or education attainment?</a:t>
+            </a:r>
+            <a:endParaRPr sz="1800"/>
+          </a:p>
+        </p:txBody>
+      </p:sp>
     </p:spTree>
   </p:cSld>
   <p:clrMapOvr>
@@ -11611,7 +12487,7 @@
   <p:cSld>
     <p:spTree>
       <p:nvGrpSpPr>
-        <p:cNvPr id="157" name="Shape 157"/>
+        <p:cNvPr id="159" name="Shape 159"/>
         <p:cNvGrpSpPr/>
         <p:nvPr/>
       </p:nvGrpSpPr>
@@ -11625,7 +12501,7 @@
       </p:grpSpPr>
       <p:sp>
         <p:nvSpPr>
-          <p:cNvPr id="158" name="Google Shape;158;p17"/>
+          <p:cNvPr id="160" name="Google Shape;160;p17"/>
           <p:cNvSpPr txBox="1"/>
           <p:nvPr>
             <p:ph type="title"/>
@@ -11665,7 +12541,7 @@
       </p:sp>
       <p:sp>
         <p:nvSpPr>
-          <p:cNvPr id="159" name="Google Shape;159;p17"/>
+          <p:cNvPr id="161" name="Google Shape;161;p17"/>
           <p:cNvSpPr txBox="1"/>
           <p:nvPr>
             <p:ph idx="1" type="body"/>
@@ -11761,7 +12637,7 @@
             </a:pPr>
             <a:r>
               <a:rPr lang="en"/>
-              <a:t>Dependent Variable/Target</a:t>
+              <a:t>Dependent Variable/Target:</a:t>
             </a:r>
             <a:endParaRPr/>
           </a:p>
@@ -11796,7 +12672,7 @@
   <p:cSld>
     <p:spTree>
       <p:nvGrpSpPr>
-        <p:cNvPr id="163" name="Shape 163"/>
+        <p:cNvPr id="165" name="Shape 165"/>
         <p:cNvGrpSpPr/>
         <p:nvPr/>
       </p:nvGrpSpPr>
@@ -11810,7 +12686,7 @@
       </p:grpSpPr>
       <p:sp>
         <p:nvSpPr>
-          <p:cNvPr id="164" name="Google Shape;164;p18"/>
+          <p:cNvPr id="166" name="Google Shape;166;p18"/>
           <p:cNvSpPr txBox="1"/>
           <p:nvPr>
             <p:ph type="title"/>
@@ -11850,7 +12726,7 @@
       </p:sp>
       <p:sp>
         <p:nvSpPr>
-          <p:cNvPr id="165" name="Google Shape;165;p18"/>
+          <p:cNvPr id="167" name="Google Shape;167;p18"/>
           <p:cNvSpPr txBox="1"/>
           <p:nvPr>
             <p:ph idx="1" type="body"/>
@@ -11871,46 +12747,91 @@
           </a:bodyPr>
           <a:lstStyle/>
           <a:p>
-            <a:pPr indent="0" lvl="0" marL="0" rtl="0" algn="l">
-              <a:spcBef>
-                <a:spcPts val="0"/>
-              </a:spcBef>
-              <a:spcAft>
-                <a:spcPts val="0"/>
-              </a:spcAft>
-              <a:buNone/>
+            <a:pPr indent="-311150" lvl="0" marL="457200" rtl="0" algn="l">
+              <a:spcBef>
+                <a:spcPts val="0"/>
+              </a:spcBef>
+              <a:spcAft>
+                <a:spcPts val="0"/>
+              </a:spcAft>
+              <a:buSzPts val="1300"/>
+              <a:buChar char="●"/>
             </a:pPr>
             <a:r>
               <a:rPr lang="en"/>
-              <a:t>Pulling all data deemed necessary to CSV file</a:t>
+              <a:t>Pulling all data to CSV file to determine which available features were going to be used in analysis</a:t>
             </a:r>
             <a:endParaRPr/>
           </a:p>
           <a:p>
-            <a:pPr indent="0" lvl="0" marL="0" rtl="0" algn="l">
-              <a:spcBef>
-                <a:spcPts val="1200"/>
-              </a:spcBef>
-              <a:spcAft>
-                <a:spcPts val="0"/>
-              </a:spcAft>
-              <a:buNone/>
+            <a:pPr indent="-311150" lvl="0" marL="457200" rtl="0" algn="l">
+              <a:spcBef>
+                <a:spcPts val="0"/>
+              </a:spcBef>
+              <a:spcAft>
+                <a:spcPts val="0"/>
+              </a:spcAft>
+              <a:buSzPts val="1300"/>
+              <a:buChar char="●"/>
             </a:pPr>
             <a:r>
               <a:rPr lang="en"/>
-              <a:t>-API pull of data to csv file</a:t>
+              <a:t>API pull of data from census.gov website for years 2005  - 2019</a:t>
             </a:r>
             <a:endParaRPr/>
           </a:p>
           <a:p>
-            <a:pPr indent="0" lvl="0" marL="0" rtl="0" algn="l">
-              <a:spcBef>
-                <a:spcPts val="1200"/>
-              </a:spcBef>
-              <a:spcAft>
-                <a:spcPts val="0"/>
-              </a:spcAft>
-              <a:buNone/>
+            <a:pPr indent="-298450" lvl="1" marL="914400" rtl="0" algn="l">
+              <a:spcBef>
+                <a:spcPts val="0"/>
+              </a:spcBef>
+              <a:spcAft>
+                <a:spcPts val="0"/>
+              </a:spcAft>
+              <a:buSzPts val="1100"/>
+              <a:buChar char="○"/>
+            </a:pPr>
+            <a:r>
+              <a:rPr lang="en"/>
+              <a:t>API pull varied between the years 2005 - 2007 to  2008 -2019 due to </a:t>
+            </a:r>
+            <a:r>
+              <a:rPr lang="en"/>
+              <a:t>website and survey </a:t>
+            </a:r>
+            <a:r>
+              <a:rPr lang="en"/>
+              <a:t> reconstruction</a:t>
+            </a:r>
+            <a:endParaRPr/>
+          </a:p>
+          <a:p>
+            <a:pPr indent="-311150" lvl="0" marL="457200" rtl="0" algn="l">
+              <a:spcBef>
+                <a:spcPts val="0"/>
+              </a:spcBef>
+              <a:spcAft>
+                <a:spcPts val="0"/>
+              </a:spcAft>
+              <a:buSzPts val="1300"/>
+              <a:buChar char="●"/>
+            </a:pPr>
+            <a:r>
+              <a:rPr lang="en"/>
+              <a:t>Download and preprocessing of per capita income by state from BEA website</a:t>
+            </a:r>
+            <a:endParaRPr/>
+          </a:p>
+          <a:p>
+            <a:pPr indent="-311150" lvl="0" marL="457200" rtl="0" algn="l">
+              <a:spcBef>
+                <a:spcPts val="0"/>
+              </a:spcBef>
+              <a:spcAft>
+                <a:spcPts val="0"/>
+              </a:spcAft>
+              <a:buSzPts val="1300"/>
+              <a:buChar char="●"/>
             </a:pPr>
             <a:r>
               <a:rPr lang="en"/>
@@ -11919,18 +12840,19 @@
             <a:endParaRPr/>
           </a:p>
           <a:p>
-            <a:pPr indent="0" lvl="0" marL="0" rtl="0" algn="l">
-              <a:spcBef>
-                <a:spcPts val="1200"/>
-              </a:spcBef>
-              <a:spcAft>
-                <a:spcPts val="0"/>
-              </a:spcAft>
-              <a:buNone/>
+            <a:pPr indent="-298450" lvl="1" marL="914400" rtl="0" algn="l">
+              <a:spcBef>
+                <a:spcPts val="0"/>
+              </a:spcBef>
+              <a:spcAft>
+                <a:spcPts val="0"/>
+              </a:spcAft>
+              <a:buSzPts val="1100"/>
+              <a:buChar char="○"/>
             </a:pPr>
             <a:r>
               <a:rPr lang="en"/>
-              <a:t>-Removing  columns and rows </a:t>
+              <a:t>Removing  columns and rows </a:t>
             </a:r>
             <a:r>
               <a:rPr lang="en"/>
@@ -11951,50 +12873,70 @@
             <a:endParaRPr/>
           </a:p>
           <a:p>
-            <a:pPr indent="0" lvl="0" marL="0" rtl="0" algn="l">
-              <a:spcBef>
-                <a:spcPts val="1200"/>
-              </a:spcBef>
-              <a:spcAft>
-                <a:spcPts val="0"/>
-              </a:spcAft>
-              <a:buNone/>
+            <a:pPr indent="-298450" lvl="1" marL="914400" rtl="0" algn="l">
+              <a:spcBef>
+                <a:spcPts val="0"/>
+              </a:spcBef>
+              <a:spcAft>
+                <a:spcPts val="0"/>
+              </a:spcAft>
+              <a:buSzPts val="1100"/>
+              <a:buChar char="○"/>
             </a:pPr>
             <a:r>
               <a:rPr lang="en"/>
-              <a:t>- Converting objects to strings</a:t>
+              <a:t>Converting objects to strings</a:t>
             </a:r>
             <a:endParaRPr/>
           </a:p>
           <a:p>
-            <a:pPr indent="0" lvl="0" marL="0" rtl="0" algn="l">
-              <a:spcBef>
-                <a:spcPts val="1200"/>
-              </a:spcBef>
-              <a:spcAft>
-                <a:spcPts val="0"/>
-              </a:spcAft>
-              <a:buNone/>
+            <a:pPr indent="-298450" lvl="1" marL="914400" rtl="0" algn="l">
+              <a:spcBef>
+                <a:spcPts val="0"/>
+              </a:spcBef>
+              <a:spcAft>
+                <a:spcPts val="0"/>
+              </a:spcAft>
+              <a:buSzPts val="1100"/>
+              <a:buChar char="○"/>
             </a:pPr>
             <a:r>
               <a:rPr lang="en"/>
-              <a:t>-Plotting data to help determine the trends or patterns to dive in deeper</a:t>
+              <a:t>Reordering columns</a:t>
             </a:r>
             <a:endParaRPr/>
           </a:p>
           <a:p>
-            <a:pPr indent="0" lvl="0" marL="0" rtl="0" algn="l">
-              <a:spcBef>
-                <a:spcPts val="1200"/>
-              </a:spcBef>
-              <a:spcAft>
-                <a:spcPts val="0"/>
-              </a:spcAft>
-              <a:buNone/>
+            <a:pPr indent="-298450" lvl="1" marL="914400" rtl="0" algn="l">
+              <a:spcBef>
+                <a:spcPts val="0"/>
+              </a:spcBef>
+              <a:spcAft>
+                <a:spcPts val="0"/>
+              </a:spcAft>
+              <a:buSzPts val="1100"/>
+              <a:buChar char="○"/>
             </a:pPr>
             <a:r>
               <a:rPr lang="en"/>
-              <a:t>-[Need to do a join]</a:t>
+              <a:t>Plotting data to help determine the patterns to dive in deeper</a:t>
+            </a:r>
+            <a:endParaRPr/>
+          </a:p>
+          <a:p>
+            <a:pPr indent="-311150" lvl="0" marL="457200" rtl="0" algn="l">
+              <a:spcBef>
+                <a:spcPts val="0"/>
+              </a:spcBef>
+              <a:spcAft>
+                <a:spcPts val="0"/>
+              </a:spcAft>
+              <a:buSzPts val="1300"/>
+              <a:buChar char="●"/>
+            </a:pPr>
+            <a:r>
+              <a:rPr lang="en"/>
+              <a:t>[Need to do a join]</a:t>
             </a:r>
             <a:endParaRPr/>
           </a:p>
@@ -12028,7 +12970,7 @@
   <p:cSld>
     <p:spTree>
       <p:nvGrpSpPr>
-        <p:cNvPr id="169" name="Shape 169"/>
+        <p:cNvPr id="171" name="Shape 171"/>
         <p:cNvGrpSpPr/>
         <p:nvPr/>
       </p:nvGrpSpPr>
@@ -12042,7 +12984,7 @@
       </p:grpSpPr>
       <p:sp>
         <p:nvSpPr>
-          <p:cNvPr id="170" name="Google Shape;170;p19"/>
+          <p:cNvPr id="172" name="Google Shape;172;p19"/>
           <p:cNvSpPr txBox="1"/>
           <p:nvPr>
             <p:ph type="title"/>
@@ -12082,7 +13024,7 @@
       </p:sp>
       <p:sp>
         <p:nvSpPr>
-          <p:cNvPr id="171" name="Google Shape;171;p19"/>
+          <p:cNvPr id="173" name="Google Shape;173;p19"/>
           <p:cNvSpPr txBox="1"/>
           <p:nvPr>
             <p:ph idx="1" type="body"/>
@@ -12098,8 +13040,8 @@
           </a:prstGeom>
         </p:spPr>
         <p:txBody>
-          <a:bodyPr anchorCtr="0" anchor="t" bIns="91425" lIns="91425" spcFirstLastPara="1" rIns="91425" wrap="square" tIns="91425">
-            <a:normAutofit/>
+          <a:bodyPr anchorCtr="0" anchor="ctr" bIns="91425" lIns="91425" spcFirstLastPara="1" rIns="91425" wrap="square" tIns="91425">
+            <a:normAutofit lnSpcReduction="10000"/>
           </a:bodyPr>
           <a:lstStyle/>
           <a:p>
@@ -12114,7 +13056,89 @@
             </a:pPr>
             <a:r>
               <a:rPr lang="en"/>
-              <a:t>- Creating a line of regression</a:t>
+              <a:t>A positive linear regression relationship is observed with some outliers to identify further.</a:t>
+            </a:r>
+            <a:endParaRPr/>
+          </a:p>
+          <a:p>
+            <a:pPr indent="0" lvl="0" marL="0" rtl="0" algn="l">
+              <a:spcBef>
+                <a:spcPts val="1200"/>
+              </a:spcBef>
+              <a:spcAft>
+                <a:spcPts val="0"/>
+              </a:spcAft>
+              <a:buNone/>
+            </a:pPr>
+            <a:r>
+              <a:t/>
+            </a:r>
+            <a:endParaRPr/>
+          </a:p>
+          <a:p>
+            <a:pPr indent="0" lvl="0" marL="0" rtl="0" algn="l">
+              <a:spcBef>
+                <a:spcPts val="1200"/>
+              </a:spcBef>
+              <a:spcAft>
+                <a:spcPts val="0"/>
+              </a:spcAft>
+              <a:buNone/>
+            </a:pPr>
+            <a:r>
+              <a:rPr lang="en"/>
+              <a:t>From the linear regression we were able to attain below metrics:</a:t>
+            </a:r>
+            <a:endParaRPr/>
+          </a:p>
+          <a:p>
+            <a:pPr indent="-311150" lvl="0" marL="914400" rtl="0" algn="l">
+              <a:spcBef>
+                <a:spcPts val="1200"/>
+              </a:spcBef>
+              <a:spcAft>
+                <a:spcPts val="0"/>
+              </a:spcAft>
+              <a:buSzPts val="1300"/>
+              <a:buChar char="●"/>
+            </a:pPr>
+            <a:r>
+              <a:rPr lang="en"/>
+              <a:t>R2</a:t>
+            </a:r>
+            <a:endParaRPr/>
+          </a:p>
+          <a:p>
+            <a:pPr indent="-311150" lvl="0" marL="914400" rtl="0" algn="l">
+              <a:spcBef>
+                <a:spcPts val="0"/>
+              </a:spcBef>
+              <a:spcAft>
+                <a:spcPts val="0"/>
+              </a:spcAft>
+              <a:buSzPts val="1300"/>
+              <a:buChar char="●"/>
+            </a:pPr>
+            <a:r>
+              <a:rPr lang="en"/>
+              <a:t>Coefficients</a:t>
+            </a:r>
+            <a:endParaRPr/>
+          </a:p>
+          <a:p>
+            <a:pPr indent="-311150" lvl="0" marL="914400" rtl="0" algn="l">
+              <a:spcBef>
+                <a:spcPts val="0"/>
+              </a:spcBef>
+              <a:spcAft>
+                <a:spcPts val="0"/>
+              </a:spcAft>
+              <a:buSzPts val="1300"/>
+              <a:buChar char="●"/>
+            </a:pPr>
+            <a:r>
+              <a:rPr lang="en"/>
+              <a:t>Intercept</a:t>
             </a:r>
             <a:endParaRPr/>
           </a:p>
@@ -12129,8 +13153,7 @@
               <a:buNone/>
             </a:pPr>
             <a:r>
-              <a:rPr lang="en"/>
-              <a:t>A positive relationship was observed with some outliers to dissect  </a:t>
+              <a:t/>
             </a:r>
             <a:endParaRPr/>
           </a:p>
@@ -12138,7 +13161,7 @@
       </p:sp>
       <p:pic>
         <p:nvPicPr>
-          <p:cNvPr id="172" name="Google Shape;172;p19"/>
+          <p:cNvPr id="174" name="Google Shape;174;p19"/>
           <p:cNvPicPr preferRelativeResize="0"/>
           <p:nvPr/>
         </p:nvPicPr>
@@ -12177,7 +13200,7 @@
   <p:cSld>
     <p:spTree>
       <p:nvGrpSpPr>
-        <p:cNvPr id="176" name="Shape 176"/>
+        <p:cNvPr id="178" name="Shape 178"/>
         <p:cNvGrpSpPr/>
         <p:nvPr/>
       </p:nvGrpSpPr>
@@ -12191,7 +13214,7 @@
       </p:grpSpPr>
       <p:sp>
         <p:nvSpPr>
-          <p:cNvPr id="177" name="Google Shape;177;p20"/>
+          <p:cNvPr id="179" name="Google Shape;179;p20"/>
           <p:cNvSpPr txBox="1"/>
           <p:nvPr>
             <p:ph type="title"/>
@@ -12231,7 +13254,7 @@
       </p:sp>
       <p:sp>
         <p:nvSpPr>
-          <p:cNvPr id="178" name="Google Shape;178;p20"/>
+          <p:cNvPr id="180" name="Google Shape;180;p20"/>
           <p:cNvSpPr txBox="1"/>
           <p:nvPr>
             <p:ph idx="1" type="body"/>
@@ -12361,7 +13384,7 @@
   <p:cSld>
     <p:spTree>
       <p:nvGrpSpPr>
-        <p:cNvPr id="182" name="Shape 182"/>
+        <p:cNvPr id="184" name="Shape 184"/>
         <p:cNvGrpSpPr/>
         <p:nvPr/>
       </p:nvGrpSpPr>
@@ -12375,7 +13398,7 @@
       </p:grpSpPr>
       <p:sp>
         <p:nvSpPr>
-          <p:cNvPr id="183" name="Google Shape;183;p21"/>
+          <p:cNvPr id="185" name="Google Shape;185;p21"/>
           <p:cNvSpPr txBox="1"/>
           <p:nvPr>
             <p:ph type="title"/>
@@ -12391,12 +13414,52 @@
           </a:prstGeom>
         </p:spPr>
         <p:txBody>
+          <a:bodyPr anchorCtr="0" anchor="ctr" bIns="91425" lIns="91425" spcFirstLastPara="1" rIns="91425" wrap="square" tIns="91425">
+            <a:normAutofit/>
+          </a:bodyPr>
+          <a:lstStyle/>
+          <a:p>
+            <a:pPr indent="0" lvl="0" marL="0" rtl="0" algn="ctr">
+              <a:spcBef>
+                <a:spcPts val="0"/>
+              </a:spcBef>
+              <a:spcAft>
+                <a:spcPts val="0"/>
+              </a:spcAft>
+              <a:buNone/>
+            </a:pPr>
+            <a:r>
+              <a:rPr lang="en"/>
+              <a:t>Databases</a:t>
+            </a:r>
+            <a:endParaRPr/>
+          </a:p>
+        </p:txBody>
+      </p:sp>
+      <p:sp>
+        <p:nvSpPr>
+          <p:cNvPr id="186" name="Google Shape;186;p21"/>
+          <p:cNvSpPr txBox="1"/>
+          <p:nvPr>
+            <p:ph idx="1" type="body"/>
+          </p:nvPr>
+        </p:nvSpPr>
+        <p:spPr>
+          <a:xfrm>
+            <a:off x="1297500" y="1567550"/>
+            <a:ext cx="7038900" cy="2911200"/>
+          </a:xfrm>
+          <a:prstGeom prst="rect">
+            <a:avLst/>
+          </a:prstGeom>
+        </p:spPr>
+        <p:txBody>
           <a:bodyPr anchorCtr="0" anchor="t" bIns="91425" lIns="91425" spcFirstLastPara="1" rIns="91425" wrap="square" tIns="91425">
             <a:normAutofit/>
           </a:bodyPr>
           <a:lstStyle/>
           <a:p>
-            <a:pPr indent="0" lvl="0" marL="0" rtl="0" algn="ctr">
+            <a:pPr indent="0" lvl="0" marL="0" rtl="0" algn="l">
               <a:spcBef>
                 <a:spcPts val="0"/>
               </a:spcBef>
@@ -12407,68 +13470,28 @@
             </a:pPr>
             <a:r>
               <a:rPr lang="en"/>
-              <a:t>R Squared Indicator</a:t>
+              <a:t>SQL pgAdmin </a:t>
+            </a:r>
+            <a:endParaRPr/>
+          </a:p>
+          <a:p>
+            <a:pPr indent="0" lvl="0" marL="0" rtl="0" algn="l">
+              <a:spcBef>
+                <a:spcPts val="1200"/>
+              </a:spcBef>
+              <a:spcAft>
+                <a:spcPts val="1200"/>
+              </a:spcAft>
+              <a:buNone/>
+            </a:pPr>
+            <a:r>
+              <a:rPr lang="en"/>
+              <a:t>[Insert Screen Shot of Table?]</a:t>
             </a:r>
             <a:endParaRPr/>
           </a:p>
         </p:txBody>
       </p:sp>
-      <p:pic>
-        <p:nvPicPr>
-          <p:cNvPr id="184" name="Google Shape;184;p21"/>
-          <p:cNvPicPr preferRelativeResize="0"/>
-          <p:nvPr/>
-        </p:nvPicPr>
-        <p:blipFill>
-          <a:blip r:embed="rId3">
-            <a:alphaModFix/>
-          </a:blip>
-          <a:stretch>
-            <a:fillRect/>
-          </a:stretch>
-        </p:blipFill>
-        <p:spPr>
-          <a:xfrm>
-            <a:off x="1616800" y="1161725"/>
-            <a:ext cx="6040224" cy="3722850"/>
-          </a:xfrm>
-          <a:prstGeom prst="rect">
-            <a:avLst/>
-          </a:prstGeom>
-          <a:noFill/>
-          <a:ln>
-            <a:noFill/>
-          </a:ln>
-        </p:spPr>
-      </p:pic>
-      <p:pic>
-        <p:nvPicPr>
-          <p:cNvPr id="185" name="Google Shape;185;p21"/>
-          <p:cNvPicPr preferRelativeResize="0"/>
-          <p:nvPr/>
-        </p:nvPicPr>
-        <p:blipFill>
-          <a:blip r:embed="rId4">
-            <a:alphaModFix/>
-          </a:blip>
-          <a:stretch>
-            <a:fillRect/>
-          </a:stretch>
-        </p:blipFill>
-        <p:spPr>
-          <a:xfrm>
-            <a:off x="7754525" y="4271600"/>
-            <a:ext cx="1282750" cy="612975"/>
-          </a:xfrm>
-          <a:prstGeom prst="rect">
-            <a:avLst/>
-          </a:prstGeom>
-          <a:noFill/>
-          <a:ln>
-            <a:noFill/>
-          </a:ln>
-        </p:spPr>
-      </p:pic>
     </p:spTree>
   </p:cSld>
   <p:clrMapOvr>
@@ -12478,6 +13501,285 @@
 </file>
 
 <file path=ppt/theme/theme1.xml><?xml version="1.0" encoding="utf-8"?>
+<a:theme xmlns:a="http://schemas.openxmlformats.org/drawingml/2006/main" xmlns:r="http://schemas.openxmlformats.org/officeDocument/2006/relationships" name="Focus">
+  <a:themeElements>
+    <a:clrScheme name="Focus">
+      <a:dk1>
+        <a:srgbClr val="1B212C"/>
+      </a:dk1>
+      <a:lt1>
+        <a:srgbClr val="FFFFFF"/>
+      </a:lt1>
+      <a:dk2>
+        <a:srgbClr val="D9D9D9"/>
+      </a:dk2>
+      <a:lt2>
+        <a:srgbClr val="82C7A5"/>
+      </a:lt2>
+      <a:accent1>
+        <a:srgbClr val="0145AC"/>
+      </a:accent1>
+      <a:accent2>
+        <a:srgbClr val="EECE1A"/>
+      </a:accent2>
+      <a:accent3>
+        <a:srgbClr val="4E5567"/>
+      </a:accent3>
+      <a:accent4>
+        <a:srgbClr val="F4D6AD"/>
+      </a:accent4>
+      <a:accent5>
+        <a:srgbClr val="7890CD"/>
+      </a:accent5>
+      <a:accent6>
+        <a:srgbClr val="F15E22"/>
+      </a:accent6>
+      <a:hlink>
+        <a:srgbClr val="7890CD"/>
+      </a:hlink>
+      <a:folHlink>
+        <a:srgbClr val="7890CD"/>
+      </a:folHlink>
+    </a:clrScheme>
+    <a:fontScheme name="Office">
+      <a:majorFont>
+        <a:latin typeface="Arial"/>
+        <a:ea typeface=""/>
+        <a:cs typeface=""/>
+        <a:font script="Jpan" typeface="ＭＳ Ｐゴシック"/>
+        <a:font script="Hang" typeface="맑은 고딕"/>
+        <a:font script="Hans" typeface="宋体"/>
+        <a:font script="Hant" typeface="新細明體"/>
+        <a:font script="Arab" typeface="Times New Roman"/>
+        <a:font script="Hebr" typeface="Times New Roman"/>
+        <a:font script="Thai" typeface="Angsana New"/>
+        <a:font script="Ethi" typeface="Nyala"/>
+        <a:font script="Beng" typeface="Vrinda"/>
+        <a:font script="Gujr" typeface="Shruti"/>
+        <a:font script="Khmr" typeface="MoolBoran"/>
+        <a:font script="Knda" typeface="Tunga"/>
+        <a:font script="Guru" typeface="Raavi"/>
+        <a:font script="Cans" typeface="Euphemia"/>
+        <a:font script="Cher" typeface="Plantagenet Cherokee"/>
+        <a:font script="Yiii" typeface="Microsoft Yi Baiti"/>
+        <a:font script="Tibt" typeface="Microsoft Himalaya"/>
+        <a:font script="Thaa" typeface="MV Boli"/>
+        <a:font script="Deva" typeface="Mangal"/>
+        <a:font script="Telu" typeface="Gautami"/>
+        <a:font script="Taml" typeface="Latha"/>
+        <a:font script="Syrc" typeface="Estrangelo Edessa"/>
+        <a:font script="Orya" typeface="Kalinga"/>
+        <a:font script="Mlym" typeface="Kartika"/>
+        <a:font script="Laoo" typeface="DokChampa"/>
+        <a:font script="Sinh" typeface="Iskoola Pota"/>
+        <a:font script="Mong" typeface="Mongolian Baiti"/>
+        <a:font script="Viet" typeface="Times New Roman"/>
+        <a:font script="Uigh" typeface="Microsoft Uighur"/>
+        <a:font script="Geor" typeface="Sylfaen"/>
+      </a:majorFont>
+      <a:minorFont>
+        <a:latin typeface="Arial"/>
+        <a:ea typeface=""/>
+        <a:cs typeface=""/>
+        <a:font script="Jpan" typeface="ＭＳ Ｐゴシック"/>
+        <a:font script="Hang" typeface="맑은 고딕"/>
+        <a:font script="Hans" typeface="宋体"/>
+        <a:font script="Hant" typeface="新細明體"/>
+        <a:font script="Arab" typeface="Arial"/>
+        <a:font script="Hebr" typeface="Arial"/>
+        <a:font script="Thai" typeface="Cordia New"/>
+        <a:font script="Ethi" typeface="Nyala"/>
+        <a:font script="Beng" typeface="Vrinda"/>
+        <a:font script="Gujr" typeface="Shruti"/>
+        <a:font script="Khmr" typeface="DaunPenh"/>
+        <a:font script="Knda" typeface="Tunga"/>
+        <a:font script="Guru" typeface="Raavi"/>
+        <a:font script="Cans" typeface="Euphemia"/>
+        <a:font script="Cher" typeface="Plantagenet Cherokee"/>
+        <a:font script="Yiii" typeface="Microsoft Yi Baiti"/>
+        <a:font script="Tibt" typeface="Microsoft Himalaya"/>
+        <a:font script="Thaa" typeface="MV Boli"/>
+        <a:font script="Deva" typeface="Mangal"/>
+        <a:font script="Telu" typeface="Gautami"/>
+        <a:font script="Taml" typeface="Latha"/>
+        <a:font script="Syrc" typeface="Estrangelo Edessa"/>
+        <a:font script="Orya" typeface="Kalinga"/>
+        <a:font script="Mlym" typeface="Kartika"/>
+        <a:font script="Laoo" typeface="DokChampa"/>
+        <a:font script="Sinh" typeface="Iskoola Pota"/>
+        <a:font script="Mong" typeface="Mongolian Baiti"/>
+        <a:font script="Viet" typeface="Arial"/>
+        <a:font script="Uigh" typeface="Microsoft Uighur"/>
+        <a:font script="Geor" typeface="Sylfaen"/>
+      </a:minorFont>
+    </a:fontScheme>
+    <a:fmtScheme name="Office">
+      <a:fillStyleLst>
+        <a:solidFill>
+          <a:schemeClr val="phClr"/>
+        </a:solidFill>
+        <a:gradFill rotWithShape="1">
+          <a:gsLst>
+            <a:gs pos="0">
+              <a:schemeClr val="phClr">
+                <a:tint val="50000"/>
+                <a:satMod val="300000"/>
+              </a:schemeClr>
+            </a:gs>
+            <a:gs pos="35000">
+              <a:schemeClr val="phClr">
+                <a:tint val="37000"/>
+                <a:satMod val="300000"/>
+              </a:schemeClr>
+            </a:gs>
+            <a:gs pos="100000">
+              <a:schemeClr val="phClr">
+                <a:tint val="15000"/>
+                <a:satMod val="350000"/>
+              </a:schemeClr>
+            </a:gs>
+          </a:gsLst>
+          <a:lin ang="16200000" scaled="1"/>
+        </a:gradFill>
+        <a:gradFill rotWithShape="1">
+          <a:gsLst>
+            <a:gs pos="0">
+              <a:schemeClr val="phClr">
+                <a:tint val="100000"/>
+                <a:shade val="100000"/>
+                <a:satMod val="130000"/>
+              </a:schemeClr>
+            </a:gs>
+            <a:gs pos="100000">
+              <a:schemeClr val="phClr">
+                <a:tint val="50000"/>
+                <a:shade val="100000"/>
+                <a:satMod val="350000"/>
+              </a:schemeClr>
+            </a:gs>
+          </a:gsLst>
+          <a:lin ang="16200000" scaled="0"/>
+        </a:gradFill>
+      </a:fillStyleLst>
+      <a:lnStyleLst>
+        <a:ln w="9525" cap="flat" cmpd="sng" algn="ctr">
+          <a:solidFill>
+            <a:schemeClr val="phClr">
+              <a:shade val="95000"/>
+              <a:satMod val="105000"/>
+            </a:schemeClr>
+          </a:solidFill>
+          <a:prstDash val="solid"/>
+        </a:ln>
+        <a:ln w="25400" cap="flat" cmpd="sng" algn="ctr">
+          <a:solidFill>
+            <a:schemeClr val="phClr"/>
+          </a:solidFill>
+          <a:prstDash val="solid"/>
+        </a:ln>
+        <a:ln w="38100" cap="flat" cmpd="sng" algn="ctr">
+          <a:solidFill>
+            <a:schemeClr val="phClr"/>
+          </a:solidFill>
+          <a:prstDash val="solid"/>
+        </a:ln>
+      </a:lnStyleLst>
+      <a:effectStyleLst>
+        <a:effectStyle>
+          <a:effectLst>
+            <a:outerShdw blurRad="40000" dist="20000" dir="5400000" rotWithShape="0">
+              <a:srgbClr val="000000">
+                <a:alpha val="38000"/>
+              </a:srgbClr>
+            </a:outerShdw>
+          </a:effectLst>
+        </a:effectStyle>
+        <a:effectStyle>
+          <a:effectLst>
+            <a:outerShdw blurRad="40000" dist="23000" dir="5400000" rotWithShape="0">
+              <a:srgbClr val="000000">
+                <a:alpha val="35000"/>
+              </a:srgbClr>
+            </a:outerShdw>
+          </a:effectLst>
+        </a:effectStyle>
+        <a:effectStyle>
+          <a:effectLst>
+            <a:outerShdw blurRad="40000" dist="23000" dir="5400000" rotWithShape="0">
+              <a:srgbClr val="000000">
+                <a:alpha val="35000"/>
+              </a:srgbClr>
+            </a:outerShdw>
+          </a:effectLst>
+          <a:scene3d>
+            <a:camera prst="orthographicFront">
+              <a:rot lat="0" lon="0" rev="0"/>
+            </a:camera>
+            <a:lightRig rig="threePt" dir="t">
+              <a:rot lat="0" lon="0" rev="1200000"/>
+            </a:lightRig>
+          </a:scene3d>
+          <a:sp3d>
+            <a:bevelT w="63500" h="25400"/>
+          </a:sp3d>
+        </a:effectStyle>
+      </a:effectStyleLst>
+      <a:bgFillStyleLst>
+        <a:solidFill>
+          <a:schemeClr val="phClr"/>
+        </a:solidFill>
+        <a:gradFill rotWithShape="1">
+          <a:gsLst>
+            <a:gs pos="0">
+              <a:schemeClr val="phClr">
+                <a:tint val="40000"/>
+                <a:satMod val="350000"/>
+              </a:schemeClr>
+            </a:gs>
+            <a:gs pos="40000">
+              <a:schemeClr val="phClr">
+                <a:tint val="45000"/>
+                <a:shade val="99000"/>
+                <a:satMod val="350000"/>
+              </a:schemeClr>
+            </a:gs>
+            <a:gs pos="100000">
+              <a:schemeClr val="phClr">
+                <a:shade val="20000"/>
+                <a:satMod val="255000"/>
+              </a:schemeClr>
+            </a:gs>
+          </a:gsLst>
+          <a:path path="circle">
+            <a:fillToRect l="50000" t="-80000" r="50000" b="180000"/>
+          </a:path>
+        </a:gradFill>
+        <a:gradFill rotWithShape="1">
+          <a:gsLst>
+            <a:gs pos="0">
+              <a:schemeClr val="phClr">
+                <a:tint val="80000"/>
+                <a:satMod val="300000"/>
+              </a:schemeClr>
+            </a:gs>
+            <a:gs pos="100000">
+              <a:schemeClr val="phClr">
+                <a:shade val="30000"/>
+                <a:satMod val="200000"/>
+              </a:schemeClr>
+            </a:gs>
+          </a:gsLst>
+          <a:path path="circle">
+            <a:fillToRect l="50000" t="50000" r="50000" b="50000"/>
+          </a:path>
+        </a:gradFill>
+      </a:bgFillStyleLst>
+    </a:fmtScheme>
+  </a:themeElements>
+</a:theme>
+</file>
+
+<file path=ppt/theme/theme2.xml><?xml version="1.0" encoding="utf-8"?>
 <a:theme xmlns:a="http://schemas.openxmlformats.org/drawingml/2006/main" xmlns:r="http://schemas.openxmlformats.org/officeDocument/2006/relationships">
   <a:themeElements>
     <a:clrScheme name="Default">
@@ -12754,283 +14056,4 @@
     </a:fmtScheme>
   </a:themeElements>
 </a:theme>
-</file>
-
-<file path=ppt/theme/theme2.xml><?xml version="1.0" encoding="utf-8"?>
-<a:theme xmlns:a="http://schemas.openxmlformats.org/drawingml/2006/main" xmlns:r="http://schemas.openxmlformats.org/officeDocument/2006/relationships" name="Focus">
-  <a:themeElements>
-    <a:clrScheme name="Focus">
-      <a:dk1>
-        <a:srgbClr val="1B212C"/>
-      </a:dk1>
-      <a:lt1>
-        <a:srgbClr val="FFFFFF"/>
-      </a:lt1>
-      <a:dk2>
-        <a:srgbClr val="D9D9D9"/>
-      </a:dk2>
-      <a:lt2>
-        <a:srgbClr val="82C7A5"/>
-      </a:lt2>
-      <a:accent1>
-        <a:srgbClr val="0145AC"/>
-      </a:accent1>
-      <a:accent2>
-        <a:srgbClr val="EECE1A"/>
-      </a:accent2>
-      <a:accent3>
-        <a:srgbClr val="4E5567"/>
-      </a:accent3>
-      <a:accent4>
-        <a:srgbClr val="F4D6AD"/>
-      </a:accent4>
-      <a:accent5>
-        <a:srgbClr val="7890CD"/>
-      </a:accent5>
-      <a:accent6>
-        <a:srgbClr val="F15E22"/>
-      </a:accent6>
-      <a:hlink>
-        <a:srgbClr val="7890CD"/>
-      </a:hlink>
-      <a:folHlink>
-        <a:srgbClr val="7890CD"/>
-      </a:folHlink>
-    </a:clrScheme>
-    <a:fontScheme name="Office">
-      <a:majorFont>
-        <a:latin typeface="Arial"/>
-        <a:ea typeface=""/>
-        <a:cs typeface=""/>
-        <a:font script="Jpan" typeface="ＭＳ Ｐゴシック"/>
-        <a:font script="Hang" typeface="맑은 고딕"/>
-        <a:font script="Hans" typeface="宋体"/>
-        <a:font script="Hant" typeface="新細明體"/>
-        <a:font script="Arab" typeface="Times New Roman"/>
-        <a:font script="Hebr" typeface="Times New Roman"/>
-        <a:font script="Thai" typeface="Angsana New"/>
-        <a:font script="Ethi" typeface="Nyala"/>
-        <a:font script="Beng" typeface="Vrinda"/>
-        <a:font script="Gujr" typeface="Shruti"/>
-        <a:font script="Khmr" typeface="MoolBoran"/>
-        <a:font script="Knda" typeface="Tunga"/>
-        <a:font script="Guru" typeface="Raavi"/>
-        <a:font script="Cans" typeface="Euphemia"/>
-        <a:font script="Cher" typeface="Plantagenet Cherokee"/>
-        <a:font script="Yiii" typeface="Microsoft Yi Baiti"/>
-        <a:font script="Tibt" typeface="Microsoft Himalaya"/>
-        <a:font script="Thaa" typeface="MV Boli"/>
-        <a:font script="Deva" typeface="Mangal"/>
-        <a:font script="Telu" typeface="Gautami"/>
-        <a:font script="Taml" typeface="Latha"/>
-        <a:font script="Syrc" typeface="Estrangelo Edessa"/>
-        <a:font script="Orya" typeface="Kalinga"/>
-        <a:font script="Mlym" typeface="Kartika"/>
-        <a:font script="Laoo" typeface="DokChampa"/>
-        <a:font script="Sinh" typeface="Iskoola Pota"/>
-        <a:font script="Mong" typeface="Mongolian Baiti"/>
-        <a:font script="Viet" typeface="Times New Roman"/>
-        <a:font script="Uigh" typeface="Microsoft Uighur"/>
-        <a:font script="Geor" typeface="Sylfaen"/>
-      </a:majorFont>
-      <a:minorFont>
-        <a:latin typeface="Arial"/>
-        <a:ea typeface=""/>
-        <a:cs typeface=""/>
-        <a:font script="Jpan" typeface="ＭＳ Ｐゴシック"/>
-        <a:font script="Hang" typeface="맑은 고딕"/>
-        <a:font script="Hans" typeface="宋体"/>
-        <a:font script="Hant" typeface="新細明體"/>
-        <a:font script="Arab" typeface="Arial"/>
-        <a:font script="Hebr" typeface="Arial"/>
-        <a:font script="Thai" typeface="Cordia New"/>
-        <a:font script="Ethi" typeface="Nyala"/>
-        <a:font script="Beng" typeface="Vrinda"/>
-        <a:font script="Gujr" typeface="Shruti"/>
-        <a:font script="Khmr" typeface="DaunPenh"/>
-        <a:font script="Knda" typeface="Tunga"/>
-        <a:font script="Guru" typeface="Raavi"/>
-        <a:font script="Cans" typeface="Euphemia"/>
-        <a:font script="Cher" typeface="Plantagenet Cherokee"/>
-        <a:font script="Yiii" typeface="Microsoft Yi Baiti"/>
-        <a:font script="Tibt" typeface="Microsoft Himalaya"/>
-        <a:font script="Thaa" typeface="MV Boli"/>
-        <a:font script="Deva" typeface="Mangal"/>
-        <a:font script="Telu" typeface="Gautami"/>
-        <a:font script="Taml" typeface="Latha"/>
-        <a:font script="Syrc" typeface="Estrangelo Edessa"/>
-        <a:font script="Orya" typeface="Kalinga"/>
-        <a:font script="Mlym" typeface="Kartika"/>
-        <a:font script="Laoo" typeface="DokChampa"/>
-        <a:font script="Sinh" typeface="Iskoola Pota"/>
-        <a:font script="Mong" typeface="Mongolian Baiti"/>
-        <a:font script="Viet" typeface="Arial"/>
-        <a:font script="Uigh" typeface="Microsoft Uighur"/>
-        <a:font script="Geor" typeface="Sylfaen"/>
-      </a:minorFont>
-    </a:fontScheme>
-    <a:fmtScheme name="Office">
-      <a:fillStyleLst>
-        <a:solidFill>
-          <a:schemeClr val="phClr"/>
-        </a:solidFill>
-        <a:gradFill rotWithShape="1">
-          <a:gsLst>
-            <a:gs pos="0">
-              <a:schemeClr val="phClr">
-                <a:tint val="50000"/>
-                <a:satMod val="300000"/>
-              </a:schemeClr>
-            </a:gs>
-            <a:gs pos="35000">
-              <a:schemeClr val="phClr">
-                <a:tint val="37000"/>
-                <a:satMod val="300000"/>
-              </a:schemeClr>
-            </a:gs>
-            <a:gs pos="100000">
-              <a:schemeClr val="phClr">
-                <a:tint val="15000"/>
-                <a:satMod val="350000"/>
-              </a:schemeClr>
-            </a:gs>
-          </a:gsLst>
-          <a:lin ang="16200000" scaled="1"/>
-        </a:gradFill>
-        <a:gradFill rotWithShape="1">
-          <a:gsLst>
-            <a:gs pos="0">
-              <a:schemeClr val="phClr">
-                <a:tint val="100000"/>
-                <a:shade val="100000"/>
-                <a:satMod val="130000"/>
-              </a:schemeClr>
-            </a:gs>
-            <a:gs pos="100000">
-              <a:schemeClr val="phClr">
-                <a:tint val="50000"/>
-                <a:shade val="100000"/>
-                <a:satMod val="350000"/>
-              </a:schemeClr>
-            </a:gs>
-          </a:gsLst>
-          <a:lin ang="16200000" scaled="0"/>
-        </a:gradFill>
-      </a:fillStyleLst>
-      <a:lnStyleLst>
-        <a:ln w="9525" cap="flat" cmpd="sng" algn="ctr">
-          <a:solidFill>
-            <a:schemeClr val="phClr">
-              <a:shade val="95000"/>
-              <a:satMod val="105000"/>
-            </a:schemeClr>
-          </a:solidFill>
-          <a:prstDash val="solid"/>
-        </a:ln>
-        <a:ln w="25400" cap="flat" cmpd="sng" algn="ctr">
-          <a:solidFill>
-            <a:schemeClr val="phClr"/>
-          </a:solidFill>
-          <a:prstDash val="solid"/>
-        </a:ln>
-        <a:ln w="38100" cap="flat" cmpd="sng" algn="ctr">
-          <a:solidFill>
-            <a:schemeClr val="phClr"/>
-          </a:solidFill>
-          <a:prstDash val="solid"/>
-        </a:ln>
-      </a:lnStyleLst>
-      <a:effectStyleLst>
-        <a:effectStyle>
-          <a:effectLst>
-            <a:outerShdw blurRad="40000" dist="20000" dir="5400000" rotWithShape="0">
-              <a:srgbClr val="000000">
-                <a:alpha val="38000"/>
-              </a:srgbClr>
-            </a:outerShdw>
-          </a:effectLst>
-        </a:effectStyle>
-        <a:effectStyle>
-          <a:effectLst>
-            <a:outerShdw blurRad="40000" dist="23000" dir="5400000" rotWithShape="0">
-              <a:srgbClr val="000000">
-                <a:alpha val="35000"/>
-              </a:srgbClr>
-            </a:outerShdw>
-          </a:effectLst>
-        </a:effectStyle>
-        <a:effectStyle>
-          <a:effectLst>
-            <a:outerShdw blurRad="40000" dist="23000" dir="5400000" rotWithShape="0">
-              <a:srgbClr val="000000">
-                <a:alpha val="35000"/>
-              </a:srgbClr>
-            </a:outerShdw>
-          </a:effectLst>
-          <a:scene3d>
-            <a:camera prst="orthographicFront">
-              <a:rot lat="0" lon="0" rev="0"/>
-            </a:camera>
-            <a:lightRig rig="threePt" dir="t">
-              <a:rot lat="0" lon="0" rev="1200000"/>
-            </a:lightRig>
-          </a:scene3d>
-          <a:sp3d>
-            <a:bevelT w="63500" h="25400"/>
-          </a:sp3d>
-        </a:effectStyle>
-      </a:effectStyleLst>
-      <a:bgFillStyleLst>
-        <a:solidFill>
-          <a:schemeClr val="phClr"/>
-        </a:solidFill>
-        <a:gradFill rotWithShape="1">
-          <a:gsLst>
-            <a:gs pos="0">
-              <a:schemeClr val="phClr">
-                <a:tint val="40000"/>
-                <a:satMod val="350000"/>
-              </a:schemeClr>
-            </a:gs>
-            <a:gs pos="40000">
-              <a:schemeClr val="phClr">
-                <a:tint val="45000"/>
-                <a:shade val="99000"/>
-                <a:satMod val="350000"/>
-              </a:schemeClr>
-            </a:gs>
-            <a:gs pos="100000">
-              <a:schemeClr val="phClr">
-                <a:shade val="20000"/>
-                <a:satMod val="255000"/>
-              </a:schemeClr>
-            </a:gs>
-          </a:gsLst>
-          <a:path path="circle">
-            <a:fillToRect l="50000" t="-80000" r="50000" b="180000"/>
-          </a:path>
-        </a:gradFill>
-        <a:gradFill rotWithShape="1">
-          <a:gsLst>
-            <a:gs pos="0">
-              <a:schemeClr val="phClr">
-                <a:tint val="80000"/>
-                <a:satMod val="300000"/>
-              </a:schemeClr>
-            </a:gs>
-            <a:gs pos="100000">
-              <a:schemeClr val="phClr">
-                <a:shade val="30000"/>
-                <a:satMod val="200000"/>
-              </a:schemeClr>
-            </a:gs>
-          </a:gsLst>
-          <a:path path="circle">
-            <a:fillToRect l="50000" t="50000" r="50000" b="50000"/>
-          </a:path>
-        </a:gradFill>
-      </a:bgFillStyleLst>
-    </a:fmtScheme>
-  </a:themeElements>
-</a:theme>
 </file>
--- a/Effect of Educational Attainment on per Capita Growth by State.pptx
+++ b/Effect of Educational Attainment on per Capita Growth by State.pptx
@@ -821,7 +821,7 @@
   <p:cSld>
     <p:spTree>
       <p:nvGrpSpPr>
-        <p:cNvPr id="187" name="Shape 187"/>
+        <p:cNvPr id="188" name="Shape 188"/>
         <p:cNvGrpSpPr/>
         <p:nvPr/>
       </p:nvGrpSpPr>
@@ -835,7 +835,7 @@
       </p:grpSpPr>
       <p:sp>
         <p:nvSpPr>
-          <p:cNvPr id="188" name="Google Shape;188;g11768d52d85_0_7:notes"/>
+          <p:cNvPr id="189" name="Google Shape;189;g11768d52d85_0_22:notes"/>
           <p:cNvSpPr/>
           <p:nvPr>
             <p:ph idx="2" type="sldImg"/>
@@ -870,7 +870,7 @@
       </p:sp>
       <p:sp>
         <p:nvSpPr>
-          <p:cNvPr id="189" name="Google Shape;189;g11768d52d85_0_7:notes"/>
+          <p:cNvPr id="190" name="Google Shape;190;g11768d52d85_0_22:notes"/>
           <p:cNvSpPr txBox="1"/>
           <p:nvPr>
             <p:ph idx="1" type="body"/>
@@ -934,7 +934,7 @@
       </p:grpSpPr>
       <p:sp>
         <p:nvSpPr>
-          <p:cNvPr id="195" name="Google Shape;195;g11768d52d85_0_14:notes"/>
+          <p:cNvPr id="195" name="Google Shape;195;g11768d52d85_0_7:notes"/>
           <p:cNvSpPr/>
           <p:nvPr>
             <p:ph idx="2" type="sldImg"/>
@@ -969,7 +969,7 @@
       </p:sp>
       <p:sp>
         <p:nvSpPr>
-          <p:cNvPr id="196" name="Google Shape;196;g11768d52d85_0_14:notes"/>
+          <p:cNvPr id="196" name="Google Shape;196;g11768d52d85_0_7:notes"/>
           <p:cNvSpPr txBox="1"/>
           <p:nvPr>
             <p:ph idx="1" type="body"/>
@@ -1033,7 +1033,7 @@
       </p:grpSpPr>
       <p:sp>
         <p:nvSpPr>
-          <p:cNvPr id="202" name="Google Shape;202;g116099cb52e_0_0:notes"/>
+          <p:cNvPr id="202" name="Google Shape;202;g11768d52d85_0_14:notes"/>
           <p:cNvSpPr/>
           <p:nvPr>
             <p:ph idx="2" type="sldImg"/>
@@ -1068,7 +1068,7 @@
       </p:sp>
       <p:sp>
         <p:nvSpPr>
-          <p:cNvPr id="203" name="Google Shape;203;g116099cb52e_0_0:notes"/>
+          <p:cNvPr id="203" name="Google Shape;203;g11768d52d85_0_14:notes"/>
           <p:cNvSpPr txBox="1"/>
           <p:nvPr>
             <p:ph idx="1" type="body"/>
@@ -1118,7 +1118,7 @@
   <p:cSld>
     <p:spTree>
       <p:nvGrpSpPr>
-        <p:cNvPr id="207" name="Shape 207"/>
+        <p:cNvPr id="208" name="Shape 208"/>
         <p:cNvGrpSpPr/>
         <p:nvPr/>
       </p:nvGrpSpPr>
@@ -1132,7 +1132,7 @@
       </p:grpSpPr>
       <p:sp>
         <p:nvSpPr>
-          <p:cNvPr id="208" name="Google Shape;208;g117b696f6ee_0_20:notes"/>
+          <p:cNvPr id="209" name="Google Shape;209;g117b696f6ee_0_20:notes"/>
           <p:cNvSpPr/>
           <p:nvPr>
             <p:ph idx="2" type="sldImg"/>
@@ -1167,7 +1167,7 @@
       </p:sp>
       <p:sp>
         <p:nvSpPr>
-          <p:cNvPr id="209" name="Google Shape;209;g117b696f6ee_0_20:notes"/>
+          <p:cNvPr id="210" name="Google Shape;210;g117b696f6ee_0_20:notes"/>
           <p:cNvSpPr txBox="1"/>
           <p:nvPr>
             <p:ph idx="1" type="body"/>
@@ -1217,7 +1217,7 @@
   <p:cSld>
     <p:spTree>
       <p:nvGrpSpPr>
-        <p:cNvPr id="213" name="Shape 213"/>
+        <p:cNvPr id="214" name="Shape 214"/>
         <p:cNvGrpSpPr/>
         <p:nvPr/>
       </p:nvGrpSpPr>
@@ -1231,7 +1231,7 @@
       </p:grpSpPr>
       <p:sp>
         <p:nvSpPr>
-          <p:cNvPr id="214" name="Google Shape;214;g117b696f6ee_0_25:notes"/>
+          <p:cNvPr id="215" name="Google Shape;215;g117b696f6ee_0_25:notes"/>
           <p:cNvSpPr/>
           <p:nvPr>
             <p:ph idx="2" type="sldImg"/>
@@ -1266,7 +1266,7 @@
       </p:sp>
       <p:sp>
         <p:nvSpPr>
-          <p:cNvPr id="215" name="Google Shape;215;g117b696f6ee_0_25:notes"/>
+          <p:cNvPr id="216" name="Google Shape;216;g117b696f6ee_0_25:notes"/>
           <p:cNvSpPr txBox="1"/>
           <p:nvPr>
             <p:ph idx="1" type="body"/>
@@ -1316,7 +1316,7 @@
   <p:cSld>
     <p:spTree>
       <p:nvGrpSpPr>
-        <p:cNvPr id="219" name="Shape 219"/>
+        <p:cNvPr id="220" name="Shape 220"/>
         <p:cNvGrpSpPr/>
         <p:nvPr/>
       </p:nvGrpSpPr>
@@ -1330,7 +1330,7 @@
       </p:grpSpPr>
       <p:sp>
         <p:nvSpPr>
-          <p:cNvPr id="220" name="Google Shape;220;g117b696f6ee_0_30:notes"/>
+          <p:cNvPr id="221" name="Google Shape;221;g117b696f6ee_0_30:notes"/>
           <p:cNvSpPr/>
           <p:nvPr>
             <p:ph idx="2" type="sldImg"/>
@@ -1365,7 +1365,7 @@
       </p:sp>
       <p:sp>
         <p:nvSpPr>
-          <p:cNvPr id="221" name="Google Shape;221;g117b696f6ee_0_30:notes"/>
+          <p:cNvPr id="222" name="Google Shape;222;g117b696f6ee_0_30:notes"/>
           <p:cNvSpPr txBox="1"/>
           <p:nvPr>
             <p:ph idx="1" type="body"/>
@@ -1415,7 +1415,7 @@
   <p:cSld>
     <p:spTree>
       <p:nvGrpSpPr>
-        <p:cNvPr id="225" name="Shape 225"/>
+        <p:cNvPr id="226" name="Shape 226"/>
         <p:cNvGrpSpPr/>
         <p:nvPr/>
       </p:nvGrpSpPr>
@@ -1429,7 +1429,7 @@
       </p:grpSpPr>
       <p:sp>
         <p:nvSpPr>
-          <p:cNvPr id="226" name="Google Shape;226;g11768d52d85_0_0:notes"/>
+          <p:cNvPr id="227" name="Google Shape;227;g11768d52d85_0_0:notes"/>
           <p:cNvSpPr/>
           <p:nvPr>
             <p:ph idx="2" type="sldImg"/>
@@ -1464,7 +1464,7 @@
       </p:sp>
       <p:sp>
         <p:nvSpPr>
-          <p:cNvPr id="227" name="Google Shape;227;g11768d52d85_0_0:notes"/>
+          <p:cNvPr id="228" name="Google Shape;228;g11768d52d85_0_0:notes"/>
           <p:cNvSpPr txBox="1"/>
           <p:nvPr>
             <p:ph idx="1" type="body"/>
@@ -2023,7 +2023,7 @@
       </p:grpSpPr>
       <p:sp>
         <p:nvSpPr>
-          <p:cNvPr id="169" name="Google Shape;169;g1153f00578a_0_161:notes"/>
+          <p:cNvPr id="169" name="Google Shape;169;g116099cb52e_0_0:notes"/>
           <p:cNvSpPr/>
           <p:nvPr>
             <p:ph idx="2" type="sldImg"/>
@@ -2058,7 +2058,7 @@
       </p:sp>
       <p:sp>
         <p:nvSpPr>
-          <p:cNvPr id="170" name="Google Shape;170;g1153f00578a_0_161:notes"/>
+          <p:cNvPr id="170" name="Google Shape;170;g116099cb52e_0_0:notes"/>
           <p:cNvSpPr txBox="1"/>
           <p:nvPr>
             <p:ph idx="1" type="body"/>
@@ -2108,7 +2108,7 @@
   <p:cSld>
     <p:spTree>
       <p:nvGrpSpPr>
-        <p:cNvPr id="175" name="Shape 175"/>
+        <p:cNvPr id="174" name="Shape 174"/>
         <p:cNvGrpSpPr/>
         <p:nvPr/>
       </p:nvGrpSpPr>
@@ -2122,7 +2122,7 @@
       </p:grpSpPr>
       <p:sp>
         <p:nvSpPr>
-          <p:cNvPr id="176" name="Google Shape;176;g11768d52d85_0_22:notes"/>
+          <p:cNvPr id="175" name="Google Shape;175;g117b696f6ee_0_35:notes"/>
           <p:cNvSpPr/>
           <p:nvPr>
             <p:ph idx="2" type="sldImg"/>
@@ -2157,7 +2157,7 @@
       </p:sp>
       <p:sp>
         <p:nvSpPr>
-          <p:cNvPr id="177" name="Google Shape;177;g11768d52d85_0_22:notes"/>
+          <p:cNvPr id="176" name="Google Shape;176;g117b696f6ee_0_35:notes"/>
           <p:cNvSpPr txBox="1"/>
           <p:nvPr>
             <p:ph idx="1" type="body"/>
@@ -2221,7 +2221,7 @@
       </p:grpSpPr>
       <p:sp>
         <p:nvSpPr>
-          <p:cNvPr id="182" name="Google Shape;182;g117b696f6ee_0_35:notes"/>
+          <p:cNvPr id="182" name="Google Shape;182;g1153f00578a_0_161:notes"/>
           <p:cNvSpPr/>
           <p:nvPr>
             <p:ph idx="2" type="sldImg"/>
@@ -2256,7 +2256,7 @@
       </p:sp>
       <p:sp>
         <p:nvSpPr>
-          <p:cNvPr id="183" name="Google Shape;183;g117b696f6ee_0_35:notes"/>
+          <p:cNvPr id="183" name="Google Shape;183;g1153f00578a_0_161:notes"/>
           <p:cNvSpPr txBox="1"/>
           <p:nvPr>
             <p:ph idx="1" type="body"/>
@@ -10602,7 +10602,7 @@
   <p:cSld>
     <p:spTree>
       <p:nvGrpSpPr>
-        <p:cNvPr id="190" name="Shape 190"/>
+        <p:cNvPr id="191" name="Shape 191"/>
         <p:cNvGrpSpPr/>
         <p:nvPr/>
       </p:nvGrpSpPr>
@@ -10616,7 +10616,7 @@
       </p:grpSpPr>
       <p:sp>
         <p:nvSpPr>
-          <p:cNvPr id="191" name="Google Shape;191;p22"/>
+          <p:cNvPr id="192" name="Google Shape;192;p22"/>
           <p:cNvSpPr txBox="1"/>
           <p:nvPr>
             <p:ph type="title"/>
@@ -10632,12 +10632,52 @@
           </a:prstGeom>
         </p:spPr>
         <p:txBody>
+          <a:bodyPr anchorCtr="0" anchor="ctr" bIns="91425" lIns="91425" spcFirstLastPara="1" rIns="91425" wrap="square" tIns="91425">
+            <a:normAutofit/>
+          </a:bodyPr>
+          <a:lstStyle/>
+          <a:p>
+            <a:pPr indent="0" lvl="0" marL="0" rtl="0" algn="ctr">
+              <a:spcBef>
+                <a:spcPts val="0"/>
+              </a:spcBef>
+              <a:spcAft>
+                <a:spcPts val="0"/>
+              </a:spcAft>
+              <a:buNone/>
+            </a:pPr>
+            <a:r>
+              <a:rPr lang="en"/>
+              <a:t>Analysis - Machine Learning</a:t>
+            </a:r>
+            <a:endParaRPr/>
+          </a:p>
+        </p:txBody>
+      </p:sp>
+      <p:sp>
+        <p:nvSpPr>
+          <p:cNvPr id="193" name="Google Shape;193;p22"/>
+          <p:cNvSpPr txBox="1"/>
+          <p:nvPr>
+            <p:ph idx="1" type="body"/>
+          </p:nvPr>
+        </p:nvSpPr>
+        <p:spPr>
+          <a:xfrm>
+            <a:off x="1297500" y="1567550"/>
+            <a:ext cx="7038900" cy="2911200"/>
+          </a:xfrm>
+          <a:prstGeom prst="rect">
+            <a:avLst/>
+          </a:prstGeom>
+        </p:spPr>
+        <p:txBody>
           <a:bodyPr anchorCtr="0" anchor="t" bIns="91425" lIns="91425" spcFirstLastPara="1" rIns="91425" wrap="square" tIns="91425">
             <a:normAutofit/>
           </a:bodyPr>
           <a:lstStyle/>
           <a:p>
-            <a:pPr indent="0" lvl="0" marL="0" rtl="0" algn="ctr">
+            <a:pPr indent="0" lvl="0" marL="0" rtl="0" algn="l">
               <a:spcBef>
                 <a:spcPts val="0"/>
               </a:spcBef>
@@ -10648,68 +10688,43 @@
             </a:pPr>
             <a:r>
               <a:rPr lang="en"/>
-              <a:t>R Squared Indicator</a:t>
+              <a:t>SKLearn Linear regression model </a:t>
+            </a:r>
+            <a:endParaRPr/>
+          </a:p>
+          <a:p>
+            <a:pPr indent="0" lvl="0" marL="0" rtl="0" algn="l">
+              <a:spcBef>
+                <a:spcPts val="1200"/>
+              </a:spcBef>
+              <a:spcAft>
+                <a:spcPts val="0"/>
+              </a:spcAft>
+              <a:buNone/>
+            </a:pPr>
+            <a:r>
+              <a:rPr lang="en"/>
+              <a:t>	-</a:t>
+            </a:r>
+            <a:endParaRPr/>
+          </a:p>
+          <a:p>
+            <a:pPr indent="0" lvl="0" marL="0" rtl="0" algn="l">
+              <a:spcBef>
+                <a:spcPts val="1200"/>
+              </a:spcBef>
+              <a:spcAft>
+                <a:spcPts val="1200"/>
+              </a:spcAft>
+              <a:buNone/>
+            </a:pPr>
+            <a:r>
+              <a:t/>
             </a:r>
             <a:endParaRPr/>
           </a:p>
         </p:txBody>
       </p:sp>
-      <p:pic>
-        <p:nvPicPr>
-          <p:cNvPr id="192" name="Google Shape;192;p22"/>
-          <p:cNvPicPr preferRelativeResize="0"/>
-          <p:nvPr/>
-        </p:nvPicPr>
-        <p:blipFill>
-          <a:blip r:embed="rId3">
-            <a:alphaModFix/>
-          </a:blip>
-          <a:stretch>
-            <a:fillRect/>
-          </a:stretch>
-        </p:blipFill>
-        <p:spPr>
-          <a:xfrm>
-            <a:off x="1616800" y="1161725"/>
-            <a:ext cx="6040224" cy="3722850"/>
-          </a:xfrm>
-          <a:prstGeom prst="rect">
-            <a:avLst/>
-          </a:prstGeom>
-          <a:noFill/>
-          <a:ln>
-            <a:noFill/>
-          </a:ln>
-        </p:spPr>
-      </p:pic>
-      <p:pic>
-        <p:nvPicPr>
-          <p:cNvPr id="193" name="Google Shape;193;p22"/>
-          <p:cNvPicPr preferRelativeResize="0"/>
-          <p:nvPr/>
-        </p:nvPicPr>
-        <p:blipFill>
-          <a:blip r:embed="rId4">
-            <a:alphaModFix/>
-          </a:blip>
-          <a:stretch>
-            <a:fillRect/>
-          </a:stretch>
-        </p:blipFill>
-        <p:spPr>
-          <a:xfrm>
-            <a:off x="7754525" y="4271600"/>
-            <a:ext cx="1282750" cy="612975"/>
-          </a:xfrm>
-          <a:prstGeom prst="rect">
-            <a:avLst/>
-          </a:prstGeom>
-          <a:noFill/>
-          <a:ln>
-            <a:noFill/>
-          </a:ln>
-        </p:spPr>
-      </p:pic>
     </p:spTree>
   </p:cSld>
   <p:clrMapOvr>
@@ -10753,7 +10768,7 @@
           </a:prstGeom>
         </p:spPr>
         <p:txBody>
-          <a:bodyPr anchorCtr="0" anchor="ctr" bIns="91425" lIns="91425" spcFirstLastPara="1" rIns="91425" wrap="square" tIns="91425">
+          <a:bodyPr anchorCtr="0" anchor="t" bIns="91425" lIns="91425" spcFirstLastPara="1" rIns="91425" wrap="square" tIns="91425">
             <a:normAutofit/>
           </a:bodyPr>
           <a:lstStyle/>
@@ -10769,7 +10784,7 @@
             </a:pPr>
             <a:r>
               <a:rPr lang="en"/>
-              <a:t>Coefficient Indicator</a:t>
+              <a:t>R Squared Indicator</a:t>
             </a:r>
             <a:endParaRPr/>
           </a:p>
@@ -10791,8 +10806,8 @@
         </p:blipFill>
         <p:spPr>
           <a:xfrm>
-            <a:off x="1534300" y="1460950"/>
-            <a:ext cx="6075401" cy="3393475"/>
+            <a:off x="1616800" y="1161725"/>
+            <a:ext cx="6040224" cy="3722850"/>
           </a:xfrm>
           <a:prstGeom prst="rect">
             <a:avLst/>
@@ -10819,8 +10834,8 @@
         </p:blipFill>
         <p:spPr>
           <a:xfrm>
-            <a:off x="7754575" y="4317350"/>
-            <a:ext cx="1256200" cy="537075"/>
+            <a:off x="7754525" y="4271600"/>
+            <a:ext cx="1282750" cy="612975"/>
           </a:xfrm>
           <a:prstGeom prst="rect">
             <a:avLst/>
@@ -10874,7 +10889,7 @@
           </a:prstGeom>
         </p:spPr>
         <p:txBody>
-          <a:bodyPr anchorCtr="0" anchor="t" bIns="91425" lIns="91425" spcFirstLastPara="1" rIns="91425" wrap="square" tIns="91425">
+          <a:bodyPr anchorCtr="0" anchor="ctr" bIns="91425" lIns="91425" spcFirstLastPara="1" rIns="91425" wrap="square" tIns="91425">
             <a:normAutofit/>
           </a:bodyPr>
           <a:lstStyle/>
@@ -10890,195 +10905,68 @@
             </a:pPr>
             <a:r>
               <a:rPr lang="en"/>
-              <a:t>Analysis Vicky’s Tableau Link</a:t>
+              <a:t>Coefficient Indicator</a:t>
             </a:r>
             <a:endParaRPr/>
           </a:p>
         </p:txBody>
       </p:sp>
-      <p:sp>
-        <p:nvSpPr>
+      <p:pic>
+        <p:nvPicPr>
           <p:cNvPr id="206" name="Google Shape;206;p24"/>
-          <p:cNvSpPr txBox="1"/>
-          <p:nvPr>
-            <p:ph idx="1" type="body"/>
-          </p:nvPr>
-        </p:nvSpPr>
+          <p:cNvPicPr preferRelativeResize="0"/>
+          <p:nvPr/>
+        </p:nvPicPr>
+        <p:blipFill>
+          <a:blip r:embed="rId3">
+            <a:alphaModFix/>
+          </a:blip>
+          <a:stretch>
+            <a:fillRect/>
+          </a:stretch>
+        </p:blipFill>
         <p:spPr>
           <a:xfrm>
-            <a:off x="1297500" y="1567550"/>
-            <a:ext cx="7038900" cy="2911200"/>
+            <a:off x="1534300" y="1460950"/>
+            <a:ext cx="6075401" cy="3393475"/>
           </a:xfrm>
           <a:prstGeom prst="rect">
             <a:avLst/>
           </a:prstGeom>
+          <a:noFill/>
+          <a:ln>
+            <a:noFill/>
+          </a:ln>
         </p:spPr>
-        <p:txBody>
-          <a:bodyPr anchorCtr="0" anchor="t" bIns="91425" lIns="91425" spcFirstLastPara="1" rIns="91425" wrap="square" tIns="91425">
-            <a:normAutofit fontScale="77500" lnSpcReduction="10000"/>
-          </a:bodyPr>
-          <a:lstStyle/>
-          <a:p>
-            <a:pPr indent="0" lvl="0" marL="0" rtl="0" algn="l">
-              <a:spcBef>
-                <a:spcPts val="0"/>
-              </a:spcBef>
-              <a:spcAft>
-                <a:spcPts val="0"/>
-              </a:spcAft>
-              <a:buNone/>
-            </a:pPr>
-            <a:r>
-              <a:rPr lang="en" u="sng">
-                <a:solidFill>
-                  <a:schemeClr val="hlink"/>
-                </a:solidFill>
-                <a:hlinkClick r:id="rId3"/>
-              </a:rPr>
-              <a:t>https://public.tableau.com/app/profile/vicky.carlson/viz/EffectofEducationalAttainmentonPerCapitaIncomeGrowth/Story1</a:t>
-            </a:r>
-            <a:r>
-              <a:rPr lang="en"/>
-              <a:t> </a:t>
-            </a:r>
-            <a:endParaRPr/>
-          </a:p>
-          <a:p>
-            <a:pPr indent="0" lvl="0" marL="0" rtl="0" algn="l">
-              <a:spcBef>
-                <a:spcPts val="1200"/>
-              </a:spcBef>
-              <a:spcAft>
-                <a:spcPts val="0"/>
-              </a:spcAft>
-              <a:buNone/>
-            </a:pPr>
-            <a:r>
-              <a:t/>
-            </a:r>
-            <a:endParaRPr/>
-          </a:p>
-          <a:p>
-            <a:pPr indent="0" lvl="0" marL="0" rtl="0" algn="l">
-              <a:spcBef>
-                <a:spcPts val="1200"/>
-              </a:spcBef>
-              <a:spcAft>
-                <a:spcPts val="0"/>
-              </a:spcAft>
-              <a:buNone/>
-            </a:pPr>
-            <a:r>
-              <a:rPr lang="en"/>
-              <a:t>See if we can capture the </a:t>
-            </a:r>
-            <a:r>
-              <a:rPr lang="en"/>
-              <a:t>transformation</a:t>
-            </a:r>
-            <a:r>
-              <a:rPr lang="en"/>
-              <a:t> clip and insert into pp</a:t>
-            </a:r>
-            <a:endParaRPr/>
-          </a:p>
-          <a:p>
-            <a:pPr indent="0" lvl="0" marL="0" rtl="0" algn="l">
-              <a:spcBef>
-                <a:spcPts val="1200"/>
-              </a:spcBef>
-              <a:spcAft>
-                <a:spcPts val="0"/>
-              </a:spcAft>
-              <a:buNone/>
-            </a:pPr>
-            <a:r>
-              <a:rPr lang="en"/>
-              <a:t>Tableau Visualization</a:t>
-            </a:r>
-            <a:endParaRPr/>
-          </a:p>
-          <a:p>
-            <a:pPr indent="0" lvl="0" marL="0" rtl="0" algn="l">
-              <a:spcBef>
-                <a:spcPts val="1200"/>
-              </a:spcBef>
-              <a:spcAft>
-                <a:spcPts val="0"/>
-              </a:spcAft>
-              <a:buNone/>
-            </a:pPr>
-            <a:r>
-              <a:rPr lang="en"/>
-              <a:t>-Heat Map of US </a:t>
-            </a:r>
-            <a:endParaRPr/>
-          </a:p>
-          <a:p>
-            <a:pPr indent="0" lvl="0" marL="0" rtl="0" algn="l">
-              <a:spcBef>
-                <a:spcPts val="1200"/>
-              </a:spcBef>
-              <a:spcAft>
-                <a:spcPts val="0"/>
-              </a:spcAft>
-              <a:buNone/>
-            </a:pPr>
-            <a:r>
-              <a:rPr lang="en"/>
-              <a:t>-US Map according to level education</a:t>
-            </a:r>
-            <a:endParaRPr/>
-          </a:p>
-          <a:p>
-            <a:pPr indent="0" lvl="0" marL="0" rtl="0" algn="l">
-              <a:spcBef>
-                <a:spcPts val="1200"/>
-              </a:spcBef>
-              <a:spcAft>
-                <a:spcPts val="0"/>
-              </a:spcAft>
-              <a:buNone/>
-            </a:pPr>
-            <a:r>
-              <a:rPr lang="en"/>
-              <a:t>-US Map according to income per capita</a:t>
-            </a:r>
-            <a:endParaRPr/>
-          </a:p>
-          <a:p>
-            <a:pPr indent="0" lvl="0" marL="0" rtl="0" algn="l">
-              <a:spcBef>
-                <a:spcPts val="1200"/>
-              </a:spcBef>
-              <a:spcAft>
-                <a:spcPts val="0"/>
-              </a:spcAft>
-              <a:buNone/>
-            </a:pPr>
-            <a:r>
-              <a:rPr lang="en"/>
-              <a:t>-US Map geographic trends</a:t>
-            </a:r>
-            <a:endParaRPr/>
-          </a:p>
-          <a:p>
-            <a:pPr indent="0" lvl="0" marL="0" rtl="0" algn="l">
-              <a:spcBef>
-                <a:spcPts val="1200"/>
-              </a:spcBef>
-              <a:spcAft>
-                <a:spcPts val="1200"/>
-              </a:spcAft>
-              <a:buNone/>
-            </a:pPr>
-            <a:r>
-              <a:t/>
-            </a:r>
-            <a:endParaRPr/>
-          </a:p>
-        </p:txBody>
-      </p:sp>
+      </p:pic>
+      <p:pic>
+        <p:nvPicPr>
+          <p:cNvPr id="207" name="Google Shape;207;p24"/>
+          <p:cNvPicPr preferRelativeResize="0"/>
+          <p:nvPr/>
+        </p:nvPicPr>
+        <p:blipFill>
+          <a:blip r:embed="rId4">
+            <a:alphaModFix/>
+          </a:blip>
+          <a:stretch>
+            <a:fillRect/>
+          </a:stretch>
+        </p:blipFill>
+        <p:spPr>
+          <a:xfrm>
+            <a:off x="7754575" y="4317350"/>
+            <a:ext cx="1256200" cy="537075"/>
+          </a:xfrm>
+          <a:prstGeom prst="rect">
+            <a:avLst/>
+          </a:prstGeom>
+          <a:noFill/>
+          <a:ln>
+            <a:noFill/>
+          </a:ln>
+        </p:spPr>
+      </p:pic>
     </p:spTree>
   </p:cSld>
   <p:clrMapOvr>
@@ -11092,7 +10980,7 @@
   <p:cSld>
     <p:spTree>
       <p:nvGrpSpPr>
-        <p:cNvPr id="210" name="Shape 210"/>
+        <p:cNvPr id="211" name="Shape 211"/>
         <p:cNvGrpSpPr/>
         <p:nvPr/>
       </p:nvGrpSpPr>
@@ -11106,7 +10994,7 @@
       </p:grpSpPr>
       <p:sp>
         <p:nvSpPr>
-          <p:cNvPr id="211" name="Google Shape;211;p25"/>
+          <p:cNvPr id="212" name="Google Shape;212;p25"/>
           <p:cNvSpPr txBox="1"/>
           <p:nvPr>
             <p:ph type="title"/>
@@ -11146,7 +11034,7 @@
       </p:sp>
       <p:sp>
         <p:nvSpPr>
-          <p:cNvPr id="212" name="Google Shape;212;p25"/>
+          <p:cNvPr id="213" name="Google Shape;213;p25"/>
           <p:cNvSpPr txBox="1"/>
           <p:nvPr>
             <p:ph idx="1" type="body"/>
@@ -11196,7 +11084,7 @@
   <p:cSld>
     <p:spTree>
       <p:nvGrpSpPr>
-        <p:cNvPr id="216" name="Shape 216"/>
+        <p:cNvPr id="217" name="Shape 217"/>
         <p:cNvGrpSpPr/>
         <p:nvPr/>
       </p:nvGrpSpPr>
@@ -11210,7 +11098,7 @@
       </p:grpSpPr>
       <p:sp>
         <p:nvSpPr>
-          <p:cNvPr id="217" name="Google Shape;217;p26"/>
+          <p:cNvPr id="218" name="Google Shape;218;p26"/>
           <p:cNvSpPr txBox="1"/>
           <p:nvPr>
             <p:ph type="title"/>
@@ -11250,7 +11138,7 @@
       </p:sp>
       <p:sp>
         <p:nvSpPr>
-          <p:cNvPr id="218" name="Google Shape;218;p26"/>
+          <p:cNvPr id="219" name="Google Shape;219;p26"/>
           <p:cNvSpPr txBox="1"/>
           <p:nvPr>
             <p:ph idx="1" type="body"/>
@@ -11300,7 +11188,7 @@
   <p:cSld>
     <p:spTree>
       <p:nvGrpSpPr>
-        <p:cNvPr id="222" name="Shape 222"/>
+        <p:cNvPr id="223" name="Shape 223"/>
         <p:cNvGrpSpPr/>
         <p:nvPr/>
       </p:nvGrpSpPr>
@@ -11314,7 +11202,7 @@
       </p:grpSpPr>
       <p:sp>
         <p:nvSpPr>
-          <p:cNvPr id="223" name="Google Shape;223;p27"/>
+          <p:cNvPr id="224" name="Google Shape;224;p27"/>
           <p:cNvSpPr txBox="1"/>
           <p:nvPr>
             <p:ph type="title"/>
@@ -11354,7 +11242,7 @@
       </p:sp>
       <p:sp>
         <p:nvSpPr>
-          <p:cNvPr id="224" name="Google Shape;224;p27"/>
+          <p:cNvPr id="225" name="Google Shape;225;p27"/>
           <p:cNvSpPr txBox="1"/>
           <p:nvPr>
             <p:ph idx="1" type="body"/>
@@ -11404,7 +11292,7 @@
   <p:cSld>
     <p:spTree>
       <p:nvGrpSpPr>
-        <p:cNvPr id="228" name="Shape 228"/>
+        <p:cNvPr id="229" name="Shape 229"/>
         <p:cNvGrpSpPr/>
         <p:nvPr/>
       </p:nvGrpSpPr>
@@ -11418,7 +11306,7 @@
       </p:grpSpPr>
       <p:sp>
         <p:nvSpPr>
-          <p:cNvPr id="229" name="Google Shape;229;p28"/>
+          <p:cNvPr id="230" name="Google Shape;230;p28"/>
           <p:cNvSpPr txBox="1"/>
           <p:nvPr>
             <p:ph type="title"/>
@@ -11458,7 +11346,7 @@
       </p:sp>
       <p:sp>
         <p:nvSpPr>
-          <p:cNvPr id="230" name="Google Shape;230;p28"/>
+          <p:cNvPr id="231" name="Google Shape;231;p28"/>
           <p:cNvSpPr txBox="1"/>
           <p:nvPr>
             <p:ph idx="1" type="body"/>
@@ -11630,7 +11518,7 @@
       </p:sp>
       <p:sp>
         <p:nvSpPr>
-          <p:cNvPr id="231" name="Google Shape;231;p28"/>
+          <p:cNvPr id="232" name="Google Shape;232;p28"/>
           <p:cNvSpPr txBox="1"/>
           <p:nvPr>
             <p:ph idx="2" type="body"/>
@@ -12642,18 +12530,19 @@
             <a:endParaRPr/>
           </a:p>
           <a:p>
-            <a:pPr indent="0" lvl="0" marL="0" rtl="0" algn="l">
+            <a:pPr indent="-311150" lvl="0" marL="457200" rtl="0" algn="l">
               <a:spcBef>
                 <a:spcPts val="1200"/>
               </a:spcBef>
               <a:spcAft>
-                <a:spcPts val="1200"/>
-              </a:spcAft>
-              <a:buNone/>
+                <a:spcPts val="0"/>
+              </a:spcAft>
+              <a:buSzPts val="1300"/>
+              <a:buChar char="-"/>
             </a:pPr>
             <a:r>
               <a:rPr lang="en"/>
-              <a:t>	-Per Capita Income</a:t>
+              <a:t>Per Capita Income</a:t>
             </a:r>
             <a:endParaRPr/>
           </a:p>
@@ -12718,7 +12607,7 @@
             </a:pPr>
             <a:r>
               <a:rPr lang="en"/>
-              <a:t>Data Exploration DRAFT</a:t>
+              <a:t>Data Exploration </a:t>
             </a:r>
             <a:endParaRPr/>
           </a:p>
@@ -12743,7 +12632,7 @@
         </p:spPr>
         <p:txBody>
           <a:bodyPr anchorCtr="0" anchor="t" bIns="91425" lIns="91425" spcFirstLastPara="1" rIns="91425" wrap="square" tIns="91425">
-            <a:normAutofit lnSpcReduction="10000"/>
+            <a:normAutofit/>
           </a:bodyPr>
           <a:lstStyle/>
           <a:p>
@@ -12920,38 +12809,6 @@
             <a:r>
               <a:rPr lang="en"/>
               <a:t>Plotting data to help determine the patterns to dive in deeper</a:t>
-            </a:r>
-            <a:endParaRPr/>
-          </a:p>
-          <a:p>
-            <a:pPr indent="-311150" lvl="0" marL="457200" rtl="0" algn="l">
-              <a:spcBef>
-                <a:spcPts val="0"/>
-              </a:spcBef>
-              <a:spcAft>
-                <a:spcPts val="0"/>
-              </a:spcAft>
-              <a:buSzPts val="1300"/>
-              <a:buChar char="●"/>
-            </a:pPr>
-            <a:r>
-              <a:rPr lang="en"/>
-              <a:t>[Need to do a join]</a:t>
-            </a:r>
-            <a:endParaRPr/>
-          </a:p>
-          <a:p>
-            <a:pPr indent="0" lvl="0" marL="0" rtl="0" algn="l">
-              <a:spcBef>
-                <a:spcPts val="1200"/>
-              </a:spcBef>
-              <a:spcAft>
-                <a:spcPts val="1200"/>
-              </a:spcAft>
-              <a:buNone/>
-            </a:pPr>
-            <a:r>
-              <a:t/>
             </a:r>
             <a:endParaRPr/>
           </a:p>
@@ -13016,7 +12873,7 @@
             </a:pPr>
             <a:r>
               <a:rPr lang="en"/>
-              <a:t>Analysis - Linear Regression</a:t>
+              <a:t>Data Visualization - Tableau</a:t>
             </a:r>
             <a:endParaRPr/>
           </a:p>
@@ -13025,236 +12882,6 @@
       <p:sp>
         <p:nvSpPr>
           <p:cNvPr id="173" name="Google Shape;173;p19"/>
-          <p:cNvSpPr txBox="1"/>
-          <p:nvPr>
-            <p:ph idx="1" type="body"/>
-          </p:nvPr>
-        </p:nvSpPr>
-        <p:spPr>
-          <a:xfrm>
-            <a:off x="863975" y="1779050"/>
-            <a:ext cx="3274500" cy="2911200"/>
-          </a:xfrm>
-          <a:prstGeom prst="rect">
-            <a:avLst/>
-          </a:prstGeom>
-        </p:spPr>
-        <p:txBody>
-          <a:bodyPr anchorCtr="0" anchor="ctr" bIns="91425" lIns="91425" spcFirstLastPara="1" rIns="91425" wrap="square" tIns="91425">
-            <a:normAutofit lnSpcReduction="10000"/>
-          </a:bodyPr>
-          <a:lstStyle/>
-          <a:p>
-            <a:pPr indent="0" lvl="0" marL="0" rtl="0" algn="l">
-              <a:spcBef>
-                <a:spcPts val="0"/>
-              </a:spcBef>
-              <a:spcAft>
-                <a:spcPts val="0"/>
-              </a:spcAft>
-              <a:buNone/>
-            </a:pPr>
-            <a:r>
-              <a:rPr lang="en"/>
-              <a:t>A positive linear regression relationship is observed with some outliers to identify further.</a:t>
-            </a:r>
-            <a:endParaRPr/>
-          </a:p>
-          <a:p>
-            <a:pPr indent="0" lvl="0" marL="0" rtl="0" algn="l">
-              <a:spcBef>
-                <a:spcPts val="1200"/>
-              </a:spcBef>
-              <a:spcAft>
-                <a:spcPts val="0"/>
-              </a:spcAft>
-              <a:buNone/>
-            </a:pPr>
-            <a:r>
-              <a:t/>
-            </a:r>
-            <a:endParaRPr/>
-          </a:p>
-          <a:p>
-            <a:pPr indent="0" lvl="0" marL="0" rtl="0" algn="l">
-              <a:spcBef>
-                <a:spcPts val="1200"/>
-              </a:spcBef>
-              <a:spcAft>
-                <a:spcPts val="0"/>
-              </a:spcAft>
-              <a:buNone/>
-            </a:pPr>
-            <a:r>
-              <a:rPr lang="en"/>
-              <a:t>From the linear regression we were able to attain below metrics:</a:t>
-            </a:r>
-            <a:endParaRPr/>
-          </a:p>
-          <a:p>
-            <a:pPr indent="-311150" lvl="0" marL="914400" rtl="0" algn="l">
-              <a:spcBef>
-                <a:spcPts val="1200"/>
-              </a:spcBef>
-              <a:spcAft>
-                <a:spcPts val="0"/>
-              </a:spcAft>
-              <a:buSzPts val="1300"/>
-              <a:buChar char="●"/>
-            </a:pPr>
-            <a:r>
-              <a:rPr lang="en"/>
-              <a:t>R2</a:t>
-            </a:r>
-            <a:endParaRPr/>
-          </a:p>
-          <a:p>
-            <a:pPr indent="-311150" lvl="0" marL="914400" rtl="0" algn="l">
-              <a:spcBef>
-                <a:spcPts val="0"/>
-              </a:spcBef>
-              <a:spcAft>
-                <a:spcPts val="0"/>
-              </a:spcAft>
-              <a:buSzPts val="1300"/>
-              <a:buChar char="●"/>
-            </a:pPr>
-            <a:r>
-              <a:rPr lang="en"/>
-              <a:t>Coefficients</a:t>
-            </a:r>
-            <a:endParaRPr/>
-          </a:p>
-          <a:p>
-            <a:pPr indent="-311150" lvl="0" marL="914400" rtl="0" algn="l">
-              <a:spcBef>
-                <a:spcPts val="0"/>
-              </a:spcBef>
-              <a:spcAft>
-                <a:spcPts val="0"/>
-              </a:spcAft>
-              <a:buSzPts val="1300"/>
-              <a:buChar char="●"/>
-            </a:pPr>
-            <a:r>
-              <a:rPr lang="en"/>
-              <a:t>Intercept</a:t>
-            </a:r>
-            <a:endParaRPr/>
-          </a:p>
-          <a:p>
-            <a:pPr indent="457200" lvl="0" marL="0" rtl="0" algn="l">
-              <a:spcBef>
-                <a:spcPts val="1200"/>
-              </a:spcBef>
-              <a:spcAft>
-                <a:spcPts val="1200"/>
-              </a:spcAft>
-              <a:buNone/>
-            </a:pPr>
-            <a:r>
-              <a:t/>
-            </a:r>
-            <a:endParaRPr/>
-          </a:p>
-        </p:txBody>
-      </p:sp>
-      <p:pic>
-        <p:nvPicPr>
-          <p:cNvPr id="174" name="Google Shape;174;p19"/>
-          <p:cNvPicPr preferRelativeResize="0"/>
-          <p:nvPr/>
-        </p:nvPicPr>
-        <p:blipFill>
-          <a:blip r:embed="rId3">
-            <a:alphaModFix/>
-          </a:blip>
-          <a:stretch>
-            <a:fillRect/>
-          </a:stretch>
-        </p:blipFill>
-        <p:spPr>
-          <a:xfrm>
-            <a:off x="4448270" y="1779050"/>
-            <a:ext cx="4200115" cy="2911201"/>
-          </a:xfrm>
-          <a:prstGeom prst="rect">
-            <a:avLst/>
-          </a:prstGeom>
-          <a:noFill/>
-          <a:ln>
-            <a:noFill/>
-          </a:ln>
-        </p:spPr>
-      </p:pic>
-    </p:spTree>
-  </p:cSld>
-  <p:clrMapOvr>
-    <a:masterClrMapping/>
-  </p:clrMapOvr>
-</p:sld>
-</file>
-
-<file path=ppt/slides/slide8.xml><?xml version="1.0" encoding="utf-8"?>
-<p:sld xmlns:a="http://schemas.openxmlformats.org/drawingml/2006/main" xmlns:r="http://schemas.openxmlformats.org/officeDocument/2006/relationships" xmlns:mc="http://schemas.openxmlformats.org/markup-compatibility/2006" xmlns:mv="urn:schemas-microsoft-com:mac:vml" xmlns:p="http://schemas.openxmlformats.org/presentationml/2006/main" xmlns:c="http://schemas.openxmlformats.org/drawingml/2006/chart" xmlns:dgm="http://schemas.openxmlformats.org/drawingml/2006/diagram" xmlns:o="urn:schemas-microsoft-com:office:office" xmlns:v="urn:schemas-microsoft-com:vml" xmlns:pvml="urn:schemas-microsoft-com:office:powerpoint" xmlns:com="http://schemas.openxmlformats.org/drawingml/2006/compatibility" xmlns:p14="http://schemas.microsoft.com/office/powerpoint/2010/main" xmlns:p15="http://schemas.microsoft.com/office/powerpoint/2012/main" xmlns:ahyp="http://schemas.microsoft.com/office/drawing/2018/hyperlinkcolor">
-  <p:cSld>
-    <p:spTree>
-      <p:nvGrpSpPr>
-        <p:cNvPr id="178" name="Shape 178"/>
-        <p:cNvGrpSpPr/>
-        <p:nvPr/>
-      </p:nvGrpSpPr>
-      <p:grpSpPr>
-        <a:xfrm>
-          <a:off x="0" y="0"/>
-          <a:ext cx="0" cy="0"/>
-          <a:chOff x="0" y="0"/>
-          <a:chExt cx="0" cy="0"/>
-        </a:xfrm>
-      </p:grpSpPr>
-      <p:sp>
-        <p:nvSpPr>
-          <p:cNvPr id="179" name="Google Shape;179;p20"/>
-          <p:cNvSpPr txBox="1"/>
-          <p:nvPr>
-            <p:ph type="title"/>
-          </p:nvPr>
-        </p:nvSpPr>
-        <p:spPr>
-          <a:xfrm>
-            <a:off x="1297500" y="393750"/>
-            <a:ext cx="7038900" cy="914100"/>
-          </a:xfrm>
-          <a:prstGeom prst="rect">
-            <a:avLst/>
-          </a:prstGeom>
-        </p:spPr>
-        <p:txBody>
-          <a:bodyPr anchorCtr="0" anchor="t" bIns="91425" lIns="91425" spcFirstLastPara="1" rIns="91425" wrap="square" tIns="91425">
-            <a:normAutofit/>
-          </a:bodyPr>
-          <a:lstStyle/>
-          <a:p>
-            <a:pPr indent="0" lvl="0" marL="0" rtl="0" algn="l">
-              <a:spcBef>
-                <a:spcPts val="0"/>
-              </a:spcBef>
-              <a:spcAft>
-                <a:spcPts val="0"/>
-              </a:spcAft>
-              <a:buNone/>
-            </a:pPr>
-            <a:r>
-              <a:rPr lang="en"/>
-              <a:t>Analysis - Machine Learning</a:t>
-            </a:r>
-            <a:endParaRPr/>
-          </a:p>
-        </p:txBody>
-      </p:sp>
-      <p:sp>
-        <p:nvSpPr>
-          <p:cNvPr id="180" name="Google Shape;180;p20"/>
           <p:cNvSpPr txBox="1"/>
           <p:nvPr>
             <p:ph idx="1" type="body"/>
@@ -13275,7 +12902,111 @@
           </a:bodyPr>
           <a:lstStyle/>
           <a:p>
+            <a:pPr indent="0" lvl="0" marL="0" rtl="0" algn="ctr">
+              <a:spcBef>
+                <a:spcPts val="0"/>
+              </a:spcBef>
+              <a:spcAft>
+                <a:spcPts val="0"/>
+              </a:spcAft>
+              <a:buNone/>
+            </a:pPr>
+            <a:r>
+              <a:rPr lang="en" sz="2000" u="sng">
+                <a:solidFill>
+                  <a:schemeClr val="hlink"/>
+                </a:solidFill>
+                <a:hlinkClick r:id="rId3"/>
+              </a:rPr>
+              <a:t>https://public.tableau.com/app/profile/vicky.carlson/viz/EffectofEducationalAttainmentonPerCapitaIncomeGrowth/Story1</a:t>
+            </a:r>
+            <a:r>
+              <a:rPr lang="en" sz="2000"/>
+              <a:t> </a:t>
+            </a:r>
+            <a:endParaRPr sz="2000"/>
+          </a:p>
+          <a:p>
             <a:pPr indent="0" lvl="0" marL="0" rtl="0" algn="l">
+              <a:spcBef>
+                <a:spcPts val="1200"/>
+              </a:spcBef>
+              <a:spcAft>
+                <a:spcPts val="0"/>
+              </a:spcAft>
+              <a:buNone/>
+            </a:pPr>
+            <a:r>
+              <a:t/>
+            </a:r>
+            <a:endParaRPr sz="2000"/>
+          </a:p>
+          <a:p>
+            <a:pPr indent="0" lvl="0" marL="0" rtl="0" algn="l">
+              <a:spcBef>
+                <a:spcPts val="1200"/>
+              </a:spcBef>
+              <a:spcAft>
+                <a:spcPts val="1200"/>
+              </a:spcAft>
+              <a:buNone/>
+            </a:pPr>
+            <a:r>
+              <a:t/>
+            </a:r>
+            <a:endParaRPr sz="2000"/>
+          </a:p>
+        </p:txBody>
+      </p:sp>
+    </p:spTree>
+  </p:cSld>
+  <p:clrMapOvr>
+    <a:masterClrMapping/>
+  </p:clrMapOvr>
+</p:sld>
+</file>
+
+<file path=ppt/slides/slide8.xml><?xml version="1.0" encoding="utf-8"?>
+<p:sld xmlns:a="http://schemas.openxmlformats.org/drawingml/2006/main" xmlns:r="http://schemas.openxmlformats.org/officeDocument/2006/relationships" xmlns:mc="http://schemas.openxmlformats.org/markup-compatibility/2006" xmlns:mv="urn:schemas-microsoft-com:mac:vml" xmlns:p="http://schemas.openxmlformats.org/presentationml/2006/main" xmlns:c="http://schemas.openxmlformats.org/drawingml/2006/chart" xmlns:dgm="http://schemas.openxmlformats.org/drawingml/2006/diagram" xmlns:o="urn:schemas-microsoft-com:office:office" xmlns:v="urn:schemas-microsoft-com:vml" xmlns:pvml="urn:schemas-microsoft-com:office:powerpoint" xmlns:com="http://schemas.openxmlformats.org/drawingml/2006/compatibility" xmlns:p14="http://schemas.microsoft.com/office/powerpoint/2010/main" xmlns:p15="http://schemas.microsoft.com/office/powerpoint/2012/main" xmlns:ahyp="http://schemas.microsoft.com/office/drawing/2018/hyperlinkcolor">
+  <p:cSld>
+    <p:spTree>
+      <p:nvGrpSpPr>
+        <p:cNvPr id="177" name="Shape 177"/>
+        <p:cNvGrpSpPr/>
+        <p:nvPr/>
+      </p:nvGrpSpPr>
+      <p:grpSpPr>
+        <a:xfrm>
+          <a:off x="0" y="0"/>
+          <a:ext cx="0" cy="0"/>
+          <a:chOff x="0" y="0"/>
+          <a:chExt cx="0" cy="0"/>
+        </a:xfrm>
+      </p:grpSpPr>
+      <p:sp>
+        <p:nvSpPr>
+          <p:cNvPr id="178" name="Google Shape;178;p20"/>
+          <p:cNvSpPr txBox="1"/>
+          <p:nvPr>
+            <p:ph type="title"/>
+          </p:nvPr>
+        </p:nvSpPr>
+        <p:spPr>
+          <a:xfrm>
+            <a:off x="1297500" y="393750"/>
+            <a:ext cx="7038900" cy="914100"/>
+          </a:xfrm>
+          <a:prstGeom prst="rect">
+            <a:avLst/>
+          </a:prstGeom>
+        </p:spPr>
+        <p:txBody>
+          <a:bodyPr anchorCtr="0" anchor="ctr" bIns="91425" lIns="91425" spcFirstLastPara="1" rIns="91425" wrap="square" tIns="91425">
+            <a:normAutofit/>
+          </a:bodyPr>
+          <a:lstStyle/>
+          <a:p>
+            <a:pPr indent="0" lvl="0" marL="0" rtl="0" algn="ctr">
               <a:spcBef>
                 <a:spcPts val="0"/>
               </a:spcBef>
@@ -13286,91 +13017,128 @@
             </a:pPr>
             <a:r>
               <a:rPr lang="en"/>
-              <a:t>Machine Learning</a:t>
-            </a:r>
-            <a:endParaRPr/>
-          </a:p>
-          <a:p>
-            <a:pPr indent="0" lvl="0" marL="0" rtl="0" algn="l">
-              <a:spcBef>
-                <a:spcPts val="1200"/>
-              </a:spcBef>
-              <a:spcAft>
-                <a:spcPts val="0"/>
-              </a:spcAft>
-              <a:buNone/>
-            </a:pPr>
-            <a:r>
-              <a:rPr lang="en"/>
-              <a:t>	Initially the model was trained using the singular linear regression. </a:t>
-            </a:r>
-            <a:endParaRPr/>
-          </a:p>
-          <a:p>
-            <a:pPr indent="0" lvl="0" marL="0" rtl="0" algn="l">
-              <a:spcBef>
-                <a:spcPts val="1200"/>
-              </a:spcBef>
-              <a:spcAft>
-                <a:spcPts val="0"/>
-              </a:spcAft>
-              <a:buNone/>
-            </a:pPr>
-            <a:r>
-              <a:rPr lang="en"/>
-              <a:t>	From the linear regression we were able to gather metrics such as r2, coefficients and intercepts which were output to a json file used in Tableau.</a:t>
-            </a:r>
-            <a:endParaRPr/>
-          </a:p>
-          <a:p>
-            <a:pPr indent="457200" lvl="0" marL="0" rtl="0" algn="l">
-              <a:spcBef>
-                <a:spcPts val="1200"/>
-              </a:spcBef>
-              <a:spcAft>
-                <a:spcPts val="0"/>
-              </a:spcAft>
-              <a:buNone/>
-            </a:pPr>
-            <a:r>
-              <a:rPr lang="en"/>
-              <a:t>-</a:t>
-            </a:r>
-            <a:endParaRPr/>
-          </a:p>
-          <a:p>
-            <a:pPr indent="0" lvl="0" marL="0" rtl="0" algn="l">
-              <a:spcBef>
-                <a:spcPts val="1200"/>
-              </a:spcBef>
-              <a:spcAft>
-                <a:spcPts val="0"/>
-              </a:spcAft>
-              <a:buNone/>
-            </a:pPr>
-            <a:r>
-              <a:rPr lang="en"/>
-              <a:t>Continuing working on this portion as we improve and modify our ML model.</a:t>
-            </a:r>
-            <a:endParaRPr/>
-          </a:p>
-          <a:p>
-            <a:pPr indent="0" lvl="0" marL="0" rtl="0" algn="l">
-              <a:spcBef>
-                <a:spcPts val="1200"/>
-              </a:spcBef>
-              <a:spcAft>
-                <a:spcPts val="1200"/>
-              </a:spcAft>
-              <a:buNone/>
-            </a:pPr>
-            <a:r>
-              <a:t/>
+              <a:t>Databases</a:t>
             </a:r>
             <a:endParaRPr/>
           </a:p>
         </p:txBody>
       </p:sp>
+      <p:sp>
+        <p:nvSpPr>
+          <p:cNvPr id="179" name="Google Shape;179;p20"/>
+          <p:cNvSpPr txBox="1"/>
+          <p:nvPr>
+            <p:ph idx="1" type="body"/>
+          </p:nvPr>
+        </p:nvSpPr>
+        <p:spPr>
+          <a:xfrm>
+            <a:off x="1297500" y="1567550"/>
+            <a:ext cx="3991800" cy="2911200"/>
+          </a:xfrm>
+          <a:prstGeom prst="rect">
+            <a:avLst/>
+          </a:prstGeom>
+        </p:spPr>
+        <p:txBody>
+          <a:bodyPr anchorCtr="0" anchor="t" bIns="91425" lIns="91425" spcFirstLastPara="1" rIns="91425" wrap="square" tIns="91425">
+            <a:normAutofit/>
+          </a:bodyPr>
+          <a:lstStyle/>
+          <a:p>
+            <a:pPr indent="0" lvl="0" marL="0" rtl="0" algn="l">
+              <a:spcBef>
+                <a:spcPts val="0"/>
+              </a:spcBef>
+              <a:spcAft>
+                <a:spcPts val="0"/>
+              </a:spcAft>
+              <a:buNone/>
+            </a:pPr>
+            <a:r>
+              <a:rPr lang="en" sz="1700"/>
+              <a:t>SQL pgAdmin </a:t>
+            </a:r>
+            <a:endParaRPr sz="1700"/>
+          </a:p>
+          <a:p>
+            <a:pPr indent="0" lvl="0" marL="0" rtl="0" algn="l">
+              <a:spcBef>
+                <a:spcPts val="1200"/>
+              </a:spcBef>
+              <a:spcAft>
+                <a:spcPts val="0"/>
+              </a:spcAft>
+              <a:buNone/>
+            </a:pPr>
+            <a:r>
+              <a:rPr lang="en" sz="1700"/>
+              <a:t>Database Creation</a:t>
+            </a:r>
+            <a:endParaRPr sz="1700"/>
+          </a:p>
+          <a:p>
+            <a:pPr indent="0" lvl="0" marL="0" rtl="0" algn="l">
+              <a:spcBef>
+                <a:spcPts val="1200"/>
+              </a:spcBef>
+              <a:spcAft>
+                <a:spcPts val="0"/>
+              </a:spcAft>
+              <a:buNone/>
+            </a:pPr>
+            <a:r>
+              <a:rPr lang="en" sz="1700"/>
+              <a:t>Database connected to Machine Learning Model</a:t>
+            </a:r>
+            <a:endParaRPr sz="1700"/>
+          </a:p>
+          <a:p>
+            <a:pPr indent="0" lvl="0" marL="0" rtl="0" algn="l">
+              <a:spcBef>
+                <a:spcPts val="1200"/>
+              </a:spcBef>
+              <a:spcAft>
+                <a:spcPts val="1200"/>
+              </a:spcAft>
+              <a:buNone/>
+            </a:pPr>
+            <a:r>
+              <a:rPr lang="en" sz="1700"/>
+              <a:t>Data is then stored for future reference</a:t>
+            </a:r>
+            <a:endParaRPr sz="1700"/>
+          </a:p>
+        </p:txBody>
+      </p:sp>
+      <p:pic>
+        <p:nvPicPr>
+          <p:cNvPr id="180" name="Google Shape;180;p20"/>
+          <p:cNvPicPr preferRelativeResize="0"/>
+          <p:nvPr/>
+        </p:nvPicPr>
+        <p:blipFill>
+          <a:blip r:embed="rId3">
+            <a:alphaModFix/>
+          </a:blip>
+          <a:stretch>
+            <a:fillRect/>
+          </a:stretch>
+        </p:blipFill>
+        <p:spPr>
+          <a:xfrm>
+            <a:off x="6117022" y="1567550"/>
+            <a:ext cx="2746675" cy="3128675"/>
+          </a:xfrm>
+          <a:prstGeom prst="rect">
+            <a:avLst/>
+          </a:prstGeom>
+          <a:noFill/>
+          <a:ln>
+            <a:noFill/>
+          </a:ln>
+        </p:spPr>
+      </p:pic>
     </p:spTree>
   </p:cSld>
   <p:clrMapOvr>
@@ -13430,7 +13198,7 @@
             </a:pPr>
             <a:r>
               <a:rPr lang="en"/>
-              <a:t>Databases</a:t>
+              <a:t>Analysis - Linear Regression</a:t>
             </a:r>
             <a:endParaRPr/>
           </a:p>
@@ -13446,16 +13214,16 @@
         </p:nvSpPr>
         <p:spPr>
           <a:xfrm>
-            <a:off x="1297500" y="1567550"/>
-            <a:ext cx="7038900" cy="2911200"/>
+            <a:off x="863975" y="1779050"/>
+            <a:ext cx="3274500" cy="2911200"/>
           </a:xfrm>
           <a:prstGeom prst="rect">
             <a:avLst/>
           </a:prstGeom>
         </p:spPr>
         <p:txBody>
-          <a:bodyPr anchorCtr="0" anchor="t" bIns="91425" lIns="91425" spcFirstLastPara="1" rIns="91425" wrap="square" tIns="91425">
-            <a:normAutofit/>
+          <a:bodyPr anchorCtr="0" anchor="ctr" bIns="91425" lIns="91425" spcFirstLastPara="1" rIns="91425" wrap="square" tIns="91425">
+            <a:normAutofit lnSpcReduction="10000"/>
           </a:bodyPr>
           <a:lstStyle/>
           <a:p>
@@ -13470,7 +13238,7 @@
             </a:pPr>
             <a:r>
               <a:rPr lang="en"/>
-              <a:t>SQL pgAdmin </a:t>
+              <a:t>A positive linear regression relationship is observed with some outliers to identify further.</a:t>
             </a:r>
             <a:endParaRPr/>
           </a:p>
@@ -13480,18 +13248,127 @@
                 <a:spcPts val="1200"/>
               </a:spcBef>
               <a:spcAft>
+                <a:spcPts val="0"/>
+              </a:spcAft>
+              <a:buNone/>
+            </a:pPr>
+            <a:r>
+              <a:t/>
+            </a:r>
+            <a:endParaRPr/>
+          </a:p>
+          <a:p>
+            <a:pPr indent="0" lvl="0" marL="0" rtl="0" algn="l">
+              <a:spcBef>
                 <a:spcPts val="1200"/>
+              </a:spcBef>
+              <a:spcAft>
+                <a:spcPts val="0"/>
               </a:spcAft>
               <a:buNone/>
             </a:pPr>
             <a:r>
               <a:rPr lang="en"/>
-              <a:t>[Insert Screen Shot of Table?]</a:t>
+              <a:t>From the linear regression we were able to attain below metrics:</a:t>
+            </a:r>
+            <a:endParaRPr/>
+          </a:p>
+          <a:p>
+            <a:pPr indent="-311150" lvl="0" marL="914400" rtl="0" algn="l">
+              <a:spcBef>
+                <a:spcPts val="1200"/>
+              </a:spcBef>
+              <a:spcAft>
+                <a:spcPts val="0"/>
+              </a:spcAft>
+              <a:buSzPts val="1300"/>
+              <a:buChar char="●"/>
+            </a:pPr>
+            <a:r>
+              <a:rPr lang="en"/>
+              <a:t>R2</a:t>
+            </a:r>
+            <a:endParaRPr/>
+          </a:p>
+          <a:p>
+            <a:pPr indent="-311150" lvl="0" marL="914400" rtl="0" algn="l">
+              <a:spcBef>
+                <a:spcPts val="0"/>
+              </a:spcBef>
+              <a:spcAft>
+                <a:spcPts val="0"/>
+              </a:spcAft>
+              <a:buSzPts val="1300"/>
+              <a:buChar char="●"/>
+            </a:pPr>
+            <a:r>
+              <a:rPr lang="en"/>
+              <a:t>Coefficients</a:t>
+            </a:r>
+            <a:endParaRPr/>
+          </a:p>
+          <a:p>
+            <a:pPr indent="-311150" lvl="0" marL="914400" rtl="0" algn="l">
+              <a:spcBef>
+                <a:spcPts val="0"/>
+              </a:spcBef>
+              <a:spcAft>
+                <a:spcPts val="0"/>
+              </a:spcAft>
+              <a:buSzPts val="1300"/>
+              <a:buChar char="●"/>
+            </a:pPr>
+            <a:r>
+              <a:rPr lang="en"/>
+              <a:t>Intercept</a:t>
+            </a:r>
+            <a:endParaRPr/>
+          </a:p>
+          <a:p>
+            <a:pPr indent="457200" lvl="0" marL="0" rtl="0" algn="l">
+              <a:spcBef>
+                <a:spcPts val="1200"/>
+              </a:spcBef>
+              <a:spcAft>
+                <a:spcPts val="1200"/>
+              </a:spcAft>
+              <a:buNone/>
+            </a:pPr>
+            <a:r>
+              <a:t/>
             </a:r>
             <a:endParaRPr/>
           </a:p>
         </p:txBody>
       </p:sp>
+      <p:pic>
+        <p:nvPicPr>
+          <p:cNvPr id="187" name="Google Shape;187;p21"/>
+          <p:cNvPicPr preferRelativeResize="0"/>
+          <p:nvPr/>
+        </p:nvPicPr>
+        <p:blipFill>
+          <a:blip r:embed="rId3">
+            <a:alphaModFix/>
+          </a:blip>
+          <a:stretch>
+            <a:fillRect/>
+          </a:stretch>
+        </p:blipFill>
+        <p:spPr>
+          <a:xfrm>
+            <a:off x="4448270" y="1779050"/>
+            <a:ext cx="4200115" cy="2911201"/>
+          </a:xfrm>
+          <a:prstGeom prst="rect">
+            <a:avLst/>
+          </a:prstGeom>
+          <a:noFill/>
+          <a:ln>
+            <a:noFill/>
+          </a:ln>
+        </p:spPr>
+      </p:pic>
     </p:spTree>
   </p:cSld>
   <p:clrMapOvr>

--- a/Effect of Educational Attainment on per Capita Growth by State.pptx
+++ b/Effect of Educational Attainment on per Capita Growth by State.pptx
@@ -821,7 +821,7 @@
   <p:cSld>
     <p:spTree>
       <p:nvGrpSpPr>
-        <p:cNvPr id="188" name="Shape 188"/>
+        <p:cNvPr id="189" name="Shape 189"/>
         <p:cNvGrpSpPr/>
         <p:nvPr/>
       </p:nvGrpSpPr>
@@ -835,7 +835,7 @@
       </p:grpSpPr>
       <p:sp>
         <p:nvSpPr>
-          <p:cNvPr id="189" name="Google Shape;189;g11768d52d85_0_22:notes"/>
+          <p:cNvPr id="190" name="Google Shape;190;g11768d52d85_0_22:notes"/>
           <p:cNvSpPr/>
           <p:nvPr>
             <p:ph idx="2" type="sldImg"/>
@@ -870,7 +870,7 @@
       </p:sp>
       <p:sp>
         <p:nvSpPr>
-          <p:cNvPr id="190" name="Google Shape;190;g11768d52d85_0_22:notes"/>
+          <p:cNvPr id="191" name="Google Shape;191;g11768d52d85_0_22:notes"/>
           <p:cNvSpPr txBox="1"/>
           <p:nvPr>
             <p:ph idx="1" type="body"/>
@@ -920,7 +920,7 @@
   <p:cSld>
     <p:spTree>
       <p:nvGrpSpPr>
-        <p:cNvPr id="194" name="Shape 194"/>
+        <p:cNvPr id="195" name="Shape 195"/>
         <p:cNvGrpSpPr/>
         <p:nvPr/>
       </p:nvGrpSpPr>
@@ -934,7 +934,7 @@
       </p:grpSpPr>
       <p:sp>
         <p:nvSpPr>
-          <p:cNvPr id="195" name="Google Shape;195;g11768d52d85_0_7:notes"/>
+          <p:cNvPr id="196" name="Google Shape;196;g1168d218026_0_14:notes"/>
           <p:cNvSpPr/>
           <p:nvPr>
             <p:ph idx="2" type="sldImg"/>
@@ -969,7 +969,7 @@
       </p:sp>
       <p:sp>
         <p:nvSpPr>
-          <p:cNvPr id="196" name="Google Shape;196;g11768d52d85_0_7:notes"/>
+          <p:cNvPr id="197" name="Google Shape;197;g1168d218026_0_14:notes"/>
           <p:cNvSpPr txBox="1"/>
           <p:nvPr>
             <p:ph idx="1" type="body"/>
@@ -1033,7 +1033,7 @@
       </p:grpSpPr>
       <p:sp>
         <p:nvSpPr>
-          <p:cNvPr id="202" name="Google Shape;202;g11768d52d85_0_14:notes"/>
+          <p:cNvPr id="202" name="Google Shape;202;g117b696f6ee_0_35:notes"/>
           <p:cNvSpPr/>
           <p:nvPr>
             <p:ph idx="2" type="sldImg"/>
@@ -1068,7 +1068,7 @@
       </p:sp>
       <p:sp>
         <p:nvSpPr>
-          <p:cNvPr id="203" name="Google Shape;203;g11768d52d85_0_14:notes"/>
+          <p:cNvPr id="203" name="Google Shape;203;g117b696f6ee_0_35:notes"/>
           <p:cNvSpPr txBox="1"/>
           <p:nvPr>
             <p:ph idx="1" type="body"/>
@@ -1118,7 +1118,7 @@
   <p:cSld>
     <p:spTree>
       <p:nvGrpSpPr>
-        <p:cNvPr id="208" name="Shape 208"/>
+        <p:cNvPr id="209" name="Shape 209"/>
         <p:cNvGrpSpPr/>
         <p:nvPr/>
       </p:nvGrpSpPr>
@@ -1132,7 +1132,7 @@
       </p:grpSpPr>
       <p:sp>
         <p:nvSpPr>
-          <p:cNvPr id="209" name="Google Shape;209;g117b696f6ee_0_20:notes"/>
+          <p:cNvPr id="210" name="Google Shape;210;g117b696f6ee_0_20:notes"/>
           <p:cNvSpPr/>
           <p:nvPr>
             <p:ph idx="2" type="sldImg"/>
@@ -1167,7 +1167,7 @@
       </p:sp>
       <p:sp>
         <p:nvSpPr>
-          <p:cNvPr id="210" name="Google Shape;210;g117b696f6ee_0_20:notes"/>
+          <p:cNvPr id="211" name="Google Shape;211;g117b696f6ee_0_20:notes"/>
           <p:cNvSpPr txBox="1"/>
           <p:nvPr>
             <p:ph idx="1" type="body"/>
@@ -1217,7 +1217,7 @@
   <p:cSld>
     <p:spTree>
       <p:nvGrpSpPr>
-        <p:cNvPr id="214" name="Shape 214"/>
+        <p:cNvPr id="215" name="Shape 215"/>
         <p:cNvGrpSpPr/>
         <p:nvPr/>
       </p:nvGrpSpPr>
@@ -1231,7 +1231,7 @@
       </p:grpSpPr>
       <p:sp>
         <p:nvSpPr>
-          <p:cNvPr id="215" name="Google Shape;215;g117b696f6ee_0_25:notes"/>
+          <p:cNvPr id="216" name="Google Shape;216;g117b696f6ee_0_25:notes"/>
           <p:cNvSpPr/>
           <p:nvPr>
             <p:ph idx="2" type="sldImg"/>
@@ -1266,7 +1266,7 @@
       </p:sp>
       <p:sp>
         <p:nvSpPr>
-          <p:cNvPr id="216" name="Google Shape;216;g117b696f6ee_0_25:notes"/>
+          <p:cNvPr id="217" name="Google Shape;217;g117b696f6ee_0_25:notes"/>
           <p:cNvSpPr txBox="1"/>
           <p:nvPr>
             <p:ph idx="1" type="body"/>
@@ -1316,7 +1316,7 @@
   <p:cSld>
     <p:spTree>
       <p:nvGrpSpPr>
-        <p:cNvPr id="220" name="Shape 220"/>
+        <p:cNvPr id="221" name="Shape 221"/>
         <p:cNvGrpSpPr/>
         <p:nvPr/>
       </p:nvGrpSpPr>
@@ -1330,7 +1330,7 @@
       </p:grpSpPr>
       <p:sp>
         <p:nvSpPr>
-          <p:cNvPr id="221" name="Google Shape;221;g117b696f6ee_0_30:notes"/>
+          <p:cNvPr id="222" name="Google Shape;222;g117b696f6ee_0_30:notes"/>
           <p:cNvSpPr/>
           <p:nvPr>
             <p:ph idx="2" type="sldImg"/>
@@ -1365,7 +1365,7 @@
       </p:sp>
       <p:sp>
         <p:nvSpPr>
-          <p:cNvPr id="222" name="Google Shape;222;g117b696f6ee_0_30:notes"/>
+          <p:cNvPr id="223" name="Google Shape;223;g117b696f6ee_0_30:notes"/>
           <p:cNvSpPr txBox="1"/>
           <p:nvPr>
             <p:ph idx="1" type="body"/>
@@ -1415,7 +1415,7 @@
   <p:cSld>
     <p:spTree>
       <p:nvGrpSpPr>
-        <p:cNvPr id="226" name="Shape 226"/>
+        <p:cNvPr id="227" name="Shape 227"/>
         <p:cNvGrpSpPr/>
         <p:nvPr/>
       </p:nvGrpSpPr>
@@ -1429,7 +1429,7 @@
       </p:grpSpPr>
       <p:sp>
         <p:nvSpPr>
-          <p:cNvPr id="227" name="Google Shape;227;g11768d52d85_0_0:notes"/>
+          <p:cNvPr id="228" name="Google Shape;228;g11768d52d85_0_0:notes"/>
           <p:cNvSpPr/>
           <p:nvPr>
             <p:ph idx="2" type="sldImg"/>
@@ -1464,7 +1464,7 @@
       </p:sp>
       <p:sp>
         <p:nvSpPr>
-          <p:cNvPr id="228" name="Google Shape;228;g11768d52d85_0_0:notes"/>
+          <p:cNvPr id="229" name="Google Shape;229;g11768d52d85_0_0:notes"/>
           <p:cNvSpPr txBox="1"/>
           <p:nvPr>
             <p:ph idx="1" type="body"/>
@@ -2108,7 +2108,7 @@
   <p:cSld>
     <p:spTree>
       <p:nvGrpSpPr>
-        <p:cNvPr id="174" name="Shape 174"/>
+        <p:cNvPr id="175" name="Shape 175"/>
         <p:cNvGrpSpPr/>
         <p:nvPr/>
       </p:nvGrpSpPr>
@@ -2122,7 +2122,7 @@
       </p:grpSpPr>
       <p:sp>
         <p:nvSpPr>
-          <p:cNvPr id="175" name="Google Shape;175;g117b696f6ee_0_35:notes"/>
+          <p:cNvPr id="176" name="Google Shape;176;g1153f00578a_0_161:notes"/>
           <p:cNvSpPr/>
           <p:nvPr>
             <p:ph idx="2" type="sldImg"/>
@@ -2157,7 +2157,7 @@
       </p:sp>
       <p:sp>
         <p:nvSpPr>
-          <p:cNvPr id="176" name="Google Shape;176;g117b696f6ee_0_35:notes"/>
+          <p:cNvPr id="177" name="Google Shape;177;g1153f00578a_0_161:notes"/>
           <p:cNvSpPr txBox="1"/>
           <p:nvPr>
             <p:ph idx="1" type="body"/>
@@ -2207,7 +2207,7 @@
   <p:cSld>
     <p:spTree>
       <p:nvGrpSpPr>
-        <p:cNvPr id="181" name="Shape 181"/>
+        <p:cNvPr id="182" name="Shape 182"/>
         <p:cNvGrpSpPr/>
         <p:nvPr/>
       </p:nvGrpSpPr>
@@ -2221,7 +2221,7 @@
       </p:grpSpPr>
       <p:sp>
         <p:nvSpPr>
-          <p:cNvPr id="182" name="Google Shape;182;g1153f00578a_0_161:notes"/>
+          <p:cNvPr id="183" name="Google Shape;183;g1168d218026_0_1:notes"/>
           <p:cNvSpPr/>
           <p:nvPr>
             <p:ph idx="2" type="sldImg"/>
@@ -2256,7 +2256,7 @@
       </p:sp>
       <p:sp>
         <p:nvSpPr>
-          <p:cNvPr id="183" name="Google Shape;183;g1153f00578a_0_161:notes"/>
+          <p:cNvPr id="184" name="Google Shape;184;g1168d218026_0_1:notes"/>
           <p:cNvSpPr txBox="1"/>
           <p:nvPr>
             <p:ph idx="1" type="body"/>
@@ -10602,7 +10602,7 @@
   <p:cSld>
     <p:spTree>
       <p:nvGrpSpPr>
-        <p:cNvPr id="191" name="Shape 191"/>
+        <p:cNvPr id="192" name="Shape 192"/>
         <p:cNvGrpSpPr/>
         <p:nvPr/>
       </p:nvGrpSpPr>
@@ -10616,7 +10616,7 @@
       </p:grpSpPr>
       <p:sp>
         <p:nvSpPr>
-          <p:cNvPr id="192" name="Google Shape;192;p22"/>
+          <p:cNvPr id="193" name="Google Shape;193;p22"/>
           <p:cNvSpPr txBox="1"/>
           <p:nvPr>
             <p:ph type="title"/>
@@ -10656,7 +10656,199 @@
       </p:sp>
       <p:sp>
         <p:nvSpPr>
-          <p:cNvPr id="193" name="Google Shape;193;p22"/>
+          <p:cNvPr id="194" name="Google Shape;194;p22"/>
+          <p:cNvSpPr txBox="1"/>
+          <p:nvPr>
+            <p:ph idx="1" type="body"/>
+          </p:nvPr>
+        </p:nvSpPr>
+        <p:spPr>
+          <a:xfrm>
+            <a:off x="1297500" y="1567550"/>
+            <a:ext cx="7038900" cy="2911200"/>
+          </a:xfrm>
+          <a:prstGeom prst="rect">
+            <a:avLst/>
+          </a:prstGeom>
+        </p:spPr>
+        <p:txBody>
+          <a:bodyPr anchorCtr="0" anchor="t" bIns="91425" lIns="91425" spcFirstLastPara="1" rIns="91425" wrap="square" tIns="91425">
+            <a:normAutofit lnSpcReduction="10000"/>
+          </a:bodyPr>
+          <a:lstStyle/>
+          <a:p>
+            <a:pPr indent="0" lvl="0" marL="0" rtl="0" algn="l">
+              <a:spcBef>
+                <a:spcPts val="0"/>
+              </a:spcBef>
+              <a:spcAft>
+                <a:spcPts val="0"/>
+              </a:spcAft>
+              <a:buNone/>
+            </a:pPr>
+            <a:r>
+              <a:rPr lang="en"/>
+              <a:t>SKLearn Linear regression model  to train regressions.</a:t>
+            </a:r>
+            <a:endParaRPr/>
+          </a:p>
+          <a:p>
+            <a:pPr indent="0" lvl="0" marL="457200" rtl="0" algn="l">
+              <a:spcBef>
+                <a:spcPts val="1200"/>
+              </a:spcBef>
+              <a:spcAft>
+                <a:spcPts val="0"/>
+              </a:spcAft>
+              <a:buNone/>
+            </a:pPr>
+            <a:r>
+              <a:rPr lang="en"/>
+              <a:t>First Model  measured the association between seven levels of educational attainment and income, excluding state data specification</a:t>
+            </a:r>
+            <a:endParaRPr/>
+          </a:p>
+          <a:p>
+            <a:pPr indent="0" lvl="0" marL="457200" rtl="0" algn="l">
+              <a:spcBef>
+                <a:spcPts val="1200"/>
+              </a:spcBef>
+              <a:spcAft>
+                <a:spcPts val="0"/>
+              </a:spcAft>
+              <a:buNone/>
+            </a:pPr>
+            <a:r>
+              <a:rPr lang="en"/>
+              <a:t>Second Model each state and each level of education type correlation to income for each state</a:t>
+            </a:r>
+            <a:endParaRPr/>
+          </a:p>
+          <a:p>
+            <a:pPr indent="0" lvl="0" marL="0" rtl="0" algn="l">
+              <a:spcBef>
+                <a:spcPts val="1200"/>
+              </a:spcBef>
+              <a:spcAft>
+                <a:spcPts val="0"/>
+              </a:spcAft>
+              <a:buNone/>
+            </a:pPr>
+            <a:r>
+              <a:rPr lang="en"/>
+              <a:t>	Third Model combined models of </a:t>
+            </a:r>
+            <a:r>
+              <a:rPr lang="en"/>
+              <a:t>education</a:t>
+            </a:r>
+            <a:r>
+              <a:rPr lang="en"/>
+              <a:t> and income for each state</a:t>
+            </a:r>
+            <a:endParaRPr/>
+          </a:p>
+          <a:p>
+            <a:pPr indent="0" lvl="0" marL="0" rtl="0" algn="l">
+              <a:spcBef>
+                <a:spcPts val="1200"/>
+              </a:spcBef>
+              <a:spcAft>
+                <a:spcPts val="0"/>
+              </a:spcAft>
+              <a:buNone/>
+            </a:pPr>
+            <a:r>
+              <a:rPr lang="en"/>
+              <a:t>All models yielded the data, R2 , intercept and slope are outputted in JSON-like format used for further analysis and  modeling.</a:t>
+            </a:r>
+            <a:endParaRPr/>
+          </a:p>
+          <a:p>
+            <a:pPr indent="0" lvl="0" marL="0" rtl="0" algn="l">
+              <a:spcBef>
+                <a:spcPts val="1200"/>
+              </a:spcBef>
+              <a:spcAft>
+                <a:spcPts val="1200"/>
+              </a:spcAft>
+              <a:buNone/>
+            </a:pPr>
+            <a:r>
+              <a:t/>
+            </a:r>
+            <a:endParaRPr/>
+          </a:p>
+        </p:txBody>
+      </p:sp>
+    </p:spTree>
+  </p:cSld>
+  <p:clrMapOvr>
+    <a:masterClrMapping/>
+  </p:clrMapOvr>
+</p:sld>
+</file>
+
+<file path=ppt/slides/slide11.xml><?xml version="1.0" encoding="utf-8"?>
+<p:sld xmlns:a="http://schemas.openxmlformats.org/drawingml/2006/main" xmlns:r="http://schemas.openxmlformats.org/officeDocument/2006/relationships" xmlns:mc="http://schemas.openxmlformats.org/markup-compatibility/2006" xmlns:mv="urn:schemas-microsoft-com:mac:vml" xmlns:p="http://schemas.openxmlformats.org/presentationml/2006/main" xmlns:c="http://schemas.openxmlformats.org/drawingml/2006/chart" xmlns:dgm="http://schemas.openxmlformats.org/drawingml/2006/diagram" xmlns:o="urn:schemas-microsoft-com:office:office" xmlns:v="urn:schemas-microsoft-com:vml" xmlns:pvml="urn:schemas-microsoft-com:office:powerpoint" xmlns:com="http://schemas.openxmlformats.org/drawingml/2006/compatibility" xmlns:p14="http://schemas.microsoft.com/office/powerpoint/2010/main" xmlns:p15="http://schemas.microsoft.com/office/powerpoint/2012/main" xmlns:ahyp="http://schemas.microsoft.com/office/drawing/2018/hyperlinkcolor">
+  <p:cSld>
+    <p:spTree>
+      <p:nvGrpSpPr>
+        <p:cNvPr id="198" name="Shape 198"/>
+        <p:cNvGrpSpPr/>
+        <p:nvPr/>
+      </p:nvGrpSpPr>
+      <p:grpSpPr>
+        <a:xfrm>
+          <a:off x="0" y="0"/>
+          <a:ext cx="0" cy="0"/>
+          <a:chOff x="0" y="0"/>
+          <a:chExt cx="0" cy="0"/>
+        </a:xfrm>
+      </p:grpSpPr>
+      <p:sp>
+        <p:nvSpPr>
+          <p:cNvPr id="199" name="Google Shape;199;p23"/>
+          <p:cNvSpPr txBox="1"/>
+          <p:nvPr>
+            <p:ph type="title"/>
+          </p:nvPr>
+        </p:nvSpPr>
+        <p:spPr>
+          <a:xfrm>
+            <a:off x="1297500" y="393750"/>
+            <a:ext cx="7038900" cy="914100"/>
+          </a:xfrm>
+          <a:prstGeom prst="rect">
+            <a:avLst/>
+          </a:prstGeom>
+        </p:spPr>
+        <p:txBody>
+          <a:bodyPr anchorCtr="0" anchor="ctr" bIns="91425" lIns="91425" spcFirstLastPara="1" rIns="91425" wrap="square" tIns="91425">
+            <a:normAutofit/>
+          </a:bodyPr>
+          <a:lstStyle/>
+          <a:p>
+            <a:pPr indent="0" lvl="0" marL="0" rtl="0" algn="ctr">
+              <a:spcBef>
+                <a:spcPts val="0"/>
+              </a:spcBef>
+              <a:spcAft>
+                <a:spcPts val="0"/>
+              </a:spcAft>
+              <a:buNone/>
+            </a:pPr>
+            <a:r>
+              <a:rPr lang="en"/>
+              <a:t>Analysis - Machine Learning</a:t>
+            </a:r>
+            <a:endParaRPr/>
+          </a:p>
+        </p:txBody>
+      </p:sp>
+      <p:sp>
+        <p:nvSpPr>
+          <p:cNvPr id="200" name="Google Shape;200;p23"/>
           <p:cNvSpPr txBox="1"/>
           <p:nvPr>
             <p:ph idx="1" type="body"/>
@@ -10682,38 +10874,6 @@
                 <a:spcPts val="0"/>
               </a:spcBef>
               <a:spcAft>
-                <a:spcPts val="0"/>
-              </a:spcAft>
-              <a:buNone/>
-            </a:pPr>
-            <a:r>
-              <a:rPr lang="en"/>
-              <a:t>SKLearn Linear regression model </a:t>
-            </a:r>
-            <a:endParaRPr/>
-          </a:p>
-          <a:p>
-            <a:pPr indent="0" lvl="0" marL="0" rtl="0" algn="l">
-              <a:spcBef>
-                <a:spcPts val="1200"/>
-              </a:spcBef>
-              <a:spcAft>
-                <a:spcPts val="0"/>
-              </a:spcAft>
-              <a:buNone/>
-            </a:pPr>
-            <a:r>
-              <a:rPr lang="en"/>
-              <a:t>	-</a:t>
-            </a:r>
-            <a:endParaRPr/>
-          </a:p>
-          <a:p>
-            <a:pPr indent="0" lvl="0" marL="0" rtl="0" algn="l">
-              <a:spcBef>
-                <a:spcPts val="1200"/>
-              </a:spcBef>
-              <a:spcAft>
                 <a:spcPts val="1200"/>
               </a:spcAft>
               <a:buNone/>
@@ -10725,127 +10885,6 @@
           </a:p>
         </p:txBody>
       </p:sp>
-    </p:spTree>
-  </p:cSld>
-  <p:clrMapOvr>
-    <a:masterClrMapping/>
-  </p:clrMapOvr>
-</p:sld>
-</file>
-
-<file path=ppt/slides/slide11.xml><?xml version="1.0" encoding="utf-8"?>
-<p:sld xmlns:a="http://schemas.openxmlformats.org/drawingml/2006/main" xmlns:r="http://schemas.openxmlformats.org/officeDocument/2006/relationships" xmlns:mc="http://schemas.openxmlformats.org/markup-compatibility/2006" xmlns:mv="urn:schemas-microsoft-com:mac:vml" xmlns:p="http://schemas.openxmlformats.org/presentationml/2006/main" xmlns:c="http://schemas.openxmlformats.org/drawingml/2006/chart" xmlns:dgm="http://schemas.openxmlformats.org/drawingml/2006/diagram" xmlns:o="urn:schemas-microsoft-com:office:office" xmlns:v="urn:schemas-microsoft-com:vml" xmlns:pvml="urn:schemas-microsoft-com:office:powerpoint" xmlns:com="http://schemas.openxmlformats.org/drawingml/2006/compatibility" xmlns:p14="http://schemas.microsoft.com/office/powerpoint/2010/main" xmlns:p15="http://schemas.microsoft.com/office/powerpoint/2012/main" xmlns:ahyp="http://schemas.microsoft.com/office/drawing/2018/hyperlinkcolor">
-  <p:cSld>
-    <p:spTree>
-      <p:nvGrpSpPr>
-        <p:cNvPr id="197" name="Shape 197"/>
-        <p:cNvGrpSpPr/>
-        <p:nvPr/>
-      </p:nvGrpSpPr>
-      <p:grpSpPr>
-        <a:xfrm>
-          <a:off x="0" y="0"/>
-          <a:ext cx="0" cy="0"/>
-          <a:chOff x="0" y="0"/>
-          <a:chExt cx="0" cy="0"/>
-        </a:xfrm>
-      </p:grpSpPr>
-      <p:sp>
-        <p:nvSpPr>
-          <p:cNvPr id="198" name="Google Shape;198;p23"/>
-          <p:cNvSpPr txBox="1"/>
-          <p:nvPr>
-            <p:ph type="title"/>
-          </p:nvPr>
-        </p:nvSpPr>
-        <p:spPr>
-          <a:xfrm>
-            <a:off x="1297500" y="393750"/>
-            <a:ext cx="7038900" cy="914100"/>
-          </a:xfrm>
-          <a:prstGeom prst="rect">
-            <a:avLst/>
-          </a:prstGeom>
-        </p:spPr>
-        <p:txBody>
-          <a:bodyPr anchorCtr="0" anchor="t" bIns="91425" lIns="91425" spcFirstLastPara="1" rIns="91425" wrap="square" tIns="91425">
-            <a:normAutofit/>
-          </a:bodyPr>
-          <a:lstStyle/>
-          <a:p>
-            <a:pPr indent="0" lvl="0" marL="0" rtl="0" algn="ctr">
-              <a:spcBef>
-                <a:spcPts val="0"/>
-              </a:spcBef>
-              <a:spcAft>
-                <a:spcPts val="0"/>
-              </a:spcAft>
-              <a:buNone/>
-            </a:pPr>
-            <a:r>
-              <a:rPr lang="en"/>
-              <a:t>R Squared Indicator</a:t>
-            </a:r>
-            <a:endParaRPr/>
-          </a:p>
-        </p:txBody>
-      </p:sp>
-      <p:pic>
-        <p:nvPicPr>
-          <p:cNvPr id="199" name="Google Shape;199;p23"/>
-          <p:cNvPicPr preferRelativeResize="0"/>
-          <p:nvPr/>
-        </p:nvPicPr>
-        <p:blipFill>
-          <a:blip r:embed="rId3">
-            <a:alphaModFix/>
-          </a:blip>
-          <a:stretch>
-            <a:fillRect/>
-          </a:stretch>
-        </p:blipFill>
-        <p:spPr>
-          <a:xfrm>
-            <a:off x="1616800" y="1161725"/>
-            <a:ext cx="6040224" cy="3722850"/>
-          </a:xfrm>
-          <a:prstGeom prst="rect">
-            <a:avLst/>
-          </a:prstGeom>
-          <a:noFill/>
-          <a:ln>
-            <a:noFill/>
-          </a:ln>
-        </p:spPr>
-      </p:pic>
-      <p:pic>
-        <p:nvPicPr>
-          <p:cNvPr id="200" name="Google Shape;200;p23"/>
-          <p:cNvPicPr preferRelativeResize="0"/>
-          <p:nvPr/>
-        </p:nvPicPr>
-        <p:blipFill>
-          <a:blip r:embed="rId4">
-            <a:alphaModFix/>
-          </a:blip>
-          <a:stretch>
-            <a:fillRect/>
-          </a:stretch>
-        </p:blipFill>
-        <p:spPr>
-          <a:xfrm>
-            <a:off x="7754525" y="4271600"/>
-            <a:ext cx="1282750" cy="612975"/>
-          </a:xfrm>
-          <a:prstGeom prst="rect">
-            <a:avLst/>
-          </a:prstGeom>
-          <a:noFill/>
-          <a:ln>
-            <a:noFill/>
-          </a:ln>
-        </p:spPr>
-      </p:pic>
     </p:spTree>
   </p:cSld>
   <p:clrMapOvr>
@@ -10905,15 +10944,135 @@
             </a:pPr>
             <a:r>
               <a:rPr lang="en"/>
-              <a:t>Coefficient Indicator</a:t>
+              <a:t>Databases</a:t>
             </a:r>
             <a:endParaRPr/>
+          </a:p>
+        </p:txBody>
+      </p:sp>
+      <p:sp>
+        <p:nvSpPr>
+          <p:cNvPr id="206" name="Google Shape;206;p24"/>
+          <p:cNvSpPr txBox="1"/>
+          <p:nvPr>
+            <p:ph idx="1" type="body"/>
+          </p:nvPr>
+        </p:nvSpPr>
+        <p:spPr>
+          <a:xfrm>
+            <a:off x="1386325" y="1676288"/>
+            <a:ext cx="3991800" cy="2911200"/>
+          </a:xfrm>
+          <a:prstGeom prst="rect">
+            <a:avLst/>
+          </a:prstGeom>
+        </p:spPr>
+        <p:txBody>
+          <a:bodyPr anchorCtr="0" anchor="t" bIns="91425" lIns="91425" spcFirstLastPara="1" rIns="91425" wrap="square" tIns="91425">
+            <a:normAutofit/>
+          </a:bodyPr>
+          <a:lstStyle/>
+          <a:p>
+            <a:pPr indent="0" lvl="0" marL="0" marR="0" rtl="0" algn="l">
+              <a:lnSpc>
+                <a:spcPct val="115000"/>
+              </a:lnSpc>
+              <a:spcBef>
+                <a:spcPts val="0"/>
+              </a:spcBef>
+              <a:spcAft>
+                <a:spcPts val="0"/>
+              </a:spcAft>
+              <a:buNone/>
+            </a:pPr>
+            <a:r>
+              <a:rPr lang="en" sz="1700"/>
+              <a:t>Two tables:</a:t>
+            </a:r>
+            <a:endParaRPr sz="1700"/>
+          </a:p>
+          <a:p>
+            <a:pPr indent="-336550" lvl="0" marL="914400" marR="0" rtl="0" algn="l">
+              <a:lnSpc>
+                <a:spcPct val="115000"/>
+              </a:lnSpc>
+              <a:spcBef>
+                <a:spcPts val="1200"/>
+              </a:spcBef>
+              <a:spcAft>
+                <a:spcPts val="0"/>
+              </a:spcAft>
+              <a:buSzPts val="1700"/>
+              <a:buChar char="●"/>
+            </a:pPr>
+            <a:r>
+              <a:rPr lang="en" sz="1700"/>
+              <a:t>Input</a:t>
+            </a:r>
+            <a:endParaRPr sz="1700"/>
+          </a:p>
+          <a:p>
+            <a:pPr indent="-336550" lvl="0" marL="914400" marR="0" rtl="0" algn="l">
+              <a:lnSpc>
+                <a:spcPct val="115000"/>
+              </a:lnSpc>
+              <a:spcBef>
+                <a:spcPts val="0"/>
+              </a:spcBef>
+              <a:spcAft>
+                <a:spcPts val="0"/>
+              </a:spcAft>
+              <a:buSzPts val="1700"/>
+              <a:buChar char="●"/>
+            </a:pPr>
+            <a:r>
+              <a:rPr lang="en" sz="1700"/>
+              <a:t>Output</a:t>
+            </a:r>
+            <a:endParaRPr sz="1700"/>
+          </a:p>
+          <a:p>
+            <a:pPr indent="0" lvl="0" marL="0" marR="0" rtl="0" algn="l">
+              <a:lnSpc>
+                <a:spcPct val="115000"/>
+              </a:lnSpc>
+              <a:spcBef>
+                <a:spcPts val="1200"/>
+              </a:spcBef>
+              <a:spcAft>
+                <a:spcPts val="0"/>
+              </a:spcAft>
+              <a:buNone/>
+            </a:pPr>
+            <a:r>
+              <a:rPr lang="en" sz="1700"/>
+              <a:t>Machine Learning Results</a:t>
+            </a:r>
+            <a:endParaRPr sz="1700"/>
+          </a:p>
+          <a:p>
+            <a:pPr indent="0" lvl="0" marL="0" marR="0" rtl="0" algn="l">
+              <a:lnSpc>
+                <a:spcPct val="115000"/>
+              </a:lnSpc>
+              <a:spcBef>
+                <a:spcPts val="1200"/>
+              </a:spcBef>
+              <a:spcAft>
+                <a:spcPts val="1200"/>
+              </a:spcAft>
+              <a:buNone/>
+            </a:pPr>
+            <a:r>
+              <a:t/>
+            </a:r>
+            <a:endParaRPr sz="1700"/>
           </a:p>
         </p:txBody>
       </p:sp>
       <p:pic>
         <p:nvPicPr>
-          <p:cNvPr id="206" name="Google Shape;206;p24"/>
+          <p:cNvPr id="207" name="Google Shape;207;p24"/>
           <p:cNvPicPr preferRelativeResize="0"/>
           <p:nvPr/>
         </p:nvPicPr>
@@ -10927,8 +11086,8 @@
         </p:blipFill>
         <p:spPr>
           <a:xfrm>
-            <a:off x="1534300" y="1460950"/>
-            <a:ext cx="6075401" cy="3393475"/>
+            <a:off x="5894922" y="1567563"/>
+            <a:ext cx="2746675" cy="3128675"/>
           </a:xfrm>
           <a:prstGeom prst="rect">
             <a:avLst/>
@@ -10941,7 +11100,7 @@
       </p:pic>
       <p:pic>
         <p:nvPicPr>
-          <p:cNvPr id="207" name="Google Shape;207;p24"/>
+          <p:cNvPr id="208" name="Google Shape;208;p24"/>
           <p:cNvPicPr preferRelativeResize="0"/>
           <p:nvPr/>
         </p:nvPicPr>
@@ -10955,8 +11114,8 @@
         </p:blipFill>
         <p:spPr>
           <a:xfrm>
-            <a:off x="7754575" y="4317350"/>
-            <a:ext cx="1256200" cy="537075"/>
+            <a:off x="3685550" y="3435450"/>
+            <a:ext cx="1464900" cy="820333"/>
           </a:xfrm>
           <a:prstGeom prst="rect">
             <a:avLst/>
@@ -10980,7 +11139,7 @@
   <p:cSld>
     <p:spTree>
       <p:nvGrpSpPr>
-        <p:cNvPr id="211" name="Shape 211"/>
+        <p:cNvPr id="212" name="Shape 212"/>
         <p:cNvGrpSpPr/>
         <p:nvPr/>
       </p:nvGrpSpPr>
@@ -10994,7 +11153,7 @@
       </p:grpSpPr>
       <p:sp>
         <p:nvSpPr>
-          <p:cNvPr id="212" name="Google Shape;212;p25"/>
+          <p:cNvPr id="213" name="Google Shape;213;p25"/>
           <p:cNvSpPr txBox="1"/>
           <p:nvPr>
             <p:ph type="title"/>
@@ -11034,7 +11193,7 @@
       </p:sp>
       <p:sp>
         <p:nvSpPr>
-          <p:cNvPr id="213" name="Google Shape;213;p25"/>
+          <p:cNvPr id="214" name="Google Shape;214;p25"/>
           <p:cNvSpPr txBox="1"/>
           <p:nvPr>
             <p:ph idx="1" type="body"/>
@@ -11060,12 +11219,37 @@
                 <a:spcPts val="0"/>
               </a:spcBef>
               <a:spcAft>
+                <a:spcPts val="0"/>
+              </a:spcAft>
+              <a:buNone/>
+            </a:pPr>
+            <a:r>
+              <a:rPr lang="en"/>
+              <a:t>Directionality, </a:t>
+            </a:r>
+            <a:r>
+              <a:rPr lang="en"/>
+              <a:t>outline</a:t>
+            </a:r>
+            <a:r>
+              <a:rPr lang="en"/>
+              <a:t> states, outling education level bachelors 9-12 graduate, model that works what we found is robust. </a:t>
+            </a:r>
+            <a:endParaRPr/>
+          </a:p>
+          <a:p>
+            <a:pPr indent="0" lvl="0" marL="0" rtl="0" algn="l">
+              <a:spcBef>
                 <a:spcPts val="1200"/>
+              </a:spcBef>
+              <a:spcAft>
+                <a:spcPts val="1200"/>
               </a:spcAft>
               <a:buNone/>
             </a:pPr>
             <a:r>
-              <a:t/>
+              <a:rPr lang="en"/>
+              <a:t>[Insert Heat Map updated version]</a:t>
             </a:r>
             <a:endParaRPr/>
           </a:p>
@@ -11084,7 +11268,7 @@
   <p:cSld>
     <p:spTree>
       <p:nvGrpSpPr>
-        <p:cNvPr id="217" name="Shape 217"/>
+        <p:cNvPr id="218" name="Shape 218"/>
         <p:cNvGrpSpPr/>
         <p:nvPr/>
       </p:nvGrpSpPr>
@@ -11098,7 +11282,7 @@
       </p:grpSpPr>
       <p:sp>
         <p:nvSpPr>
-          <p:cNvPr id="218" name="Google Shape;218;p26"/>
+          <p:cNvPr id="219" name="Google Shape;219;p26"/>
           <p:cNvSpPr txBox="1"/>
           <p:nvPr>
             <p:ph type="title"/>
@@ -11138,7 +11322,245 @@
       </p:sp>
       <p:sp>
         <p:nvSpPr>
-          <p:cNvPr id="219" name="Google Shape;219;p26"/>
+          <p:cNvPr id="220" name="Google Shape;220;p26"/>
+          <p:cNvSpPr txBox="1"/>
+          <p:nvPr>
+            <p:ph idx="1" type="body"/>
+          </p:nvPr>
+        </p:nvSpPr>
+        <p:spPr>
+          <a:xfrm>
+            <a:off x="1297500" y="1567550"/>
+            <a:ext cx="7038900" cy="2911200"/>
+          </a:xfrm>
+          <a:prstGeom prst="rect">
+            <a:avLst/>
+          </a:prstGeom>
+        </p:spPr>
+        <p:txBody>
+          <a:bodyPr anchorCtr="0" anchor="t" bIns="91425" lIns="91425" spcFirstLastPara="1" rIns="91425" wrap="square" tIns="91425">
+            <a:normAutofit lnSpcReduction="10000"/>
+          </a:bodyPr>
+          <a:lstStyle/>
+          <a:p>
+            <a:pPr indent="0" lvl="0" marL="0" rtl="0" algn="l">
+              <a:spcBef>
+                <a:spcPts val="0"/>
+              </a:spcBef>
+              <a:spcAft>
+                <a:spcPts val="0"/>
+              </a:spcAft>
+              <a:buNone/>
+            </a:pPr>
+            <a:r>
+              <a:rPr lang="en"/>
+              <a:t>Focus in on the Outliers Montana, </a:t>
+            </a:r>
+            <a:r>
+              <a:rPr lang="en"/>
+              <a:t>Louisiana</a:t>
+            </a:r>
+            <a:r>
+              <a:rPr lang="en"/>
+              <a:t> and Alaska Nevada</a:t>
+            </a:r>
+            <a:endParaRPr/>
+          </a:p>
+          <a:p>
+            <a:pPr indent="0" lvl="0" marL="0" rtl="0" algn="l">
+              <a:spcBef>
+                <a:spcPts val="1200"/>
+              </a:spcBef>
+              <a:spcAft>
+                <a:spcPts val="0"/>
+              </a:spcAft>
+              <a:buNone/>
+            </a:pPr>
+            <a:r>
+              <a:rPr lang="en"/>
+              <a:t>Split data </a:t>
+            </a:r>
+            <a:r>
+              <a:rPr lang="en"/>
+              <a:t>further</a:t>
+            </a:r>
+            <a:r>
+              <a:rPr lang="en"/>
+              <a:t> gender,  race migrant population, age</a:t>
+            </a:r>
+            <a:endParaRPr/>
+          </a:p>
+          <a:p>
+            <a:pPr indent="0" lvl="0" marL="0" rtl="0" algn="l">
+              <a:spcBef>
+                <a:spcPts val="1200"/>
+              </a:spcBef>
+              <a:spcAft>
+                <a:spcPts val="0"/>
+              </a:spcAft>
+              <a:buNone/>
+            </a:pPr>
+            <a:r>
+              <a:rPr lang="en"/>
+              <a:t>Expand Machine Learning Model</a:t>
+            </a:r>
+            <a:endParaRPr/>
+          </a:p>
+          <a:p>
+            <a:pPr indent="0" lvl="0" marL="0" rtl="0" algn="l">
+              <a:spcBef>
+                <a:spcPts val="1200"/>
+              </a:spcBef>
+              <a:spcAft>
+                <a:spcPts val="0"/>
+              </a:spcAft>
+              <a:buNone/>
+            </a:pPr>
+            <a:r>
+              <a:rPr lang="en"/>
+              <a:t>Other </a:t>
+            </a:r>
+            <a:r>
+              <a:rPr lang="en"/>
+              <a:t>impact on per capita income - </a:t>
+            </a:r>
+            <a:r>
+              <a:rPr lang="en"/>
+              <a:t>Primary Industries by state, industry performance</a:t>
+            </a:r>
+            <a:endParaRPr/>
+          </a:p>
+          <a:p>
+            <a:pPr indent="0" lvl="0" marL="0" rtl="0" algn="l">
+              <a:spcBef>
+                <a:spcPts val="1200"/>
+              </a:spcBef>
+              <a:spcAft>
+                <a:spcPts val="0"/>
+              </a:spcAft>
+              <a:buNone/>
+            </a:pPr>
+            <a:r>
+              <a:rPr lang="en"/>
+              <a:t>Geographical income</a:t>
+            </a:r>
+            <a:endParaRPr/>
+          </a:p>
+          <a:p>
+            <a:pPr indent="0" lvl="0" marL="0" rtl="0" algn="l">
+              <a:spcBef>
+                <a:spcPts val="1200"/>
+              </a:spcBef>
+              <a:spcAft>
+                <a:spcPts val="0"/>
+              </a:spcAft>
+              <a:buNone/>
+            </a:pPr>
+            <a:r>
+              <a:t/>
+            </a:r>
+            <a:endParaRPr/>
+          </a:p>
+          <a:p>
+            <a:pPr indent="0" lvl="0" marL="0" rtl="0" algn="l">
+              <a:spcBef>
+                <a:spcPts val="1200"/>
+              </a:spcBef>
+              <a:spcAft>
+                <a:spcPts val="0"/>
+              </a:spcAft>
+              <a:buNone/>
+            </a:pPr>
+            <a:r>
+              <a:t/>
+            </a:r>
+            <a:endParaRPr/>
+          </a:p>
+          <a:p>
+            <a:pPr indent="0" lvl="0" marL="0" rtl="0" algn="l">
+              <a:spcBef>
+                <a:spcPts val="1200"/>
+              </a:spcBef>
+              <a:spcAft>
+                <a:spcPts val="1200"/>
+              </a:spcAft>
+              <a:buNone/>
+            </a:pPr>
+            <a:r>
+              <a:t/>
+            </a:r>
+            <a:endParaRPr/>
+          </a:p>
+        </p:txBody>
+      </p:sp>
+    </p:spTree>
+  </p:cSld>
+  <p:clrMapOvr>
+    <a:masterClrMapping/>
+  </p:clrMapOvr>
+</p:sld>
+</file>
+
+<file path=ppt/slides/slide15.xml><?xml version="1.0" encoding="utf-8"?>
+<p:sld xmlns:a="http://schemas.openxmlformats.org/drawingml/2006/main" xmlns:r="http://schemas.openxmlformats.org/officeDocument/2006/relationships" xmlns:mc="http://schemas.openxmlformats.org/markup-compatibility/2006" xmlns:mv="urn:schemas-microsoft-com:mac:vml" xmlns:p="http://schemas.openxmlformats.org/presentationml/2006/main" xmlns:c="http://schemas.openxmlformats.org/drawingml/2006/chart" xmlns:dgm="http://schemas.openxmlformats.org/drawingml/2006/diagram" xmlns:o="urn:schemas-microsoft-com:office:office" xmlns:v="urn:schemas-microsoft-com:vml" xmlns:pvml="urn:schemas-microsoft-com:office:powerpoint" xmlns:com="http://schemas.openxmlformats.org/drawingml/2006/compatibility" xmlns:p14="http://schemas.microsoft.com/office/powerpoint/2010/main" xmlns:p15="http://schemas.microsoft.com/office/powerpoint/2012/main" xmlns:ahyp="http://schemas.microsoft.com/office/drawing/2018/hyperlinkcolor">
+  <p:cSld>
+    <p:spTree>
+      <p:nvGrpSpPr>
+        <p:cNvPr id="224" name="Shape 224"/>
+        <p:cNvGrpSpPr/>
+        <p:nvPr/>
+      </p:nvGrpSpPr>
+      <p:grpSpPr>
+        <a:xfrm>
+          <a:off x="0" y="0"/>
+          <a:ext cx="0" cy="0"/>
+          <a:chOff x="0" y="0"/>
+          <a:chExt cx="0" cy="0"/>
+        </a:xfrm>
+      </p:grpSpPr>
+      <p:sp>
+        <p:nvSpPr>
+          <p:cNvPr id="225" name="Google Shape;225;p27"/>
+          <p:cNvSpPr txBox="1"/>
+          <p:nvPr>
+            <p:ph type="title"/>
+          </p:nvPr>
+        </p:nvSpPr>
+        <p:spPr>
+          <a:xfrm>
+            <a:off x="1297500" y="393750"/>
+            <a:ext cx="7038900" cy="914100"/>
+          </a:xfrm>
+          <a:prstGeom prst="rect">
+            <a:avLst/>
+          </a:prstGeom>
+        </p:spPr>
+        <p:txBody>
+          <a:bodyPr anchorCtr="0" anchor="ctr" bIns="91425" lIns="91425" spcFirstLastPara="1" rIns="91425" wrap="square" tIns="91425">
+            <a:normAutofit/>
+          </a:bodyPr>
+          <a:lstStyle/>
+          <a:p>
+            <a:pPr indent="0" lvl="0" marL="0" rtl="0" algn="ctr">
+              <a:spcBef>
+                <a:spcPts val="0"/>
+              </a:spcBef>
+              <a:spcAft>
+                <a:spcPts val="0"/>
+              </a:spcAft>
+              <a:buNone/>
+            </a:pPr>
+            <a:r>
+              <a:rPr lang="en"/>
+              <a:t>Anything that would be done differently</a:t>
+            </a:r>
+            <a:endParaRPr/>
+          </a:p>
+        </p:txBody>
+      </p:sp>
+      <p:sp>
+        <p:nvSpPr>
+          <p:cNvPr id="226" name="Google Shape;226;p27"/>
           <p:cNvSpPr txBox="1"/>
           <p:nvPr>
             <p:ph idx="1" type="body"/>
@@ -11164,6 +11586,54 @@
                 <a:spcPts val="0"/>
               </a:spcBef>
               <a:spcAft>
+                <a:spcPts val="0"/>
+              </a:spcAft>
+              <a:buNone/>
+            </a:pPr>
+            <a:r>
+              <a:rPr lang="en"/>
+              <a:t>Dive in deeper</a:t>
+            </a:r>
+            <a:endParaRPr/>
+          </a:p>
+          <a:p>
+            <a:pPr indent="0" lvl="0" marL="0" rtl="0" algn="l">
+              <a:spcBef>
+                <a:spcPts val="1200"/>
+              </a:spcBef>
+              <a:spcAft>
+                <a:spcPts val="0"/>
+              </a:spcAft>
+              <a:buNone/>
+            </a:pPr>
+            <a:r>
+              <a:rPr lang="en"/>
+              <a:t>Structure output as csv instead of JSON</a:t>
+            </a:r>
+            <a:endParaRPr/>
+          </a:p>
+          <a:p>
+            <a:pPr indent="0" lvl="0" marL="0" rtl="0" algn="l">
+              <a:spcBef>
+                <a:spcPts val="1200"/>
+              </a:spcBef>
+              <a:spcAft>
+                <a:spcPts val="0"/>
+              </a:spcAft>
+              <a:buNone/>
+            </a:pPr>
+            <a:r>
+              <a:rPr lang="en"/>
+              <a:t>Go further back on the data years</a:t>
+            </a:r>
+            <a:endParaRPr/>
+          </a:p>
+          <a:p>
+            <a:pPr indent="0" lvl="0" marL="0" rtl="0" algn="l">
+              <a:spcBef>
+                <a:spcPts val="1200"/>
+              </a:spcBef>
+              <a:spcAft>
                 <a:spcPts val="1200"/>
               </a:spcAft>
               <a:buNone/>
@@ -11183,12 +11653,12 @@
 </p:sld>
 </file>
 
-<file path=ppt/slides/slide15.xml><?xml version="1.0" encoding="utf-8"?>
+<file path=ppt/slides/slide16.xml><?xml version="1.0" encoding="utf-8"?>
 <p:sld xmlns:a="http://schemas.openxmlformats.org/drawingml/2006/main" xmlns:r="http://schemas.openxmlformats.org/officeDocument/2006/relationships" xmlns:mc="http://schemas.openxmlformats.org/markup-compatibility/2006" xmlns:mv="urn:schemas-microsoft-com:mac:vml" xmlns:p="http://schemas.openxmlformats.org/presentationml/2006/main" xmlns:c="http://schemas.openxmlformats.org/drawingml/2006/chart" xmlns:dgm="http://schemas.openxmlformats.org/drawingml/2006/diagram" xmlns:o="urn:schemas-microsoft-com:office:office" xmlns:v="urn:schemas-microsoft-com:vml" xmlns:pvml="urn:schemas-microsoft-com:office:powerpoint" xmlns:com="http://schemas.openxmlformats.org/drawingml/2006/compatibility" xmlns:p14="http://schemas.microsoft.com/office/powerpoint/2010/main" xmlns:p15="http://schemas.microsoft.com/office/powerpoint/2012/main" xmlns:ahyp="http://schemas.microsoft.com/office/drawing/2018/hyperlinkcolor">
   <p:cSld>
     <p:spTree>
       <p:nvGrpSpPr>
-        <p:cNvPr id="223" name="Shape 223"/>
+        <p:cNvPr id="230" name="Shape 230"/>
         <p:cNvGrpSpPr/>
         <p:nvPr/>
       </p:nvGrpSpPr>
@@ -11202,7 +11672,7 @@
       </p:grpSpPr>
       <p:sp>
         <p:nvSpPr>
-          <p:cNvPr id="224" name="Google Shape;224;p27"/>
+          <p:cNvPr id="231" name="Google Shape;231;p28"/>
           <p:cNvSpPr txBox="1"/>
           <p:nvPr>
             <p:ph type="title"/>
@@ -11234,7 +11704,7 @@
             </a:pPr>
             <a:r>
               <a:rPr lang="en"/>
-              <a:t>Anything that would be done differently</a:t>
+              <a:t>Technologies, Languages, Tools and Libraries</a:t>
             </a:r>
             <a:endParaRPr/>
           </a:p>
@@ -11242,111 +11712,7 @@
       </p:sp>
       <p:sp>
         <p:nvSpPr>
-          <p:cNvPr id="225" name="Google Shape;225;p27"/>
-          <p:cNvSpPr txBox="1"/>
-          <p:nvPr>
-            <p:ph idx="1" type="body"/>
-          </p:nvPr>
-        </p:nvSpPr>
-        <p:spPr>
-          <a:xfrm>
-            <a:off x="1297500" y="1567550"/>
-            <a:ext cx="7038900" cy="2911200"/>
-          </a:xfrm>
-          <a:prstGeom prst="rect">
-            <a:avLst/>
-          </a:prstGeom>
-        </p:spPr>
-        <p:txBody>
-          <a:bodyPr anchorCtr="0" anchor="t" bIns="91425" lIns="91425" spcFirstLastPara="1" rIns="91425" wrap="square" tIns="91425">
-            <a:normAutofit/>
-          </a:bodyPr>
-          <a:lstStyle/>
-          <a:p>
-            <a:pPr indent="0" lvl="0" marL="0" rtl="0" algn="l">
-              <a:spcBef>
-                <a:spcPts val="0"/>
-              </a:spcBef>
-              <a:spcAft>
-                <a:spcPts val="1200"/>
-              </a:spcAft>
-              <a:buNone/>
-            </a:pPr>
-            <a:r>
-              <a:t/>
-            </a:r>
-            <a:endParaRPr/>
-          </a:p>
-        </p:txBody>
-      </p:sp>
-    </p:spTree>
-  </p:cSld>
-  <p:clrMapOvr>
-    <a:masterClrMapping/>
-  </p:clrMapOvr>
-</p:sld>
-</file>
-
-<file path=ppt/slides/slide16.xml><?xml version="1.0" encoding="utf-8"?>
-<p:sld xmlns:a="http://schemas.openxmlformats.org/drawingml/2006/main" xmlns:r="http://schemas.openxmlformats.org/officeDocument/2006/relationships" xmlns:mc="http://schemas.openxmlformats.org/markup-compatibility/2006" xmlns:mv="urn:schemas-microsoft-com:mac:vml" xmlns:p="http://schemas.openxmlformats.org/presentationml/2006/main" xmlns:c="http://schemas.openxmlformats.org/drawingml/2006/chart" xmlns:dgm="http://schemas.openxmlformats.org/drawingml/2006/diagram" xmlns:o="urn:schemas-microsoft-com:office:office" xmlns:v="urn:schemas-microsoft-com:vml" xmlns:pvml="urn:schemas-microsoft-com:office:powerpoint" xmlns:com="http://schemas.openxmlformats.org/drawingml/2006/compatibility" xmlns:p14="http://schemas.microsoft.com/office/powerpoint/2010/main" xmlns:p15="http://schemas.microsoft.com/office/powerpoint/2012/main" xmlns:ahyp="http://schemas.microsoft.com/office/drawing/2018/hyperlinkcolor">
-  <p:cSld>
-    <p:spTree>
-      <p:nvGrpSpPr>
-        <p:cNvPr id="229" name="Shape 229"/>
-        <p:cNvGrpSpPr/>
-        <p:nvPr/>
-      </p:nvGrpSpPr>
-      <p:grpSpPr>
-        <a:xfrm>
-          <a:off x="0" y="0"/>
-          <a:ext cx="0" cy="0"/>
-          <a:chOff x="0" y="0"/>
-          <a:chExt cx="0" cy="0"/>
-        </a:xfrm>
-      </p:grpSpPr>
-      <p:sp>
-        <p:nvSpPr>
-          <p:cNvPr id="230" name="Google Shape;230;p28"/>
-          <p:cNvSpPr txBox="1"/>
-          <p:nvPr>
-            <p:ph type="title"/>
-          </p:nvPr>
-        </p:nvSpPr>
-        <p:spPr>
-          <a:xfrm>
-            <a:off x="1297500" y="393750"/>
-            <a:ext cx="7038900" cy="914100"/>
-          </a:xfrm>
-          <a:prstGeom prst="rect">
-            <a:avLst/>
-          </a:prstGeom>
-        </p:spPr>
-        <p:txBody>
-          <a:bodyPr anchorCtr="0" anchor="ctr" bIns="91425" lIns="91425" spcFirstLastPara="1" rIns="91425" wrap="square" tIns="91425">
-            <a:normAutofit/>
-          </a:bodyPr>
-          <a:lstStyle/>
-          <a:p>
-            <a:pPr indent="0" lvl="0" marL="0" rtl="0" algn="ctr">
-              <a:spcBef>
-                <a:spcPts val="0"/>
-              </a:spcBef>
-              <a:spcAft>
-                <a:spcPts val="0"/>
-              </a:spcAft>
-              <a:buNone/>
-            </a:pPr>
-            <a:r>
-              <a:rPr lang="en"/>
-              <a:t>Technologies, Languages, Tools and Libraries</a:t>
-            </a:r>
-            <a:endParaRPr/>
-          </a:p>
-        </p:txBody>
-      </p:sp>
-      <p:sp>
-        <p:nvSpPr>
-          <p:cNvPr id="231" name="Google Shape;231;p28"/>
+          <p:cNvPr id="232" name="Google Shape;232;p28"/>
           <p:cNvSpPr txBox="1"/>
           <p:nvPr>
             <p:ph idx="1" type="body"/>
@@ -11518,7 +11884,7 @@
       </p:sp>
       <p:sp>
         <p:nvSpPr>
-          <p:cNvPr id="232" name="Google Shape;232;p28"/>
+          <p:cNvPr id="233" name="Google Shape;233;p28"/>
           <p:cNvSpPr txBox="1"/>
           <p:nvPr>
             <p:ph idx="2" type="body"/>
@@ -12958,6 +13324,34 @@
           </a:p>
         </p:txBody>
       </p:sp>
+      <p:pic>
+        <p:nvPicPr>
+          <p:cNvPr id="174" name="Google Shape;174;p19"/>
+          <p:cNvPicPr preferRelativeResize="0"/>
+          <p:nvPr/>
+        </p:nvPicPr>
+        <p:blipFill>
+          <a:blip r:embed="rId4">
+            <a:alphaModFix/>
+          </a:blip>
+          <a:stretch>
+            <a:fillRect/>
+          </a:stretch>
+        </p:blipFill>
+        <p:spPr>
+          <a:xfrm>
+            <a:off x="2947475" y="2387425"/>
+            <a:ext cx="3413025" cy="2560625"/>
+          </a:xfrm>
+          <a:prstGeom prst="rect">
+            <a:avLst/>
+          </a:prstGeom>
+          <a:noFill/>
+          <a:ln>
+            <a:noFill/>
+          </a:ln>
+        </p:spPr>
+      </p:pic>
     </p:spTree>
   </p:cSld>
   <p:clrMapOvr>
@@ -12971,7 +13365,7 @@
   <p:cSld>
     <p:spTree>
       <p:nvGrpSpPr>
-        <p:cNvPr id="177" name="Shape 177"/>
+        <p:cNvPr id="178" name="Shape 178"/>
         <p:cNvGrpSpPr/>
         <p:nvPr/>
       </p:nvGrpSpPr>
@@ -12985,7 +13379,7 @@
       </p:grpSpPr>
       <p:sp>
         <p:nvSpPr>
-          <p:cNvPr id="178" name="Google Shape;178;p20"/>
+          <p:cNvPr id="179" name="Google Shape;179;p20"/>
           <p:cNvSpPr txBox="1"/>
           <p:nvPr>
             <p:ph type="title"/>
@@ -13017,7 +13411,7 @@
             </a:pPr>
             <a:r>
               <a:rPr lang="en"/>
-              <a:t>Databases</a:t>
+              <a:t>Analysis - Linear Regression</a:t>
             </a:r>
             <a:endParaRPr/>
           </a:p>
@@ -13025,188 +13419,7 @@
       </p:sp>
       <p:sp>
         <p:nvSpPr>
-          <p:cNvPr id="179" name="Google Shape;179;p20"/>
-          <p:cNvSpPr txBox="1"/>
-          <p:nvPr>
-            <p:ph idx="1" type="body"/>
-          </p:nvPr>
-        </p:nvSpPr>
-        <p:spPr>
-          <a:xfrm>
-            <a:off x="1297500" y="1567550"/>
-            <a:ext cx="3991800" cy="2911200"/>
-          </a:xfrm>
-          <a:prstGeom prst="rect">
-            <a:avLst/>
-          </a:prstGeom>
-        </p:spPr>
-        <p:txBody>
-          <a:bodyPr anchorCtr="0" anchor="t" bIns="91425" lIns="91425" spcFirstLastPara="1" rIns="91425" wrap="square" tIns="91425">
-            <a:normAutofit/>
-          </a:bodyPr>
-          <a:lstStyle/>
-          <a:p>
-            <a:pPr indent="0" lvl="0" marL="0" rtl="0" algn="l">
-              <a:spcBef>
-                <a:spcPts val="0"/>
-              </a:spcBef>
-              <a:spcAft>
-                <a:spcPts val="0"/>
-              </a:spcAft>
-              <a:buNone/>
-            </a:pPr>
-            <a:r>
-              <a:rPr lang="en" sz="1700"/>
-              <a:t>SQL pgAdmin </a:t>
-            </a:r>
-            <a:endParaRPr sz="1700"/>
-          </a:p>
-          <a:p>
-            <a:pPr indent="0" lvl="0" marL="0" rtl="0" algn="l">
-              <a:spcBef>
-                <a:spcPts val="1200"/>
-              </a:spcBef>
-              <a:spcAft>
-                <a:spcPts val="0"/>
-              </a:spcAft>
-              <a:buNone/>
-            </a:pPr>
-            <a:r>
-              <a:rPr lang="en" sz="1700"/>
-              <a:t>Database Creation</a:t>
-            </a:r>
-            <a:endParaRPr sz="1700"/>
-          </a:p>
-          <a:p>
-            <a:pPr indent="0" lvl="0" marL="0" rtl="0" algn="l">
-              <a:spcBef>
-                <a:spcPts val="1200"/>
-              </a:spcBef>
-              <a:spcAft>
-                <a:spcPts val="0"/>
-              </a:spcAft>
-              <a:buNone/>
-            </a:pPr>
-            <a:r>
-              <a:rPr lang="en" sz="1700"/>
-              <a:t>Database connected to Machine Learning Model</a:t>
-            </a:r>
-            <a:endParaRPr sz="1700"/>
-          </a:p>
-          <a:p>
-            <a:pPr indent="0" lvl="0" marL="0" rtl="0" algn="l">
-              <a:spcBef>
-                <a:spcPts val="1200"/>
-              </a:spcBef>
-              <a:spcAft>
-                <a:spcPts val="1200"/>
-              </a:spcAft>
-              <a:buNone/>
-            </a:pPr>
-            <a:r>
-              <a:rPr lang="en" sz="1700"/>
-              <a:t>Data is then stored for future reference</a:t>
-            </a:r>
-            <a:endParaRPr sz="1700"/>
-          </a:p>
-        </p:txBody>
-      </p:sp>
-      <p:pic>
-        <p:nvPicPr>
           <p:cNvPr id="180" name="Google Shape;180;p20"/>
-          <p:cNvPicPr preferRelativeResize="0"/>
-          <p:nvPr/>
-        </p:nvPicPr>
-        <p:blipFill>
-          <a:blip r:embed="rId3">
-            <a:alphaModFix/>
-          </a:blip>
-          <a:stretch>
-            <a:fillRect/>
-          </a:stretch>
-        </p:blipFill>
-        <p:spPr>
-          <a:xfrm>
-            <a:off x="6117022" y="1567550"/>
-            <a:ext cx="2746675" cy="3128675"/>
-          </a:xfrm>
-          <a:prstGeom prst="rect">
-            <a:avLst/>
-          </a:prstGeom>
-          <a:noFill/>
-          <a:ln>
-            <a:noFill/>
-          </a:ln>
-        </p:spPr>
-      </p:pic>
-    </p:spTree>
-  </p:cSld>
-  <p:clrMapOvr>
-    <a:masterClrMapping/>
-  </p:clrMapOvr>
-</p:sld>
-</file>
-
-<file path=ppt/slides/slide9.xml><?xml version="1.0" encoding="utf-8"?>
-<p:sld xmlns:a="http://schemas.openxmlformats.org/drawingml/2006/main" xmlns:r="http://schemas.openxmlformats.org/officeDocument/2006/relationships" xmlns:mc="http://schemas.openxmlformats.org/markup-compatibility/2006" xmlns:mv="urn:schemas-microsoft-com:mac:vml" xmlns:p="http://schemas.openxmlformats.org/presentationml/2006/main" xmlns:c="http://schemas.openxmlformats.org/drawingml/2006/chart" xmlns:dgm="http://schemas.openxmlformats.org/drawingml/2006/diagram" xmlns:o="urn:schemas-microsoft-com:office:office" xmlns:v="urn:schemas-microsoft-com:vml" xmlns:pvml="urn:schemas-microsoft-com:office:powerpoint" xmlns:com="http://schemas.openxmlformats.org/drawingml/2006/compatibility" xmlns:p14="http://schemas.microsoft.com/office/powerpoint/2010/main" xmlns:p15="http://schemas.microsoft.com/office/powerpoint/2012/main" xmlns:ahyp="http://schemas.microsoft.com/office/drawing/2018/hyperlinkcolor">
-  <p:cSld>
-    <p:spTree>
-      <p:nvGrpSpPr>
-        <p:cNvPr id="184" name="Shape 184"/>
-        <p:cNvGrpSpPr/>
-        <p:nvPr/>
-      </p:nvGrpSpPr>
-      <p:grpSpPr>
-        <a:xfrm>
-          <a:off x="0" y="0"/>
-          <a:ext cx="0" cy="0"/>
-          <a:chOff x="0" y="0"/>
-          <a:chExt cx="0" cy="0"/>
-        </a:xfrm>
-      </p:grpSpPr>
-      <p:sp>
-        <p:nvSpPr>
-          <p:cNvPr id="185" name="Google Shape;185;p21"/>
-          <p:cNvSpPr txBox="1"/>
-          <p:nvPr>
-            <p:ph type="title"/>
-          </p:nvPr>
-        </p:nvSpPr>
-        <p:spPr>
-          <a:xfrm>
-            <a:off x="1297500" y="393750"/>
-            <a:ext cx="7038900" cy="914100"/>
-          </a:xfrm>
-          <a:prstGeom prst="rect">
-            <a:avLst/>
-          </a:prstGeom>
-        </p:spPr>
-        <p:txBody>
-          <a:bodyPr anchorCtr="0" anchor="ctr" bIns="91425" lIns="91425" spcFirstLastPara="1" rIns="91425" wrap="square" tIns="91425">
-            <a:normAutofit/>
-          </a:bodyPr>
-          <a:lstStyle/>
-          <a:p>
-            <a:pPr indent="0" lvl="0" marL="0" rtl="0" algn="ctr">
-              <a:spcBef>
-                <a:spcPts val="0"/>
-              </a:spcBef>
-              <a:spcAft>
-                <a:spcPts val="0"/>
-              </a:spcAft>
-              <a:buNone/>
-            </a:pPr>
-            <a:r>
-              <a:rPr lang="en"/>
-              <a:t>Analysis - Linear Regression</a:t>
-            </a:r>
-            <a:endParaRPr/>
-          </a:p>
-        </p:txBody>
-      </p:sp>
-      <p:sp>
-        <p:nvSpPr>
-          <p:cNvPr id="186" name="Google Shape;186;p21"/>
           <p:cNvSpPr txBox="1"/>
           <p:nvPr>
             <p:ph idx="1" type="body"/>
@@ -13343,7 +13556,7 @@
       </p:sp>
       <p:pic>
         <p:nvPicPr>
-          <p:cNvPr id="187" name="Google Shape;187;p21"/>
+          <p:cNvPr id="181" name="Google Shape;181;p20"/>
           <p:cNvPicPr preferRelativeResize="0"/>
           <p:nvPr/>
         </p:nvPicPr>
@@ -13377,7 +13590,428 @@
 </p:sld>
 </file>
 
+<file path=ppt/slides/slide9.xml><?xml version="1.0" encoding="utf-8"?>
+<p:sld xmlns:a="http://schemas.openxmlformats.org/drawingml/2006/main" xmlns:r="http://schemas.openxmlformats.org/officeDocument/2006/relationships" xmlns:mc="http://schemas.openxmlformats.org/markup-compatibility/2006" xmlns:mv="urn:schemas-microsoft-com:mac:vml" xmlns:p="http://schemas.openxmlformats.org/presentationml/2006/main" xmlns:c="http://schemas.openxmlformats.org/drawingml/2006/chart" xmlns:dgm="http://schemas.openxmlformats.org/drawingml/2006/diagram" xmlns:o="urn:schemas-microsoft-com:office:office" xmlns:v="urn:schemas-microsoft-com:vml" xmlns:pvml="urn:schemas-microsoft-com:office:powerpoint" xmlns:com="http://schemas.openxmlformats.org/drawingml/2006/compatibility" xmlns:p14="http://schemas.microsoft.com/office/powerpoint/2010/main" xmlns:p15="http://schemas.microsoft.com/office/powerpoint/2012/main" xmlns:ahyp="http://schemas.microsoft.com/office/drawing/2018/hyperlinkcolor">
+  <p:cSld>
+    <p:spTree>
+      <p:nvGrpSpPr>
+        <p:cNvPr id="185" name="Shape 185"/>
+        <p:cNvGrpSpPr/>
+        <p:nvPr/>
+      </p:nvGrpSpPr>
+      <p:grpSpPr>
+        <a:xfrm>
+          <a:off x="0" y="0"/>
+          <a:ext cx="0" cy="0"/>
+          <a:chOff x="0" y="0"/>
+          <a:chExt cx="0" cy="0"/>
+        </a:xfrm>
+      </p:grpSpPr>
+      <p:sp>
+        <p:nvSpPr>
+          <p:cNvPr id="186" name="Google Shape;186;p21"/>
+          <p:cNvSpPr txBox="1"/>
+          <p:nvPr>
+            <p:ph type="title"/>
+          </p:nvPr>
+        </p:nvSpPr>
+        <p:spPr>
+          <a:xfrm>
+            <a:off x="1297500" y="393750"/>
+            <a:ext cx="7038900" cy="914100"/>
+          </a:xfrm>
+          <a:prstGeom prst="rect">
+            <a:avLst/>
+          </a:prstGeom>
+        </p:spPr>
+        <p:txBody>
+          <a:bodyPr anchorCtr="0" anchor="ctr" bIns="91425" lIns="91425" spcFirstLastPara="1" rIns="91425" wrap="square" tIns="91425">
+            <a:normAutofit/>
+          </a:bodyPr>
+          <a:lstStyle/>
+          <a:p>
+            <a:pPr indent="0" lvl="0" marL="0" rtl="0" algn="ctr">
+              <a:spcBef>
+                <a:spcPts val="0"/>
+              </a:spcBef>
+              <a:spcAft>
+                <a:spcPts val="0"/>
+              </a:spcAft>
+              <a:buNone/>
+            </a:pPr>
+            <a:r>
+              <a:rPr lang="en"/>
+              <a:t>Data Visualization - Tableau</a:t>
+            </a:r>
+            <a:endParaRPr/>
+          </a:p>
+        </p:txBody>
+      </p:sp>
+      <p:sp>
+        <p:nvSpPr>
+          <p:cNvPr id="187" name="Google Shape;187;p21"/>
+          <p:cNvSpPr txBox="1"/>
+          <p:nvPr>
+            <p:ph idx="1" type="body"/>
+          </p:nvPr>
+        </p:nvSpPr>
+        <p:spPr>
+          <a:xfrm>
+            <a:off x="1297500" y="1567550"/>
+            <a:ext cx="7038900" cy="2911200"/>
+          </a:xfrm>
+          <a:prstGeom prst="rect">
+            <a:avLst/>
+          </a:prstGeom>
+        </p:spPr>
+        <p:txBody>
+          <a:bodyPr anchorCtr="0" anchor="t" bIns="91425" lIns="91425" spcFirstLastPara="1" rIns="91425" wrap="square" tIns="91425">
+            <a:normAutofit/>
+          </a:bodyPr>
+          <a:lstStyle/>
+          <a:p>
+            <a:pPr indent="0" lvl="0" marL="0" rtl="0" algn="ctr">
+              <a:spcBef>
+                <a:spcPts val="0"/>
+              </a:spcBef>
+              <a:spcAft>
+                <a:spcPts val="1200"/>
+              </a:spcAft>
+              <a:buNone/>
+            </a:pPr>
+            <a:r>
+              <a:rPr lang="en" sz="1500" u="sng">
+                <a:solidFill>
+                  <a:schemeClr val="hlink"/>
+                </a:solidFill>
+                <a:hlinkClick r:id="rId3"/>
+              </a:rPr>
+              <a:t>https://public.tableau.com/app/profile/yousief.beyene/viz/CoefIndicatorofalleducationalattainments/Sheet1</a:t>
+            </a:r>
+            <a:r>
+              <a:rPr lang="en" sz="1500"/>
+              <a:t> </a:t>
+            </a:r>
+            <a:endParaRPr sz="1500"/>
+          </a:p>
+        </p:txBody>
+      </p:sp>
+      <p:pic>
+        <p:nvPicPr>
+          <p:cNvPr id="188" name="Google Shape;188;p21"/>
+          <p:cNvPicPr preferRelativeResize="0"/>
+          <p:nvPr/>
+        </p:nvPicPr>
+        <p:blipFill>
+          <a:blip r:embed="rId4">
+            <a:alphaModFix/>
+          </a:blip>
+          <a:stretch>
+            <a:fillRect/>
+          </a:stretch>
+        </p:blipFill>
+        <p:spPr>
+          <a:xfrm>
+            <a:off x="1799875" y="2441725"/>
+            <a:ext cx="6034149" cy="2346450"/>
+          </a:xfrm>
+          <a:prstGeom prst="rect">
+            <a:avLst/>
+          </a:prstGeom>
+          <a:noFill/>
+          <a:ln>
+            <a:noFill/>
+          </a:ln>
+        </p:spPr>
+      </p:pic>
+    </p:spTree>
+  </p:cSld>
+  <p:clrMapOvr>
+    <a:masterClrMapping/>
+  </p:clrMapOvr>
+</p:sld>
+</file>
+
 <file path=ppt/theme/theme1.xml><?xml version="1.0" encoding="utf-8"?>
+<a:theme xmlns:a="http://schemas.openxmlformats.org/drawingml/2006/main" xmlns:r="http://schemas.openxmlformats.org/officeDocument/2006/relationships">
+  <a:themeElements>
+    <a:clrScheme name="Default">
+      <a:dk1>
+        <a:srgbClr val="000000"/>
+      </a:dk1>
+      <a:lt1>
+        <a:srgbClr val="FFFFFF"/>
+      </a:lt1>
+      <a:dk2>
+        <a:srgbClr val="158158"/>
+      </a:dk2>
+      <a:lt2>
+        <a:srgbClr val="F3F3F3"/>
+      </a:lt2>
+      <a:accent1>
+        <a:srgbClr val="058DC7"/>
+      </a:accent1>
+      <a:accent2>
+        <a:srgbClr val="50B432"/>
+      </a:accent2>
+      <a:accent3>
+        <a:srgbClr val="ED561B"/>
+      </a:accent3>
+      <a:accent4>
+        <a:srgbClr val="EDEF00"/>
+      </a:accent4>
+      <a:accent5>
+        <a:srgbClr val="24CBE5"/>
+      </a:accent5>
+      <a:accent6>
+        <a:srgbClr val="64E572"/>
+      </a:accent6>
+      <a:hlink>
+        <a:srgbClr val="2200CC"/>
+      </a:hlink>
+      <a:folHlink>
+        <a:srgbClr val="551A8B"/>
+      </a:folHlink>
+    </a:clrScheme>
+    <a:fontScheme name="Office">
+      <a:majorFont>
+        <a:latin typeface="Arial"/>
+        <a:ea typeface=""/>
+        <a:cs typeface=""/>
+        <a:font script="Jpan" typeface="ＭＳ Ｐゴシック"/>
+        <a:font script="Hang" typeface="맑은 고딕"/>
+        <a:font script="Hans" typeface="宋体"/>
+        <a:font script="Hant" typeface="新細明體"/>
+        <a:font script="Arab" typeface="Times New Roman"/>
+        <a:font script="Hebr" typeface="Times New Roman"/>
+        <a:font script="Thai" typeface="Angsana New"/>
+        <a:font script="Ethi" typeface="Nyala"/>
+        <a:font script="Beng" typeface="Vrinda"/>
+        <a:font script="Gujr" typeface="Shruti"/>
+        <a:font script="Khmr" typeface="MoolBoran"/>
+        <a:font script="Knda" typeface="Tunga"/>
+        <a:font script="Guru" typeface="Raavi"/>
+        <a:font script="Cans" typeface="Euphemia"/>
+        <a:font script="Cher" typeface="Plantagenet Cherokee"/>
+        <a:font script="Yiii" typeface="Microsoft Yi Baiti"/>
+        <a:font script="Tibt" typeface="Microsoft Himalaya"/>
+        <a:font script="Thaa" typeface="MV Boli"/>
+        <a:font script="Deva" typeface="Mangal"/>
+        <a:font script="Telu" typeface="Gautami"/>
+        <a:font script="Taml" typeface="Latha"/>
+        <a:font script="Syrc" typeface="Estrangelo Edessa"/>
+        <a:font script="Orya" typeface="Kalinga"/>
+        <a:font script="Mlym" typeface="Kartika"/>
+        <a:font script="Laoo" typeface="DokChampa"/>
+        <a:font script="Sinh" typeface="Iskoola Pota"/>
+        <a:font script="Mong" typeface="Mongolian Baiti"/>
+        <a:font script="Viet" typeface="Times New Roman"/>
+        <a:font script="Uigh" typeface="Microsoft Uighur"/>
+        <a:font script="Geor" typeface="Sylfaen"/>
+      </a:majorFont>
+      <a:minorFont>
+        <a:latin typeface="Arial"/>
+        <a:ea typeface=""/>
+        <a:cs typeface=""/>
+        <a:font script="Jpan" typeface="ＭＳ Ｐゴシック"/>
+        <a:font script="Hang" typeface="맑은 고딕"/>
+        <a:font script="Hans" typeface="宋体"/>
+        <a:font script="Hant" typeface="新細明體"/>
+        <a:font script="Arab" typeface="Arial"/>
+        <a:font script="Hebr" typeface="Arial"/>
+        <a:font script="Thai" typeface="Cordia New"/>
+        <a:font script="Ethi" typeface="Nyala"/>
+        <a:font script="Beng" typeface="Vrinda"/>
+        <a:font script="Gujr" typeface="Shruti"/>
+        <a:font script="Khmr" typeface="DaunPenh"/>
+        <a:font script="Knda" typeface="Tunga"/>
+        <a:font script="Guru" typeface="Raavi"/>
+        <a:font script="Cans" typeface="Euphemia"/>
+        <a:font script="Cher" typeface="Plantagenet Cherokee"/>
+        <a:font script="Yiii" typeface="Microsoft Yi Baiti"/>
+        <a:font script="Tibt" typeface="Microsoft Himalaya"/>
+        <a:font script="Thaa" typeface="MV Boli"/>
+        <a:font script="Deva" typeface="Mangal"/>
+        <a:font script="Telu" typeface="Gautami"/>
+        <a:font script="Taml" typeface="Latha"/>
+        <a:font script="Syrc" typeface="Estrangelo Edessa"/>
+        <a:font script="Orya" typeface="Kalinga"/>
+        <a:font script="Mlym" typeface="Kartika"/>
+        <a:font script="Laoo" typeface="DokChampa"/>
+        <a:font script="Sinh" typeface="Iskoola Pota"/>
+        <a:font script="Mong" typeface="Mongolian Baiti"/>
+        <a:font script="Viet" typeface="Arial"/>
+        <a:font script="Uigh" typeface="Microsoft Uighur"/>
+        <a:font script="Geor" typeface="Sylfaen"/>
+      </a:minorFont>
+    </a:fontScheme>
+    <a:fmtScheme name="Office">
+      <a:fillStyleLst>
+        <a:solidFill>
+          <a:schemeClr val="phClr"/>
+        </a:solidFill>
+        <a:gradFill rotWithShape="1">
+          <a:gsLst>
+            <a:gs pos="0">
+              <a:schemeClr val="phClr">
+                <a:tint val="50000"/>
+                <a:satMod val="300000"/>
+              </a:schemeClr>
+            </a:gs>
+            <a:gs pos="35000">
+              <a:schemeClr val="phClr">
+                <a:tint val="37000"/>
+                <a:satMod val="300000"/>
+              </a:schemeClr>
+            </a:gs>
+            <a:gs pos="100000">
+              <a:schemeClr val="phClr">
+                <a:tint val="15000"/>
+                <a:satMod val="350000"/>
+              </a:schemeClr>
+            </a:gs>
+          </a:gsLst>
+          <a:lin ang="16200000" scaled="1"/>
+        </a:gradFill>
+        <a:gradFill rotWithShape="1">
+          <a:gsLst>
+            <a:gs pos="0">
+              <a:schemeClr val="phClr">
+                <a:tint val="100000"/>
+                <a:shade val="100000"/>
+                <a:satMod val="130000"/>
+              </a:schemeClr>
+            </a:gs>
+            <a:gs pos="100000">
+              <a:schemeClr val="phClr">
+                <a:tint val="50000"/>
+                <a:shade val="100000"/>
+                <a:satMod val="350000"/>
+              </a:schemeClr>
+            </a:gs>
+          </a:gsLst>
+          <a:lin ang="16200000" scaled="0"/>
+        </a:gradFill>
+      </a:fillStyleLst>
+      <a:lnStyleLst>
+        <a:ln w="9525" cap="flat" cmpd="sng" algn="ctr">
+          <a:solidFill>
+            <a:schemeClr val="phClr">
+              <a:shade val="95000"/>
+              <a:satMod val="105000"/>
+            </a:schemeClr>
+          </a:solidFill>
+          <a:prstDash val="solid"/>
+        </a:ln>
+        <a:ln w="25400" cap="flat" cmpd="sng" algn="ctr">
+          <a:solidFill>
+            <a:schemeClr val="phClr"/>
+          </a:solidFill>
+          <a:prstDash val="solid"/>
+        </a:ln>
+        <a:ln w="38100" cap="flat" cmpd="sng" algn="ctr">
+          <a:solidFill>
+            <a:schemeClr val="phClr"/>
+          </a:solidFill>
+          <a:prstDash val="solid"/>
+        </a:ln>
+      </a:lnStyleLst>
+      <a:effectStyleLst>
+        <a:effectStyle>
+          <a:effectLst>
+            <a:outerShdw blurRad="40000" dist="20000" dir="5400000" rotWithShape="0">
+              <a:srgbClr val="000000">
+                <a:alpha val="38000"/>
+              </a:srgbClr>
+            </a:outerShdw>
+          </a:effectLst>
+        </a:effectStyle>
+        <a:effectStyle>
+          <a:effectLst>
+            <a:outerShdw blurRad="40000" dist="23000" dir="5400000" rotWithShape="0">
+              <a:srgbClr val="000000">
+                <a:alpha val="35000"/>
+              </a:srgbClr>
+            </a:outerShdw>
+          </a:effectLst>
+        </a:effectStyle>
+        <a:effectStyle>
+          <a:effectLst>
+            <a:outerShdw blurRad="40000" dist="23000" dir="5400000" rotWithShape="0">
+              <a:srgbClr val="000000">
+                <a:alpha val="35000"/>
+              </a:srgbClr>
+            </a:outerShdw>
+          </a:effectLst>
+          <a:scene3d>
+            <a:camera prst="orthographicFront">
+              <a:rot lat="0" lon="0" rev="0"/>
+            </a:camera>
+            <a:lightRig rig="threePt" dir="t">
+              <a:rot lat="0" lon="0" rev="1200000"/>
+            </a:lightRig>
+          </a:scene3d>
+          <a:sp3d>
+            <a:bevelT w="63500" h="25400"/>
+          </a:sp3d>
+        </a:effectStyle>
+      </a:effectStyleLst>
+      <a:bgFillStyleLst>
+        <a:solidFill>
+          <a:schemeClr val="phClr"/>
+        </a:solidFill>
+        <a:gradFill rotWithShape="1">
+          <a:gsLst>
+            <a:gs pos="0">
+              <a:schemeClr val="phClr">
+                <a:tint val="40000"/>
+                <a:satMod val="350000"/>
+              </a:schemeClr>
+            </a:gs>
+            <a:gs pos="40000">
+              <a:schemeClr val="phClr">
+                <a:tint val="45000"/>
+                <a:shade val="99000"/>
+                <a:satMod val="350000"/>
+              </a:schemeClr>
+            </a:gs>
+            <a:gs pos="100000">
+              <a:schemeClr val="phClr">
+                <a:shade val="20000"/>
+                <a:satMod val="255000"/>
+              </a:schemeClr>
+            </a:gs>
+          </a:gsLst>
+          <a:path path="circle">
+            <a:fillToRect l="50000" t="-80000" r="50000" b="180000"/>
+          </a:path>
+        </a:gradFill>
+        <a:gradFill rotWithShape="1">
+          <a:gsLst>
+            <a:gs pos="0">
+              <a:schemeClr val="phClr">
+                <a:tint val="80000"/>
+                <a:satMod val="300000"/>
+              </a:schemeClr>
+            </a:gs>
+            <a:gs pos="100000">
+              <a:schemeClr val="phClr">
+                <a:shade val="30000"/>
+                <a:satMod val="200000"/>
+              </a:schemeClr>
+            </a:gs>
+          </a:gsLst>
+          <a:path path="circle">
+            <a:fillToRect l="50000" t="50000" r="50000" b="50000"/>
+          </a:path>
+        </a:gradFill>
+      </a:bgFillStyleLst>
+    </a:fmtScheme>
+  </a:themeElements>
+</a:theme>
+</file>
+
+<file path=ppt/theme/theme2.xml><?xml version="1.0" encoding="utf-8"?>
 <a:theme xmlns:a="http://schemas.openxmlformats.org/drawingml/2006/main" xmlns:r="http://schemas.openxmlformats.org/officeDocument/2006/relationships" name="Focus">
   <a:themeElements>
     <a:clrScheme name="Focus">
@@ -13654,283 +14288,4 @@
     </a:fmtScheme>
   </a:themeElements>
 </a:theme>
-</file>
-
-<file path=ppt/theme/theme2.xml><?xml version="1.0" encoding="utf-8"?>
-<a:theme xmlns:a="http://schemas.openxmlformats.org/drawingml/2006/main" xmlns:r="http://schemas.openxmlformats.org/officeDocument/2006/relationships">
-  <a:themeElements>
-    <a:clrScheme name="Default">
-      <a:dk1>
-        <a:srgbClr val="000000"/>
-      </a:dk1>
-      <a:lt1>
-        <a:srgbClr val="FFFFFF"/>
-      </a:lt1>
-      <a:dk2>
-        <a:srgbClr val="158158"/>
-      </a:dk2>
-      <a:lt2>
-        <a:srgbClr val="F3F3F3"/>
-      </a:lt2>
-      <a:accent1>
-        <a:srgbClr val="058DC7"/>
-      </a:accent1>
-      <a:accent2>
-        <a:srgbClr val="50B432"/>
-      </a:accent2>
-      <a:accent3>
-        <a:srgbClr val="ED561B"/>
-      </a:accent3>
-      <a:accent4>
-        <a:srgbClr val="EDEF00"/>
-      </a:accent4>
-      <a:accent5>
-        <a:srgbClr val="24CBE5"/>
-      </a:accent5>
-      <a:accent6>
-        <a:srgbClr val="64E572"/>
-      </a:accent6>
-      <a:hlink>
-        <a:srgbClr val="2200CC"/>
-      </a:hlink>
-      <a:folHlink>
-        <a:srgbClr val="551A8B"/>
-      </a:folHlink>
-    </a:clrScheme>
-    <a:fontScheme name="Office">
-      <a:majorFont>
-        <a:latin typeface="Arial"/>
-        <a:ea typeface=""/>
-        <a:cs typeface=""/>
-        <a:font script="Jpan" typeface="ＭＳ Ｐゴシック"/>
-        <a:font script="Hang" typeface="맑은 고딕"/>
-        <a:font script="Hans" typeface="宋体"/>
-        <a:font script="Hant" typeface="新細明體"/>
-        <a:font script="Arab" typeface="Times New Roman"/>
-        <a:font script="Hebr" typeface="Times New Roman"/>
-        <a:font script="Thai" typeface="Angsana New"/>
-        <a:font script="Ethi" typeface="Nyala"/>
-        <a:font script="Beng" typeface="Vrinda"/>
-        <a:font script="Gujr" typeface="Shruti"/>
-        <a:font script="Khmr" typeface="MoolBoran"/>
-        <a:font script="Knda" typeface="Tunga"/>
-        <a:font script="Guru" typeface="Raavi"/>
-        <a:font script="Cans" typeface="Euphemia"/>
-        <a:font script="Cher" typeface="Plantagenet Cherokee"/>
-        <a:font script="Yiii" typeface="Microsoft Yi Baiti"/>
-        <a:font script="Tibt" typeface="Microsoft Himalaya"/>
-        <a:font script="Thaa" typeface="MV Boli"/>
-        <a:font script="Deva" typeface="Mangal"/>
-        <a:font script="Telu" typeface="Gautami"/>
-        <a:font script="Taml" typeface="Latha"/>
-        <a:font script="Syrc" typeface="Estrangelo Edessa"/>
-        <a:font script="Orya" typeface="Kalinga"/>
-        <a:font script="Mlym" typeface="Kartika"/>
-        <a:font script="Laoo" typeface="DokChampa"/>
-        <a:font script="Sinh" typeface="Iskoola Pota"/>
-        <a:font script="Mong" typeface="Mongolian Baiti"/>
-        <a:font script="Viet" typeface="Times New Roman"/>
-        <a:font script="Uigh" typeface="Microsoft Uighur"/>
-        <a:font script="Geor" typeface="Sylfaen"/>
-      </a:majorFont>
-      <a:minorFont>
-        <a:latin typeface="Arial"/>
-        <a:ea typeface=""/>
-        <a:cs typeface=""/>
-        <a:font script="Jpan" typeface="ＭＳ Ｐゴシック"/>
-        <a:font script="Hang" typeface="맑은 고딕"/>
-        <a:font script="Hans" typeface="宋体"/>
-        <a:font script="Hant" typeface="新細明體"/>
-        <a:font script="Arab" typeface="Arial"/>
-        <a:font script="Hebr" typeface="Arial"/>
-        <a:font script="Thai" typeface="Cordia New"/>
-        <a:font script="Ethi" typeface="Nyala"/>
-        <a:font script="Beng" typeface="Vrinda"/>
-        <a:font script="Gujr" typeface="Shruti"/>
-        <a:font script="Khmr" typeface="DaunPenh"/>
-        <a:font script="Knda" typeface="Tunga"/>
-        <a:font script="Guru" typeface="Raavi"/>
-        <a:font script="Cans" typeface="Euphemia"/>
-        <a:font script="Cher" typeface="Plantagenet Cherokee"/>
-        <a:font script="Yiii" typeface="Microsoft Yi Baiti"/>
-        <a:font script="Tibt" typeface="Microsoft Himalaya"/>
-        <a:font script="Thaa" typeface="MV Boli"/>
-        <a:font script="Deva" typeface="Mangal"/>
-        <a:font script="Telu" typeface="Gautami"/>
-        <a:font script="Taml" typeface="Latha"/>
-        <a:font script="Syrc" typeface="Estrangelo Edessa"/>
-        <a:font script="Orya" typeface="Kalinga"/>
-        <a:font script="Mlym" typeface="Kartika"/>
-        <a:font script="Laoo" typeface="DokChampa"/>
-        <a:font script="Sinh" typeface="Iskoola Pota"/>
-        <a:font script="Mong" typeface="Mongolian Baiti"/>
-        <a:font script="Viet" typeface="Arial"/>
-        <a:font script="Uigh" typeface="Microsoft Uighur"/>
-        <a:font script="Geor" typeface="Sylfaen"/>
-      </a:minorFont>
-    </a:fontScheme>
-    <a:fmtScheme name="Office">
-      <a:fillStyleLst>
-        <a:solidFill>
-          <a:schemeClr val="phClr"/>
-        </a:solidFill>
-        <a:gradFill rotWithShape="1">
-          <a:gsLst>
-            <a:gs pos="0">
-              <a:schemeClr val="phClr">
-                <a:tint val="50000"/>
-                <a:satMod val="300000"/>
-              </a:schemeClr>
-            </a:gs>
-            <a:gs pos="35000">
-              <a:schemeClr val="phClr">
-                <a:tint val="37000"/>
-                <a:satMod val="300000"/>
-              </a:schemeClr>
-            </a:gs>
-            <a:gs pos="100000">
-              <a:schemeClr val="phClr">
-                <a:tint val="15000"/>
-                <a:satMod val="350000"/>
-              </a:schemeClr>
-            </a:gs>
-          </a:gsLst>
-          <a:lin ang="16200000" scaled="1"/>
-        </a:gradFill>
-        <a:gradFill rotWithShape="1">
-          <a:gsLst>
-            <a:gs pos="0">
-              <a:schemeClr val="phClr">
-                <a:tint val="100000"/>
-                <a:shade val="100000"/>
-                <a:satMod val="130000"/>
-              </a:schemeClr>
-            </a:gs>
-            <a:gs pos="100000">
-              <a:schemeClr val="phClr">
-                <a:tint val="50000"/>
-                <a:shade val="100000"/>
-                <a:satMod val="350000"/>
-              </a:schemeClr>
-            </a:gs>
-          </a:gsLst>
-          <a:lin ang="16200000" scaled="0"/>
-        </a:gradFill>
-      </a:fillStyleLst>
-      <a:lnStyleLst>
-        <a:ln w="9525" cap="flat" cmpd="sng" algn="ctr">
-          <a:solidFill>
-            <a:schemeClr val="phClr">
-              <a:shade val="95000"/>
-              <a:satMod val="105000"/>
-            </a:schemeClr>
-          </a:solidFill>
-          <a:prstDash val="solid"/>
-        </a:ln>
-        <a:ln w="25400" cap="flat" cmpd="sng" algn="ctr">
-          <a:solidFill>
-            <a:schemeClr val="phClr"/>
-          </a:solidFill>
-          <a:prstDash val="solid"/>
-        </a:ln>
-        <a:ln w="38100" cap="flat" cmpd="sng" algn="ctr">
-          <a:solidFill>
-            <a:schemeClr val="phClr"/>
-          </a:solidFill>
-          <a:prstDash val="solid"/>
-        </a:ln>
-      </a:lnStyleLst>
-      <a:effectStyleLst>
-        <a:effectStyle>
-          <a:effectLst>
-            <a:outerShdw blurRad="40000" dist="20000" dir="5400000" rotWithShape="0">
-              <a:srgbClr val="000000">
-                <a:alpha val="38000"/>
-              </a:srgbClr>
-            </a:outerShdw>
-          </a:effectLst>
-        </a:effectStyle>
-        <a:effectStyle>
-          <a:effectLst>
-            <a:outerShdw blurRad="40000" dist="23000" dir="5400000" rotWithShape="0">
-              <a:srgbClr val="000000">
-                <a:alpha val="35000"/>
-              </a:srgbClr>
-            </a:outerShdw>
-          </a:effectLst>
-        </a:effectStyle>
-        <a:effectStyle>
-          <a:effectLst>
-            <a:outerShdw blurRad="40000" dist="23000" dir="5400000" rotWithShape="0">
-              <a:srgbClr val="000000">
-                <a:alpha val="35000"/>
-              </a:srgbClr>
-            </a:outerShdw>
-          </a:effectLst>
-          <a:scene3d>
-            <a:camera prst="orthographicFront">
-              <a:rot lat="0" lon="0" rev="0"/>
-            </a:camera>
-            <a:lightRig rig="threePt" dir="t">
-              <a:rot lat="0" lon="0" rev="1200000"/>
-            </a:lightRig>
-          </a:scene3d>
-          <a:sp3d>
-            <a:bevelT w="63500" h="25400"/>
-          </a:sp3d>
-        </a:effectStyle>
-      </a:effectStyleLst>
-      <a:bgFillStyleLst>
-        <a:solidFill>
-          <a:schemeClr val="phClr"/>
-        </a:solidFill>
-        <a:gradFill rotWithShape="1">
-          <a:gsLst>
-            <a:gs pos="0">
-              <a:schemeClr val="phClr">
-                <a:tint val="40000"/>
-                <a:satMod val="350000"/>
-              </a:schemeClr>
-            </a:gs>
-            <a:gs pos="40000">
-              <a:schemeClr val="phClr">
-                <a:tint val="45000"/>
-                <a:shade val="99000"/>
-                <a:satMod val="350000"/>
-              </a:schemeClr>
-            </a:gs>
-            <a:gs pos="100000">
-              <a:schemeClr val="phClr">
-                <a:shade val="20000"/>
-                <a:satMod val="255000"/>
-              </a:schemeClr>
-            </a:gs>
-          </a:gsLst>
-          <a:path path="circle">
-            <a:fillToRect l="50000" t="-80000" r="50000" b="180000"/>
-          </a:path>
-        </a:gradFill>
-        <a:gradFill rotWithShape="1">
-          <a:gsLst>
-            <a:gs pos="0">
-              <a:schemeClr val="phClr">
-                <a:tint val="80000"/>
-                <a:satMod val="300000"/>
-              </a:schemeClr>
-            </a:gs>
-            <a:gs pos="100000">
-              <a:schemeClr val="phClr">
-                <a:shade val="30000"/>
-                <a:satMod val="200000"/>
-              </a:schemeClr>
-            </a:gs>
-          </a:gsLst>
-          <a:path path="circle">
-            <a:fillToRect l="50000" t="50000" r="50000" b="50000"/>
-          </a:path>
-        </a:gradFill>
-      </a:bgFillStyleLst>
-    </a:fmtScheme>
-  </a:themeElements>
-</a:theme>
 </file>
--- a/Effect of Educational Attainment on per Capita Growth by State.pptx
+++ b/Effect of Educational Attainment on per Capita Growth by State.pptx
@@ -24,23 +24,24 @@
     <p:sldId id="269" r:id="rId19"/>
     <p:sldId id="270" r:id="rId20"/>
     <p:sldId id="271" r:id="rId21"/>
+    <p:sldId id="272" r:id="rId22"/>
   </p:sldIdLst>
   <p:sldSz cy="5143500" cx="9144000"/>
   <p:notesSz cx="6858000" cy="9144000"/>
   <p:embeddedFontLst>
     <p:embeddedFont>
       <p:font typeface="Montserrat"/>
-      <p:regular r:id="rId22"/>
-      <p:bold r:id="rId23"/>
-      <p:italic r:id="rId24"/>
-      <p:boldItalic r:id="rId25"/>
+      <p:regular r:id="rId23"/>
+      <p:bold r:id="rId24"/>
+      <p:italic r:id="rId25"/>
+      <p:boldItalic r:id="rId26"/>
     </p:embeddedFont>
     <p:embeddedFont>
       <p:font typeface="Lato"/>
-      <p:regular r:id="rId26"/>
-      <p:bold r:id="rId27"/>
-      <p:italic r:id="rId28"/>
-      <p:boldItalic r:id="rId29"/>
+      <p:regular r:id="rId27"/>
+      <p:bold r:id="rId28"/>
+      <p:italic r:id="rId29"/>
+      <p:boldItalic r:id="rId30"/>
     </p:embeddedFont>
   </p:embeddedFontLst>
   <p:defaultTextStyle>
@@ -821,7 +822,7 @@
   <p:cSld>
     <p:spTree>
       <p:nvGrpSpPr>
-        <p:cNvPr id="189" name="Shape 189"/>
+        <p:cNvPr id="204" name="Shape 204"/>
         <p:cNvGrpSpPr/>
         <p:nvPr/>
       </p:nvGrpSpPr>
@@ -835,7 +836,7 @@
       </p:grpSpPr>
       <p:sp>
         <p:nvSpPr>
-          <p:cNvPr id="190" name="Google Shape;190;g11768d52d85_0_22:notes"/>
+          <p:cNvPr id="205" name="Google Shape;205;g11768d52d85_0_22:notes"/>
           <p:cNvSpPr/>
           <p:nvPr>
             <p:ph idx="2" type="sldImg"/>
@@ -870,7 +871,7 @@
       </p:sp>
       <p:sp>
         <p:nvSpPr>
-          <p:cNvPr id="191" name="Google Shape;191;g11768d52d85_0_22:notes"/>
+          <p:cNvPr id="206" name="Google Shape;206;g11768d52d85_0_22:notes"/>
           <p:cNvSpPr txBox="1"/>
           <p:nvPr>
             <p:ph idx="1" type="body"/>
@@ -920,7 +921,7 @@
   <p:cSld>
     <p:spTree>
       <p:nvGrpSpPr>
-        <p:cNvPr id="195" name="Shape 195"/>
+        <p:cNvPr id="211" name="Shape 211"/>
         <p:cNvGrpSpPr/>
         <p:nvPr/>
       </p:nvGrpSpPr>
@@ -934,7 +935,7 @@
       </p:grpSpPr>
       <p:sp>
         <p:nvSpPr>
-          <p:cNvPr id="196" name="Google Shape;196;g1168d218026_0_14:notes"/>
+          <p:cNvPr id="212" name="Google Shape;212;g1168d218026_0_14:notes"/>
           <p:cNvSpPr/>
           <p:nvPr>
             <p:ph idx="2" type="sldImg"/>
@@ -969,7 +970,7 @@
       </p:sp>
       <p:sp>
         <p:nvSpPr>
-          <p:cNvPr id="197" name="Google Shape;197;g1168d218026_0_14:notes"/>
+          <p:cNvPr id="213" name="Google Shape;213;g1168d218026_0_14:notes"/>
           <p:cNvSpPr txBox="1"/>
           <p:nvPr>
             <p:ph idx="1" type="body"/>
@@ -1019,7 +1020,7 @@
   <p:cSld>
     <p:spTree>
       <p:nvGrpSpPr>
-        <p:cNvPr id="201" name="Shape 201"/>
+        <p:cNvPr id="218" name="Shape 218"/>
         <p:cNvGrpSpPr/>
         <p:nvPr/>
       </p:nvGrpSpPr>
@@ -1033,7 +1034,7 @@
       </p:grpSpPr>
       <p:sp>
         <p:nvSpPr>
-          <p:cNvPr id="202" name="Google Shape;202;g117b696f6ee_0_35:notes"/>
+          <p:cNvPr id="219" name="Google Shape;219;g117fb5f57bb_0_7:notes"/>
           <p:cNvSpPr/>
           <p:nvPr>
             <p:ph idx="2" type="sldImg"/>
@@ -1068,7 +1069,7 @@
       </p:sp>
       <p:sp>
         <p:nvSpPr>
-          <p:cNvPr id="203" name="Google Shape;203;g117b696f6ee_0_35:notes"/>
+          <p:cNvPr id="220" name="Google Shape;220;g117fb5f57bb_0_7:notes"/>
           <p:cNvSpPr txBox="1"/>
           <p:nvPr>
             <p:ph idx="1" type="body"/>
@@ -1118,7 +1119,7 @@
   <p:cSld>
     <p:spTree>
       <p:nvGrpSpPr>
-        <p:cNvPr id="209" name="Shape 209"/>
+        <p:cNvPr id="225" name="Shape 225"/>
         <p:cNvGrpSpPr/>
         <p:nvPr/>
       </p:nvGrpSpPr>
@@ -1132,7 +1133,7 @@
       </p:grpSpPr>
       <p:sp>
         <p:nvSpPr>
-          <p:cNvPr id="210" name="Google Shape;210;g117b696f6ee_0_20:notes"/>
+          <p:cNvPr id="226" name="Google Shape;226;g117b696f6ee_0_35:notes"/>
           <p:cNvSpPr/>
           <p:nvPr>
             <p:ph idx="2" type="sldImg"/>
@@ -1167,7 +1168,7 @@
       </p:sp>
       <p:sp>
         <p:nvSpPr>
-          <p:cNvPr id="211" name="Google Shape;211;g117b696f6ee_0_20:notes"/>
+          <p:cNvPr id="227" name="Google Shape;227;g117b696f6ee_0_35:notes"/>
           <p:cNvSpPr txBox="1"/>
           <p:nvPr>
             <p:ph idx="1" type="body"/>
@@ -1217,7 +1218,7 @@
   <p:cSld>
     <p:spTree>
       <p:nvGrpSpPr>
-        <p:cNvPr id="215" name="Shape 215"/>
+        <p:cNvPr id="233" name="Shape 233"/>
         <p:cNvGrpSpPr/>
         <p:nvPr/>
       </p:nvGrpSpPr>
@@ -1231,7 +1232,7 @@
       </p:grpSpPr>
       <p:sp>
         <p:nvSpPr>
-          <p:cNvPr id="216" name="Google Shape;216;g117b696f6ee_0_25:notes"/>
+          <p:cNvPr id="234" name="Google Shape;234;g117b696f6ee_0_20:notes"/>
           <p:cNvSpPr/>
           <p:nvPr>
             <p:ph idx="2" type="sldImg"/>
@@ -1266,7 +1267,7 @@
       </p:sp>
       <p:sp>
         <p:nvSpPr>
-          <p:cNvPr id="217" name="Google Shape;217;g117b696f6ee_0_25:notes"/>
+          <p:cNvPr id="235" name="Google Shape;235;g117b696f6ee_0_20:notes"/>
           <p:cNvSpPr txBox="1"/>
           <p:nvPr>
             <p:ph idx="1" type="body"/>
@@ -1316,7 +1317,7 @@
   <p:cSld>
     <p:spTree>
       <p:nvGrpSpPr>
-        <p:cNvPr id="221" name="Shape 221"/>
+        <p:cNvPr id="240" name="Shape 240"/>
         <p:cNvGrpSpPr/>
         <p:nvPr/>
       </p:nvGrpSpPr>
@@ -1330,7 +1331,7 @@
       </p:grpSpPr>
       <p:sp>
         <p:nvSpPr>
-          <p:cNvPr id="222" name="Google Shape;222;g117b696f6ee_0_30:notes"/>
+          <p:cNvPr id="241" name="Google Shape;241;g117b696f6ee_0_25:notes"/>
           <p:cNvSpPr/>
           <p:nvPr>
             <p:ph idx="2" type="sldImg"/>
@@ -1365,7 +1366,7 @@
       </p:sp>
       <p:sp>
         <p:nvSpPr>
-          <p:cNvPr id="223" name="Google Shape;223;g117b696f6ee_0_30:notes"/>
+          <p:cNvPr id="242" name="Google Shape;242;g117b696f6ee_0_25:notes"/>
           <p:cNvSpPr txBox="1"/>
           <p:nvPr>
             <p:ph idx="1" type="body"/>
@@ -1415,7 +1416,7 @@
   <p:cSld>
     <p:spTree>
       <p:nvGrpSpPr>
-        <p:cNvPr id="227" name="Shape 227"/>
+        <p:cNvPr id="247" name="Shape 247"/>
         <p:cNvGrpSpPr/>
         <p:nvPr/>
       </p:nvGrpSpPr>
@@ -1429,7 +1430,7 @@
       </p:grpSpPr>
       <p:sp>
         <p:nvSpPr>
-          <p:cNvPr id="228" name="Google Shape;228;g11768d52d85_0_0:notes"/>
+          <p:cNvPr id="248" name="Google Shape;248;g117b696f6ee_0_30:notes"/>
           <p:cNvSpPr/>
           <p:nvPr>
             <p:ph idx="2" type="sldImg"/>
@@ -1464,7 +1465,106 @@
       </p:sp>
       <p:sp>
         <p:nvSpPr>
-          <p:cNvPr id="229" name="Google Shape;229;g11768d52d85_0_0:notes"/>
+          <p:cNvPr id="249" name="Google Shape;249;g117b696f6ee_0_30:notes"/>
+          <p:cNvSpPr txBox="1"/>
+          <p:nvPr>
+            <p:ph idx="1" type="body"/>
+          </p:nvPr>
+        </p:nvSpPr>
+        <p:spPr>
+          <a:xfrm>
+            <a:off x="685800" y="4343400"/>
+            <a:ext cx="5486400" cy="4114800"/>
+          </a:xfrm>
+          <a:prstGeom prst="rect">
+            <a:avLst/>
+          </a:prstGeom>
+        </p:spPr>
+        <p:txBody>
+          <a:bodyPr anchorCtr="0" anchor="t" bIns="91425" lIns="91425" spcFirstLastPara="1" rIns="91425" wrap="square" tIns="91425">
+            <a:noAutofit/>
+          </a:bodyPr>
+          <a:lstStyle/>
+          <a:p>
+            <a:pPr indent="0" lvl="0" marL="0" rtl="0" algn="l">
+              <a:spcBef>
+                <a:spcPts val="0"/>
+              </a:spcBef>
+              <a:spcAft>
+                <a:spcPts val="0"/>
+              </a:spcAft>
+              <a:buNone/>
+            </a:pPr>
+            <a:r>
+              <a:t/>
+            </a:r>
+            <a:endParaRPr/>
+          </a:p>
+        </p:txBody>
+      </p:sp>
+    </p:spTree>
+  </p:cSld>
+  <p:clrMapOvr>
+    <a:masterClrMapping/>
+  </p:clrMapOvr>
+</p:notes>
+</file>
+
+<file path=ppt/notesSlides/notesSlide17.xml><?xml version="1.0" encoding="utf-8"?>
+<p:notes xmlns:a="http://schemas.openxmlformats.org/drawingml/2006/main" xmlns:r="http://schemas.openxmlformats.org/officeDocument/2006/relationships" xmlns:mc="http://schemas.openxmlformats.org/markup-compatibility/2006" xmlns:mv="urn:schemas-microsoft-com:mac:vml" xmlns:p="http://schemas.openxmlformats.org/presentationml/2006/main" xmlns:c="http://schemas.openxmlformats.org/drawingml/2006/chart" xmlns:dgm="http://schemas.openxmlformats.org/drawingml/2006/diagram" xmlns:o="urn:schemas-microsoft-com:office:office" xmlns:v="urn:schemas-microsoft-com:vml" xmlns:pvml="urn:schemas-microsoft-com:office:powerpoint" xmlns:com="http://schemas.openxmlformats.org/drawingml/2006/compatibility" xmlns:p14="http://schemas.microsoft.com/office/powerpoint/2010/main" xmlns:p15="http://schemas.microsoft.com/office/powerpoint/2012/main" xmlns:ahyp="http://schemas.microsoft.com/office/drawing/2018/hyperlinkcolor" showMasterPhAnim="0" showMasterSp="0">
+  <p:cSld>
+    <p:spTree>
+      <p:nvGrpSpPr>
+        <p:cNvPr id="253" name="Shape 253"/>
+        <p:cNvGrpSpPr/>
+        <p:nvPr/>
+      </p:nvGrpSpPr>
+      <p:grpSpPr>
+        <a:xfrm>
+          <a:off x="0" y="0"/>
+          <a:ext cx="0" cy="0"/>
+          <a:chOff x="0" y="0"/>
+          <a:chExt cx="0" cy="0"/>
+        </a:xfrm>
+      </p:grpSpPr>
+      <p:sp>
+        <p:nvSpPr>
+          <p:cNvPr id="254" name="Google Shape;254;g11768d52d85_0_0:notes"/>
+          <p:cNvSpPr/>
+          <p:nvPr>
+            <p:ph idx="2" type="sldImg"/>
+          </p:nvPr>
+        </p:nvSpPr>
+        <p:spPr>
+          <a:xfrm>
+            <a:off x="381300" y="685800"/>
+            <a:ext cx="6096000" cy="3429000"/>
+          </a:xfrm>
+          <a:custGeom>
+            <a:rect b="b" l="l" r="r" t="t"/>
+            <a:pathLst>
+              <a:path extrusionOk="0" h="120000" w="120000">
+                <a:moveTo>
+                  <a:pt x="0" y="0"/>
+                </a:moveTo>
+                <a:lnTo>
+                  <a:pt x="120000" y="0"/>
+                </a:lnTo>
+                <a:lnTo>
+                  <a:pt x="120000" y="120000"/>
+                </a:lnTo>
+                <a:lnTo>
+                  <a:pt x="0" y="120000"/>
+                </a:lnTo>
+                <a:close/>
+              </a:path>
+            </a:pathLst>
+          </a:custGeom>
+        </p:spPr>
+      </p:sp>
+      <p:sp>
+        <p:nvSpPr>
+          <p:cNvPr id="255" name="Google Shape;255;g11768d52d85_0_0:notes"/>
           <p:cNvSpPr txBox="1"/>
           <p:nvPr>
             <p:ph idx="1" type="body"/>
@@ -1613,7 +1713,7 @@
   <p:cSld>
     <p:spTree>
       <p:nvGrpSpPr>
-        <p:cNvPr id="142" name="Shape 142"/>
+        <p:cNvPr id="143" name="Shape 143"/>
         <p:cNvGrpSpPr/>
         <p:nvPr/>
       </p:nvGrpSpPr>
@@ -1627,7 +1727,7 @@
       </p:grpSpPr>
       <p:sp>
         <p:nvSpPr>
-          <p:cNvPr id="143" name="Google Shape;143;g1153f00578a_0_136:notes"/>
+          <p:cNvPr id="144" name="Google Shape;144;g1153f00578a_0_136:notes"/>
           <p:cNvSpPr/>
           <p:nvPr>
             <p:ph idx="2" type="sldImg"/>
@@ -1662,7 +1762,7 @@
       </p:sp>
       <p:sp>
         <p:nvSpPr>
-          <p:cNvPr id="144" name="Google Shape;144;g1153f00578a_0_136:notes"/>
+          <p:cNvPr id="145" name="Google Shape;145;g1153f00578a_0_136:notes"/>
           <p:cNvSpPr txBox="1"/>
           <p:nvPr>
             <p:ph idx="1" type="body"/>
@@ -1712,7 +1812,7 @@
   <p:cSld>
     <p:spTree>
       <p:nvGrpSpPr>
-        <p:cNvPr id="150" name="Shape 150"/>
+        <p:cNvPr id="151" name="Shape 151"/>
         <p:cNvGrpSpPr/>
         <p:nvPr/>
       </p:nvGrpSpPr>
@@ -1726,7 +1826,7 @@
       </p:grpSpPr>
       <p:sp>
         <p:nvSpPr>
-          <p:cNvPr id="151" name="Google Shape;151;g1153f00578a_0_150:notes"/>
+          <p:cNvPr id="152" name="Google Shape;152;g1153f00578a_0_150:notes"/>
           <p:cNvSpPr/>
           <p:nvPr>
             <p:ph idx="2" type="sldImg"/>
@@ -1761,7 +1861,7 @@
       </p:sp>
       <p:sp>
         <p:nvSpPr>
-          <p:cNvPr id="152" name="Google Shape;152;g1153f00578a_0_150:notes"/>
+          <p:cNvPr id="153" name="Google Shape;153;g1153f00578a_0_150:notes"/>
           <p:cNvSpPr txBox="1"/>
           <p:nvPr>
             <p:ph idx="1" type="body"/>
@@ -1811,7 +1911,7 @@
   <p:cSld>
     <p:spTree>
       <p:nvGrpSpPr>
-        <p:cNvPr id="156" name="Shape 156"/>
+        <p:cNvPr id="158" name="Shape 158"/>
         <p:cNvGrpSpPr/>
         <p:nvPr/>
       </p:nvGrpSpPr>
@@ -1825,7 +1925,7 @@
       </p:grpSpPr>
       <p:sp>
         <p:nvSpPr>
-          <p:cNvPr id="157" name="Google Shape;157;g1153f00578a_0_173:notes"/>
+          <p:cNvPr id="159" name="Google Shape;159;g1153f00578a_0_173:notes"/>
           <p:cNvSpPr/>
           <p:nvPr>
             <p:ph idx="2" type="sldImg"/>
@@ -1860,7 +1960,7 @@
       </p:sp>
       <p:sp>
         <p:nvSpPr>
-          <p:cNvPr id="158" name="Google Shape;158;g1153f00578a_0_173:notes"/>
+          <p:cNvPr id="160" name="Google Shape;160;g1153f00578a_0_173:notes"/>
           <p:cNvSpPr txBox="1"/>
           <p:nvPr>
             <p:ph idx="1" type="body"/>
@@ -1910,7 +2010,7 @@
   <p:cSld>
     <p:spTree>
       <p:nvGrpSpPr>
-        <p:cNvPr id="162" name="Shape 162"/>
+        <p:cNvPr id="172" name="Shape 172"/>
         <p:cNvGrpSpPr/>
         <p:nvPr/>
       </p:nvGrpSpPr>
@@ -1924,7 +2024,7 @@
       </p:grpSpPr>
       <p:sp>
         <p:nvSpPr>
-          <p:cNvPr id="163" name="Google Shape;163;g1153f00578a_0_156:notes"/>
+          <p:cNvPr id="173" name="Google Shape;173;g1153f00578a_0_156:notes"/>
           <p:cNvSpPr/>
           <p:nvPr>
             <p:ph idx="2" type="sldImg"/>
@@ -1959,7 +2059,7 @@
       </p:sp>
       <p:sp>
         <p:nvSpPr>
-          <p:cNvPr id="164" name="Google Shape;164;g1153f00578a_0_156:notes"/>
+          <p:cNvPr id="174" name="Google Shape;174;g1153f00578a_0_156:notes"/>
           <p:cNvSpPr txBox="1"/>
           <p:nvPr>
             <p:ph idx="1" type="body"/>
@@ -2009,7 +2109,7 @@
   <p:cSld>
     <p:spTree>
       <p:nvGrpSpPr>
-        <p:cNvPr id="168" name="Shape 168"/>
+        <p:cNvPr id="178" name="Shape 178"/>
         <p:cNvGrpSpPr/>
         <p:nvPr/>
       </p:nvGrpSpPr>
@@ -2023,7 +2123,7 @@
       </p:grpSpPr>
       <p:sp>
         <p:nvSpPr>
-          <p:cNvPr id="169" name="Google Shape;169;g116099cb52e_0_0:notes"/>
+          <p:cNvPr id="179" name="Google Shape;179;g116099cb52e_0_0:notes"/>
           <p:cNvSpPr/>
           <p:nvPr>
             <p:ph idx="2" type="sldImg"/>
@@ -2058,7 +2158,7 @@
       </p:sp>
       <p:sp>
         <p:nvSpPr>
-          <p:cNvPr id="170" name="Google Shape;170;g116099cb52e_0_0:notes"/>
+          <p:cNvPr id="180" name="Google Shape;180;g116099cb52e_0_0:notes"/>
           <p:cNvSpPr txBox="1"/>
           <p:nvPr>
             <p:ph idx="1" type="body"/>
@@ -2108,7 +2208,7 @@
   <p:cSld>
     <p:spTree>
       <p:nvGrpSpPr>
-        <p:cNvPr id="175" name="Shape 175"/>
+        <p:cNvPr id="185" name="Shape 185"/>
         <p:cNvGrpSpPr/>
         <p:nvPr/>
       </p:nvGrpSpPr>
@@ -2122,7 +2222,7 @@
       </p:grpSpPr>
       <p:sp>
         <p:nvSpPr>
-          <p:cNvPr id="176" name="Google Shape;176;g1153f00578a_0_161:notes"/>
+          <p:cNvPr id="186" name="Google Shape;186;g1153f00578a_0_161:notes"/>
           <p:cNvSpPr/>
           <p:nvPr>
             <p:ph idx="2" type="sldImg"/>
@@ -2157,7 +2257,7 @@
       </p:sp>
       <p:sp>
         <p:nvSpPr>
-          <p:cNvPr id="177" name="Google Shape;177;g1153f00578a_0_161:notes"/>
+          <p:cNvPr id="187" name="Google Shape;187;g1153f00578a_0_161:notes"/>
           <p:cNvSpPr txBox="1"/>
           <p:nvPr>
             <p:ph idx="1" type="body"/>
@@ -2207,7 +2307,7 @@
   <p:cSld>
     <p:spTree>
       <p:nvGrpSpPr>
-        <p:cNvPr id="182" name="Shape 182"/>
+        <p:cNvPr id="197" name="Shape 197"/>
         <p:cNvGrpSpPr/>
         <p:nvPr/>
       </p:nvGrpSpPr>
@@ -2221,7 +2321,7 @@
       </p:grpSpPr>
       <p:sp>
         <p:nvSpPr>
-          <p:cNvPr id="183" name="Google Shape;183;g1168d218026_0_1:notes"/>
+          <p:cNvPr id="198" name="Google Shape;198;g1168d218026_0_1:notes"/>
           <p:cNvSpPr/>
           <p:nvPr>
             <p:ph idx="2" type="sldImg"/>
@@ -2256,7 +2356,7 @@
       </p:sp>
       <p:sp>
         <p:nvSpPr>
-          <p:cNvPr id="184" name="Google Shape;184;g1168d218026_0_1:notes"/>
+          <p:cNvPr id="199" name="Google Shape;199;g1168d218026_0_1:notes"/>
           <p:cNvSpPr txBox="1"/>
           <p:nvPr>
             <p:ph idx="1" type="body"/>
@@ -10602,7 +10702,7 @@
   <p:cSld>
     <p:spTree>
       <p:nvGrpSpPr>
-        <p:cNvPr id="192" name="Shape 192"/>
+        <p:cNvPr id="207" name="Shape 207"/>
         <p:cNvGrpSpPr/>
         <p:nvPr/>
       </p:nvGrpSpPr>
@@ -10614,9 +10714,37 @@
           <a:chExt cx="0" cy="0"/>
         </a:xfrm>
       </p:grpSpPr>
+      <p:pic>
+        <p:nvPicPr>
+          <p:cNvPr id="208" name="Google Shape;208;p22"/>
+          <p:cNvPicPr preferRelativeResize="0"/>
+          <p:nvPr/>
+        </p:nvPicPr>
+        <p:blipFill>
+          <a:blip r:embed="rId3">
+            <a:alphaModFix/>
+          </a:blip>
+          <a:stretch>
+            <a:fillRect/>
+          </a:stretch>
+        </p:blipFill>
+        <p:spPr>
+          <a:xfrm>
+            <a:off x="6522150" y="3014175"/>
+            <a:ext cx="2384333" cy="1907001"/>
+          </a:xfrm>
+          <a:prstGeom prst="rect">
+            <a:avLst/>
+          </a:prstGeom>
+          <a:noFill/>
+          <a:ln>
+            <a:noFill/>
+          </a:ln>
+        </p:spPr>
+      </p:pic>
       <p:sp>
         <p:nvSpPr>
-          <p:cNvPr id="193" name="Google Shape;193;p22"/>
+          <p:cNvPr id="209" name="Google Shape;209;p22"/>
           <p:cNvSpPr txBox="1"/>
           <p:nvPr>
             <p:ph type="title"/>
@@ -10656,7 +10784,7 @@
       </p:sp>
       <p:sp>
         <p:nvSpPr>
-          <p:cNvPr id="194" name="Google Shape;194;p22"/>
+          <p:cNvPr id="210" name="Google Shape;210;p22"/>
           <p:cNvSpPr txBox="1"/>
           <p:nvPr>
             <p:ph idx="1" type="body"/>
@@ -10664,7 +10792,7 @@
         </p:nvSpPr>
         <p:spPr>
           <a:xfrm>
-            <a:off x="1297500" y="1567550"/>
+            <a:off x="1297500" y="1578600"/>
             <a:ext cx="7038900" cy="2911200"/>
           </a:xfrm>
           <a:prstGeom prst="rect">
@@ -10673,7 +10801,7 @@
         </p:spPr>
         <p:txBody>
           <a:bodyPr anchorCtr="0" anchor="t" bIns="91425" lIns="91425" spcFirstLastPara="1" rIns="91425" wrap="square" tIns="91425">
-            <a:normAutofit lnSpcReduction="10000"/>
+            <a:normAutofit/>
           </a:bodyPr>
           <a:lstStyle/>
           <a:p>
@@ -10688,7 +10816,7 @@
             </a:pPr>
             <a:r>
               <a:rPr lang="en"/>
-              <a:t>SKLearn Linear regression model  to train regressions.</a:t>
+              <a:t>SKLearn Linear regression model  indicated directionality</a:t>
             </a:r>
             <a:endParaRPr/>
           </a:p>
@@ -10704,7 +10832,11 @@
             </a:pPr>
             <a:r>
               <a:rPr lang="en"/>
-              <a:t>First Model  measured the association between seven levels of educational attainment and income, excluding state data specification</a:t>
+              <a:t>First Model  measured the association between seven levels of educational attainment and income</a:t>
+            </a:r>
+            <a:r>
+              <a:rPr lang="en"/>
+              <a:t>, excluding state data specification.</a:t>
             </a:r>
             <a:endParaRPr/>
           </a:p>
@@ -10720,7 +10852,7 @@
             </a:pPr>
             <a:r>
               <a:rPr lang="en"/>
-              <a:t>Second Model each state and each level of education type correlation to income for each state</a:t>
+              <a:t>Second model mapped the correlation between education and income by state</a:t>
             </a:r>
             <a:endParaRPr/>
           </a:p>
@@ -10730,52 +10862,13 @@
                 <a:spcPts val="1200"/>
               </a:spcBef>
               <a:spcAft>
-                <a:spcPts val="0"/>
+                <a:spcPts val="1200"/>
               </a:spcAft>
               <a:buNone/>
             </a:pPr>
             <a:r>
               <a:rPr lang="en"/>
-              <a:t>	Third Model combined models of </a:t>
-            </a:r>
-            <a:r>
-              <a:rPr lang="en"/>
-              <a:t>education</a:t>
-            </a:r>
-            <a:r>
-              <a:rPr lang="en"/>
-              <a:t> and income for each state</a:t>
-            </a:r>
-            <a:endParaRPr/>
-          </a:p>
-          <a:p>
-            <a:pPr indent="0" lvl="0" marL="0" rtl="0" algn="l">
-              <a:spcBef>
-                <a:spcPts val="1200"/>
-              </a:spcBef>
-              <a:spcAft>
-                <a:spcPts val="0"/>
-              </a:spcAft>
-              <a:buNone/>
-            </a:pPr>
-            <a:r>
-              <a:rPr lang="en"/>
-              <a:t>All models yielded the data, R2 , intercept and slope are outputted in JSON-like format used for further analysis and  modeling.</a:t>
-            </a:r>
-            <a:endParaRPr/>
-          </a:p>
-          <a:p>
-            <a:pPr indent="0" lvl="0" marL="0" rtl="0" algn="l">
-              <a:spcBef>
-                <a:spcPts val="1200"/>
-              </a:spcBef>
-              <a:spcAft>
-                <a:spcPts val="1200"/>
-              </a:spcAft>
-              <a:buNone/>
-            </a:pPr>
-            <a:r>
-              <a:t/>
+              <a:t>Coefficients for each model show how education impacts income, but only R2 = 67%</a:t>
             </a:r>
             <a:endParaRPr/>
           </a:p>
@@ -10794,7 +10887,7 @@
   <p:cSld>
     <p:spTree>
       <p:nvGrpSpPr>
-        <p:cNvPr id="198" name="Shape 198"/>
+        <p:cNvPr id="214" name="Shape 214"/>
         <p:cNvGrpSpPr/>
         <p:nvPr/>
       </p:nvGrpSpPr>
@@ -10808,7 +10901,7 @@
       </p:grpSpPr>
       <p:sp>
         <p:nvSpPr>
-          <p:cNvPr id="199" name="Google Shape;199;p23"/>
+          <p:cNvPr id="215" name="Google Shape;215;p23"/>
           <p:cNvSpPr txBox="1"/>
           <p:nvPr>
             <p:ph type="title"/>
@@ -10848,7 +10941,7 @@
       </p:sp>
       <p:sp>
         <p:nvSpPr>
-          <p:cNvPr id="200" name="Google Shape;200;p23"/>
+          <p:cNvPr id="216" name="Google Shape;216;p23"/>
           <p:cNvSpPr txBox="1"/>
           <p:nvPr>
             <p:ph idx="1" type="body"/>
@@ -10874,17 +10967,94 @@
                 <a:spcPts val="0"/>
               </a:spcBef>
               <a:spcAft>
+                <a:spcPts val="0"/>
+              </a:spcAft>
+              <a:buNone/>
+            </a:pPr>
+            <a:r>
+              <a:rPr lang="en"/>
+              <a:t>Generated a Random Forest model with very high predictive capacity (R2 = 86%)</a:t>
+            </a:r>
+            <a:endParaRPr/>
+          </a:p>
+          <a:p>
+            <a:pPr indent="0" lvl="0" marL="0" rtl="0" algn="l">
+              <a:spcBef>
                 <a:spcPts val="1200"/>
+              </a:spcBef>
+              <a:spcAft>
+                <a:spcPts val="0"/>
               </a:spcAft>
               <a:buNone/>
             </a:pPr>
             <a:r>
-              <a:t/>
+              <a:rPr lang="en"/>
+              <a:t>Random Forest is non-linear and can’t describe impact directionality</a:t>
+            </a:r>
+            <a:endParaRPr/>
+          </a:p>
+          <a:p>
+            <a:pPr indent="0" lvl="0" marL="0" rtl="0" algn="l">
+              <a:spcBef>
+                <a:spcPts val="1200"/>
+              </a:spcBef>
+              <a:spcAft>
+                <a:spcPts val="0"/>
+              </a:spcAft>
+              <a:buNone/>
+            </a:pPr>
+            <a:r>
+              <a:rPr lang="en"/>
+              <a:t>Coefficient of the linear regression model indicates directionality; RF importances indicate degree of association</a:t>
+            </a:r>
+            <a:endParaRPr/>
+          </a:p>
+          <a:p>
+            <a:pPr indent="0" lvl="0" marL="0" rtl="0" algn="l">
+              <a:spcBef>
+                <a:spcPts val="1200"/>
+              </a:spcBef>
+              <a:spcAft>
+                <a:spcPts val="1200"/>
+              </a:spcAft>
+              <a:buNone/>
+            </a:pPr>
+            <a:r>
+              <a:rPr lang="en"/>
+              <a:t>Combining the two metrics uses  the best of both models</a:t>
             </a:r>
             <a:endParaRPr/>
           </a:p>
         </p:txBody>
       </p:sp>
+      <p:pic>
+        <p:nvPicPr>
+          <p:cNvPr id="217" name="Google Shape;217;p23"/>
+          <p:cNvPicPr preferRelativeResize="0"/>
+          <p:nvPr/>
+        </p:nvPicPr>
+        <p:blipFill>
+          <a:blip r:embed="rId3">
+            <a:alphaModFix/>
+          </a:blip>
+          <a:stretch>
+            <a:fillRect/>
+          </a:stretch>
+        </p:blipFill>
+        <p:spPr>
+          <a:xfrm>
+            <a:off x="6522150" y="3014175"/>
+            <a:ext cx="2384333" cy="1907001"/>
+          </a:xfrm>
+          <a:prstGeom prst="rect">
+            <a:avLst/>
+          </a:prstGeom>
+          <a:noFill/>
+          <a:ln>
+            <a:noFill/>
+          </a:ln>
+        </p:spPr>
+      </p:pic>
     </p:spTree>
   </p:cSld>
   <p:clrMapOvr>
@@ -10898,7 +11068,7 @@
   <p:cSld>
     <p:spTree>
       <p:nvGrpSpPr>
-        <p:cNvPr id="204" name="Shape 204"/>
+        <p:cNvPr id="221" name="Shape 221"/>
         <p:cNvGrpSpPr/>
         <p:nvPr/>
       </p:nvGrpSpPr>
@@ -10912,7 +11082,7 @@
       </p:grpSpPr>
       <p:sp>
         <p:nvSpPr>
-          <p:cNvPr id="205" name="Google Shape;205;p24"/>
+          <p:cNvPr id="222" name="Google Shape;222;p24"/>
           <p:cNvSpPr txBox="1"/>
           <p:nvPr>
             <p:ph type="title"/>
@@ -10944,135 +11114,15 @@
             </a:pPr>
             <a:r>
               <a:rPr lang="en"/>
-              <a:t>Databases</a:t>
+              <a:t>Analysis - Machine Learning</a:t>
             </a:r>
             <a:endParaRPr/>
-          </a:p>
-        </p:txBody>
-      </p:sp>
-      <p:sp>
-        <p:nvSpPr>
-          <p:cNvPr id="206" name="Google Shape;206;p24"/>
-          <p:cNvSpPr txBox="1"/>
-          <p:nvPr>
-            <p:ph idx="1" type="body"/>
-          </p:nvPr>
-        </p:nvSpPr>
-        <p:spPr>
-          <a:xfrm>
-            <a:off x="1386325" y="1676288"/>
-            <a:ext cx="3991800" cy="2911200"/>
-          </a:xfrm>
-          <a:prstGeom prst="rect">
-            <a:avLst/>
-          </a:prstGeom>
-        </p:spPr>
-        <p:txBody>
-          <a:bodyPr anchorCtr="0" anchor="t" bIns="91425" lIns="91425" spcFirstLastPara="1" rIns="91425" wrap="square" tIns="91425">
-            <a:normAutofit/>
-          </a:bodyPr>
-          <a:lstStyle/>
-          <a:p>
-            <a:pPr indent="0" lvl="0" marL="0" marR="0" rtl="0" algn="l">
-              <a:lnSpc>
-                <a:spcPct val="115000"/>
-              </a:lnSpc>
-              <a:spcBef>
-                <a:spcPts val="0"/>
-              </a:spcBef>
-              <a:spcAft>
-                <a:spcPts val="0"/>
-              </a:spcAft>
-              <a:buNone/>
-            </a:pPr>
-            <a:r>
-              <a:rPr lang="en" sz="1700"/>
-              <a:t>Two tables:</a:t>
-            </a:r>
-            <a:endParaRPr sz="1700"/>
-          </a:p>
-          <a:p>
-            <a:pPr indent="-336550" lvl="0" marL="914400" marR="0" rtl="0" algn="l">
-              <a:lnSpc>
-                <a:spcPct val="115000"/>
-              </a:lnSpc>
-              <a:spcBef>
-                <a:spcPts val="1200"/>
-              </a:spcBef>
-              <a:spcAft>
-                <a:spcPts val="0"/>
-              </a:spcAft>
-              <a:buSzPts val="1700"/>
-              <a:buChar char="●"/>
-            </a:pPr>
-            <a:r>
-              <a:rPr lang="en" sz="1700"/>
-              <a:t>Input</a:t>
-            </a:r>
-            <a:endParaRPr sz="1700"/>
-          </a:p>
-          <a:p>
-            <a:pPr indent="-336550" lvl="0" marL="914400" marR="0" rtl="0" algn="l">
-              <a:lnSpc>
-                <a:spcPct val="115000"/>
-              </a:lnSpc>
-              <a:spcBef>
-                <a:spcPts val="0"/>
-              </a:spcBef>
-              <a:spcAft>
-                <a:spcPts val="0"/>
-              </a:spcAft>
-              <a:buSzPts val="1700"/>
-              <a:buChar char="●"/>
-            </a:pPr>
-            <a:r>
-              <a:rPr lang="en" sz="1700"/>
-              <a:t>Output</a:t>
-            </a:r>
-            <a:endParaRPr sz="1700"/>
-          </a:p>
-          <a:p>
-            <a:pPr indent="0" lvl="0" marL="0" marR="0" rtl="0" algn="l">
-              <a:lnSpc>
-                <a:spcPct val="115000"/>
-              </a:lnSpc>
-              <a:spcBef>
-                <a:spcPts val="1200"/>
-              </a:spcBef>
-              <a:spcAft>
-                <a:spcPts val="0"/>
-              </a:spcAft>
-              <a:buNone/>
-            </a:pPr>
-            <a:r>
-              <a:rPr lang="en" sz="1700"/>
-              <a:t>Machine Learning Results</a:t>
-            </a:r>
-            <a:endParaRPr sz="1700"/>
-          </a:p>
-          <a:p>
-            <a:pPr indent="0" lvl="0" marL="0" marR="0" rtl="0" algn="l">
-              <a:lnSpc>
-                <a:spcPct val="115000"/>
-              </a:lnSpc>
-              <a:spcBef>
-                <a:spcPts val="1200"/>
-              </a:spcBef>
-              <a:spcAft>
-                <a:spcPts val="1200"/>
-              </a:spcAft>
-              <a:buNone/>
-            </a:pPr>
-            <a:r>
-              <a:t/>
-            </a:r>
-            <a:endParaRPr sz="1700"/>
           </a:p>
         </p:txBody>
       </p:sp>
       <p:pic>
         <p:nvPicPr>
-          <p:cNvPr id="207" name="Google Shape;207;p24"/>
+          <p:cNvPr id="223" name="Google Shape;223;p24"/>
           <p:cNvPicPr preferRelativeResize="0"/>
           <p:nvPr/>
         </p:nvPicPr>
@@ -11086,8 +11136,8 @@
         </p:blipFill>
         <p:spPr>
           <a:xfrm>
-            <a:off x="5894922" y="1567563"/>
-            <a:ext cx="2746675" cy="3128675"/>
+            <a:off x="2161450" y="1596850"/>
+            <a:ext cx="4213750" cy="3093075"/>
           </a:xfrm>
           <a:prstGeom prst="rect">
             <a:avLst/>
@@ -11100,7 +11150,7 @@
       </p:pic>
       <p:pic>
         <p:nvPicPr>
-          <p:cNvPr id="208" name="Google Shape;208;p24"/>
+          <p:cNvPr id="224" name="Google Shape;224;p24"/>
           <p:cNvPicPr preferRelativeResize="0"/>
           <p:nvPr/>
         </p:nvPicPr>
@@ -11114,8 +11164,8 @@
         </p:blipFill>
         <p:spPr>
           <a:xfrm>
-            <a:off x="3685550" y="3435450"/>
-            <a:ext cx="1464900" cy="820333"/>
+            <a:off x="6612749" y="1631748"/>
+            <a:ext cx="1197750" cy="496625"/>
           </a:xfrm>
           <a:prstGeom prst="rect">
             <a:avLst/>
@@ -11139,7 +11189,7 @@
   <p:cSld>
     <p:spTree>
       <p:nvGrpSpPr>
-        <p:cNvPr id="212" name="Shape 212"/>
+        <p:cNvPr id="228" name="Shape 228"/>
         <p:cNvGrpSpPr/>
         <p:nvPr/>
       </p:nvGrpSpPr>
@@ -11153,7 +11203,7 @@
       </p:grpSpPr>
       <p:sp>
         <p:nvSpPr>
-          <p:cNvPr id="213" name="Google Shape;213;p25"/>
+          <p:cNvPr id="229" name="Google Shape;229;p25"/>
           <p:cNvSpPr txBox="1"/>
           <p:nvPr>
             <p:ph type="title"/>
@@ -11185,7 +11235,7 @@
             </a:pPr>
             <a:r>
               <a:rPr lang="en"/>
-              <a:t>Result of analysis</a:t>
+              <a:t>Databases</a:t>
             </a:r>
             <a:endParaRPr/>
           </a:p>
@@ -11193,7 +11243,7 @@
       </p:sp>
       <p:sp>
         <p:nvSpPr>
-          <p:cNvPr id="214" name="Google Shape;214;p25"/>
+          <p:cNvPr id="230" name="Google Shape;230;p25"/>
           <p:cNvSpPr txBox="1"/>
           <p:nvPr>
             <p:ph idx="1" type="body"/>
@@ -11201,8 +11251,8 @@
         </p:nvSpPr>
         <p:spPr>
           <a:xfrm>
-            <a:off x="1297500" y="1567550"/>
-            <a:ext cx="7038900" cy="2911200"/>
+            <a:off x="1723350" y="1676288"/>
+            <a:ext cx="3991800" cy="2911200"/>
           </a:xfrm>
           <a:prstGeom prst="rect">
             <a:avLst/>
@@ -11214,7 +11264,10 @@
           </a:bodyPr>
           <a:lstStyle/>
           <a:p>
-            <a:pPr indent="0" lvl="0" marL="0" rtl="0" algn="l">
+            <a:pPr indent="0" lvl="0" marL="0" marR="0" rtl="0" algn="l">
+              <a:lnSpc>
+                <a:spcPct val="115000"/>
+              </a:lnSpc>
               <a:spcBef>
                 <a:spcPts val="0"/>
               </a:spcBef>
@@ -11224,37 +11277,146 @@
               <a:buNone/>
             </a:pPr>
             <a:r>
-              <a:rPr lang="en"/>
-              <a:t>Directionality, </a:t>
-            </a:r>
-            <a:r>
-              <a:rPr lang="en"/>
-              <a:t>outline</a:t>
-            </a:r>
-            <a:r>
-              <a:rPr lang="en"/>
-              <a:t> states, outling education level bachelors 9-12 graduate, model that works what we found is robust. </a:t>
-            </a:r>
-            <a:endParaRPr/>
+              <a:rPr lang="en" sz="1700"/>
+              <a:t>Two tables:</a:t>
+            </a:r>
+            <a:endParaRPr sz="1700"/>
           </a:p>
           <a:p>
-            <a:pPr indent="0" lvl="0" marL="0" rtl="0" algn="l">
+            <a:pPr indent="-336550" lvl="0" marL="914400" marR="0" rtl="0" algn="l">
+              <a:lnSpc>
+                <a:spcPct val="115000"/>
+              </a:lnSpc>
               <a:spcBef>
                 <a:spcPts val="1200"/>
               </a:spcBef>
               <a:spcAft>
+                <a:spcPts val="0"/>
+              </a:spcAft>
+              <a:buSzPts val="1700"/>
+              <a:buChar char="●"/>
+            </a:pPr>
+            <a:r>
+              <a:rPr lang="en" sz="1700"/>
+              <a:t>Input</a:t>
+            </a:r>
+            <a:endParaRPr sz="1700"/>
+          </a:p>
+          <a:p>
+            <a:pPr indent="-336550" lvl="0" marL="914400" marR="0" rtl="0" algn="l">
+              <a:lnSpc>
+                <a:spcPct val="115000"/>
+              </a:lnSpc>
+              <a:spcBef>
+                <a:spcPts val="0"/>
+              </a:spcBef>
+              <a:spcAft>
+                <a:spcPts val="0"/>
+              </a:spcAft>
+              <a:buSzPts val="1700"/>
+              <a:buChar char="●"/>
+            </a:pPr>
+            <a:r>
+              <a:rPr lang="en" sz="1700"/>
+              <a:t>Output</a:t>
+            </a:r>
+            <a:endParaRPr sz="1700"/>
+          </a:p>
+          <a:p>
+            <a:pPr indent="0" lvl="0" marL="0" marR="0" rtl="0" algn="l">
+              <a:lnSpc>
+                <a:spcPct val="115000"/>
+              </a:lnSpc>
+              <a:spcBef>
                 <a:spcPts val="1200"/>
+              </a:spcBef>
+              <a:spcAft>
+                <a:spcPts val="0"/>
               </a:spcAft>
               <a:buNone/>
             </a:pPr>
             <a:r>
-              <a:rPr lang="en"/>
-              <a:t>[Insert Heat Map updated version]</a:t>
-            </a:r>
-            <a:endParaRPr/>
+              <a:rPr lang="en" sz="1700"/>
+              <a:t>Machine Learning Results</a:t>
+            </a:r>
+            <a:endParaRPr sz="1700"/>
+          </a:p>
+          <a:p>
+            <a:pPr indent="0" lvl="0" marL="0" marR="0" rtl="0" algn="l">
+              <a:lnSpc>
+                <a:spcPct val="115000"/>
+              </a:lnSpc>
+              <a:spcBef>
+                <a:spcPts val="1200"/>
+              </a:spcBef>
+              <a:spcAft>
+                <a:spcPts val="1200"/>
+              </a:spcAft>
+              <a:buNone/>
+            </a:pPr>
+            <a:r>
+              <a:t/>
+            </a:r>
+            <a:endParaRPr sz="1700"/>
           </a:p>
         </p:txBody>
       </p:sp>
+      <p:pic>
+        <p:nvPicPr>
+          <p:cNvPr id="231" name="Google Shape;231;p25"/>
+          <p:cNvPicPr preferRelativeResize="0"/>
+          <p:nvPr/>
+        </p:nvPicPr>
+        <p:blipFill>
+          <a:blip r:embed="rId3">
+            <a:alphaModFix/>
+          </a:blip>
+          <a:stretch>
+            <a:fillRect/>
+          </a:stretch>
+        </p:blipFill>
+        <p:spPr>
+          <a:xfrm>
+            <a:off x="5294122" y="1567563"/>
+            <a:ext cx="2746675" cy="3128675"/>
+          </a:xfrm>
+          <a:prstGeom prst="rect">
+            <a:avLst/>
+          </a:prstGeom>
+          <a:noFill/>
+          <a:ln>
+            <a:noFill/>
+          </a:ln>
+        </p:spPr>
+      </p:pic>
+      <p:pic>
+        <p:nvPicPr>
+          <p:cNvPr id="232" name="Google Shape;232;p25"/>
+          <p:cNvPicPr preferRelativeResize="0"/>
+          <p:nvPr/>
+        </p:nvPicPr>
+        <p:blipFill>
+          <a:blip r:embed="rId4">
+            <a:alphaModFix/>
+          </a:blip>
+          <a:stretch>
+            <a:fillRect/>
+          </a:stretch>
+        </p:blipFill>
+        <p:spPr>
+          <a:xfrm>
+            <a:off x="1723350" y="3581950"/>
+            <a:ext cx="1464900" cy="820333"/>
+          </a:xfrm>
+          <a:prstGeom prst="rect">
+            <a:avLst/>
+          </a:prstGeom>
+          <a:noFill/>
+          <a:ln>
+            <a:noFill/>
+          </a:ln>
+        </p:spPr>
+      </p:pic>
     </p:spTree>
   </p:cSld>
   <p:clrMapOvr>
@@ -11268,7 +11430,7 @@
   <p:cSld>
     <p:spTree>
       <p:nvGrpSpPr>
-        <p:cNvPr id="218" name="Shape 218"/>
+        <p:cNvPr id="236" name="Shape 236"/>
         <p:cNvGrpSpPr/>
         <p:nvPr/>
       </p:nvGrpSpPr>
@@ -11282,7 +11444,7 @@
       </p:grpSpPr>
       <p:sp>
         <p:nvSpPr>
-          <p:cNvPr id="219" name="Google Shape;219;p26"/>
+          <p:cNvPr id="237" name="Google Shape;237;p26"/>
           <p:cNvSpPr txBox="1"/>
           <p:nvPr>
             <p:ph type="title"/>
@@ -11314,7 +11476,7 @@
             </a:pPr>
             <a:r>
               <a:rPr lang="en"/>
-              <a:t>Recommendation for future analysis</a:t>
+              <a:t>Result of Analysis</a:t>
             </a:r>
             <a:endParaRPr/>
           </a:p>
@@ -11322,7 +11484,7 @@
       </p:sp>
       <p:sp>
         <p:nvSpPr>
-          <p:cNvPr id="220" name="Google Shape;220;p26"/>
+          <p:cNvPr id="238" name="Google Shape;238;p26"/>
           <p:cNvSpPr txBox="1"/>
           <p:nvPr>
             <p:ph idx="1" type="body"/>
@@ -11339,30 +11501,92 @@
         </p:spPr>
         <p:txBody>
           <a:bodyPr anchorCtr="0" anchor="t" bIns="91425" lIns="91425" spcFirstLastPara="1" rIns="91425" wrap="square" tIns="91425">
-            <a:normAutofit lnSpcReduction="10000"/>
+            <a:normAutofit/>
           </a:bodyPr>
           <a:lstStyle/>
           <a:p>
-            <a:pPr indent="0" lvl="0" marL="0" rtl="0" algn="l">
-              <a:spcBef>
-                <a:spcPts val="0"/>
-              </a:spcBef>
-              <a:spcAft>
-                <a:spcPts val="0"/>
-              </a:spcAft>
-              <a:buNone/>
+            <a:pPr indent="-311150" lvl="0" marL="457200" rtl="0" algn="l">
+              <a:lnSpc>
+                <a:spcPct val="200000"/>
+              </a:lnSpc>
+              <a:spcBef>
+                <a:spcPts val="0"/>
+              </a:spcBef>
+              <a:spcAft>
+                <a:spcPts val="0"/>
+              </a:spcAft>
+              <a:buSzPts val="1300"/>
+              <a:buChar char="❏"/>
             </a:pPr>
             <a:r>
               <a:rPr lang="en"/>
-              <a:t>Focus in on the Outliers Montana, </a:t>
-            </a:r>
+              <a:t>There was a clear direction for our model and for each educational attainment level.</a:t>
+            </a:r>
+            <a:endParaRPr/>
+          </a:p>
+          <a:p>
+            <a:pPr indent="-311150" lvl="0" marL="457200" rtl="0" algn="l">
+              <a:lnSpc>
+                <a:spcPct val="100000"/>
+              </a:lnSpc>
+              <a:spcBef>
+                <a:spcPts val="0"/>
+              </a:spcBef>
+              <a:spcAft>
+                <a:spcPts val="0"/>
+              </a:spcAft>
+              <a:buSzPts val="1300"/>
+              <a:buChar char="❏"/>
+            </a:pPr>
             <a:r>
               <a:rPr lang="en"/>
-              <a:t>Louisiana</a:t>
+              <a:t>9th-12th grade, Bachelor’s degree and Graduate </a:t>
             </a:r>
             <a:r>
               <a:rPr lang="en"/>
-              <a:t> and Alaska Nevada</a:t>
+              <a:t>degrees</a:t>
+            </a:r>
+            <a:r>
+              <a:rPr lang="en"/>
+              <a:t> had the greatest relational influence on per capita income.</a:t>
+            </a:r>
+            <a:endParaRPr/>
+          </a:p>
+          <a:p>
+            <a:pPr indent="0" lvl="0" marL="457200" rtl="0" algn="l">
+              <a:lnSpc>
+                <a:spcPct val="100000"/>
+              </a:lnSpc>
+              <a:spcBef>
+                <a:spcPts val="1200"/>
+              </a:spcBef>
+              <a:spcAft>
+                <a:spcPts val="0"/>
+              </a:spcAft>
+              <a:buNone/>
+            </a:pPr>
+            <a:r>
+              <a:t/>
+            </a:r>
+            <a:endParaRPr/>
+          </a:p>
+          <a:p>
+            <a:pPr indent="-311150" lvl="0" marL="457200" rtl="0" algn="l">
+              <a:lnSpc>
+                <a:spcPct val="200000"/>
+              </a:lnSpc>
+              <a:spcBef>
+                <a:spcPts val="1200"/>
+              </a:spcBef>
+              <a:spcAft>
+                <a:spcPts val="0"/>
+              </a:spcAft>
+              <a:buSzPts val="1300"/>
+              <a:buChar char="❏"/>
+            </a:pPr>
+            <a:r>
+              <a:rPr lang="en"/>
+              <a:t>Model that was created is robust!</a:t>
             </a:r>
             <a:endParaRPr/>
           </a:p>
@@ -11372,116 +11596,6 @@
                 <a:spcPts val="1200"/>
               </a:spcBef>
               <a:spcAft>
-                <a:spcPts val="0"/>
-              </a:spcAft>
-              <a:buNone/>
-            </a:pPr>
-            <a:r>
-              <a:rPr lang="en"/>
-              <a:t>Split data </a:t>
-            </a:r>
-            <a:r>
-              <a:rPr lang="en"/>
-              <a:t>further</a:t>
-            </a:r>
-            <a:r>
-              <a:rPr lang="en"/>
-              <a:t> gender,  race migrant population, age</a:t>
-            </a:r>
-            <a:endParaRPr/>
-          </a:p>
-          <a:p>
-            <a:pPr indent="0" lvl="0" marL="0" rtl="0" algn="l">
-              <a:spcBef>
-                <a:spcPts val="1200"/>
-              </a:spcBef>
-              <a:spcAft>
-                <a:spcPts val="0"/>
-              </a:spcAft>
-              <a:buNone/>
-            </a:pPr>
-            <a:r>
-              <a:rPr lang="en"/>
-              <a:t>Expand Machine Learning Model</a:t>
-            </a:r>
-            <a:endParaRPr/>
-          </a:p>
-          <a:p>
-            <a:pPr indent="0" lvl="0" marL="0" rtl="0" algn="l">
-              <a:spcBef>
-                <a:spcPts val="1200"/>
-              </a:spcBef>
-              <a:spcAft>
-                <a:spcPts val="0"/>
-              </a:spcAft>
-              <a:buNone/>
-            </a:pPr>
-            <a:r>
-              <a:rPr lang="en"/>
-              <a:t>Other </a:t>
-            </a:r>
-            <a:r>
-              <a:rPr lang="en"/>
-              <a:t>impact on per capita income - </a:t>
-            </a:r>
-            <a:r>
-              <a:rPr lang="en"/>
-              <a:t>Primary Industries by state, industry performance</a:t>
-            </a:r>
-            <a:endParaRPr/>
-          </a:p>
-          <a:p>
-            <a:pPr indent="0" lvl="0" marL="0" rtl="0" algn="l">
-              <a:spcBef>
-                <a:spcPts val="1200"/>
-              </a:spcBef>
-              <a:spcAft>
-                <a:spcPts val="0"/>
-              </a:spcAft>
-              <a:buNone/>
-            </a:pPr>
-            <a:r>
-              <a:rPr lang="en"/>
-              <a:t>Geographical income</a:t>
-            </a:r>
-            <a:endParaRPr/>
-          </a:p>
-          <a:p>
-            <a:pPr indent="0" lvl="0" marL="0" rtl="0" algn="l">
-              <a:spcBef>
-                <a:spcPts val="1200"/>
-              </a:spcBef>
-              <a:spcAft>
-                <a:spcPts val="0"/>
-              </a:spcAft>
-              <a:buNone/>
-            </a:pPr>
-            <a:r>
-              <a:t/>
-            </a:r>
-            <a:endParaRPr/>
-          </a:p>
-          <a:p>
-            <a:pPr indent="0" lvl="0" marL="0" rtl="0" algn="l">
-              <a:spcBef>
-                <a:spcPts val="1200"/>
-              </a:spcBef>
-              <a:spcAft>
-                <a:spcPts val="0"/>
-              </a:spcAft>
-              <a:buNone/>
-            </a:pPr>
-            <a:r>
-              <a:t/>
-            </a:r>
-            <a:endParaRPr/>
-          </a:p>
-          <a:p>
-            <a:pPr indent="0" lvl="0" marL="0" rtl="0" algn="l">
-              <a:spcBef>
-                <a:spcPts val="1200"/>
-              </a:spcBef>
-              <a:spcAft>
                 <a:spcPts val="1200"/>
               </a:spcAft>
               <a:buNone/>
@@ -11493,6 +11607,34 @@
           </a:p>
         </p:txBody>
       </p:sp>
+      <p:pic>
+        <p:nvPicPr>
+          <p:cNvPr id="239" name="Google Shape;239;p26"/>
+          <p:cNvPicPr preferRelativeResize="0"/>
+          <p:nvPr/>
+        </p:nvPicPr>
+        <p:blipFill>
+          <a:blip r:embed="rId3">
+            <a:alphaModFix/>
+          </a:blip>
+          <a:stretch>
+            <a:fillRect/>
+          </a:stretch>
+        </p:blipFill>
+        <p:spPr>
+          <a:xfrm>
+            <a:off x="4514050" y="2338100"/>
+            <a:ext cx="4219648" cy="2585075"/>
+          </a:xfrm>
+          <a:prstGeom prst="rect">
+            <a:avLst/>
+          </a:prstGeom>
+          <a:noFill/>
+          <a:ln>
+            <a:noFill/>
+          </a:ln>
+        </p:spPr>
+      </p:pic>
     </p:spTree>
   </p:cSld>
   <p:clrMapOvr>
@@ -11506,7 +11648,7 @@
   <p:cSld>
     <p:spTree>
       <p:nvGrpSpPr>
-        <p:cNvPr id="224" name="Shape 224"/>
+        <p:cNvPr id="243" name="Shape 243"/>
         <p:cNvGrpSpPr/>
         <p:nvPr/>
       </p:nvGrpSpPr>
@@ -11520,7 +11662,119 @@
       </p:grpSpPr>
       <p:sp>
         <p:nvSpPr>
-          <p:cNvPr id="225" name="Google Shape;225;p27"/>
+          <p:cNvPr id="244" name="Google Shape;244;p27"/>
+          <p:cNvSpPr txBox="1"/>
+          <p:nvPr>
+            <p:ph idx="1" type="body"/>
+          </p:nvPr>
+        </p:nvSpPr>
+        <p:spPr>
+          <a:xfrm>
+            <a:off x="1779900" y="1567550"/>
+            <a:ext cx="6074100" cy="2911200"/>
+          </a:xfrm>
+          <a:prstGeom prst="rect">
+            <a:avLst/>
+          </a:prstGeom>
+        </p:spPr>
+        <p:txBody>
+          <a:bodyPr anchorCtr="0" anchor="t" bIns="91425" lIns="91425" spcFirstLastPara="1" rIns="91425" wrap="square" tIns="91425">
+            <a:normAutofit/>
+          </a:bodyPr>
+          <a:lstStyle/>
+          <a:p>
+            <a:pPr indent="-311150" lvl="0" marL="457200" rtl="0" algn="l">
+              <a:lnSpc>
+                <a:spcPct val="200000"/>
+              </a:lnSpc>
+              <a:spcBef>
+                <a:spcPts val="0"/>
+              </a:spcBef>
+              <a:spcAft>
+                <a:spcPts val="0"/>
+              </a:spcAft>
+              <a:buSzPts val="1300"/>
+              <a:buChar char="❏"/>
+            </a:pPr>
+            <a:r>
+              <a:rPr lang="en"/>
+              <a:t>Zone in on the why behind the outliers such as Montana, </a:t>
+            </a:r>
+            <a:r>
+              <a:rPr lang="en"/>
+              <a:t>Louisiana, </a:t>
+            </a:r>
+            <a:r>
+              <a:rPr lang="en"/>
+              <a:t>Alaska  &amp; Nevada.</a:t>
+            </a:r>
+            <a:endParaRPr/>
+          </a:p>
+          <a:p>
+            <a:pPr indent="-311150" lvl="0" marL="457200" rtl="0" algn="l">
+              <a:lnSpc>
+                <a:spcPct val="200000"/>
+              </a:lnSpc>
+              <a:spcBef>
+                <a:spcPts val="0"/>
+              </a:spcBef>
+              <a:spcAft>
+                <a:spcPts val="0"/>
+              </a:spcAft>
+              <a:buSzPts val="1300"/>
+              <a:buChar char="❏"/>
+            </a:pPr>
+            <a:r>
+              <a:rPr lang="en"/>
+              <a:t>Additional factors, such as gender, race,  age and migrant population and analyze their impact.</a:t>
+            </a:r>
+            <a:endParaRPr/>
+          </a:p>
+          <a:p>
+            <a:pPr indent="-311150" lvl="0" marL="457200" rtl="0" algn="l">
+              <a:lnSpc>
+                <a:spcPct val="200000"/>
+              </a:lnSpc>
+              <a:spcBef>
+                <a:spcPts val="0"/>
+              </a:spcBef>
+              <a:spcAft>
+                <a:spcPts val="0"/>
+              </a:spcAft>
+              <a:buSzPts val="1300"/>
+              <a:buChar char="❏"/>
+            </a:pPr>
+            <a:r>
+              <a:rPr lang="en"/>
+              <a:t>Expand Machine Learning Model.</a:t>
+            </a:r>
+            <a:endParaRPr/>
+          </a:p>
+          <a:p>
+            <a:pPr indent="-311150" lvl="0" marL="457200" rtl="0" algn="l">
+              <a:lnSpc>
+                <a:spcPct val="200000"/>
+              </a:lnSpc>
+              <a:spcBef>
+                <a:spcPts val="0"/>
+              </a:spcBef>
+              <a:spcAft>
+                <a:spcPts val="0"/>
+              </a:spcAft>
+              <a:buSzPts val="1300"/>
+              <a:buChar char="❏"/>
+            </a:pPr>
+            <a:r>
+              <a:rPr lang="en"/>
+              <a:t>Identify primary industries in each state and patterns they create.</a:t>
+            </a:r>
+            <a:endParaRPr/>
+          </a:p>
+        </p:txBody>
+      </p:sp>
+      <p:sp>
+        <p:nvSpPr>
+          <p:cNvPr id="245" name="Google Shape;245;p27"/>
           <p:cNvSpPr txBox="1"/>
           <p:nvPr>
             <p:ph type="title"/>
@@ -11552,99 +11806,40 @@
             </a:pPr>
             <a:r>
               <a:rPr lang="en"/>
-              <a:t>Anything that would be done differently</a:t>
+              <a:t>Recommendation for future analysis</a:t>
             </a:r>
             <a:endParaRPr/>
           </a:p>
         </p:txBody>
       </p:sp>
-      <p:sp>
-        <p:nvSpPr>
-          <p:cNvPr id="226" name="Google Shape;226;p27"/>
-          <p:cNvSpPr txBox="1"/>
-          <p:nvPr>
-            <p:ph idx="1" type="body"/>
-          </p:nvPr>
-        </p:nvSpPr>
+      <p:pic>
+        <p:nvPicPr>
+          <p:cNvPr id="246" name="Google Shape;246;p27"/>
+          <p:cNvPicPr preferRelativeResize="0"/>
+          <p:nvPr/>
+        </p:nvPicPr>
+        <p:blipFill>
+          <a:blip r:embed="rId3">
+            <a:alphaModFix/>
+          </a:blip>
+          <a:stretch>
+            <a:fillRect/>
+          </a:stretch>
+        </p:blipFill>
         <p:spPr>
           <a:xfrm>
-            <a:off x="1297500" y="1567550"/>
-            <a:ext cx="7038900" cy="2911200"/>
+            <a:off x="6410250" y="2675538"/>
+            <a:ext cx="982624" cy="695225"/>
           </a:xfrm>
           <a:prstGeom prst="rect">
             <a:avLst/>
           </a:prstGeom>
+          <a:noFill/>
+          <a:ln>
+            <a:noFill/>
+          </a:ln>
         </p:spPr>
-        <p:txBody>
-          <a:bodyPr anchorCtr="0" anchor="t" bIns="91425" lIns="91425" spcFirstLastPara="1" rIns="91425" wrap="square" tIns="91425">
-            <a:normAutofit/>
-          </a:bodyPr>
-          <a:lstStyle/>
-          <a:p>
-            <a:pPr indent="0" lvl="0" marL="0" rtl="0" algn="l">
-              <a:spcBef>
-                <a:spcPts val="0"/>
-              </a:spcBef>
-              <a:spcAft>
-                <a:spcPts val="0"/>
-              </a:spcAft>
-              <a:buNone/>
-            </a:pPr>
-            <a:r>
-              <a:rPr lang="en"/>
-              <a:t>Dive in deeper</a:t>
-            </a:r>
-            <a:endParaRPr/>
-          </a:p>
-          <a:p>
-            <a:pPr indent="0" lvl="0" marL="0" rtl="0" algn="l">
-              <a:spcBef>
-                <a:spcPts val="1200"/>
-              </a:spcBef>
-              <a:spcAft>
-                <a:spcPts val="0"/>
-              </a:spcAft>
-              <a:buNone/>
-            </a:pPr>
-            <a:r>
-              <a:rPr lang="en"/>
-              <a:t>Structure output as csv instead of JSON</a:t>
-            </a:r>
-            <a:endParaRPr/>
-          </a:p>
-          <a:p>
-            <a:pPr indent="0" lvl="0" marL="0" rtl="0" algn="l">
-              <a:spcBef>
-                <a:spcPts val="1200"/>
-              </a:spcBef>
-              <a:spcAft>
-                <a:spcPts val="0"/>
-              </a:spcAft>
-              <a:buNone/>
-            </a:pPr>
-            <a:r>
-              <a:rPr lang="en"/>
-              <a:t>Go further back on the data years</a:t>
-            </a:r>
-            <a:endParaRPr/>
-          </a:p>
-          <a:p>
-            <a:pPr indent="0" lvl="0" marL="0" rtl="0" algn="l">
-              <a:spcBef>
-                <a:spcPts val="1200"/>
-              </a:spcBef>
-              <a:spcAft>
-                <a:spcPts val="1200"/>
-              </a:spcAft>
-              <a:buNone/>
-            </a:pPr>
-            <a:r>
-              <a:t/>
-            </a:r>
-            <a:endParaRPr/>
-          </a:p>
-        </p:txBody>
-      </p:sp>
+      </p:pic>
     </p:spTree>
   </p:cSld>
   <p:clrMapOvr>
@@ -11658,7 +11853,7 @@
   <p:cSld>
     <p:spTree>
       <p:nvGrpSpPr>
-        <p:cNvPr id="230" name="Shape 230"/>
+        <p:cNvPr id="250" name="Shape 250"/>
         <p:cNvGrpSpPr/>
         <p:nvPr/>
       </p:nvGrpSpPr>
@@ -11672,7 +11867,7 @@
       </p:grpSpPr>
       <p:sp>
         <p:nvSpPr>
-          <p:cNvPr id="231" name="Google Shape;231;p28"/>
+          <p:cNvPr id="251" name="Google Shape;251;p28"/>
           <p:cNvSpPr txBox="1"/>
           <p:nvPr>
             <p:ph type="title"/>
@@ -11704,7 +11899,7 @@
             </a:pPr>
             <a:r>
               <a:rPr lang="en"/>
-              <a:t>Technologies, Languages, Tools and Libraries</a:t>
+              <a:t>Anything that would be done differently</a:t>
             </a:r>
             <a:endParaRPr/>
           </a:p>
@@ -11712,7 +11907,192 @@
       </p:sp>
       <p:sp>
         <p:nvSpPr>
-          <p:cNvPr id="232" name="Google Shape;232;p28"/>
+          <p:cNvPr id="252" name="Google Shape;252;p28"/>
+          <p:cNvSpPr txBox="1"/>
+          <p:nvPr>
+            <p:ph idx="1" type="body"/>
+          </p:nvPr>
+        </p:nvSpPr>
+        <p:spPr>
+          <a:xfrm>
+            <a:off x="2293950" y="1582200"/>
+            <a:ext cx="5494500" cy="2911200"/>
+          </a:xfrm>
+          <a:prstGeom prst="rect">
+            <a:avLst/>
+          </a:prstGeom>
+        </p:spPr>
+        <p:txBody>
+          <a:bodyPr anchorCtr="0" anchor="t" bIns="91425" lIns="91425" spcFirstLastPara="1" rIns="91425" wrap="square" tIns="91425">
+            <a:normAutofit/>
+          </a:bodyPr>
+          <a:lstStyle/>
+          <a:p>
+            <a:pPr indent="-311150" lvl="0" marL="457200" rtl="0" algn="l">
+              <a:spcBef>
+                <a:spcPts val="0"/>
+              </a:spcBef>
+              <a:spcAft>
+                <a:spcPts val="0"/>
+              </a:spcAft>
+              <a:buSzPts val="1300"/>
+              <a:buChar char="❏"/>
+            </a:pPr>
+            <a:r>
+              <a:rPr lang="en"/>
+              <a:t>Dive in deeper into the data and trends identified.</a:t>
+            </a:r>
+            <a:endParaRPr/>
+          </a:p>
+          <a:p>
+            <a:pPr indent="0" lvl="0" marL="457200" rtl="0" algn="l">
+              <a:spcBef>
+                <a:spcPts val="1200"/>
+              </a:spcBef>
+              <a:spcAft>
+                <a:spcPts val="0"/>
+              </a:spcAft>
+              <a:buNone/>
+            </a:pPr>
+            <a:r>
+              <a:t/>
+            </a:r>
+            <a:endParaRPr/>
+          </a:p>
+          <a:p>
+            <a:pPr indent="-311150" lvl="0" marL="457200" rtl="0" algn="l">
+              <a:spcBef>
+                <a:spcPts val="1200"/>
+              </a:spcBef>
+              <a:spcAft>
+                <a:spcPts val="0"/>
+              </a:spcAft>
+              <a:buSzPts val="1300"/>
+              <a:buChar char="❏"/>
+            </a:pPr>
+            <a:r>
+              <a:rPr lang="en"/>
+              <a:t>Structure output in Jupyter notebook as CSV instead of JSON.</a:t>
+            </a:r>
+            <a:endParaRPr/>
+          </a:p>
+          <a:p>
+            <a:pPr indent="0" lvl="0" marL="457200" rtl="0" algn="l">
+              <a:spcBef>
+                <a:spcPts val="1200"/>
+              </a:spcBef>
+              <a:spcAft>
+                <a:spcPts val="0"/>
+              </a:spcAft>
+              <a:buNone/>
+            </a:pPr>
+            <a:r>
+              <a:t/>
+            </a:r>
+            <a:endParaRPr/>
+          </a:p>
+          <a:p>
+            <a:pPr indent="-311150" lvl="0" marL="457200" rtl="0" algn="l">
+              <a:spcBef>
+                <a:spcPts val="1200"/>
+              </a:spcBef>
+              <a:spcAft>
+                <a:spcPts val="0"/>
+              </a:spcAft>
+              <a:buSzPts val="1300"/>
+              <a:buChar char="❏"/>
+            </a:pPr>
+            <a:r>
+              <a:rPr lang="en"/>
+              <a:t>Analyze more data, going further back historically. </a:t>
+            </a:r>
+            <a:endParaRPr/>
+          </a:p>
+          <a:p>
+            <a:pPr indent="0" lvl="0" marL="0" rtl="0" algn="l">
+              <a:spcBef>
+                <a:spcPts val="1200"/>
+              </a:spcBef>
+              <a:spcAft>
+                <a:spcPts val="1200"/>
+              </a:spcAft>
+              <a:buNone/>
+            </a:pPr>
+            <a:r>
+              <a:t/>
+            </a:r>
+            <a:endParaRPr/>
+          </a:p>
+        </p:txBody>
+      </p:sp>
+    </p:spTree>
+  </p:cSld>
+  <p:clrMapOvr>
+    <a:masterClrMapping/>
+  </p:clrMapOvr>
+</p:sld>
+</file>
+
+<file path=ppt/slides/slide17.xml><?xml version="1.0" encoding="utf-8"?>
+<p:sld xmlns:a="http://schemas.openxmlformats.org/drawingml/2006/main" xmlns:r="http://schemas.openxmlformats.org/officeDocument/2006/relationships" xmlns:mc="http://schemas.openxmlformats.org/markup-compatibility/2006" xmlns:mv="urn:schemas-microsoft-com:mac:vml" xmlns:p="http://schemas.openxmlformats.org/presentationml/2006/main" xmlns:c="http://schemas.openxmlformats.org/drawingml/2006/chart" xmlns:dgm="http://schemas.openxmlformats.org/drawingml/2006/diagram" xmlns:o="urn:schemas-microsoft-com:office:office" xmlns:v="urn:schemas-microsoft-com:vml" xmlns:pvml="urn:schemas-microsoft-com:office:powerpoint" xmlns:com="http://schemas.openxmlformats.org/drawingml/2006/compatibility" xmlns:p14="http://schemas.microsoft.com/office/powerpoint/2010/main" xmlns:p15="http://schemas.microsoft.com/office/powerpoint/2012/main" xmlns:ahyp="http://schemas.microsoft.com/office/drawing/2018/hyperlinkcolor">
+  <p:cSld>
+    <p:spTree>
+      <p:nvGrpSpPr>
+        <p:cNvPr id="256" name="Shape 256"/>
+        <p:cNvGrpSpPr/>
+        <p:nvPr/>
+      </p:nvGrpSpPr>
+      <p:grpSpPr>
+        <a:xfrm>
+          <a:off x="0" y="0"/>
+          <a:ext cx="0" cy="0"/>
+          <a:chOff x="0" y="0"/>
+          <a:chExt cx="0" cy="0"/>
+        </a:xfrm>
+      </p:grpSpPr>
+      <p:sp>
+        <p:nvSpPr>
+          <p:cNvPr id="257" name="Google Shape;257;p29"/>
+          <p:cNvSpPr txBox="1"/>
+          <p:nvPr>
+            <p:ph type="title"/>
+          </p:nvPr>
+        </p:nvSpPr>
+        <p:spPr>
+          <a:xfrm>
+            <a:off x="1297500" y="393750"/>
+            <a:ext cx="7038900" cy="914100"/>
+          </a:xfrm>
+          <a:prstGeom prst="rect">
+            <a:avLst/>
+          </a:prstGeom>
+        </p:spPr>
+        <p:txBody>
+          <a:bodyPr anchorCtr="0" anchor="ctr" bIns="91425" lIns="91425" spcFirstLastPara="1" rIns="91425" wrap="square" tIns="91425">
+            <a:normAutofit/>
+          </a:bodyPr>
+          <a:lstStyle/>
+          <a:p>
+            <a:pPr indent="0" lvl="0" marL="0" rtl="0" algn="ctr">
+              <a:spcBef>
+                <a:spcPts val="0"/>
+              </a:spcBef>
+              <a:spcAft>
+                <a:spcPts val="0"/>
+              </a:spcAft>
+              <a:buNone/>
+            </a:pPr>
+            <a:r>
+              <a:rPr lang="en"/>
+              <a:t>Technologies, Languages, Tools and Libraries</a:t>
+            </a:r>
+            <a:endParaRPr/>
+          </a:p>
+        </p:txBody>
+      </p:sp>
+      <p:sp>
+        <p:nvSpPr>
+          <p:cNvPr id="258" name="Google Shape;258;p29"/>
           <p:cNvSpPr txBox="1"/>
           <p:nvPr>
             <p:ph idx="1" type="body"/>
@@ -11884,7 +12264,7 @@
       </p:sp>
       <p:sp>
         <p:nvSpPr>
-          <p:cNvPr id="233" name="Google Shape;233;p28"/>
+          <p:cNvPr id="259" name="Google Shape;259;p29"/>
           <p:cNvSpPr txBox="1"/>
           <p:nvPr>
             <p:ph idx="2" type="body"/>
@@ -12188,6 +12568,34 @@
           </a:p>
         </p:txBody>
       </p:sp>
+      <p:pic>
+        <p:nvPicPr>
+          <p:cNvPr id="142" name="Google Shape;142;p14"/>
+          <p:cNvPicPr preferRelativeResize="0"/>
+          <p:nvPr/>
+        </p:nvPicPr>
+        <p:blipFill>
+          <a:blip r:embed="rId3">
+            <a:alphaModFix/>
+          </a:blip>
+          <a:stretch>
+            <a:fillRect/>
+          </a:stretch>
+        </p:blipFill>
+        <p:spPr>
+          <a:xfrm>
+            <a:off x="6539025" y="3167150"/>
+            <a:ext cx="2057374" cy="2057374"/>
+          </a:xfrm>
+          <a:prstGeom prst="rect">
+            <a:avLst/>
+          </a:prstGeom>
+          <a:noFill/>
+          <a:ln>
+            <a:noFill/>
+          </a:ln>
+        </p:spPr>
+      </p:pic>
     </p:spTree>
   </p:cSld>
   <p:clrMapOvr>
@@ -12201,7 +12609,7 @@
   <p:cSld>
     <p:spTree>
       <p:nvGrpSpPr>
-        <p:cNvPr id="145" name="Shape 145"/>
+        <p:cNvPr id="146" name="Shape 146"/>
         <p:cNvGrpSpPr/>
         <p:nvPr/>
       </p:nvGrpSpPr>
@@ -12215,7 +12623,7 @@
       </p:grpSpPr>
       <p:sp>
         <p:nvSpPr>
-          <p:cNvPr id="146" name="Google Shape;146;p15"/>
+          <p:cNvPr id="147" name="Google Shape;147;p15"/>
           <p:cNvSpPr txBox="1"/>
           <p:nvPr>
             <p:ph type="title"/>
@@ -12255,7 +12663,7 @@
       </p:sp>
       <p:sp>
         <p:nvSpPr>
-          <p:cNvPr id="147" name="Google Shape;147;p15"/>
+          <p:cNvPr id="148" name="Google Shape;148;p15"/>
           <p:cNvSpPr txBox="1"/>
           <p:nvPr>
             <p:ph idx="1" type="body"/>
@@ -12475,7 +12883,7 @@
       </p:sp>
       <p:pic>
         <p:nvPicPr>
-          <p:cNvPr id="148" name="Google Shape;148;p15"/>
+          <p:cNvPr id="149" name="Google Shape;149;p15"/>
           <p:cNvPicPr preferRelativeResize="0"/>
           <p:nvPr/>
         </p:nvPicPr>
@@ -12503,7 +12911,7 @@
       </p:pic>
       <p:pic>
         <p:nvPicPr>
-          <p:cNvPr id="149" name="Google Shape;149;p15"/>
+          <p:cNvPr id="150" name="Google Shape;150;p15"/>
           <p:cNvPicPr preferRelativeResize="0"/>
           <p:nvPr/>
         </p:nvPicPr>
@@ -12542,7 +12950,7 @@
   <p:cSld>
     <p:spTree>
       <p:nvGrpSpPr>
-        <p:cNvPr id="153" name="Shape 153"/>
+        <p:cNvPr id="154" name="Shape 154"/>
         <p:cNvGrpSpPr/>
         <p:nvPr/>
       </p:nvGrpSpPr>
@@ -12556,7 +12964,7 @@
       </p:grpSpPr>
       <p:sp>
         <p:nvSpPr>
-          <p:cNvPr id="154" name="Google Shape;154;p16"/>
+          <p:cNvPr id="155" name="Google Shape;155;p16"/>
           <p:cNvSpPr txBox="1"/>
           <p:nvPr>
             <p:ph type="title"/>
@@ -12592,7 +13000,7 @@
             </a:r>
             <a:r>
               <a:rPr lang="en" sz="2622"/>
-              <a:t>uestions to answer with the analysis:</a:t>
+              <a:t>uestions to Answer with the Analysis:</a:t>
             </a:r>
             <a:endParaRPr sz="2622"/>
           </a:p>
@@ -12600,7 +13008,7 @@
       </p:sp>
       <p:sp>
         <p:nvSpPr>
-          <p:cNvPr id="155" name="Google Shape;155;p16"/>
+          <p:cNvPr id="156" name="Google Shape;156;p16"/>
           <p:cNvSpPr txBox="1"/>
           <p:nvPr>
             <p:ph idx="1" type="body"/>
@@ -12728,6 +13136,34 @@
           </a:p>
         </p:txBody>
       </p:sp>
+      <p:pic>
+        <p:nvPicPr>
+          <p:cNvPr id="157" name="Google Shape;157;p16"/>
+          <p:cNvPicPr preferRelativeResize="0"/>
+          <p:nvPr/>
+        </p:nvPicPr>
+        <p:blipFill>
+          <a:blip r:embed="rId3">
+            <a:alphaModFix/>
+          </a:blip>
+          <a:stretch>
+            <a:fillRect/>
+          </a:stretch>
+        </p:blipFill>
+        <p:spPr>
+          <a:xfrm>
+            <a:off x="7264000" y="3776375"/>
+            <a:ext cx="1515499" cy="1070075"/>
+          </a:xfrm>
+          <a:prstGeom prst="rect">
+            <a:avLst/>
+          </a:prstGeom>
+          <a:noFill/>
+          <a:ln>
+            <a:noFill/>
+          </a:ln>
+        </p:spPr>
+      </p:pic>
     </p:spTree>
   </p:cSld>
   <p:clrMapOvr>
@@ -12741,7 +13177,7 @@
   <p:cSld>
     <p:spTree>
       <p:nvGrpSpPr>
-        <p:cNvPr id="159" name="Shape 159"/>
+        <p:cNvPr id="161" name="Shape 161"/>
         <p:cNvGrpSpPr/>
         <p:nvPr/>
       </p:nvGrpSpPr>
@@ -12755,7 +13191,7 @@
       </p:grpSpPr>
       <p:sp>
         <p:nvSpPr>
-          <p:cNvPr id="160" name="Google Shape;160;p17"/>
+          <p:cNvPr id="162" name="Google Shape;162;p17"/>
           <p:cNvSpPr txBox="1"/>
           <p:nvPr>
             <p:ph type="title"/>
@@ -12795,7 +13231,7 @@
       </p:sp>
       <p:sp>
         <p:nvSpPr>
-          <p:cNvPr id="161" name="Google Shape;161;p17"/>
+          <p:cNvPr id="163" name="Google Shape;163;p17"/>
           <p:cNvSpPr txBox="1"/>
           <p:nvPr>
             <p:ph idx="1" type="body"/>
@@ -12848,7 +13284,7 @@
             <a:endParaRPr/>
           </a:p>
           <a:p>
-            <a:pPr indent="457200" lvl="0" marL="0" rtl="0" algn="l">
+            <a:pPr indent="0" lvl="0" marL="0" rtl="0" algn="l">
               <a:spcBef>
                 <a:spcPts val="1200"/>
               </a:spcBef>
@@ -12858,24 +13294,7 @@
               <a:buNone/>
             </a:pPr>
             <a:r>
-              <a:rPr lang="en"/>
-              <a:t>- Less than 9th grade	-9th to 12th grade 		- High School 	-Some College</a:t>
-            </a:r>
-            <a:endParaRPr/>
-          </a:p>
-          <a:p>
-            <a:pPr indent="457200" lvl="0" marL="0" rtl="0" algn="l">
-              <a:spcBef>
-                <a:spcPts val="1200"/>
-              </a:spcBef>
-              <a:spcAft>
-                <a:spcPts val="0"/>
-              </a:spcAft>
-              <a:buNone/>
-            </a:pPr>
-            <a:r>
-              <a:rPr lang="en"/>
-              <a:t>-Associate’s Degree	-Bachelor’s Degree	- Graduate Degree</a:t>
+              <a:t/>
             </a:r>
             <a:endParaRPr/>
           </a:p>
@@ -12890,27 +13309,545 @@
               <a:buNone/>
             </a:pPr>
             <a:r>
-              <a:rPr lang="en"/>
-              <a:t>Dependent Variable/Target:</a:t>
+              <a:t/>
             </a:r>
             <a:endParaRPr/>
           </a:p>
           <a:p>
-            <a:pPr indent="-311150" lvl="0" marL="457200" rtl="0" algn="l">
+            <a:pPr indent="0" lvl="0" marL="0" rtl="0" algn="l">
               <a:spcBef>
                 <a:spcPts val="1200"/>
               </a:spcBef>
               <a:spcAft>
                 <a:spcPts val="0"/>
               </a:spcAft>
-              <a:buSzPts val="1300"/>
-              <a:buChar char="-"/>
+              <a:buNone/>
             </a:pPr>
             <a:r>
               <a:rPr lang="en"/>
+              <a:t>Dependent Variable/Target:</a:t>
+            </a:r>
+            <a:endParaRPr/>
+          </a:p>
+          <a:p>
+            <a:pPr indent="0" lvl="0" marL="0" rtl="0" algn="l">
+              <a:spcBef>
+                <a:spcPts val="1200"/>
+              </a:spcBef>
+              <a:spcAft>
+                <a:spcPts val="1200"/>
+              </a:spcAft>
+              <a:buNone/>
+            </a:pPr>
+            <a:r>
+              <a:rPr lang="en"/>
+              <a:t>  </a:t>
+            </a:r>
+            <a:endParaRPr/>
+          </a:p>
+        </p:txBody>
+      </p:sp>
+      <p:sp>
+        <p:nvSpPr>
+          <p:cNvPr id="164" name="Google Shape;164;p17"/>
+          <p:cNvSpPr txBox="1"/>
+          <p:nvPr/>
+        </p:nvSpPr>
+        <p:spPr>
+          <a:xfrm>
+            <a:off x="3515400" y="2336550"/>
+            <a:ext cx="2113200" cy="400200"/>
+          </a:xfrm>
+          <a:prstGeom prst="rect">
+            <a:avLst/>
+          </a:prstGeom>
+          <a:noFill/>
+          <a:ln>
+            <a:noFill/>
+          </a:ln>
+        </p:spPr>
+        <p:txBody>
+          <a:bodyPr anchorCtr="0" anchor="t" bIns="91425" lIns="91425" spcFirstLastPara="1" rIns="91425" wrap="square" tIns="91425">
+            <a:spAutoFit/>
+          </a:bodyPr>
+          <a:lstStyle/>
+          <a:p>
+            <a:pPr indent="-317500" lvl="0" marL="457200" rtl="0" algn="l">
+              <a:spcBef>
+                <a:spcPts val="0"/>
+              </a:spcBef>
+              <a:spcAft>
+                <a:spcPts val="0"/>
+              </a:spcAft>
+              <a:buClr>
+                <a:schemeClr val="lt1"/>
+              </a:buClr>
+              <a:buSzPts val="1400"/>
+              <a:buFont typeface="Lato"/>
+              <a:buChar char="●"/>
+            </a:pPr>
+            <a:r>
+              <a:rPr lang="en">
+                <a:solidFill>
+                  <a:schemeClr val="lt1"/>
+                </a:solidFill>
+                <a:latin typeface="Lato"/>
+                <a:ea typeface="Lato"/>
+                <a:cs typeface="Lato"/>
+                <a:sym typeface="Lato"/>
+              </a:rPr>
+              <a:t>9th to 12th grade</a:t>
+            </a:r>
+            <a:endParaRPr>
+              <a:solidFill>
+                <a:schemeClr val="lt1"/>
+              </a:solidFill>
+              <a:latin typeface="Lato"/>
+              <a:ea typeface="Lato"/>
+              <a:cs typeface="Lato"/>
+              <a:sym typeface="Lato"/>
+            </a:endParaRPr>
+          </a:p>
+        </p:txBody>
+      </p:sp>
+      <p:sp>
+        <p:nvSpPr>
+          <p:cNvPr id="165" name="Google Shape;165;p17"/>
+          <p:cNvSpPr txBox="1"/>
+          <p:nvPr/>
+        </p:nvSpPr>
+        <p:spPr>
+          <a:xfrm>
+            <a:off x="5495250" y="2336550"/>
+            <a:ext cx="2113200" cy="400200"/>
+          </a:xfrm>
+          <a:prstGeom prst="rect">
+            <a:avLst/>
+          </a:prstGeom>
+          <a:noFill/>
+          <a:ln>
+            <a:noFill/>
+          </a:ln>
+        </p:spPr>
+        <p:txBody>
+          <a:bodyPr anchorCtr="0" anchor="t" bIns="91425" lIns="91425" spcFirstLastPara="1" rIns="91425" wrap="square" tIns="91425">
+            <a:spAutoFit/>
+          </a:bodyPr>
+          <a:lstStyle/>
+          <a:p>
+            <a:pPr indent="-317500" lvl="0" marL="457200" rtl="0" algn="l">
+              <a:spcBef>
+                <a:spcPts val="0"/>
+              </a:spcBef>
+              <a:spcAft>
+                <a:spcPts val="0"/>
+              </a:spcAft>
+              <a:buClr>
+                <a:schemeClr val="lt1"/>
+              </a:buClr>
+              <a:buSzPts val="1400"/>
+              <a:buFont typeface="Lato"/>
+              <a:buChar char="●"/>
+            </a:pPr>
+            <a:r>
+              <a:rPr lang="en">
+                <a:solidFill>
+                  <a:schemeClr val="lt1"/>
+                </a:solidFill>
+                <a:latin typeface="Lato"/>
+                <a:ea typeface="Lato"/>
+                <a:cs typeface="Lato"/>
+                <a:sym typeface="Lato"/>
+              </a:rPr>
+              <a:t>High School</a:t>
+            </a:r>
+            <a:endParaRPr>
+              <a:solidFill>
+                <a:schemeClr val="lt1"/>
+              </a:solidFill>
+              <a:latin typeface="Lato"/>
+              <a:ea typeface="Lato"/>
+              <a:cs typeface="Lato"/>
+              <a:sym typeface="Lato"/>
+            </a:endParaRPr>
+          </a:p>
+        </p:txBody>
+      </p:sp>
+      <p:sp>
+        <p:nvSpPr>
+          <p:cNvPr id="166" name="Google Shape;166;p17"/>
+          <p:cNvSpPr txBox="1"/>
+          <p:nvPr/>
+        </p:nvSpPr>
+        <p:spPr>
+          <a:xfrm>
+            <a:off x="7083050" y="2336550"/>
+            <a:ext cx="2113200" cy="400200"/>
+          </a:xfrm>
+          <a:prstGeom prst="rect">
+            <a:avLst/>
+          </a:prstGeom>
+          <a:noFill/>
+          <a:ln>
+            <a:noFill/>
+          </a:ln>
+        </p:spPr>
+        <p:txBody>
+          <a:bodyPr anchorCtr="0" anchor="t" bIns="91425" lIns="91425" spcFirstLastPara="1" rIns="91425" wrap="square" tIns="91425">
+            <a:spAutoFit/>
+          </a:bodyPr>
+          <a:lstStyle/>
+          <a:p>
+            <a:pPr indent="-317500" lvl="0" marL="457200" rtl="0" algn="l">
+              <a:spcBef>
+                <a:spcPts val="0"/>
+              </a:spcBef>
+              <a:spcAft>
+                <a:spcPts val="0"/>
+              </a:spcAft>
+              <a:buClr>
+                <a:schemeClr val="lt1"/>
+              </a:buClr>
+              <a:buSzPts val="1400"/>
+              <a:buFont typeface="Lato"/>
+              <a:buChar char="●"/>
+            </a:pPr>
+            <a:r>
+              <a:rPr lang="en">
+                <a:solidFill>
+                  <a:schemeClr val="lt1"/>
+                </a:solidFill>
+                <a:latin typeface="Lato"/>
+                <a:ea typeface="Lato"/>
+                <a:cs typeface="Lato"/>
+                <a:sym typeface="Lato"/>
+              </a:rPr>
+              <a:t>Some College</a:t>
+            </a:r>
+            <a:endParaRPr>
+              <a:solidFill>
+                <a:schemeClr val="lt1"/>
+              </a:solidFill>
+              <a:latin typeface="Lato"/>
+              <a:ea typeface="Lato"/>
+              <a:cs typeface="Lato"/>
+              <a:sym typeface="Lato"/>
+            </a:endParaRPr>
+          </a:p>
+        </p:txBody>
+      </p:sp>
+      <p:sp>
+        <p:nvSpPr>
+          <p:cNvPr id="167" name="Google Shape;167;p17"/>
+          <p:cNvSpPr txBox="1"/>
+          <p:nvPr/>
+        </p:nvSpPr>
+        <p:spPr>
+          <a:xfrm>
+            <a:off x="1414275" y="2336550"/>
+            <a:ext cx="2313300" cy="400200"/>
+          </a:xfrm>
+          <a:prstGeom prst="rect">
+            <a:avLst/>
+          </a:prstGeom>
+          <a:noFill/>
+          <a:ln>
+            <a:noFill/>
+          </a:ln>
+        </p:spPr>
+        <p:txBody>
+          <a:bodyPr anchorCtr="0" anchor="t" bIns="91425" lIns="91425" spcFirstLastPara="1" rIns="91425" wrap="square" tIns="91425">
+            <a:spAutoFit/>
+          </a:bodyPr>
+          <a:lstStyle/>
+          <a:p>
+            <a:pPr indent="-317500" lvl="0" marL="457200" rtl="0" algn="l">
+              <a:spcBef>
+                <a:spcPts val="0"/>
+              </a:spcBef>
+              <a:spcAft>
+                <a:spcPts val="0"/>
+              </a:spcAft>
+              <a:buClr>
+                <a:schemeClr val="lt1"/>
+              </a:buClr>
+              <a:buSzPts val="1400"/>
+              <a:buFont typeface="Lato"/>
+              <a:buChar char="●"/>
+            </a:pPr>
+            <a:r>
+              <a:rPr lang="en">
+                <a:solidFill>
+                  <a:schemeClr val="lt1"/>
+                </a:solidFill>
+                <a:latin typeface="Lato"/>
+                <a:ea typeface="Lato"/>
+                <a:cs typeface="Lato"/>
+                <a:sym typeface="Lato"/>
+              </a:rPr>
+              <a:t>Less than 9th grade</a:t>
+            </a:r>
+            <a:endParaRPr>
+              <a:solidFill>
+                <a:schemeClr val="lt1"/>
+              </a:solidFill>
+              <a:latin typeface="Lato"/>
+              <a:ea typeface="Lato"/>
+              <a:cs typeface="Lato"/>
+              <a:sym typeface="Lato"/>
+            </a:endParaRPr>
+          </a:p>
+        </p:txBody>
+      </p:sp>
+      <p:sp>
+        <p:nvSpPr>
+          <p:cNvPr id="168" name="Google Shape;168;p17"/>
+          <p:cNvSpPr txBox="1"/>
+          <p:nvPr/>
+        </p:nvSpPr>
+        <p:spPr>
+          <a:xfrm>
+            <a:off x="1414275" y="2736750"/>
+            <a:ext cx="2113200" cy="400200"/>
+          </a:xfrm>
+          <a:prstGeom prst="rect">
+            <a:avLst/>
+          </a:prstGeom>
+          <a:noFill/>
+          <a:ln>
+            <a:noFill/>
+          </a:ln>
+        </p:spPr>
+        <p:txBody>
+          <a:bodyPr anchorCtr="0" anchor="t" bIns="91425" lIns="91425" spcFirstLastPara="1" rIns="91425" wrap="square" tIns="91425">
+            <a:spAutoFit/>
+          </a:bodyPr>
+          <a:lstStyle/>
+          <a:p>
+            <a:pPr indent="-317500" lvl="0" marL="457200" rtl="0" algn="l">
+              <a:spcBef>
+                <a:spcPts val="0"/>
+              </a:spcBef>
+              <a:spcAft>
+                <a:spcPts val="0"/>
+              </a:spcAft>
+              <a:buClr>
+                <a:schemeClr val="lt1"/>
+              </a:buClr>
+              <a:buSzPts val="1400"/>
+              <a:buFont typeface="Lato"/>
+              <a:buChar char="●"/>
+            </a:pPr>
+            <a:r>
+              <a:rPr lang="en">
+                <a:solidFill>
+                  <a:schemeClr val="lt1"/>
+                </a:solidFill>
+                <a:latin typeface="Lato"/>
+                <a:ea typeface="Lato"/>
+                <a:cs typeface="Lato"/>
+                <a:sym typeface="Lato"/>
+              </a:rPr>
+              <a:t>Associate’s Degree</a:t>
+            </a:r>
+            <a:endParaRPr>
+              <a:solidFill>
+                <a:schemeClr val="lt1"/>
+              </a:solidFill>
+              <a:latin typeface="Lato"/>
+              <a:ea typeface="Lato"/>
+              <a:cs typeface="Lato"/>
+              <a:sym typeface="Lato"/>
+            </a:endParaRPr>
+          </a:p>
+        </p:txBody>
+      </p:sp>
+      <p:sp>
+        <p:nvSpPr>
+          <p:cNvPr id="169" name="Google Shape;169;p17"/>
+          <p:cNvSpPr txBox="1"/>
+          <p:nvPr/>
+        </p:nvSpPr>
+        <p:spPr>
+          <a:xfrm>
+            <a:off x="3515400" y="2736750"/>
+            <a:ext cx="2113200" cy="400200"/>
+          </a:xfrm>
+          <a:prstGeom prst="rect">
+            <a:avLst/>
+          </a:prstGeom>
+          <a:noFill/>
+          <a:ln>
+            <a:noFill/>
+          </a:ln>
+        </p:spPr>
+        <p:txBody>
+          <a:bodyPr anchorCtr="0" anchor="t" bIns="91425" lIns="91425" spcFirstLastPara="1" rIns="91425" wrap="square" tIns="91425">
+            <a:spAutoFit/>
+          </a:bodyPr>
+          <a:lstStyle/>
+          <a:p>
+            <a:pPr indent="-317500" lvl="0" marL="457200" rtl="0" algn="l">
+              <a:spcBef>
+                <a:spcPts val="0"/>
+              </a:spcBef>
+              <a:spcAft>
+                <a:spcPts val="0"/>
+              </a:spcAft>
+              <a:buClr>
+                <a:schemeClr val="lt1"/>
+              </a:buClr>
+              <a:buSzPts val="1400"/>
+              <a:buFont typeface="Lato"/>
+              <a:buChar char="●"/>
+            </a:pPr>
+            <a:r>
+              <a:rPr lang="en">
+                <a:solidFill>
+                  <a:schemeClr val="lt1"/>
+                </a:solidFill>
+                <a:latin typeface="Lato"/>
+                <a:ea typeface="Lato"/>
+                <a:cs typeface="Lato"/>
+                <a:sym typeface="Lato"/>
+              </a:rPr>
+              <a:t>Bachelor’s Degree</a:t>
+            </a:r>
+            <a:endParaRPr>
+              <a:solidFill>
+                <a:schemeClr val="lt1"/>
+              </a:solidFill>
+              <a:latin typeface="Lato"/>
+              <a:ea typeface="Lato"/>
+              <a:cs typeface="Lato"/>
+              <a:sym typeface="Lato"/>
+            </a:endParaRPr>
+          </a:p>
+        </p:txBody>
+      </p:sp>
+      <p:sp>
+        <p:nvSpPr>
+          <p:cNvPr id="170" name="Google Shape;170;p17"/>
+          <p:cNvSpPr txBox="1"/>
+          <p:nvPr/>
+        </p:nvSpPr>
+        <p:spPr>
+          <a:xfrm>
+            <a:off x="5495250" y="2736750"/>
+            <a:ext cx="2113200" cy="400200"/>
+          </a:xfrm>
+          <a:prstGeom prst="rect">
+            <a:avLst/>
+          </a:prstGeom>
+          <a:noFill/>
+          <a:ln>
+            <a:noFill/>
+          </a:ln>
+        </p:spPr>
+        <p:txBody>
+          <a:bodyPr anchorCtr="0" anchor="t" bIns="91425" lIns="91425" spcFirstLastPara="1" rIns="91425" wrap="square" tIns="91425">
+            <a:spAutoFit/>
+          </a:bodyPr>
+          <a:lstStyle/>
+          <a:p>
+            <a:pPr indent="-317500" lvl="0" marL="457200" rtl="0" algn="l">
+              <a:spcBef>
+                <a:spcPts val="0"/>
+              </a:spcBef>
+              <a:spcAft>
+                <a:spcPts val="0"/>
+              </a:spcAft>
+              <a:buClr>
+                <a:schemeClr val="lt1"/>
+              </a:buClr>
+              <a:buSzPts val="1400"/>
+              <a:buFont typeface="Lato"/>
+              <a:buChar char="●"/>
+            </a:pPr>
+            <a:r>
+              <a:rPr lang="en">
+                <a:solidFill>
+                  <a:schemeClr val="lt1"/>
+                </a:solidFill>
+                <a:latin typeface="Lato"/>
+                <a:ea typeface="Lato"/>
+                <a:cs typeface="Lato"/>
+                <a:sym typeface="Lato"/>
+              </a:rPr>
+              <a:t>Graduate Degree</a:t>
+            </a:r>
+            <a:endParaRPr>
+              <a:solidFill>
+                <a:schemeClr val="lt1"/>
+              </a:solidFill>
+              <a:latin typeface="Lato"/>
+              <a:ea typeface="Lato"/>
+              <a:cs typeface="Lato"/>
+              <a:sym typeface="Lato"/>
+            </a:endParaRPr>
+          </a:p>
+        </p:txBody>
+      </p:sp>
+      <p:sp>
+        <p:nvSpPr>
+          <p:cNvPr id="171" name="Google Shape;171;p17"/>
+          <p:cNvSpPr txBox="1"/>
+          <p:nvPr/>
+        </p:nvSpPr>
+        <p:spPr>
+          <a:xfrm>
+            <a:off x="1414275" y="3527125"/>
+            <a:ext cx="2113200" cy="400200"/>
+          </a:xfrm>
+          <a:prstGeom prst="rect">
+            <a:avLst/>
+          </a:prstGeom>
+          <a:noFill/>
+          <a:ln>
+            <a:noFill/>
+          </a:ln>
+        </p:spPr>
+        <p:txBody>
+          <a:bodyPr anchorCtr="0" anchor="t" bIns="91425" lIns="91425" spcFirstLastPara="1" rIns="91425" wrap="square" tIns="91425">
+            <a:spAutoFit/>
+          </a:bodyPr>
+          <a:lstStyle/>
+          <a:p>
+            <a:pPr indent="-317500" lvl="0" marL="457200" rtl="0" algn="l">
+              <a:spcBef>
+                <a:spcPts val="0"/>
+              </a:spcBef>
+              <a:spcAft>
+                <a:spcPts val="0"/>
+              </a:spcAft>
+              <a:buClr>
+                <a:schemeClr val="lt1"/>
+              </a:buClr>
+              <a:buSzPts val="1400"/>
+              <a:buFont typeface="Lato"/>
+              <a:buChar char="●"/>
+            </a:pPr>
+            <a:r>
+              <a:rPr lang="en">
+                <a:solidFill>
+                  <a:schemeClr val="lt1"/>
+                </a:solidFill>
+                <a:latin typeface="Lato"/>
+                <a:ea typeface="Lato"/>
+                <a:cs typeface="Lato"/>
+                <a:sym typeface="Lato"/>
+              </a:rPr>
               <a:t>Per Capita Income</a:t>
             </a:r>
-            <a:endParaRPr/>
+            <a:endParaRPr>
+              <a:solidFill>
+                <a:schemeClr val="lt1"/>
+              </a:solidFill>
+              <a:latin typeface="Lato"/>
+              <a:ea typeface="Lato"/>
+              <a:cs typeface="Lato"/>
+              <a:sym typeface="Lato"/>
+            </a:endParaRPr>
           </a:p>
         </p:txBody>
       </p:sp>
@@ -12927,7 +13864,7 @@
   <p:cSld>
     <p:spTree>
       <p:nvGrpSpPr>
-        <p:cNvPr id="165" name="Shape 165"/>
+        <p:cNvPr id="175" name="Shape 175"/>
         <p:cNvGrpSpPr/>
         <p:nvPr/>
       </p:nvGrpSpPr>
@@ -12941,7 +13878,7 @@
       </p:grpSpPr>
       <p:sp>
         <p:nvSpPr>
-          <p:cNvPr id="166" name="Google Shape;166;p18"/>
+          <p:cNvPr id="176" name="Google Shape;176;p18"/>
           <p:cNvSpPr txBox="1"/>
           <p:nvPr>
             <p:ph type="title"/>
@@ -12981,7 +13918,7 @@
       </p:sp>
       <p:sp>
         <p:nvSpPr>
-          <p:cNvPr id="167" name="Google Shape;167;p18"/>
+          <p:cNvPr id="177" name="Google Shape;177;p18"/>
           <p:cNvSpPr txBox="1"/>
           <p:nvPr>
             <p:ph idx="1" type="body"/>
@@ -13193,7 +14130,7 @@
   <p:cSld>
     <p:spTree>
       <p:nvGrpSpPr>
-        <p:cNvPr id="171" name="Shape 171"/>
+        <p:cNvPr id="181" name="Shape 181"/>
         <p:cNvGrpSpPr/>
         <p:nvPr/>
       </p:nvGrpSpPr>
@@ -13207,7 +14144,7 @@
       </p:grpSpPr>
       <p:sp>
         <p:nvSpPr>
-          <p:cNvPr id="172" name="Google Shape;172;p19"/>
+          <p:cNvPr id="182" name="Google Shape;182;p19"/>
           <p:cNvSpPr txBox="1"/>
           <p:nvPr>
             <p:ph type="title"/>
@@ -13247,7 +14184,7 @@
       </p:sp>
       <p:sp>
         <p:nvSpPr>
-          <p:cNvPr id="173" name="Google Shape;173;p19"/>
+          <p:cNvPr id="183" name="Google Shape;183;p19"/>
           <p:cNvSpPr txBox="1"/>
           <p:nvPr>
             <p:ph idx="1" type="body"/>
@@ -13326,7 +14263,7 @@
       </p:sp>
       <p:pic>
         <p:nvPicPr>
-          <p:cNvPr id="174" name="Google Shape;174;p19"/>
+          <p:cNvPr id="184" name="Google Shape;184;p19"/>
           <p:cNvPicPr preferRelativeResize="0"/>
           <p:nvPr/>
         </p:nvPicPr>
@@ -13365,7 +14302,7 @@
   <p:cSld>
     <p:spTree>
       <p:nvGrpSpPr>
-        <p:cNvPr id="178" name="Shape 178"/>
+        <p:cNvPr id="188" name="Shape 188"/>
         <p:cNvGrpSpPr/>
         <p:nvPr/>
       </p:nvGrpSpPr>
@@ -13379,7 +14316,154 @@
       </p:grpSpPr>
       <p:sp>
         <p:nvSpPr>
-          <p:cNvPr id="179" name="Google Shape;179;p20"/>
+          <p:cNvPr id="189" name="Google Shape;189;p20"/>
+          <p:cNvSpPr/>
+          <p:nvPr/>
+        </p:nvSpPr>
+        <p:spPr>
+          <a:xfrm>
+            <a:off x="6288625" y="3416650"/>
+            <a:ext cx="2144700" cy="1486800"/>
+          </a:xfrm>
+          <a:prstGeom prst="rect">
+            <a:avLst/>
+          </a:prstGeom>
+          <a:solidFill>
+            <a:schemeClr val="lt1"/>
+          </a:solidFill>
+          <a:ln cap="flat" cmpd="sng" w="9525">
+            <a:solidFill>
+              <a:schemeClr val="dk2"/>
+            </a:solidFill>
+            <a:prstDash val="solid"/>
+            <a:round/>
+            <a:headEnd len="sm" w="sm" type="none"/>
+            <a:tailEnd len="sm" w="sm" type="none"/>
+          </a:ln>
+        </p:spPr>
+        <p:txBody>
+          <a:bodyPr anchorCtr="0" anchor="ctr" bIns="91425" lIns="91425" spcFirstLastPara="1" rIns="91425" wrap="square" tIns="91425">
+            <a:noAutofit/>
+          </a:bodyPr>
+          <a:lstStyle/>
+          <a:p>
+            <a:pPr indent="0" lvl="0" marL="0" rtl="0" algn="l">
+              <a:spcBef>
+                <a:spcPts val="0"/>
+              </a:spcBef>
+              <a:spcAft>
+                <a:spcPts val="0"/>
+              </a:spcAft>
+              <a:buNone/>
+            </a:pPr>
+            <a:r>
+              <a:t/>
+            </a:r>
+            <a:endParaRPr/>
+          </a:p>
+        </p:txBody>
+      </p:sp>
+      <p:sp>
+        <p:nvSpPr>
+          <p:cNvPr id="190" name="Google Shape;190;p20"/>
+          <p:cNvSpPr/>
+          <p:nvPr/>
+        </p:nvSpPr>
+        <p:spPr>
+          <a:xfrm>
+            <a:off x="3499650" y="3416650"/>
+            <a:ext cx="2144700" cy="1486800"/>
+          </a:xfrm>
+          <a:prstGeom prst="rect">
+            <a:avLst/>
+          </a:prstGeom>
+          <a:solidFill>
+            <a:schemeClr val="lt1"/>
+          </a:solidFill>
+          <a:ln cap="flat" cmpd="sng" w="9525">
+            <a:solidFill>
+              <a:schemeClr val="dk2"/>
+            </a:solidFill>
+            <a:prstDash val="solid"/>
+            <a:round/>
+            <a:headEnd len="sm" w="sm" type="none"/>
+            <a:tailEnd len="sm" w="sm" type="none"/>
+          </a:ln>
+        </p:spPr>
+        <p:txBody>
+          <a:bodyPr anchorCtr="0" anchor="ctr" bIns="91425" lIns="91425" spcFirstLastPara="1" rIns="91425" wrap="square" tIns="91425">
+            <a:noAutofit/>
+          </a:bodyPr>
+          <a:lstStyle/>
+          <a:p>
+            <a:pPr indent="0" lvl="0" marL="0" rtl="0" algn="l">
+              <a:spcBef>
+                <a:spcPts val="0"/>
+              </a:spcBef>
+              <a:spcAft>
+                <a:spcPts val="0"/>
+              </a:spcAft>
+              <a:buNone/>
+            </a:pPr>
+            <a:r>
+              <a:t/>
+            </a:r>
+            <a:endParaRPr/>
+          </a:p>
+        </p:txBody>
+      </p:sp>
+      <p:sp>
+        <p:nvSpPr>
+          <p:cNvPr id="191" name="Google Shape;191;p20"/>
+          <p:cNvSpPr/>
+          <p:nvPr/>
+        </p:nvSpPr>
+        <p:spPr>
+          <a:xfrm>
+            <a:off x="710675" y="3416650"/>
+            <a:ext cx="2144700" cy="1486800"/>
+          </a:xfrm>
+          <a:prstGeom prst="rect">
+            <a:avLst/>
+          </a:prstGeom>
+          <a:solidFill>
+            <a:schemeClr val="lt1"/>
+          </a:solidFill>
+          <a:ln cap="flat" cmpd="sng" w="9525">
+            <a:solidFill>
+              <a:schemeClr val="dk2"/>
+            </a:solidFill>
+            <a:prstDash val="solid"/>
+            <a:round/>
+            <a:headEnd len="sm" w="sm" type="none"/>
+            <a:tailEnd len="sm" w="sm" type="none"/>
+          </a:ln>
+        </p:spPr>
+        <p:txBody>
+          <a:bodyPr anchorCtr="0" anchor="ctr" bIns="91425" lIns="91425" spcFirstLastPara="1" rIns="91425" wrap="square" tIns="91425">
+            <a:noAutofit/>
+          </a:bodyPr>
+          <a:lstStyle/>
+          <a:p>
+            <a:pPr indent="0" lvl="0" marL="0" rtl="0" algn="l">
+              <a:spcBef>
+                <a:spcPts val="0"/>
+              </a:spcBef>
+              <a:spcAft>
+                <a:spcPts val="0"/>
+              </a:spcAft>
+              <a:buNone/>
+            </a:pPr>
+            <a:r>
+              <a:t/>
+            </a:r>
+            <a:endParaRPr/>
+          </a:p>
+        </p:txBody>
+      </p:sp>
+      <p:sp>
+        <p:nvSpPr>
+          <p:cNvPr id="192" name="Google Shape;192;p20"/>
           <p:cNvSpPr txBox="1"/>
           <p:nvPr>
             <p:ph type="title"/>
@@ -13419,7 +14503,7 @@
       </p:sp>
       <p:sp>
         <p:nvSpPr>
-          <p:cNvPr id="180" name="Google Shape;180;p20"/>
+          <p:cNvPr id="193" name="Google Shape;193;p20"/>
           <p:cNvSpPr txBox="1"/>
           <p:nvPr>
             <p:ph idx="1" type="body"/>
@@ -13427,8 +14511,8 @@
         </p:nvSpPr>
         <p:spPr>
           <a:xfrm>
-            <a:off x="863975" y="1779050"/>
-            <a:ext cx="3274500" cy="2911200"/>
+            <a:off x="873000" y="1244700"/>
+            <a:ext cx="7463400" cy="2654100"/>
           </a:xfrm>
           <a:prstGeom prst="rect">
             <a:avLst/>
@@ -13436,7 +14520,7 @@
         </p:spPr>
         <p:txBody>
           <a:bodyPr anchorCtr="0" anchor="ctr" bIns="91425" lIns="91425" spcFirstLastPara="1" rIns="91425" wrap="square" tIns="91425">
-            <a:normAutofit lnSpcReduction="10000"/>
+            <a:normAutofit/>
           </a:bodyPr>
           <a:lstStyle/>
           <a:p>
@@ -13451,22 +14535,7 @@
             </a:pPr>
             <a:r>
               <a:rPr lang="en"/>
-              <a:t>A positive linear regression relationship is observed with some outliers to identify further.</a:t>
-            </a:r>
-            <a:endParaRPr/>
-          </a:p>
-          <a:p>
-            <a:pPr indent="0" lvl="0" marL="0" rtl="0" algn="l">
-              <a:spcBef>
-                <a:spcPts val="1200"/>
-              </a:spcBef>
-              <a:spcAft>
-                <a:spcPts val="0"/>
-              </a:spcAft>
-              <a:buNone/>
-            </a:pPr>
-            <a:r>
-              <a:t/>
+              <a:t>A positive and negative linear regression relationship is observed when categorized by the type of  educational attainment.</a:t>
             </a:r>
             <a:endParaRPr/>
           </a:p>
@@ -13556,7 +14625,7 @@
       </p:sp>
       <p:pic>
         <p:nvPicPr>
-          <p:cNvPr id="181" name="Google Shape;181;p20"/>
+          <p:cNvPr id="194" name="Google Shape;194;p20"/>
           <p:cNvPicPr preferRelativeResize="0"/>
           <p:nvPr/>
         </p:nvPicPr>
@@ -13570,8 +14639,64 @@
         </p:blipFill>
         <p:spPr>
           <a:xfrm>
-            <a:off x="4448270" y="1779050"/>
-            <a:ext cx="4200115" cy="2911201"/>
+            <a:off x="763970" y="3419775"/>
+            <a:ext cx="2091350" cy="1486925"/>
+          </a:xfrm>
+          <a:prstGeom prst="rect">
+            <a:avLst/>
+          </a:prstGeom>
+          <a:noFill/>
+          <a:ln>
+            <a:noFill/>
+          </a:ln>
+        </p:spPr>
+      </p:pic>
+      <p:pic>
+        <p:nvPicPr>
+          <p:cNvPr id="195" name="Google Shape;195;p20"/>
+          <p:cNvPicPr preferRelativeResize="0"/>
+          <p:nvPr/>
+        </p:nvPicPr>
+        <p:blipFill>
+          <a:blip r:embed="rId4">
+            <a:alphaModFix/>
+          </a:blip>
+          <a:stretch>
+            <a:fillRect/>
+          </a:stretch>
+        </p:blipFill>
+        <p:spPr>
+          <a:xfrm>
+            <a:off x="3499645" y="3396884"/>
+            <a:ext cx="2144700" cy="1532716"/>
+          </a:xfrm>
+          <a:prstGeom prst="rect">
+            <a:avLst/>
+          </a:prstGeom>
+          <a:noFill/>
+          <a:ln>
+            <a:noFill/>
+          </a:ln>
+        </p:spPr>
+      </p:pic>
+      <p:pic>
+        <p:nvPicPr>
+          <p:cNvPr id="196" name="Google Shape;196;p20"/>
+          <p:cNvPicPr preferRelativeResize="0"/>
+          <p:nvPr/>
+        </p:nvPicPr>
+        <p:blipFill>
+          <a:blip r:embed="rId5">
+            <a:alphaModFix/>
+          </a:blip>
+          <a:stretch>
+            <a:fillRect/>
+          </a:stretch>
+        </p:blipFill>
+        <p:spPr>
+          <a:xfrm>
+            <a:off x="6288627" y="3396875"/>
+            <a:ext cx="2144700" cy="1532696"/>
           </a:xfrm>
           <a:prstGeom prst="rect">
             <a:avLst/>
@@ -13595,7 +14720,7 @@
   <p:cSld>
     <p:spTree>
       <p:nvGrpSpPr>
-        <p:cNvPr id="185" name="Shape 185"/>
+        <p:cNvPr id="200" name="Shape 200"/>
         <p:cNvGrpSpPr/>
         <p:nvPr/>
       </p:nvGrpSpPr>
@@ -13609,7 +14734,7 @@
       </p:grpSpPr>
       <p:sp>
         <p:nvSpPr>
-          <p:cNvPr id="186" name="Google Shape;186;p21"/>
+          <p:cNvPr id="201" name="Google Shape;201;p21"/>
           <p:cNvSpPr txBox="1"/>
           <p:nvPr>
             <p:ph type="title"/>
@@ -13649,7 +14774,7 @@
       </p:sp>
       <p:sp>
         <p:nvSpPr>
-          <p:cNvPr id="187" name="Google Shape;187;p21"/>
+          <p:cNvPr id="202" name="Google Shape;202;p21"/>
           <p:cNvSpPr txBox="1"/>
           <p:nvPr>
             <p:ph idx="1" type="body"/>
@@ -13698,7 +14823,7 @@
       </p:sp>
       <p:pic>
         <p:nvPicPr>
-          <p:cNvPr id="188" name="Google Shape;188;p21"/>
+          <p:cNvPr id="203" name="Google Shape;203;p21"/>
           <p:cNvPicPr preferRelativeResize="0"/>
           <p:nvPr/>
         </p:nvPicPr>
@@ -13712,8 +14837,8 @@
         </p:blipFill>
         <p:spPr>
           <a:xfrm>
-            <a:off x="1799875" y="2441725"/>
-            <a:ext cx="6034149" cy="2346450"/>
+            <a:off x="3583300" y="2369650"/>
+            <a:ext cx="2388125" cy="2678600"/>
           </a:xfrm>
           <a:prstGeom prst="rect">
             <a:avLst/>
@@ -13733,6 +14858,285 @@
 </file>
 
 <file path=ppt/theme/theme1.xml><?xml version="1.0" encoding="utf-8"?>
+<a:theme xmlns:a="http://schemas.openxmlformats.org/drawingml/2006/main" xmlns:r="http://schemas.openxmlformats.org/officeDocument/2006/relationships" name="Focus">
+  <a:themeElements>
+    <a:clrScheme name="Focus">
+      <a:dk1>
+        <a:srgbClr val="1B212C"/>
+      </a:dk1>
+      <a:lt1>
+        <a:srgbClr val="FFFFFF"/>
+      </a:lt1>
+      <a:dk2>
+        <a:srgbClr val="D9D9D9"/>
+      </a:dk2>
+      <a:lt2>
+        <a:srgbClr val="82C7A5"/>
+      </a:lt2>
+      <a:accent1>
+        <a:srgbClr val="0145AC"/>
+      </a:accent1>
+      <a:accent2>
+        <a:srgbClr val="EECE1A"/>
+      </a:accent2>
+      <a:accent3>
+        <a:srgbClr val="4E5567"/>
+      </a:accent3>
+      <a:accent4>
+        <a:srgbClr val="F4D6AD"/>
+      </a:accent4>
+      <a:accent5>
+        <a:srgbClr val="7890CD"/>
+      </a:accent5>
+      <a:accent6>
+        <a:srgbClr val="F15E22"/>
+      </a:accent6>
+      <a:hlink>
+        <a:srgbClr val="7890CD"/>
+      </a:hlink>
+      <a:folHlink>
+        <a:srgbClr val="7890CD"/>
+      </a:folHlink>
+    </a:clrScheme>
+    <a:fontScheme name="Office">
+      <a:majorFont>
+        <a:latin typeface="Arial"/>
+        <a:ea typeface=""/>
+        <a:cs typeface=""/>
+        <a:font script="Jpan" typeface="ＭＳ Ｐゴシック"/>
+        <a:font script="Hang" typeface="맑은 고딕"/>
+        <a:font script="Hans" typeface="宋体"/>
+        <a:font script="Hant" typeface="新細明體"/>
+        <a:font script="Arab" typeface="Times New Roman"/>
+        <a:font script="Hebr" typeface="Times New Roman"/>
+        <a:font script="Thai" typeface="Angsana New"/>
+        <a:font script="Ethi" typeface="Nyala"/>
+        <a:font script="Beng" typeface="Vrinda"/>
+        <a:font script="Gujr" typeface="Shruti"/>
+        <a:font script="Khmr" typeface="MoolBoran"/>
+        <a:font script="Knda" typeface="Tunga"/>
+        <a:font script="Guru" typeface="Raavi"/>
+        <a:font script="Cans" typeface="Euphemia"/>
+        <a:font script="Cher" typeface="Plantagenet Cherokee"/>
+        <a:font script="Yiii" typeface="Microsoft Yi Baiti"/>
+        <a:font script="Tibt" typeface="Microsoft Himalaya"/>
+        <a:font script="Thaa" typeface="MV Boli"/>
+        <a:font script="Deva" typeface="Mangal"/>
+        <a:font script="Telu" typeface="Gautami"/>
+        <a:font script="Taml" typeface="Latha"/>
+        <a:font script="Syrc" typeface="Estrangelo Edessa"/>
+        <a:font script="Orya" typeface="Kalinga"/>
+        <a:font script="Mlym" typeface="Kartika"/>
+        <a:font script="Laoo" typeface="DokChampa"/>
+        <a:font script="Sinh" typeface="Iskoola Pota"/>
+        <a:font script="Mong" typeface="Mongolian Baiti"/>
+        <a:font script="Viet" typeface="Times New Roman"/>
+        <a:font script="Uigh" typeface="Microsoft Uighur"/>
+        <a:font script="Geor" typeface="Sylfaen"/>
+      </a:majorFont>
+      <a:minorFont>
+        <a:latin typeface="Arial"/>
+        <a:ea typeface=""/>
+        <a:cs typeface=""/>
+        <a:font script="Jpan" typeface="ＭＳ Ｐゴシック"/>
+        <a:font script="Hang" typeface="맑은 고딕"/>
+        <a:font script="Hans" typeface="宋体"/>
+        <a:font script="Hant" typeface="新細明體"/>
+        <a:font script="Arab" typeface="Arial"/>
+        <a:font script="Hebr" typeface="Arial"/>
+        <a:font script="Thai" typeface="Cordia New"/>
+        <a:font script="Ethi" typeface="Nyala"/>
+        <a:font script="Beng" typeface="Vrinda"/>
+        <a:font script="Gujr" typeface="Shruti"/>
+        <a:font script="Khmr" typeface="DaunPenh"/>
+        <a:font script="Knda" typeface="Tunga"/>
+        <a:font script="Guru" typeface="Raavi"/>
+        <a:font script="Cans" typeface="Euphemia"/>
+        <a:font script="Cher" typeface="Plantagenet Cherokee"/>
+        <a:font script="Yiii" typeface="Microsoft Yi Baiti"/>
+        <a:font script="Tibt" typeface="Microsoft Himalaya"/>
+        <a:font script="Thaa" typeface="MV Boli"/>
+        <a:font script="Deva" typeface="Mangal"/>
+        <a:font script="Telu" typeface="Gautami"/>
+        <a:font script="Taml" typeface="Latha"/>
+        <a:font script="Syrc" typeface="Estrangelo Edessa"/>
+        <a:font script="Orya" typeface="Kalinga"/>
+        <a:font script="Mlym" typeface="Kartika"/>
+        <a:font script="Laoo" typeface="DokChampa"/>
+        <a:font script="Sinh" typeface="Iskoola Pota"/>
+        <a:font script="Mong" typeface="Mongolian Baiti"/>
+        <a:font script="Viet" typeface="Arial"/>
+        <a:font script="Uigh" typeface="Microsoft Uighur"/>
+        <a:font script="Geor" typeface="Sylfaen"/>
+      </a:minorFont>
+    </a:fontScheme>
+    <a:fmtScheme name="Office">
+      <a:fillStyleLst>
+        <a:solidFill>
+          <a:schemeClr val="phClr"/>
+        </a:solidFill>
+        <a:gradFill rotWithShape="1">
+          <a:gsLst>
+            <a:gs pos="0">
+              <a:schemeClr val="phClr">
+                <a:tint val="50000"/>
+                <a:satMod val="300000"/>
+              </a:schemeClr>
+            </a:gs>
+            <a:gs pos="35000">
+              <a:schemeClr val="phClr">
+                <a:tint val="37000"/>
+                <a:satMod val="300000"/>
+              </a:schemeClr>
+            </a:gs>
+            <a:gs pos="100000">
+              <a:schemeClr val="phClr">
+                <a:tint val="15000"/>
+                <a:satMod val="350000"/>
+              </a:schemeClr>
+            </a:gs>
+          </a:gsLst>
+          <a:lin ang="16200000" scaled="1"/>
+        </a:gradFill>
+        <a:gradFill rotWithShape="1">
+          <a:gsLst>
+            <a:gs pos="0">
+              <a:schemeClr val="phClr">
+                <a:tint val="100000"/>
+                <a:shade val="100000"/>
+                <a:satMod val="130000"/>
+              </a:schemeClr>
+            </a:gs>
+            <a:gs pos="100000">
+              <a:schemeClr val="phClr">
+                <a:tint val="50000"/>
+                <a:shade val="100000"/>
+                <a:satMod val="350000"/>
+              </a:schemeClr>
+            </a:gs>
+          </a:gsLst>
+          <a:lin ang="16200000" scaled="0"/>
+        </a:gradFill>
+      </a:fillStyleLst>
+      <a:lnStyleLst>
+        <a:ln w="9525" cap="flat" cmpd="sng" algn="ctr">
+          <a:solidFill>
+            <a:schemeClr val="phClr">
+              <a:shade val="95000"/>
+              <a:satMod val="105000"/>
+            </a:schemeClr>
+          </a:solidFill>
+          <a:prstDash val="solid"/>
+        </a:ln>
+        <a:ln w="25400" cap="flat" cmpd="sng" algn="ctr">
+          <a:solidFill>
+            <a:schemeClr val="phClr"/>
+          </a:solidFill>
+          <a:prstDash val="solid"/>
+        </a:ln>
+        <a:ln w="38100" cap="flat" cmpd="sng" algn="ctr">
+          <a:solidFill>
+            <a:schemeClr val="phClr"/>
+          </a:solidFill>
+          <a:prstDash val="solid"/>
+        </a:ln>
+      </a:lnStyleLst>
+      <a:effectStyleLst>
+        <a:effectStyle>
+          <a:effectLst>
+            <a:outerShdw blurRad="40000" dist="20000" dir="5400000" rotWithShape="0">
+              <a:srgbClr val="000000">
+                <a:alpha val="38000"/>
+              </a:srgbClr>
+            </a:outerShdw>
+          </a:effectLst>
+        </a:effectStyle>
+        <a:effectStyle>
+          <a:effectLst>
+            <a:outerShdw blurRad="40000" dist="23000" dir="5400000" rotWithShape="0">
+              <a:srgbClr val="000000">
+                <a:alpha val="35000"/>
+              </a:srgbClr>
+            </a:outerShdw>
+          </a:effectLst>
+        </a:effectStyle>
+        <a:effectStyle>
+          <a:effectLst>
+            <a:outerShdw blurRad="40000" dist="23000" dir="5400000" rotWithShape="0">
+              <a:srgbClr val="000000">
+                <a:alpha val="35000"/>
+              </a:srgbClr>
+            </a:outerShdw>
+          </a:effectLst>
+          <a:scene3d>
+            <a:camera prst="orthographicFront">
+              <a:rot lat="0" lon="0" rev="0"/>
+            </a:camera>
+            <a:lightRig rig="threePt" dir="t">
+              <a:rot lat="0" lon="0" rev="1200000"/>
+            </a:lightRig>
+          </a:scene3d>
+          <a:sp3d>
+            <a:bevelT w="63500" h="25400"/>
+          </a:sp3d>
+        </a:effectStyle>
+      </a:effectStyleLst>
+      <a:bgFillStyleLst>
+        <a:solidFill>
+          <a:schemeClr val="phClr"/>
+        </a:solidFill>
+        <a:gradFill rotWithShape="1">
+          <a:gsLst>
+            <a:gs pos="0">
+              <a:schemeClr val="phClr">
+                <a:tint val="40000"/>
+                <a:satMod val="350000"/>
+              </a:schemeClr>
+            </a:gs>
+            <a:gs pos="40000">
+              <a:schemeClr val="phClr">
+                <a:tint val="45000"/>
+                <a:shade val="99000"/>
+                <a:satMod val="350000"/>
+              </a:schemeClr>
+            </a:gs>
+            <a:gs pos="100000">
+              <a:schemeClr val="phClr">
+                <a:shade val="20000"/>
+                <a:satMod val="255000"/>
+              </a:schemeClr>
+            </a:gs>
+          </a:gsLst>
+          <a:path path="circle">
+            <a:fillToRect l="50000" t="-80000" r="50000" b="180000"/>
+          </a:path>
+        </a:gradFill>
+        <a:gradFill rotWithShape="1">
+          <a:gsLst>
+            <a:gs pos="0">
+              <a:schemeClr val="phClr">
+                <a:tint val="80000"/>
+                <a:satMod val="300000"/>
+              </a:schemeClr>
+            </a:gs>
+            <a:gs pos="100000">
+              <a:schemeClr val="phClr">
+                <a:shade val="30000"/>
+                <a:satMod val="200000"/>
+              </a:schemeClr>
+            </a:gs>
+          </a:gsLst>
+          <a:path path="circle">
+            <a:fillToRect l="50000" t="50000" r="50000" b="50000"/>
+          </a:path>
+        </a:gradFill>
+      </a:bgFillStyleLst>
+    </a:fmtScheme>
+  </a:themeElements>
+</a:theme>
+</file>
+
+<file path=ppt/theme/theme2.xml><?xml version="1.0" encoding="utf-8"?>
 <a:theme xmlns:a="http://schemas.openxmlformats.org/drawingml/2006/main" xmlns:r="http://schemas.openxmlformats.org/officeDocument/2006/relationships">
   <a:themeElements>
     <a:clrScheme name="Default">
@@ -14009,283 +15413,4 @@
     </a:fmtScheme>
   </a:themeElements>
 </a:theme>
-</file>
-
-<file path=ppt/theme/theme2.xml><?xml version="1.0" encoding="utf-8"?>
-<a:theme xmlns:a="http://schemas.openxmlformats.org/drawingml/2006/main" xmlns:r="http://schemas.openxmlformats.org/officeDocument/2006/relationships" name="Focus">
-  <a:themeElements>
-    <a:clrScheme name="Focus">
-      <a:dk1>
-        <a:srgbClr val="1B212C"/>
-      </a:dk1>
-      <a:lt1>
-        <a:srgbClr val="FFFFFF"/>
-      </a:lt1>
-      <a:dk2>
-        <a:srgbClr val="D9D9D9"/>
-      </a:dk2>
-      <a:lt2>
-        <a:srgbClr val="82C7A5"/>
-      </a:lt2>
-      <a:accent1>
-        <a:srgbClr val="0145AC"/>
-      </a:accent1>
-      <a:accent2>
-        <a:srgbClr val="EECE1A"/>
-      </a:accent2>
-      <a:accent3>
-        <a:srgbClr val="4E5567"/>
-      </a:accent3>
-      <a:accent4>
-        <a:srgbClr val="F4D6AD"/>
-      </a:accent4>
-      <a:accent5>
-        <a:srgbClr val="7890CD"/>
-      </a:accent5>
-      <a:accent6>
-        <a:srgbClr val="F15E22"/>
-      </a:accent6>
-      <a:hlink>
-        <a:srgbClr val="7890CD"/>
-      </a:hlink>
-      <a:folHlink>
-        <a:srgbClr val="7890CD"/>
-      </a:folHlink>
-    </a:clrScheme>
-    <a:fontScheme name="Office">
-      <a:majorFont>
-        <a:latin typeface="Arial"/>
-        <a:ea typeface=""/>
-        <a:cs typeface=""/>
-        <a:font script="Jpan" typeface="ＭＳ Ｐゴシック"/>
-        <a:font script="Hang" typeface="맑은 고딕"/>
-        <a:font script="Hans" typeface="宋体"/>
-        <a:font script="Hant" typeface="新細明體"/>
-        <a:font script="Arab" typeface="Times New Roman"/>
-        <a:font script="Hebr" typeface="Times New Roman"/>
-        <a:font script="Thai" typeface="Angsana New"/>
-        <a:font script="Ethi" typeface="Nyala"/>
-        <a:font script="Beng" typeface="Vrinda"/>
-        <a:font script="Gujr" typeface="Shruti"/>
-        <a:font script="Khmr" typeface="MoolBoran"/>
-        <a:font script="Knda" typeface="Tunga"/>
-        <a:font script="Guru" typeface="Raavi"/>
-        <a:font script="Cans" typeface="Euphemia"/>
-        <a:font script="Cher" typeface="Plantagenet Cherokee"/>
-        <a:font script="Yiii" typeface="Microsoft Yi Baiti"/>
-        <a:font script="Tibt" typeface="Microsoft Himalaya"/>
-        <a:font script="Thaa" typeface="MV Boli"/>
-        <a:font script="Deva" typeface="Mangal"/>
-        <a:font script="Telu" typeface="Gautami"/>
-        <a:font script="Taml" typeface="Latha"/>
-        <a:font script="Syrc" typeface="Estrangelo Edessa"/>
-        <a:font script="Orya" typeface="Kalinga"/>
-        <a:font script="Mlym" typeface="Kartika"/>
-        <a:font script="Laoo" typeface="DokChampa"/>
-        <a:font script="Sinh" typeface="Iskoola Pota"/>
-        <a:font script="Mong" typeface="Mongolian Baiti"/>
-        <a:font script="Viet" typeface="Times New Roman"/>
-        <a:font script="Uigh" typeface="Microsoft Uighur"/>
-        <a:font script="Geor" typeface="Sylfaen"/>
-      </a:majorFont>
-      <a:minorFont>
-        <a:latin typeface="Arial"/>
-        <a:ea typeface=""/>
-        <a:cs typeface=""/>
-        <a:font script="Jpan" typeface="ＭＳ Ｐゴシック"/>
-        <a:font script="Hang" typeface="맑은 고딕"/>
-        <a:font script="Hans" typeface="宋体"/>
-        <a:font script="Hant" typeface="新細明體"/>
-        <a:font script="Arab" typeface="Arial"/>
-        <a:font script="Hebr" typeface="Arial"/>
-        <a:font script="Thai" typeface="Cordia New"/>
-        <a:font script="Ethi" typeface="Nyala"/>
-        <a:font script="Beng" typeface="Vrinda"/>
-        <a:font script="Gujr" typeface="Shruti"/>
-        <a:font script="Khmr" typeface="DaunPenh"/>
-        <a:font script="Knda" typeface="Tunga"/>
-        <a:font script="Guru" typeface="Raavi"/>
-        <a:font script="Cans" typeface="Euphemia"/>
-        <a:font script="Cher" typeface="Plantagenet Cherokee"/>
-        <a:font script="Yiii" typeface="Microsoft Yi Baiti"/>
-        <a:font script="Tibt" typeface="Microsoft Himalaya"/>
-        <a:font script="Thaa" typeface="MV Boli"/>
-        <a:font script="Deva" typeface="Mangal"/>
-        <a:font script="Telu" typeface="Gautami"/>
-        <a:font script="Taml" typeface="Latha"/>
-        <a:font script="Syrc" typeface="Estrangelo Edessa"/>
-        <a:font script="Orya" typeface="Kalinga"/>
-        <a:font script="Mlym" typeface="Kartika"/>
-        <a:font script="Laoo" typeface="DokChampa"/>
-        <a:font script="Sinh" typeface="Iskoola Pota"/>
-        <a:font script="Mong" typeface="Mongolian Baiti"/>
-        <a:font script="Viet" typeface="Arial"/>
-        <a:font script="Uigh" typeface="Microsoft Uighur"/>
-        <a:font script="Geor" typeface="Sylfaen"/>
-      </a:minorFont>
-    </a:fontScheme>
-    <a:fmtScheme name="Office">
-      <a:fillStyleLst>
-        <a:solidFill>
-          <a:schemeClr val="phClr"/>
-        </a:solidFill>
-        <a:gradFill rotWithShape="1">
-          <a:gsLst>
-            <a:gs pos="0">
-              <a:schemeClr val="phClr">
-                <a:tint val="50000"/>
-                <a:satMod val="300000"/>
-              </a:schemeClr>
-            </a:gs>
-            <a:gs pos="35000">
-              <a:schemeClr val="phClr">
-                <a:tint val="37000"/>
-                <a:satMod val="300000"/>
-              </a:schemeClr>
-            </a:gs>
-            <a:gs pos="100000">
-              <a:schemeClr val="phClr">
-                <a:tint val="15000"/>
-                <a:satMod val="350000"/>
-              </a:schemeClr>
-            </a:gs>
-          </a:gsLst>
-          <a:lin ang="16200000" scaled="1"/>
-        </a:gradFill>
-        <a:gradFill rotWithShape="1">
-          <a:gsLst>
-            <a:gs pos="0">
-              <a:schemeClr val="phClr">
-                <a:tint val="100000"/>
-                <a:shade val="100000"/>
-                <a:satMod val="130000"/>
-              </a:schemeClr>
-            </a:gs>
-            <a:gs pos="100000">
-              <a:schemeClr val="phClr">
-                <a:tint val="50000"/>
-                <a:shade val="100000"/>
-                <a:satMod val="350000"/>
-              </a:schemeClr>
-            </a:gs>
-          </a:gsLst>
-          <a:lin ang="16200000" scaled="0"/>
-        </a:gradFill>
-      </a:fillStyleLst>
-      <a:lnStyleLst>
-        <a:ln w="9525" cap="flat" cmpd="sng" algn="ctr">
-          <a:solidFill>
-            <a:schemeClr val="phClr">
-              <a:shade val="95000"/>
-              <a:satMod val="105000"/>
-            </a:schemeClr>
-          </a:solidFill>
-          <a:prstDash val="solid"/>
-        </a:ln>
-        <a:ln w="25400" cap="flat" cmpd="sng" algn="ctr">
-          <a:solidFill>
-            <a:schemeClr val="phClr"/>
-          </a:solidFill>
-          <a:prstDash val="solid"/>
-        </a:ln>
-        <a:ln w="38100" cap="flat" cmpd="sng" algn="ctr">
-          <a:solidFill>
-            <a:schemeClr val="phClr"/>
-          </a:solidFill>
-          <a:prstDash val="solid"/>
-        </a:ln>
-      </a:lnStyleLst>
-      <a:effectStyleLst>
-        <a:effectStyle>
-          <a:effectLst>
-            <a:outerShdw blurRad="40000" dist="20000" dir="5400000" rotWithShape="0">
-              <a:srgbClr val="000000">
-                <a:alpha val="38000"/>
-              </a:srgbClr>
-            </a:outerShdw>
-          </a:effectLst>
-        </a:effectStyle>
-        <a:effectStyle>
-          <a:effectLst>
-            <a:outerShdw blurRad="40000" dist="23000" dir="5400000" rotWithShape="0">
-              <a:srgbClr val="000000">
-                <a:alpha val="35000"/>
-              </a:srgbClr>
-            </a:outerShdw>
-          </a:effectLst>
-        </a:effectStyle>
-        <a:effectStyle>
-          <a:effectLst>
-            <a:outerShdw blurRad="40000" dist="23000" dir="5400000" rotWithShape="0">
-              <a:srgbClr val="000000">
-                <a:alpha val="35000"/>
-              </a:srgbClr>
-            </a:outerShdw>
-          </a:effectLst>
-          <a:scene3d>
-            <a:camera prst="orthographicFront">
-              <a:rot lat="0" lon="0" rev="0"/>
-            </a:camera>
-            <a:lightRig rig="threePt" dir="t">
-              <a:rot lat="0" lon="0" rev="1200000"/>
-            </a:lightRig>
-          </a:scene3d>
-          <a:sp3d>
-            <a:bevelT w="63500" h="25400"/>
-          </a:sp3d>
-        </a:effectStyle>
-      </a:effectStyleLst>
-      <a:bgFillStyleLst>
-        <a:solidFill>
-          <a:schemeClr val="phClr"/>
-        </a:solidFill>
-        <a:gradFill rotWithShape="1">
-          <a:gsLst>
-            <a:gs pos="0">
-              <a:schemeClr val="phClr">
-                <a:tint val="40000"/>
-                <a:satMod val="350000"/>
-              </a:schemeClr>
-            </a:gs>
-            <a:gs pos="40000">
-              <a:schemeClr val="phClr">
-                <a:tint val="45000"/>
-                <a:shade val="99000"/>
-                <a:satMod val="350000"/>
-              </a:schemeClr>
-            </a:gs>
-            <a:gs pos="100000">
-              <a:schemeClr val="phClr">
-                <a:shade val="20000"/>
-                <a:satMod val="255000"/>
-              </a:schemeClr>
-            </a:gs>
-          </a:gsLst>
-          <a:path path="circle">
-            <a:fillToRect l="50000" t="-80000" r="50000" b="180000"/>
-          </a:path>
-        </a:gradFill>
-        <a:gradFill rotWithShape="1">
-          <a:gsLst>
-            <a:gs pos="0">
-              <a:schemeClr val="phClr">
-                <a:tint val="80000"/>
-                <a:satMod val="300000"/>
-              </a:schemeClr>
-            </a:gs>
-            <a:gs pos="100000">
-              <a:schemeClr val="phClr">
-                <a:shade val="30000"/>
-                <a:satMod val="200000"/>
-              </a:schemeClr>
-            </a:gs>
-          </a:gsLst>
-          <a:path path="circle">
-            <a:fillToRect l="50000" t="50000" r="50000" b="50000"/>
-          </a:path>
-        </a:gradFill>
-      </a:bgFillStyleLst>
-    </a:fmtScheme>
-  </a:themeElements>
-</a:theme>
 </file>